--- a/intro/IntroPresentation.pptx
+++ b/intro/IntroPresentation.pptx
@@ -211,7 +211,7 @@
           <a:p>
             <a:fld id="{A65904DE-5373-004A-BC9C-B0A175A4A2D9}" type="datetimeFigureOut">
               <a:rPr lang="en-US" smtClean="0"/>
-              <a:t>5/25/15</a:t>
+              <a:t>5/30/16</a:t>
             </a:fld>
             <a:endParaRPr lang="en-US"/>
           </a:p>
@@ -751,7 +751,7 @@
           <a:p>
             <a:fld id="{C8A432C8-69A7-458B-9684-2BFA64B31948}" type="datetime2">
               <a:rPr lang="en-US" smtClean="0"/>
-              <a:t>Sunday, May 24, 15</a:t>
+              <a:t>Monday, May 30, 16</a:t>
             </a:fld>
             <a:endParaRPr lang="en-US"/>
           </a:p>
@@ -953,7 +953,7 @@
           <a:p>
             <a:fld id="{8CC057FC-95B6-4D89-AFDA-ABA33EE921E5}" type="datetime2">
               <a:rPr lang="en-US" smtClean="0"/>
-              <a:t>Sunday, May 24, 15</a:t>
+              <a:t>Monday, May 30, 16</a:t>
             </a:fld>
             <a:endParaRPr lang="en-US"/>
           </a:p>
@@ -1130,7 +1130,7 @@
           <a:p>
             <a:fld id="{EC4549AC-EB31-477F-92A9-B1988E232878}" type="datetime2">
               <a:rPr lang="en-US" smtClean="0"/>
-              <a:t>Sunday, May 24, 15</a:t>
+              <a:t>Monday, May 30, 16</a:t>
             </a:fld>
             <a:endParaRPr lang="en-US"/>
           </a:p>
@@ -1328,7 +1328,7 @@
           <a:p>
             <a:fld id="{6396A3A3-94A6-4E5B-AF39-173ACA3E61CC}" type="datetime2">
               <a:rPr lang="en-US" smtClean="0"/>
-              <a:t>Sunday, May 24, 15</a:t>
+              <a:t>Monday, May 30, 16</a:t>
             </a:fld>
             <a:endParaRPr lang="en-US"/>
           </a:p>
@@ -1578,7 +1578,7 @@
           <a:p>
             <a:fld id="{9933D019-A32C-4EAD-B8E6-DBDA699692FD}" type="datetime2">
               <a:rPr lang="en-US" smtClean="0"/>
-              <a:t>Sunday, May 24, 15</a:t>
+              <a:t>Monday, May 30, 16</a:t>
             </a:fld>
             <a:endParaRPr lang="en-US"/>
           </a:p>
@@ -1898,7 +1898,7 @@
           <a:p>
             <a:fld id="{CCEBA98F-560C-4997-81C4-81D4D9187EAB}" type="datetime2">
               <a:rPr lang="en-US" smtClean="0"/>
-              <a:t>Sunday, May 24, 15</a:t>
+              <a:t>Monday, May 30, 16</a:t>
             </a:fld>
             <a:endParaRPr lang="en-US"/>
           </a:p>
@@ -2366,7 +2366,7 @@
           <a:p>
             <a:fld id="{150972B2-CA5C-437D-87D0-8081271A9E4B}" type="datetime2">
               <a:rPr lang="en-US" smtClean="0"/>
-              <a:t>Sunday, May 24, 15</a:t>
+              <a:t>Monday, May 30, 16</a:t>
             </a:fld>
             <a:endParaRPr lang="en-US"/>
           </a:p>
@@ -2516,7 +2516,7 @@
           <a:p>
             <a:fld id="{79CD4847-11EF-4466-A8AD-85CDB7B49118}" type="datetime2">
               <a:rPr lang="en-US" smtClean="0"/>
-              <a:t>Sunday, May 24, 15</a:t>
+              <a:t>Monday, May 30, 16</a:t>
             </a:fld>
             <a:endParaRPr lang="en-US"/>
           </a:p>
@@ -2608,7 +2608,7 @@
           <a:p>
             <a:fld id="{F168457A-3AB9-4880-8A0C-9F8524491207}" type="datetime2">
               <a:rPr lang="en-US" smtClean="0"/>
-              <a:t>Sunday, May 24, 15</a:t>
+              <a:t>Monday, May 30, 16</a:t>
             </a:fld>
             <a:endParaRPr lang="en-US"/>
           </a:p>
@@ -2884,7 +2884,7 @@
           <a:p>
             <a:fld id="{3FE976D3-5B7F-4300-ABED-C91F1B2AE209}" type="datetime2">
               <a:rPr lang="en-US" smtClean="0"/>
-              <a:t>Sunday, May 24, 15</a:t>
+              <a:t>Monday, May 30, 16</a:t>
             </a:fld>
             <a:endParaRPr lang="en-US"/>
           </a:p>
@@ -3191,7 +3191,7 @@
           <a:p>
             <a:fld id="{EBDC1E59-17DD-41CE-97CA-624A472382D4}" type="datetime2">
               <a:rPr lang="en-US" smtClean="0"/>
-              <a:t>Sunday, May 24, 15</a:t>
+              <a:t>Monday, May 30, 16</a:t>
             </a:fld>
             <a:endParaRPr lang="en-US"/>
           </a:p>
@@ -3491,7 +3491,7 @@
           <a:p>
             <a:fld id="{A80CB818-7379-467D-8E76-EF9D9074A26C}" type="datetime2">
               <a:rPr lang="en-US" smtClean="0"/>
-              <a:t>Sunday, May 24, 15</a:t>
+              <a:t>Monday, May 30, 16</a:t>
             </a:fld>
             <a:endParaRPr lang="en-US" dirty="0"/>
           </a:p>
@@ -3930,7 +3930,19 @@
             </a:r>
             <a:r>
               <a:rPr lang="en-US" dirty="0" smtClean="0"/>
-              <a:t> - 2015</a:t>
+              <a:t> </a:t>
+            </a:r>
+            <a:r>
+              <a:rPr lang="en-US" smtClean="0"/>
+              <a:t>- </a:t>
+            </a:r>
+            <a:r>
+              <a:rPr lang="en-US" smtClean="0"/>
+              <a:t>2016</a:t>
+            </a:r>
+            <a:r>
+              <a:rPr lang="en-US" dirty="0" smtClean="0"/>
+              <a:t/>
             </a:r>
             <a:br>
               <a:rPr lang="en-US" dirty="0" smtClean="0"/>
@@ -7282,11 +7294,7 @@
           <a:p>
             <a:r>
               <a:rPr lang="en-US" b="1" dirty="0"/>
-              <a:t>Your servers are accessible over the Internet</a:t>
-            </a:r>
-            <a:r>
-              <a:rPr lang="en-US" b="1" dirty="0"/>
-              <a:t> </a:t>
+              <a:t>Your servers are accessible over the Internet </a:t>
             </a:r>
           </a:p>
         </p:txBody>

--- a/intro/IntroPresentation.pptx
+++ b/intro/IntroPresentation.pptx
@@ -5,7 +5,7 @@
     <p:sldMasterId id="2147484276" r:id="rId1"/>
   </p:sldMasterIdLst>
   <p:notesMasterIdLst>
-    <p:notesMasterId r:id="rId22"/>
+    <p:notesMasterId r:id="rId27"/>
   </p:notesMasterIdLst>
   <p:sldIdLst>
     <p:sldId id="256" r:id="rId2"/>
@@ -18,16 +18,21 @@
     <p:sldId id="262" r:id="rId9"/>
     <p:sldId id="263" r:id="rId10"/>
     <p:sldId id="264" r:id="rId11"/>
-    <p:sldId id="265" r:id="rId12"/>
-    <p:sldId id="267" r:id="rId13"/>
-    <p:sldId id="270" r:id="rId14"/>
-    <p:sldId id="271" r:id="rId15"/>
+    <p:sldId id="277" r:id="rId12"/>
+    <p:sldId id="265" r:id="rId13"/>
+    <p:sldId id="267" r:id="rId14"/>
+    <p:sldId id="270" r:id="rId15"/>
     <p:sldId id="268" r:id="rId16"/>
-    <p:sldId id="269" r:id="rId17"/>
-    <p:sldId id="272" r:id="rId18"/>
-    <p:sldId id="273" r:id="rId19"/>
-    <p:sldId id="274" r:id="rId20"/>
-    <p:sldId id="275" r:id="rId21"/>
+    <p:sldId id="276" r:id="rId17"/>
+    <p:sldId id="269" r:id="rId18"/>
+    <p:sldId id="272" r:id="rId19"/>
+    <p:sldId id="273" r:id="rId20"/>
+    <p:sldId id="274" r:id="rId21"/>
+    <p:sldId id="278" r:id="rId22"/>
+    <p:sldId id="282" r:id="rId23"/>
+    <p:sldId id="280" r:id="rId24"/>
+    <p:sldId id="281" r:id="rId25"/>
+    <p:sldId id="275" r:id="rId26"/>
   </p:sldIdLst>
   <p:sldSz cx="9144000" cy="6858000" type="screen4x3"/>
   <p:notesSz cx="6858000" cy="9144000"/>
@@ -211,7 +216,7 @@
           <a:p>
             <a:fld id="{A65904DE-5373-004A-BC9C-B0A175A4A2D9}" type="datetimeFigureOut">
               <a:rPr lang="en-US" smtClean="0"/>
-              <a:t>5/30/16</a:t>
+              <a:t>5/29/16</a:t>
             </a:fld>
             <a:endParaRPr lang="en-US"/>
           </a:p>
@@ -751,7 +756,7 @@
           <a:p>
             <a:fld id="{C8A432C8-69A7-458B-9684-2BFA64B31948}" type="datetime2">
               <a:rPr lang="en-US" smtClean="0"/>
-              <a:t>Monday, May 30, 16</a:t>
+              <a:t>Sunday, May 29, 16</a:t>
             </a:fld>
             <a:endParaRPr lang="en-US"/>
           </a:p>
@@ -953,7 +958,7 @@
           <a:p>
             <a:fld id="{8CC057FC-95B6-4D89-AFDA-ABA33EE921E5}" type="datetime2">
               <a:rPr lang="en-US" smtClean="0"/>
-              <a:t>Monday, May 30, 16</a:t>
+              <a:t>Sunday, May 29, 16</a:t>
             </a:fld>
             <a:endParaRPr lang="en-US"/>
           </a:p>
@@ -1130,7 +1135,7 @@
           <a:p>
             <a:fld id="{EC4549AC-EB31-477F-92A9-B1988E232878}" type="datetime2">
               <a:rPr lang="en-US" smtClean="0"/>
-              <a:t>Monday, May 30, 16</a:t>
+              <a:t>Sunday, May 29, 16</a:t>
             </a:fld>
             <a:endParaRPr lang="en-US"/>
           </a:p>
@@ -1328,7 +1333,7 @@
           <a:p>
             <a:fld id="{6396A3A3-94A6-4E5B-AF39-173ACA3E61CC}" type="datetime2">
               <a:rPr lang="en-US" smtClean="0"/>
-              <a:t>Monday, May 30, 16</a:t>
+              <a:t>Sunday, May 29, 16</a:t>
             </a:fld>
             <a:endParaRPr lang="en-US"/>
           </a:p>
@@ -1578,7 +1583,7 @@
           <a:p>
             <a:fld id="{9933D019-A32C-4EAD-B8E6-DBDA699692FD}" type="datetime2">
               <a:rPr lang="en-US" smtClean="0"/>
-              <a:t>Monday, May 30, 16</a:t>
+              <a:t>Sunday, May 29, 16</a:t>
             </a:fld>
             <a:endParaRPr lang="en-US"/>
           </a:p>
@@ -1898,7 +1903,7 @@
           <a:p>
             <a:fld id="{CCEBA98F-560C-4997-81C4-81D4D9187EAB}" type="datetime2">
               <a:rPr lang="en-US" smtClean="0"/>
-              <a:t>Monday, May 30, 16</a:t>
+              <a:t>Sunday, May 29, 16</a:t>
             </a:fld>
             <a:endParaRPr lang="en-US"/>
           </a:p>
@@ -2366,7 +2371,7 @@
           <a:p>
             <a:fld id="{150972B2-CA5C-437D-87D0-8081271A9E4B}" type="datetime2">
               <a:rPr lang="en-US" smtClean="0"/>
-              <a:t>Monday, May 30, 16</a:t>
+              <a:t>Sunday, May 29, 16</a:t>
             </a:fld>
             <a:endParaRPr lang="en-US"/>
           </a:p>
@@ -2516,7 +2521,7 @@
           <a:p>
             <a:fld id="{79CD4847-11EF-4466-A8AD-85CDB7B49118}" type="datetime2">
               <a:rPr lang="en-US" smtClean="0"/>
-              <a:t>Monday, May 30, 16</a:t>
+              <a:t>Sunday, May 29, 16</a:t>
             </a:fld>
             <a:endParaRPr lang="en-US"/>
           </a:p>
@@ -2608,7 +2613,7 @@
           <a:p>
             <a:fld id="{F168457A-3AB9-4880-8A0C-9F8524491207}" type="datetime2">
               <a:rPr lang="en-US" smtClean="0"/>
-              <a:t>Monday, May 30, 16</a:t>
+              <a:t>Sunday, May 29, 16</a:t>
             </a:fld>
             <a:endParaRPr lang="en-US"/>
           </a:p>
@@ -2884,7 +2889,7 @@
           <a:p>
             <a:fld id="{3FE976D3-5B7F-4300-ABED-C91F1B2AE209}" type="datetime2">
               <a:rPr lang="en-US" smtClean="0"/>
-              <a:t>Monday, May 30, 16</a:t>
+              <a:t>Sunday, May 29, 16</a:t>
             </a:fld>
             <a:endParaRPr lang="en-US"/>
           </a:p>
@@ -3191,7 +3196,7 @@
           <a:p>
             <a:fld id="{EBDC1E59-17DD-41CE-97CA-624A472382D4}" type="datetime2">
               <a:rPr lang="en-US" smtClean="0"/>
-              <a:t>Monday, May 30, 16</a:t>
+              <a:t>Sunday, May 29, 16</a:t>
             </a:fld>
             <a:endParaRPr lang="en-US"/>
           </a:p>
@@ -3491,7 +3496,7 @@
           <a:p>
             <a:fld id="{A80CB818-7379-467D-8E76-EF9D9074A26C}" type="datetime2">
               <a:rPr lang="en-US" smtClean="0"/>
-              <a:t>Monday, May 30, 16</a:t>
+              <a:t>Sunday, May 29, 16</a:t>
             </a:fld>
             <a:endParaRPr lang="en-US" dirty="0"/>
           </a:p>
@@ -3915,7 +3920,11 @@
             </a:r>
             <a:r>
               <a:rPr lang="en-US" dirty="0" err="1" smtClean="0"/>
-              <a:t>sse</a:t>
+              <a:t>ss</a:t>
+            </a:r>
+            <a:r>
+              <a:rPr lang="en-US" dirty="0" smtClean="0"/>
+              <a:t>-e</a:t>
             </a:r>
             <a:r>
               <a:rPr lang="en-US" dirty="0"/>
@@ -3930,14 +3939,10 @@
             </a:r>
             <a:r>
               <a:rPr lang="en-US" dirty="0" smtClean="0"/>
-              <a:t> </a:t>
-            </a:r>
-            <a:r>
-              <a:rPr lang="en-US" smtClean="0"/>
-              <a:t>- </a:t>
-            </a:r>
-            <a:r>
-              <a:rPr lang="en-US" smtClean="0"/>
+              <a:t> - </a:t>
+            </a:r>
+            <a:r>
+              <a:rPr lang="en-US" dirty="0" smtClean="0"/>
               <a:t>2016</a:t>
             </a:r>
             <a:r>
@@ -3949,7 +3954,7 @@
             </a:br>
             <a:r>
               <a:rPr lang="en-US" dirty="0" smtClean="0"/>
-              <a:t>TUNIS </a:t>
+              <a:t>Botswana</a:t>
             </a:r>
             <a:endParaRPr lang="en-US" dirty="0"/>
           </a:p>
@@ -4032,7 +4037,7 @@
           <a:p>
             <a:r>
               <a:rPr lang="en-US" dirty="0" smtClean="0"/>
-              <a:t>Try and access your machines</a:t>
+              <a:t>Windows Users</a:t>
             </a:r>
             <a:endParaRPr lang="en-US" dirty="0"/>
           </a:p>
@@ -4058,15 +4063,24 @@
               <a:t>Install putty from</a:t>
             </a:r>
             <a:r>
-              <a:rPr lang="en-US" dirty="0" smtClean="0"/>
-              <a:t>: </a:t>
+              <a:rPr lang="en-US" dirty="0"/>
+              <a:t>:  </a:t>
+            </a:r>
+            <a:r>
+              <a:rPr lang="en-US" dirty="0">
+                <a:hlinkClick r:id="rId2"/>
+              </a:rPr>
+              <a:t>http://www.ws.afnog.org/afnog2016/unix-intro/downloads</a:t>
             </a:r>
             <a:r>
               <a:rPr lang="en-US" dirty="0" smtClean="0">
                 <a:hlinkClick r:id="rId2"/>
               </a:rPr>
-              <a:t>http://197.4.11.139/putty.exe</a:t>
-            </a:r>
+              <a:t>/</a:t>
+            </a:r>
+            <a:endParaRPr lang="en-US" dirty="0" smtClean="0"/>
+          </a:p>
+          <a:p>
             <a:endParaRPr lang="en-US" dirty="0" smtClean="0"/>
           </a:p>
           <a:p>
@@ -4095,7 +4109,7 @@
         </p:blipFill>
         <p:spPr bwMode="auto">
           <a:xfrm>
-            <a:off x="4384005" y="2099997"/>
+            <a:off x="4492660" y="2450633"/>
             <a:ext cx="4491396" cy="4212569"/>
           </a:xfrm>
           <a:prstGeom prst="rect">
@@ -4224,7 +4238,7 @@
           <a:p>
             <a:r>
               <a:rPr lang="en-US" dirty="0" smtClean="0"/>
-              <a:t>Electronic Resources</a:t>
+              <a:t>Unix, Linux and OS X Users</a:t>
             </a:r>
             <a:endParaRPr lang="en-US" dirty="0"/>
           </a:p>
@@ -4242,113 +4256,50 @@
         </p:nvSpPr>
         <p:spPr/>
         <p:txBody>
-          <a:bodyPr>
-            <a:normAutofit/>
-          </a:bodyPr>
+          <a:bodyPr/>
           <a:lstStyle/>
           <a:p>
-            <a:pPr marL="0" indent="0">
-              <a:buNone/>
-            </a:pPr>
-            <a:r>
-              <a:rPr lang="en-US" sz="2600" b="1" dirty="0"/>
-              <a:t>Web site</a:t>
-            </a:r>
-            <a:r>
-              <a:rPr lang="en-US" sz="2600" dirty="0"/>
-              <a:t>: </a:t>
-            </a:r>
-            <a:r>
-              <a:rPr lang="en-US" sz="2600" dirty="0">
+            <a:r>
+              <a:rPr lang="en-US" dirty="0" smtClean="0"/>
+              <a:t>A default Secure Shell (SSH) client is already installed in Unix, Linux and OS X</a:t>
+            </a:r>
+          </a:p>
+          <a:p>
+            <a:r>
+              <a:rPr lang="en-US" dirty="0" smtClean="0"/>
+              <a:t>To access the default SSH </a:t>
+            </a:r>
+          </a:p>
+          <a:p>
+            <a:pPr lvl="1"/>
+            <a:r>
+              <a:rPr lang="en-US" dirty="0" smtClean="0"/>
+              <a:t>Open:  Terminal application</a:t>
+            </a:r>
+          </a:p>
+          <a:p>
+            <a:pPr lvl="1"/>
+            <a:r>
+              <a:rPr lang="en-US" dirty="0" smtClean="0"/>
+              <a:t>From Terminal prompt type the following; </a:t>
+            </a:r>
+            <a:r>
+              <a:rPr lang="en-US" dirty="0" smtClean="0">
                 <a:hlinkClick r:id="rId2"/>
               </a:rPr>
-              <a:t>http://www.ws.afnog.org/</a:t>
-            </a:r>
-            <a:r>
-              <a:rPr lang="en-US" sz="2600" dirty="0" smtClean="0">
-                <a:hlinkClick r:id="rId2"/>
-              </a:rPr>
-              <a:t>afnog2015/</a:t>
-            </a:r>
-            <a:endParaRPr lang="en-US" sz="2600" dirty="0"/>
-          </a:p>
-          <a:p>
-            <a:pPr marL="0" indent="0">
-              <a:buNone/>
-            </a:pPr>
-            <a:r>
-              <a:rPr lang="en-US" sz="2600" b="1" dirty="0" err="1"/>
-              <a:t>AfNOG</a:t>
-            </a:r>
-            <a:r>
-              <a:rPr lang="en-US" sz="2600" b="1" dirty="0"/>
-              <a:t> Mailing List:</a:t>
+              <a:t>ssh@pcX.sse.ws.afnog.org</a:t>
+            </a:r>
+            <a:r>
+              <a:rPr lang="en-US" dirty="0" smtClean="0"/>
+              <a:t> where X is the pc number.</a:t>
             </a:r>
           </a:p>
           <a:p>
             <a:pPr lvl="1"/>
-            <a:r>
-              <a:rPr lang="en-US" sz="2600" dirty="0"/>
-              <a:t>Q&amp;A on Internet operational and technical issues.</a:t>
-            </a:r>
+            <a:endParaRPr lang="en-US" dirty="0" smtClean="0"/>
           </a:p>
           <a:p>
             <a:pPr lvl="1"/>
-            <a:r>
-              <a:rPr lang="en-US" sz="2600" dirty="0"/>
-              <a:t>No foul language or disrespect for other participants.</a:t>
-            </a:r>
-          </a:p>
-          <a:p>
-            <a:pPr lvl="1"/>
-            <a:r>
-              <a:rPr lang="en-US" sz="2600" dirty="0"/>
-              <a:t>No blatant product marketing.</a:t>
-            </a:r>
-          </a:p>
-          <a:p>
-            <a:pPr lvl="1"/>
-            <a:r>
-              <a:rPr lang="en-US" sz="2600" dirty="0"/>
-              <a:t>No political postings.</a:t>
-            </a:r>
-          </a:p>
-          <a:p>
-            <a:pPr marL="0" indent="0">
-              <a:buNone/>
-            </a:pPr>
-            <a:r>
-              <a:rPr lang="en-US" sz="2600" b="1" dirty="0"/>
-              <a:t>Please </a:t>
-            </a:r>
-            <a:r>
-              <a:rPr lang="en-US" sz="2600" b="1" dirty="0">
-                <a:hlinkClick r:id="rId3"/>
-              </a:rPr>
-              <a:t>subscribe</a:t>
-            </a:r>
-            <a:r>
-              <a:rPr lang="en-US" sz="2600" b="1" dirty="0"/>
-              <a:t> while at the Workshop:</a:t>
-            </a:r>
-          </a:p>
-          <a:p>
-            <a:pPr lvl="1"/>
-            <a:r>
-              <a:rPr lang="en-US" sz="2600" dirty="0"/>
-              <a:t>So we can help you if you have problems subscribing.</a:t>
-            </a:r>
-          </a:p>
-          <a:p>
-            <a:pPr marL="0" lvl="0" indent="0">
-              <a:buNone/>
-            </a:pPr>
-            <a:r>
-              <a:rPr lang="en-US" sz="2600" b="1" dirty="0"/>
-              <a:t>Please raise any questions related to the workshop content.</a:t>
-            </a:r>
-          </a:p>
-          <a:p>
             <a:endParaRPr lang="en-US" dirty="0"/>
           </a:p>
         </p:txBody>
@@ -4356,20 +4307,13 @@
     </p:spTree>
     <p:extLst>
       <p:ext uri="{BB962C8B-B14F-4D97-AF65-F5344CB8AC3E}">
-        <p14:creationId xmlns:p14="http://schemas.microsoft.com/office/powerpoint/2010/main" val="1713100823"/>
+        <p14:creationId xmlns:p14="http://schemas.microsoft.com/office/powerpoint/2010/main" val="330567473"/>
       </p:ext>
     </p:extLst>
   </p:cSld>
   <p:clrMapOvr>
     <a:masterClrMapping/>
   </p:clrMapOvr>
-  <p:timing>
-    <p:tnLst>
-      <p:par>
-        <p:cTn xmlns:p14="http://schemas.microsoft.com/office/powerpoint/2010/main" id="1" dur="indefinite" restart="never" nodeType="tmRoot"/>
-      </p:par>
-    </p:tnLst>
-  </p:timing>
 </p:sld>
 </file>
 
@@ -4407,7 +4351,11 @@
           <a:p>
             <a:r>
               <a:rPr lang="en-US" dirty="0" smtClean="0"/>
-              <a:t>Safety</a:t>
+              <a:t>Online </a:t>
+            </a:r>
+            <a:r>
+              <a:rPr lang="en-US" dirty="0" smtClean="0"/>
+              <a:t>Resources</a:t>
             </a:r>
             <a:endParaRPr lang="en-US" dirty="0"/>
           </a:p>
@@ -4425,51 +4373,111 @@
         </p:nvSpPr>
         <p:spPr/>
         <p:txBody>
-          <a:bodyPr/>
+          <a:bodyPr>
+            <a:normAutofit/>
+          </a:bodyPr>
           <a:lstStyle/>
           <a:p>
             <a:pPr marL="0" indent="0">
               <a:buNone/>
             </a:pPr>
             <a:r>
-              <a:rPr lang="en-US" sz="3200" dirty="0" smtClean="0"/>
-              <a:t>Please be careful in class:</a:t>
-            </a:r>
-          </a:p>
-          <a:p>
-            <a:pPr lvl="0"/>
-            <a:r>
-              <a:rPr lang="en-US" sz="3200" dirty="0" smtClean="0"/>
-              <a:t>trip </a:t>
-            </a:r>
-            <a:r>
-              <a:rPr lang="en-US" sz="3200" dirty="0"/>
-              <a:t>on power cords</a:t>
-            </a:r>
-          </a:p>
-          <a:p>
-            <a:pPr lvl="0"/>
-            <a:r>
-              <a:rPr lang="en-US" sz="3200" dirty="0"/>
-              <a:t>pull cables out of sockets</a:t>
-            </a:r>
-          </a:p>
-          <a:p>
-            <a:pPr lvl="0"/>
-            <a:r>
-              <a:rPr lang="en-US" sz="3200" dirty="0"/>
-              <a:t>knock equipment off tables</a:t>
-            </a:r>
-          </a:p>
-          <a:p>
-            <a:pPr lvl="0"/>
-            <a:r>
-              <a:rPr lang="en-US" sz="3200" dirty="0"/>
-              <a:t>fall from leaning back too far in your chair</a:t>
-            </a:r>
-          </a:p>
-          <a:p>
-            <a:endParaRPr lang="en-US" dirty="0"/>
+              <a:rPr lang="en-US" sz="2600" b="1" dirty="0"/>
+              <a:t>Web site</a:t>
+            </a:r>
+            <a:r>
+              <a:rPr lang="en-US" sz="2600" dirty="0"/>
+              <a:t>: </a:t>
+            </a:r>
+            <a:r>
+              <a:rPr lang="en-US" sz="2600" dirty="0">
+                <a:hlinkClick r:id="rId2"/>
+              </a:rPr>
+              <a:t>http://www.ws.afnog.org/</a:t>
+            </a:r>
+            <a:r>
+              <a:rPr lang="en-US" sz="2600" dirty="0" smtClean="0">
+                <a:hlinkClick r:id="rId2"/>
+              </a:rPr>
+              <a:t>afnog2016/</a:t>
+            </a:r>
+            <a:endParaRPr lang="en-US" sz="2600" dirty="0"/>
+          </a:p>
+          <a:p>
+            <a:pPr marL="0" indent="0">
+              <a:buNone/>
+            </a:pPr>
+            <a:r>
+              <a:rPr lang="en-US" sz="2600" b="1" dirty="0" err="1"/>
+              <a:t>AfNOG</a:t>
+            </a:r>
+            <a:r>
+              <a:rPr lang="en-US" sz="2600" b="1" dirty="0"/>
+              <a:t> Mailing List:</a:t>
+            </a:r>
+          </a:p>
+          <a:p>
+            <a:pPr lvl="1"/>
+            <a:r>
+              <a:rPr lang="en-US" sz="2600" dirty="0"/>
+              <a:t>Q&amp;A on Internet operational and technical issues.</a:t>
+            </a:r>
+          </a:p>
+          <a:p>
+            <a:pPr lvl="1"/>
+            <a:r>
+              <a:rPr lang="en-US" sz="2600" dirty="0"/>
+              <a:t>No foul language or disrespect for other participants.</a:t>
+            </a:r>
+          </a:p>
+          <a:p>
+            <a:pPr lvl="1"/>
+            <a:r>
+              <a:rPr lang="en-US" sz="2600" dirty="0"/>
+              <a:t>No blatant product marketing.</a:t>
+            </a:r>
+          </a:p>
+          <a:p>
+            <a:pPr lvl="1"/>
+            <a:r>
+              <a:rPr lang="en-US" sz="2600" dirty="0"/>
+              <a:t>No political postings.</a:t>
+            </a:r>
+          </a:p>
+          <a:p>
+            <a:pPr marL="0" indent="0">
+              <a:buNone/>
+            </a:pPr>
+            <a:r>
+              <a:rPr lang="en-US" sz="2600" b="1" dirty="0"/>
+              <a:t>Please </a:t>
+            </a:r>
+            <a:r>
+              <a:rPr lang="en-US" sz="2600" b="1" dirty="0">
+                <a:hlinkClick r:id="rId3"/>
+              </a:rPr>
+              <a:t>subscribe</a:t>
+            </a:r>
+            <a:r>
+              <a:rPr lang="en-US" sz="2600" b="1" dirty="0"/>
+              <a:t> while at the Workshop:</a:t>
+            </a:r>
+          </a:p>
+          <a:p>
+            <a:pPr lvl="1"/>
+            <a:r>
+              <a:rPr lang="en-US" sz="2600" dirty="0"/>
+              <a:t>So we can help you if you have problems subscribing.</a:t>
+            </a:r>
+          </a:p>
+          <a:p>
+            <a:pPr marL="0" lvl="0" indent="0">
+              <a:buNone/>
+            </a:pPr>
+            <a:r>
+              <a:rPr lang="en-US" sz="2600" b="1" dirty="0"/>
+              <a:t>Please raise any questions related to the workshop content.</a:t>
+            </a:r>
           </a:p>
           <a:p>
             <a:endParaRPr lang="en-US" dirty="0"/>
@@ -4479,7 +4487,7 @@
     </p:spTree>
     <p:extLst>
       <p:ext uri="{BB962C8B-B14F-4D97-AF65-F5344CB8AC3E}">
-        <p14:creationId xmlns:p14="http://schemas.microsoft.com/office/powerpoint/2010/main" val="669419176"/>
+        <p14:creationId xmlns:p14="http://schemas.microsoft.com/office/powerpoint/2010/main" val="1713100823"/>
       </p:ext>
     </p:extLst>
   </p:cSld>
@@ -4530,7 +4538,7 @@
           <a:p>
             <a:r>
               <a:rPr lang="en-US" dirty="0" smtClean="0"/>
-              <a:t>Core topics to be covered this week</a:t>
+              <a:t>Safety</a:t>
             </a:r>
             <a:endParaRPr lang="en-US" dirty="0"/>
           </a:p>
@@ -4548,108 +4556,50 @@
         </p:nvSpPr>
         <p:spPr/>
         <p:txBody>
-          <a:bodyPr>
-            <a:normAutofit/>
-          </a:bodyPr>
+          <a:bodyPr/>
           <a:lstStyle/>
           <a:p>
+            <a:pPr marL="0" indent="0">
+              <a:buNone/>
+            </a:pPr>
+            <a:r>
+              <a:rPr lang="en-US" sz="3200" dirty="0" smtClean="0"/>
+              <a:t>Please be careful in class:</a:t>
+            </a:r>
+          </a:p>
+          <a:p>
             <a:pPr lvl="0"/>
             <a:r>
-              <a:rPr lang="en-US" sz="2800" b="1" dirty="0" smtClean="0"/>
-              <a:t>DNS</a:t>
-            </a:r>
-          </a:p>
-          <a:p>
-            <a:pPr lvl="1"/>
-            <a:r>
-              <a:rPr lang="en-US" dirty="0" smtClean="0"/>
-              <a:t>Resolver</a:t>
-            </a:r>
-          </a:p>
-          <a:p>
-            <a:pPr lvl="1"/>
-            <a:r>
-              <a:rPr lang="en-US" dirty="0" smtClean="0"/>
-              <a:t>Authoritative DNS</a:t>
-            </a:r>
-            <a:endParaRPr lang="en-US" dirty="0"/>
+              <a:rPr lang="en-US" sz="3200" dirty="0" smtClean="0"/>
+              <a:t>trip </a:t>
+            </a:r>
+            <a:r>
+              <a:rPr lang="en-US" sz="3200" dirty="0"/>
+              <a:t>on power cords</a:t>
+            </a:r>
           </a:p>
           <a:p>
             <a:pPr lvl="0"/>
             <a:r>
-              <a:rPr lang="en-US" sz="2800" b="1" dirty="0" smtClean="0"/>
-              <a:t>Apache</a:t>
-            </a:r>
-          </a:p>
-          <a:p>
-            <a:pPr lvl="1"/>
-            <a:r>
-              <a:rPr lang="en-US" dirty="0" smtClean="0"/>
-              <a:t>Web server </a:t>
-            </a:r>
-            <a:endParaRPr lang="en-US" dirty="0"/>
+              <a:rPr lang="en-US" sz="3200" dirty="0"/>
+              <a:t>pull cables out of sockets</a:t>
+            </a:r>
           </a:p>
           <a:p>
             <a:pPr lvl="0"/>
             <a:r>
-              <a:rPr lang="en-US" sz="2800" b="1" dirty="0" smtClean="0"/>
-              <a:t>RADIUS</a:t>
-            </a:r>
-          </a:p>
-          <a:p>
-            <a:pPr lvl="1"/>
-            <a:r>
-              <a:rPr lang="en-US" dirty="0" smtClean="0"/>
-              <a:t>For </a:t>
-            </a:r>
-            <a:r>
-              <a:rPr lang="en-US" dirty="0" err="1" smtClean="0"/>
-              <a:t>centralising</a:t>
-            </a:r>
-            <a:r>
-              <a:rPr lang="en-US" dirty="0" smtClean="0"/>
-              <a:t> authentication</a:t>
-            </a:r>
-            <a:endParaRPr lang="en-US" dirty="0"/>
+              <a:rPr lang="en-US" sz="3200" dirty="0"/>
+              <a:t>knock equipment off tables</a:t>
+            </a:r>
           </a:p>
           <a:p>
             <a:pPr lvl="0"/>
             <a:r>
-              <a:rPr lang="en-US" sz="2800" b="1" dirty="0" err="1" smtClean="0"/>
-              <a:t>Virtualisation</a:t>
-            </a:r>
-            <a:endParaRPr lang="en-US" sz="2800" b="1" dirty="0" smtClean="0"/>
-          </a:p>
-          <a:p>
-            <a:pPr lvl="1"/>
-            <a:r>
-              <a:rPr lang="en-US" dirty="0" smtClean="0"/>
-              <a:t>How to build virtual servers and deploy</a:t>
-            </a:r>
-            <a:endParaRPr lang="en-US" dirty="0"/>
-          </a:p>
-          <a:p>
-            <a:pPr lvl="0"/>
-            <a:r>
-              <a:rPr lang="en-US" sz="2800" b="1" dirty="0" smtClean="0"/>
-              <a:t>Monitoring</a:t>
-            </a:r>
-          </a:p>
-          <a:p>
-            <a:pPr lvl="1"/>
-            <a:r>
-              <a:rPr lang="en-US" dirty="0" smtClean="0"/>
-              <a:t>How to monitor services and devices</a:t>
-            </a:r>
-          </a:p>
-          <a:p>
-            <a:pPr lvl="0"/>
-            <a:endParaRPr lang="en-US" sz="2800" dirty="0"/>
-          </a:p>
-          <a:p>
-            <a:pPr marL="0" indent="0">
-              <a:buNone/>
-            </a:pPr>
+              <a:rPr lang="en-US" sz="3200" dirty="0"/>
+              <a:t>fall from leaning back too far in your chair</a:t>
+            </a:r>
+          </a:p>
+          <a:p>
             <a:endParaRPr lang="en-US" dirty="0"/>
           </a:p>
           <a:p>
@@ -4660,7 +4610,7 @@
     </p:spTree>
     <p:extLst>
       <p:ext uri="{BB962C8B-B14F-4D97-AF65-F5344CB8AC3E}">
-        <p14:creationId xmlns:p14="http://schemas.microsoft.com/office/powerpoint/2010/main" val="1862620498"/>
+        <p14:creationId xmlns:p14="http://schemas.microsoft.com/office/powerpoint/2010/main" val="669419176"/>
       </p:ext>
     </p:extLst>
   </p:cSld>
@@ -4704,272 +4654,156 @@
             <p:ph type="title"/>
           </p:nvPr>
         </p:nvSpPr>
-        <p:spPr>
-          <a:xfrm>
-            <a:off x="457200" y="533400"/>
-            <a:ext cx="8229600" cy="396498"/>
-          </a:xfrm>
-        </p:spPr>
+        <p:spPr/>
+        <p:txBody>
+          <a:bodyPr/>
+          <a:lstStyle/>
+          <a:p>
+            <a:r>
+              <a:rPr lang="en-US" dirty="0" smtClean="0"/>
+              <a:t>Core topics to be covered this week</a:t>
+            </a:r>
+            <a:endParaRPr lang="en-US" dirty="0"/>
+          </a:p>
+        </p:txBody>
+      </p:sp>
+      <p:sp>
+        <p:nvSpPr>
+          <p:cNvPr id="3" name="Content Placeholder 2"/>
+          <p:cNvSpPr>
+            <a:spLocks noGrp="1"/>
+          </p:cNvSpPr>
+          <p:nvPr>
+            <p:ph idx="1"/>
+          </p:nvPr>
+        </p:nvSpPr>
+        <p:spPr/>
         <p:txBody>
           <a:bodyPr>
-            <a:normAutofit fontScale="90000"/>
+            <a:normAutofit fontScale="92500" lnSpcReduction="10000"/>
           </a:bodyPr>
           <a:lstStyle/>
           <a:p>
-            <a:r>
-              <a:rPr lang="en-US" dirty="0" smtClean="0"/>
-              <a:t>Additional topics</a:t>
+            <a:pPr lvl="0"/>
+            <a:r>
+              <a:rPr lang="en-US" sz="2800" b="1" dirty="0" smtClean="0"/>
+              <a:t>DNS</a:t>
+            </a:r>
+          </a:p>
+          <a:p>
+            <a:pPr lvl="1"/>
+            <a:r>
+              <a:rPr lang="en-US" dirty="0" smtClean="0"/>
+              <a:t>Resolver</a:t>
+            </a:r>
+          </a:p>
+          <a:p>
+            <a:pPr lvl="1"/>
+            <a:r>
+              <a:rPr lang="en-US" dirty="0" smtClean="0"/>
+              <a:t>Authoritative DNS</a:t>
             </a:r>
             <a:endParaRPr lang="en-US" dirty="0"/>
           </a:p>
-        </p:txBody>
-      </p:sp>
-      <p:sp>
-        <p:nvSpPr>
-          <p:cNvPr id="3" name="Content Placeholder 2"/>
-          <p:cNvSpPr>
-            <a:spLocks noGrp="1"/>
-          </p:cNvSpPr>
-          <p:nvPr>
-            <p:ph idx="1"/>
-          </p:nvPr>
-        </p:nvSpPr>
-        <p:spPr>
-          <a:xfrm>
-            <a:off x="457199" y="942466"/>
-            <a:ext cx="8499725" cy="5657543"/>
-          </a:xfrm>
-        </p:spPr>
-        <p:txBody>
-          <a:bodyPr>
-            <a:normAutofit lnSpcReduction="10000"/>
-          </a:bodyPr>
-          <a:lstStyle/>
           <a:p>
             <a:pPr lvl="0"/>
             <a:r>
-              <a:rPr lang="en-US" dirty="0" smtClean="0"/>
-              <a:t>Preconfigured Appliances (4 hours)</a:t>
+              <a:rPr lang="en-US" sz="2800" b="1" dirty="0" smtClean="0"/>
+              <a:t>Firewalls and Network Security</a:t>
             </a:r>
           </a:p>
           <a:p>
             <a:pPr lvl="1"/>
             <a:r>
               <a:rPr lang="en-US" dirty="0" smtClean="0"/>
-              <a:t>Quickly deploy servers – </a:t>
+              <a:t>Host security using </a:t>
             </a:r>
             <a:r>
               <a:rPr lang="en-US" dirty="0" err="1" smtClean="0"/>
-              <a:t>SpaceWalk</a:t>
-            </a:r>
-            <a:r>
-              <a:rPr lang="en-US" dirty="0" smtClean="0"/>
-              <a:t>, Juju, </a:t>
-            </a:r>
-            <a:r>
-              <a:rPr lang="en-US" dirty="0" err="1" smtClean="0"/>
-              <a:t>Docker</a:t>
+              <a:t>IPtables</a:t>
             </a:r>
             <a:endParaRPr lang="en-US" dirty="0" smtClean="0"/>
           </a:p>
           <a:p>
             <a:pPr lvl="0"/>
             <a:r>
+              <a:rPr lang="en-US" sz="2800" b="1" dirty="0" smtClean="0"/>
+              <a:t>Mail </a:t>
+            </a:r>
+            <a:r>
+              <a:rPr lang="en-US" sz="2800" b="1" dirty="0"/>
+              <a:t>Services</a:t>
+            </a:r>
+          </a:p>
+          <a:p>
+            <a:pPr lvl="1"/>
+            <a:r>
               <a:rPr lang="en-US" dirty="0"/>
-              <a:t>File servers </a:t>
-            </a:r>
-            <a:r>
-              <a:rPr lang="en-US" dirty="0" smtClean="0"/>
-              <a:t>( 4 </a:t>
-            </a:r>
-            <a:r>
-              <a:rPr lang="en-US" dirty="0" err="1" smtClean="0"/>
-              <a:t>hrs</a:t>
-            </a:r>
-            <a:r>
-              <a:rPr lang="en-US" dirty="0" smtClean="0"/>
-              <a:t>) - </a:t>
-            </a:r>
-            <a:r>
-              <a:rPr lang="en-US" dirty="0"/>
-              <a:t>	</a:t>
-            </a:r>
+              <a:t>How to setup mail services </a:t>
+            </a:r>
+          </a:p>
+          <a:p>
+            <a:pPr lvl="0"/>
+            <a:r>
+              <a:rPr lang="en-US" sz="2800" b="1" dirty="0" smtClean="0"/>
+              <a:t>Hosting Web services</a:t>
+            </a:r>
+            <a:endParaRPr lang="en-US" sz="2800" b="1" dirty="0" smtClean="0"/>
           </a:p>
           <a:p>
             <a:pPr lvl="1"/>
             <a:r>
-              <a:rPr lang="en-US" dirty="0"/>
-              <a:t>Samba, how to build a file </a:t>
-            </a:r>
-            <a:r>
-              <a:rPr lang="en-US" dirty="0" smtClean="0"/>
-              <a:t>server, CEPH, storage</a:t>
-            </a:r>
-          </a:p>
-          <a:p>
-            <a:pPr lvl="0" algn="r"/>
-            <a:r>
-              <a:rPr lang="en-US" dirty="0" smtClean="0"/>
-              <a:t>Backups  (1hr theory and maybe 2hrs lab) – </a:t>
-            </a:r>
+              <a:rPr lang="en-US" dirty="0" smtClean="0"/>
+              <a:t>Web server </a:t>
+            </a:r>
+            <a:r>
+              <a:rPr lang="en-US" dirty="0" smtClean="0"/>
+              <a:t>using Apache</a:t>
+            </a:r>
+            <a:endParaRPr lang="en-US" dirty="0"/>
+          </a:p>
+          <a:p>
+            <a:pPr lvl="0"/>
+            <a:r>
+              <a:rPr lang="en-US" sz="2800" b="1" dirty="0" smtClean="0"/>
+              <a:t>RADIUS &amp; LDAP</a:t>
+            </a:r>
+            <a:endParaRPr lang="en-US" sz="2800" b="1" dirty="0" smtClean="0"/>
           </a:p>
           <a:p>
             <a:pPr lvl="1"/>
             <a:r>
               <a:rPr lang="en-US" dirty="0" smtClean="0"/>
-              <a:t>Offsite backups (shell scripting with </a:t>
-            </a:r>
-            <a:r>
-              <a:rPr lang="en-US" dirty="0" err="1" smtClean="0"/>
-              <a:t>Rsync</a:t>
-            </a:r>
-            <a:r>
-              <a:rPr lang="en-US" dirty="0" smtClean="0"/>
-              <a:t>), duplicity, S3, Amanda, </a:t>
-            </a:r>
-            <a:r>
-              <a:rPr lang="en-US" dirty="0" err="1" smtClean="0"/>
-              <a:t>Bacula</a:t>
-            </a:r>
-            <a:endParaRPr lang="en-US" dirty="0" smtClean="0"/>
+              <a:t>For </a:t>
+            </a:r>
+            <a:r>
+              <a:rPr lang="en-US" dirty="0" smtClean="0"/>
+              <a:t>centralizing </a:t>
+            </a:r>
+            <a:r>
+              <a:rPr lang="en-US" dirty="0" smtClean="0"/>
+              <a:t>authentication</a:t>
+            </a:r>
+            <a:endParaRPr lang="en-US" dirty="0"/>
           </a:p>
           <a:p>
             <a:pPr lvl="0"/>
             <a:r>
-              <a:rPr lang="en-US" dirty="0" smtClean="0"/>
-              <a:t>SMTP </a:t>
-            </a:r>
-            <a:r>
-              <a:rPr lang="en-US" dirty="0"/>
-              <a:t>email </a:t>
-            </a:r>
-            <a:r>
-              <a:rPr lang="en-US" dirty="0" smtClean="0"/>
-              <a:t>servers – find out more information from students </a:t>
-            </a:r>
+              <a:rPr lang="en-US" sz="2800" b="1" dirty="0" smtClean="0"/>
+              <a:t>Virtualization</a:t>
+            </a:r>
+            <a:endParaRPr lang="en-US" sz="2800" b="1" dirty="0" smtClean="0"/>
           </a:p>
           <a:p>
             <a:pPr lvl="1"/>
             <a:r>
               <a:rPr lang="en-US" dirty="0" smtClean="0"/>
-              <a:t>IMAP, POP3, SPAM filtering</a:t>
-            </a:r>
-            <a:endParaRPr lang="en-US" dirty="0"/>
-          </a:p>
-          <a:p>
-            <a:pPr lvl="0"/>
-            <a:r>
-              <a:rPr lang="en-US" dirty="0" err="1" smtClean="0"/>
-              <a:t>Centralising</a:t>
-            </a:r>
-            <a:r>
-              <a:rPr lang="en-US" dirty="0" smtClean="0"/>
-              <a:t> authentication</a:t>
-            </a:r>
-          </a:p>
-          <a:p>
-            <a:pPr lvl="1"/>
-            <a:r>
-              <a:rPr lang="en-US" dirty="0" smtClean="0"/>
-              <a:t>LDAP (2 </a:t>
-            </a:r>
-            <a:r>
-              <a:rPr lang="en-US" dirty="0" err="1" smtClean="0"/>
-              <a:t>hrs</a:t>
-            </a:r>
-            <a:r>
-              <a:rPr lang="en-US" dirty="0" smtClean="0"/>
-              <a:t>) – </a:t>
-            </a:r>
-            <a:r>
-              <a:rPr lang="en-US" dirty="0" err="1" smtClean="0"/>
-              <a:t>centralising</a:t>
-            </a:r>
-            <a:r>
-              <a:rPr lang="en-US" dirty="0" smtClean="0"/>
-              <a:t> authentication (Single sign </a:t>
-            </a:r>
-            <a:r>
-              <a:rPr lang="en-US" dirty="0" err="1" smtClean="0"/>
-              <a:t>ons</a:t>
-            </a:r>
-            <a:r>
-              <a:rPr lang="en-US" dirty="0" smtClean="0"/>
-              <a:t>)</a:t>
-            </a:r>
-          </a:p>
-          <a:p>
-            <a:pPr lvl="1"/>
-            <a:r>
-              <a:rPr lang="en-US" dirty="0" err="1" smtClean="0"/>
-              <a:t>Eduroam</a:t>
-            </a:r>
-            <a:r>
-              <a:rPr lang="en-US" dirty="0" smtClean="0"/>
-              <a:t> (evening session with GJ?) – </a:t>
-            </a:r>
-            <a:r>
-              <a:rPr lang="en-US" dirty="0" err="1" smtClean="0"/>
-              <a:t>hierachy</a:t>
-            </a:r>
-            <a:r>
-              <a:rPr lang="en-US" dirty="0"/>
-              <a:t> </a:t>
-            </a:r>
-            <a:r>
-              <a:rPr lang="en-US" dirty="0" err="1" smtClean="0"/>
-              <a:t>centralisation</a:t>
-            </a:r>
-            <a:r>
-              <a:rPr lang="en-US" dirty="0" smtClean="0"/>
-              <a:t> of credentials</a:t>
-            </a:r>
-          </a:p>
-          <a:p>
-            <a:pPr lvl="0"/>
-            <a:r>
-              <a:rPr lang="en-US" dirty="0" smtClean="0"/>
-              <a:t>DNSSEC</a:t>
-            </a:r>
-            <a:r>
-              <a:rPr lang="en-US" dirty="0"/>
-              <a:t> </a:t>
-            </a:r>
-            <a:r>
-              <a:rPr lang="en-US" dirty="0" smtClean="0"/>
-              <a:t>(evening session with Joe?) – </a:t>
-            </a:r>
-          </a:p>
-          <a:p>
-            <a:pPr lvl="1"/>
-            <a:r>
-              <a:rPr lang="en-US" dirty="0" smtClean="0"/>
-              <a:t>intro to DNSSEC and validation</a:t>
-            </a:r>
-          </a:p>
-          <a:p>
-            <a:pPr lvl="0"/>
-            <a:r>
-              <a:rPr lang="en-US" dirty="0" smtClean="0"/>
-              <a:t>Cryptography (evening session with Joe?) –</a:t>
-            </a:r>
-          </a:p>
-          <a:p>
-            <a:pPr lvl="1"/>
-            <a:r>
-              <a:rPr lang="en-US" dirty="0" smtClean="0"/>
-              <a:t>how CAs work, PGP (evening session?), Public key authentication with SSH, </a:t>
-            </a:r>
-          </a:p>
-          <a:p>
-            <a:pPr lvl="0"/>
-            <a:endParaRPr lang="en-US" dirty="0" smtClean="0"/>
-          </a:p>
-          <a:p>
-            <a:pPr lvl="0"/>
-            <a:endParaRPr lang="en-US" dirty="0"/>
-          </a:p>
-          <a:p>
+              <a:t>How to build virtual </a:t>
+            </a:r>
+            <a:r>
+              <a:rPr lang="en-US" dirty="0" smtClean="0"/>
+              <a:t>servers</a:t>
+            </a:r>
             <a:endParaRPr lang="en-US" dirty="0"/>
           </a:p>
         </p:txBody>
@@ -4977,7 +4811,7 @@
     </p:spTree>
     <p:extLst>
       <p:ext uri="{BB962C8B-B14F-4D97-AF65-F5344CB8AC3E}">
-        <p14:creationId xmlns:p14="http://schemas.microsoft.com/office/powerpoint/2010/main" val="2504198963"/>
+        <p14:creationId xmlns:p14="http://schemas.microsoft.com/office/powerpoint/2010/main" val="1862620498"/>
       </p:ext>
     </p:extLst>
   </p:cSld>
@@ -5057,7 +4891,7 @@
         </p:spPr>
         <p:txBody>
           <a:bodyPr>
-            <a:normAutofit/>
+            <a:normAutofit fontScale="92500" lnSpcReduction="10000"/>
           </a:bodyPr>
           <a:lstStyle/>
           <a:p>
@@ -5090,8 +4924,12 @@
               <a:t> </a:t>
             </a:r>
             <a:r>
-              <a:rPr lang="en-US" dirty="0" err="1"/>
+              <a:rPr lang="en-US" dirty="0" err="1" smtClean="0"/>
               <a:t>bootcamp</a:t>
+            </a:r>
+            <a:r>
+              <a:rPr lang="en-US" dirty="0" smtClean="0"/>
+              <a:t>, Post-installation Best Practices</a:t>
             </a:r>
             <a:endParaRPr lang="en-US" dirty="0"/>
           </a:p>
@@ -5107,7 +4945,11 @@
             </a:r>
             <a:r>
               <a:rPr lang="en-US" dirty="0" smtClean="0"/>
-              <a:t>: DNS</a:t>
+              <a:t>: </a:t>
+            </a:r>
+            <a:r>
+              <a:rPr lang="en-US" dirty="0" smtClean="0"/>
+              <a:t>DNS (Intro)</a:t>
             </a:r>
             <a:endParaRPr lang="en-US" dirty="0"/>
           </a:p>
@@ -5115,7 +4957,11 @@
             <a:pPr lvl="1"/>
             <a:r>
               <a:rPr lang="en-US" dirty="0" smtClean="0"/>
-              <a:t>Third Session: Apache</a:t>
+              <a:t>Third Session: </a:t>
+            </a:r>
+            <a:r>
+              <a:rPr lang="en-US" dirty="0" smtClean="0"/>
+              <a:t>Firewalls and Network Security</a:t>
             </a:r>
             <a:endParaRPr lang="en-US" dirty="0"/>
           </a:p>
@@ -5131,9 +4977,28 @@
             </a:r>
             <a:r>
               <a:rPr lang="en-US" dirty="0" smtClean="0"/>
-              <a:t>: Apache</a:t>
-            </a:r>
-            <a:endParaRPr lang="en-US" dirty="0"/>
+              <a:t>: </a:t>
+            </a:r>
+            <a:r>
+              <a:rPr lang="en-US" dirty="0" smtClean="0"/>
+              <a:t>DNS (Resolver)</a:t>
+            </a:r>
+          </a:p>
+          <a:p>
+            <a:pPr lvl="2"/>
+            <a:r>
+              <a:rPr lang="en-US" i="1" dirty="0" smtClean="0">
+                <a:solidFill>
+                  <a:srgbClr val="0000FF"/>
+                </a:solidFill>
+              </a:rPr>
+              <a:t>Evening Session: General </a:t>
+            </a:r>
+            <a:endParaRPr lang="en-US" i="1" dirty="0">
+              <a:solidFill>
+                <a:srgbClr val="0000FF"/>
+              </a:solidFill>
+            </a:endParaRPr>
           </a:p>
           <a:p>
             <a:r>
@@ -5157,36 +5022,76 @@
             </a:r>
             <a:r>
               <a:rPr lang="en-US" dirty="0" smtClean="0"/>
-              <a:t>: DNS </a:t>
+              <a:t>: </a:t>
+            </a:r>
+            <a:r>
+              <a:rPr lang="en-US" dirty="0" smtClean="0"/>
+              <a:t>Security (Public Key, SSL, PGP, Crypto)</a:t>
+            </a:r>
+            <a:endParaRPr lang="en-US" dirty="0"/>
+          </a:p>
+          <a:p>
+            <a:pPr lvl="1"/>
+            <a:r>
+              <a:rPr lang="en-US" dirty="0" smtClean="0"/>
+              <a:t>Second </a:t>
+            </a:r>
+            <a:r>
+              <a:rPr lang="en-US" dirty="0" smtClean="0"/>
+              <a:t>: DNS (Authoritative)</a:t>
+            </a:r>
+            <a:endParaRPr lang="en-US" dirty="0"/>
+          </a:p>
+          <a:p>
+            <a:pPr lvl="1"/>
+            <a:r>
+              <a:rPr lang="en-US" dirty="0" smtClean="0"/>
+              <a:t>Third </a:t>
+            </a:r>
+            <a:r>
+              <a:rPr lang="en-US" dirty="0" smtClean="0"/>
+              <a:t>Session</a:t>
+            </a:r>
+            <a:r>
+              <a:rPr lang="en-US" dirty="0" smtClean="0"/>
+              <a:t>: </a:t>
+            </a:r>
+            <a:r>
+              <a:rPr lang="en-US" dirty="0" smtClean="0"/>
+              <a:t>Apache + PHP</a:t>
+            </a:r>
+          </a:p>
+          <a:p>
+            <a:pPr lvl="1"/>
+            <a:r>
+              <a:rPr lang="en-US" dirty="0" smtClean="0"/>
+              <a:t>Fourth Session</a:t>
             </a:r>
             <a:r>
               <a:rPr lang="en-US" dirty="0"/>
-              <a:t>resolver, using unbound</a:t>
-            </a:r>
-          </a:p>
-          <a:p>
-            <a:pPr lvl="1"/>
-            <a:r>
-              <a:rPr lang="en-US" dirty="0" smtClean="0"/>
-              <a:t>Second Session: RADIUS</a:t>
+              <a:t>: </a:t>
+            </a:r>
+            <a:r>
+              <a:rPr lang="en-US" dirty="0" smtClean="0"/>
+              <a:t>Postfix</a:t>
             </a:r>
             <a:endParaRPr lang="en-US" dirty="0"/>
           </a:p>
           <a:p>
-            <a:pPr lvl="1"/>
-            <a:r>
-              <a:rPr lang="en-US" dirty="0" smtClean="0"/>
-              <a:t>Third and Fourth Session: Monitoring (</a:t>
-            </a:r>
-            <a:r>
-              <a:rPr lang="en-US" dirty="0" err="1" smtClean="0"/>
-              <a:t>Nagios</a:t>
-            </a:r>
-            <a:r>
-              <a:rPr lang="en-US" dirty="0" smtClean="0"/>
-              <a:t>)</a:t>
-            </a:r>
-            <a:endParaRPr lang="en-US" dirty="0"/>
+            <a:pPr lvl="2"/>
+            <a:r>
+              <a:rPr lang="en-US" i="1" dirty="0" smtClean="0">
+                <a:solidFill>
+                  <a:srgbClr val="0000FF"/>
+                </a:solidFill>
+              </a:rPr>
+              <a:t>Evening Session: DNSSEC</a:t>
+            </a:r>
+            <a:endParaRPr lang="en-US" i="1" dirty="0">
+              <a:solidFill>
+                <a:srgbClr val="0000FF"/>
+              </a:solidFill>
+            </a:endParaRPr>
           </a:p>
           <a:p>
             <a:pPr lvl="0"/>
@@ -5215,43 +5120,45 @@
               <a:t>: </a:t>
             </a:r>
             <a:r>
-              <a:rPr lang="en-US" dirty="0" err="1" smtClean="0"/>
-              <a:t>Virtualisation</a:t>
+              <a:rPr lang="en-US" dirty="0" smtClean="0"/>
+              <a:t>Postfix</a:t>
             </a:r>
             <a:endParaRPr lang="en-US" dirty="0"/>
           </a:p>
           <a:p>
             <a:pPr lvl="1"/>
             <a:r>
-              <a:rPr lang="en-US" dirty="0"/>
-              <a:t>RADIUS </a:t>
-            </a:r>
-            <a:r>
-              <a:rPr lang="en-US" dirty="0" smtClean="0"/>
-              <a:t>(continuation)</a:t>
-            </a:r>
-            <a:endParaRPr lang="en-US" dirty="0"/>
-          </a:p>
-          <a:p>
-            <a:pPr lvl="1"/>
-            <a:r>
-              <a:rPr lang="en-US" dirty="0"/>
-              <a:t>L</a:t>
-            </a:r>
-            <a:r>
-              <a:rPr lang="en-US" dirty="0" smtClean="0"/>
-              <a:t>oad </a:t>
-            </a:r>
-            <a:r>
-              <a:rPr lang="en-US" dirty="0"/>
-              <a:t>balancing</a:t>
-            </a:r>
-          </a:p>
-          <a:p>
-            <a:pPr marL="0" indent="0">
-              <a:buNone/>
-            </a:pPr>
-            <a:endParaRPr lang="en-US" dirty="0"/>
+              <a:rPr lang="en-US" dirty="0" smtClean="0"/>
+              <a:t>Third and Fourth Session: </a:t>
+            </a:r>
+            <a:r>
+              <a:rPr lang="en-US" dirty="0" smtClean="0"/>
+              <a:t>Open LDAP Directory</a:t>
+            </a:r>
+          </a:p>
+          <a:p>
+            <a:pPr lvl="2"/>
+            <a:r>
+              <a:rPr lang="en-US" i="1" dirty="0" smtClean="0">
+                <a:solidFill>
+                  <a:srgbClr val="0000FF"/>
+                </a:solidFill>
+              </a:rPr>
+              <a:t>Evening Session: </a:t>
+            </a:r>
+            <a:r>
+              <a:rPr lang="en-US" i="1" dirty="0" err="1" smtClean="0">
+                <a:solidFill>
+                  <a:srgbClr val="0000FF"/>
+                </a:solidFill>
+              </a:rPr>
+              <a:t>Ansible</a:t>
+            </a:r>
+            <a:endParaRPr lang="en-US" i="1" dirty="0">
+              <a:solidFill>
+                <a:srgbClr val="0000FF"/>
+              </a:solidFill>
+            </a:endParaRPr>
           </a:p>
         </p:txBody>
       </p:sp>
@@ -5304,7 +5211,7 @@
         </p:nvSpPr>
         <p:spPr>
           <a:xfrm>
-            <a:off x="557787" y="2545374"/>
+            <a:off x="457200" y="445376"/>
             <a:ext cx="8229600" cy="990600"/>
           </a:xfrm>
         </p:spPr>
@@ -5314,7 +5221,145 @@
           <a:p>
             <a:r>
               <a:rPr lang="en-US" dirty="0" smtClean="0"/>
-              <a:t>Any questions?</a:t>
+              <a:t>Rough agenda for the </a:t>
+            </a:r>
+            <a:r>
+              <a:rPr lang="en-US" dirty="0" smtClean="0"/>
+              <a:t>week </a:t>
+            </a:r>
+            <a:r>
+              <a:rPr lang="is-IS" dirty="0" smtClean="0"/>
+              <a:t>…</a:t>
+            </a:r>
+            <a:endParaRPr lang="en-US" dirty="0"/>
+          </a:p>
+        </p:txBody>
+      </p:sp>
+      <p:sp>
+        <p:nvSpPr>
+          <p:cNvPr id="3" name="Content Placeholder 2"/>
+          <p:cNvSpPr>
+            <a:spLocks noGrp="1"/>
+          </p:cNvSpPr>
+          <p:nvPr>
+            <p:ph idx="1"/>
+          </p:nvPr>
+        </p:nvSpPr>
+        <p:spPr>
+          <a:xfrm>
+            <a:off x="326908" y="1295208"/>
+            <a:ext cx="8359892" cy="5181792"/>
+          </a:xfrm>
+        </p:spPr>
+        <p:txBody>
+          <a:bodyPr>
+            <a:normAutofit/>
+          </a:bodyPr>
+          <a:lstStyle/>
+          <a:p>
+            <a:pPr lvl="0"/>
+            <a:r>
+              <a:rPr lang="en-US" b="1" dirty="0" smtClean="0"/>
+              <a:t>Thursday</a:t>
+            </a:r>
+            <a:r>
+              <a:rPr lang="en-US" dirty="0" smtClean="0"/>
+              <a:t>:</a:t>
+            </a:r>
+            <a:endParaRPr lang="en-US" dirty="0"/>
+          </a:p>
+          <a:p>
+            <a:pPr lvl="1"/>
+            <a:r>
+              <a:rPr lang="en-US" dirty="0" smtClean="0"/>
+              <a:t>First </a:t>
+            </a:r>
+            <a:r>
+              <a:rPr lang="en-US" dirty="0" smtClean="0"/>
+              <a:t>and Second Session: RADIUS</a:t>
+            </a:r>
+            <a:endParaRPr lang="en-US" dirty="0"/>
+          </a:p>
+          <a:p>
+            <a:pPr lvl="1"/>
+            <a:r>
+              <a:rPr lang="en-US" dirty="0" smtClean="0"/>
+              <a:t>Third </a:t>
+            </a:r>
+            <a:r>
+              <a:rPr lang="en-US" dirty="0"/>
+              <a:t>Session</a:t>
+            </a:r>
+            <a:r>
+              <a:rPr lang="en-US" dirty="0" smtClean="0"/>
+              <a:t>: </a:t>
+            </a:r>
+            <a:r>
+              <a:rPr lang="en-US" dirty="0" smtClean="0"/>
+              <a:t>Dovecot IMAP</a:t>
+            </a:r>
+            <a:endParaRPr lang="en-US" dirty="0"/>
+          </a:p>
+          <a:p>
+            <a:pPr lvl="1"/>
+            <a:r>
+              <a:rPr lang="en-US" dirty="0" smtClean="0"/>
+              <a:t>Fourth </a:t>
+            </a:r>
+            <a:r>
+              <a:rPr lang="en-US" dirty="0" smtClean="0"/>
+              <a:t>Session: </a:t>
+            </a:r>
+            <a:r>
+              <a:rPr lang="en-US" dirty="0" err="1" smtClean="0"/>
+              <a:t>Squirrelmail</a:t>
+            </a:r>
+            <a:endParaRPr lang="en-US" dirty="0"/>
+          </a:p>
+          <a:p>
+            <a:r>
+              <a:rPr lang="en-US" b="1" dirty="0" smtClean="0"/>
+              <a:t>Friday</a:t>
+            </a:r>
+            <a:r>
+              <a:rPr lang="en-US" dirty="0" smtClean="0"/>
+              <a:t>:</a:t>
+            </a:r>
+            <a:endParaRPr lang="en-US" dirty="0"/>
+          </a:p>
+          <a:p>
+            <a:pPr lvl="1"/>
+            <a:r>
+              <a:rPr lang="en-US" dirty="0" smtClean="0"/>
+              <a:t>First </a:t>
+            </a:r>
+            <a:r>
+              <a:rPr lang="en-US" dirty="0" smtClean="0"/>
+              <a:t>and Session</a:t>
+            </a:r>
+            <a:r>
+              <a:rPr lang="en-US" dirty="0" smtClean="0"/>
+              <a:t>: </a:t>
+            </a:r>
+            <a:r>
+              <a:rPr lang="en-US" dirty="0" smtClean="0"/>
+              <a:t>Load Balancing</a:t>
+            </a:r>
+            <a:endParaRPr lang="en-US" dirty="0"/>
+          </a:p>
+          <a:p>
+            <a:pPr lvl="1"/>
+            <a:r>
+              <a:rPr lang="en-US" dirty="0" smtClean="0"/>
+              <a:t>Third and Fourth : Virtualization</a:t>
+            </a:r>
+            <a:endParaRPr lang="en-US" dirty="0"/>
+          </a:p>
+          <a:p>
+            <a:pPr lvl="1"/>
+            <a:r>
+              <a:rPr lang="en-US" dirty="0" smtClean="0"/>
+              <a:t>Closing Survey</a:t>
             </a:r>
             <a:endParaRPr lang="en-US" dirty="0"/>
           </a:p>
@@ -5323,7 +5368,7 @@
     </p:spTree>
     <p:extLst>
       <p:ext uri="{BB962C8B-B14F-4D97-AF65-F5344CB8AC3E}">
-        <p14:creationId xmlns:p14="http://schemas.microsoft.com/office/powerpoint/2010/main" val="215516476"/>
+        <p14:creationId xmlns:p14="http://schemas.microsoft.com/office/powerpoint/2010/main" val="4011480672"/>
       </p:ext>
     </p:extLst>
   </p:cSld>
@@ -5367,219 +5412,28 @@
             <p:ph type="title"/>
           </p:nvPr>
         </p:nvSpPr>
-        <p:spPr/>
+        <p:spPr>
+          <a:xfrm>
+            <a:off x="557787" y="2545374"/>
+            <a:ext cx="8229600" cy="990600"/>
+          </a:xfrm>
+        </p:spPr>
         <p:txBody>
           <a:bodyPr/>
           <a:lstStyle/>
           <a:p>
             <a:r>
               <a:rPr lang="en-US" dirty="0" smtClean="0"/>
-              <a:t>Nano </a:t>
-            </a:r>
-            <a:r>
-              <a:rPr lang="en-US" dirty="0" err="1" smtClean="0"/>
-              <a:t>bootcamp</a:t>
+              <a:t>Any questions?</a:t>
             </a:r>
             <a:endParaRPr lang="en-US" dirty="0"/>
-          </a:p>
-        </p:txBody>
-      </p:sp>
-      <p:sp>
-        <p:nvSpPr>
-          <p:cNvPr id="3" name="Content Placeholder 2"/>
-          <p:cNvSpPr>
-            <a:spLocks noGrp="1"/>
-          </p:cNvSpPr>
-          <p:nvPr>
-            <p:ph idx="1"/>
-          </p:nvPr>
-        </p:nvSpPr>
-        <p:spPr/>
-        <p:txBody>
-          <a:bodyPr>
-            <a:normAutofit lnSpcReduction="10000"/>
-          </a:bodyPr>
-          <a:lstStyle/>
-          <a:p>
-            <a:r>
-              <a:rPr lang="en-US" dirty="0" smtClean="0"/>
-              <a:t>We will use an editor called “</a:t>
-            </a:r>
-            <a:r>
-              <a:rPr lang="en-US" dirty="0" err="1" smtClean="0"/>
-              <a:t>nano</a:t>
-            </a:r>
-            <a:r>
-              <a:rPr lang="en-US" dirty="0" smtClean="0"/>
-              <a:t>” on the </a:t>
-            </a:r>
-            <a:r>
-              <a:rPr lang="en-US" dirty="0" err="1" smtClean="0"/>
-              <a:t>Debian</a:t>
-            </a:r>
-            <a:r>
-              <a:rPr lang="en-US" dirty="0" smtClean="0"/>
-              <a:t> machines</a:t>
-            </a:r>
-          </a:p>
-          <a:p>
-            <a:r>
-              <a:rPr lang="en-US" dirty="0" smtClean="0"/>
-              <a:t>However, you should learn “vi” as it has way more features than most editors</a:t>
-            </a:r>
-          </a:p>
-          <a:p>
-            <a:r>
-              <a:rPr lang="en-US" dirty="0" smtClean="0"/>
-              <a:t>Install </a:t>
-            </a:r>
-            <a:r>
-              <a:rPr lang="en-US" dirty="0" err="1" smtClean="0"/>
-              <a:t>nano</a:t>
-            </a:r>
-            <a:r>
-              <a:rPr lang="en-US" dirty="0" smtClean="0"/>
-              <a:t>: </a:t>
-            </a:r>
-            <a:r>
-              <a:rPr lang="en-US" b="1" dirty="0" smtClean="0"/>
-              <a:t>$</a:t>
-            </a:r>
-            <a:r>
-              <a:rPr lang="en-US" b="1" dirty="0" err="1" smtClean="0"/>
-              <a:t>sudo</a:t>
-            </a:r>
-            <a:r>
-              <a:rPr lang="en-US" b="1" dirty="0" smtClean="0"/>
-              <a:t> apt-get install </a:t>
-            </a:r>
-            <a:r>
-              <a:rPr lang="en-US" b="1" dirty="0" err="1" smtClean="0"/>
-              <a:t>nano</a:t>
-            </a:r>
-            <a:endParaRPr lang="en-US" b="1" dirty="0" smtClean="0"/>
-          </a:p>
-          <a:p>
-            <a:r>
-              <a:rPr lang="en-US" dirty="0" smtClean="0"/>
-              <a:t>For </a:t>
-            </a:r>
-            <a:r>
-              <a:rPr lang="en-US" dirty="0" err="1" smtClean="0"/>
-              <a:t>nano</a:t>
-            </a:r>
-            <a:r>
-              <a:rPr lang="en-US" dirty="0" smtClean="0"/>
-              <a:t> you can open a file by:</a:t>
-            </a:r>
-          </a:p>
-          <a:p>
-            <a:pPr marL="0" indent="0">
-              <a:buNone/>
-            </a:pPr>
-            <a:r>
-              <a:rPr lang="en-US" dirty="0" smtClean="0"/>
-              <a:t>	</a:t>
-            </a:r>
-            <a:r>
-              <a:rPr lang="en-US" b="1" dirty="0" smtClean="0"/>
-              <a:t>$</a:t>
-            </a:r>
-            <a:r>
-              <a:rPr lang="en-US" b="1" dirty="0" err="1" smtClean="0"/>
-              <a:t>nano</a:t>
-            </a:r>
-            <a:r>
-              <a:rPr lang="en-US" b="1" dirty="0" smtClean="0"/>
-              <a:t> /path/to/filename</a:t>
-            </a:r>
-            <a:br>
-              <a:rPr lang="en-US" b="1" dirty="0" smtClean="0"/>
-            </a:br>
-            <a:r>
-              <a:rPr lang="en-US" dirty="0" smtClean="0"/>
-              <a:t>OR</a:t>
-            </a:r>
-            <a:r>
-              <a:rPr lang="en-US" b="1" dirty="0" smtClean="0"/>
-              <a:t>        $</a:t>
-            </a:r>
-            <a:r>
-              <a:rPr lang="en-US" b="1" dirty="0" err="1" smtClean="0"/>
-              <a:t>nano</a:t>
-            </a:r>
-            <a:r>
-              <a:rPr lang="en-US" b="1" dirty="0" smtClean="0"/>
-              <a:t> filename</a:t>
-            </a:r>
-          </a:p>
-          <a:p>
-            <a:pPr marL="0" indent="0">
-              <a:buNone/>
-            </a:pPr>
-            <a:r>
-              <a:rPr lang="en-US" dirty="0" smtClean="0"/>
-              <a:t>Save the changes by:</a:t>
-            </a:r>
-          </a:p>
-          <a:p>
-            <a:pPr marL="0" indent="0">
-              <a:buNone/>
-            </a:pPr>
-            <a:r>
-              <a:rPr lang="en-US" dirty="0"/>
-              <a:t>	</a:t>
-            </a:r>
-            <a:r>
-              <a:rPr lang="en-US" b="1" dirty="0" smtClean="0"/>
-              <a:t>ctrl X</a:t>
-            </a:r>
-          </a:p>
-          <a:p>
-            <a:pPr marL="0" indent="0">
-              <a:buNone/>
-            </a:pPr>
-            <a:r>
-              <a:rPr lang="en-US" dirty="0"/>
-              <a:t>	</a:t>
-            </a:r>
-            <a:r>
-              <a:rPr lang="en-US" dirty="0" smtClean="0"/>
-              <a:t>answer “y”</a:t>
-            </a:r>
-          </a:p>
-          <a:p>
-            <a:pPr marL="0" indent="0">
-              <a:buNone/>
-            </a:pPr>
-            <a:r>
-              <a:rPr lang="en-US" dirty="0" smtClean="0"/>
-              <a:t>Search the file for a specific word:</a:t>
-            </a:r>
-          </a:p>
-          <a:p>
-            <a:pPr marL="0" indent="0">
-              <a:buNone/>
-            </a:pPr>
-            <a:r>
-              <a:rPr lang="en-US" dirty="0"/>
-              <a:t>	</a:t>
-            </a:r>
-            <a:r>
-              <a:rPr lang="en-US" b="1" dirty="0" smtClean="0"/>
-              <a:t>ctrl W</a:t>
-            </a:r>
-            <a:r>
-              <a:rPr lang="en-US" dirty="0" smtClean="0"/>
-              <a:t> &lt;then the search term&gt;</a:t>
-            </a:r>
           </a:p>
         </p:txBody>
       </p:sp>
     </p:spTree>
     <p:extLst>
       <p:ext uri="{BB962C8B-B14F-4D97-AF65-F5344CB8AC3E}">
-        <p14:creationId xmlns:p14="http://schemas.microsoft.com/office/powerpoint/2010/main" val="3508196960"/>
+        <p14:creationId xmlns:p14="http://schemas.microsoft.com/office/powerpoint/2010/main" val="215516476"/>
       </p:ext>
     </p:extLst>
   </p:cSld>
@@ -5630,7 +5484,36 @@
           <a:p>
             <a:r>
               <a:rPr lang="en-US" dirty="0" smtClean="0"/>
-              <a:t>Short </a:t>
+              <a:t>Nano </a:t>
+            </a:r>
+            <a:r>
+              <a:rPr lang="en-US" dirty="0" err="1" smtClean="0"/>
+              <a:t>bootcamp</a:t>
+            </a:r>
+            <a:endParaRPr lang="en-US" dirty="0"/>
+          </a:p>
+        </p:txBody>
+      </p:sp>
+      <p:sp>
+        <p:nvSpPr>
+          <p:cNvPr id="3" name="Content Placeholder 2"/>
+          <p:cNvSpPr>
+            <a:spLocks noGrp="1"/>
+          </p:cNvSpPr>
+          <p:nvPr>
+            <p:ph idx="1"/>
+          </p:nvPr>
+        </p:nvSpPr>
+        <p:spPr/>
+        <p:txBody>
+          <a:bodyPr>
+            <a:normAutofit lnSpcReduction="10000"/>
+          </a:bodyPr>
+          <a:lstStyle/>
+          <a:p>
+            <a:r>
+              <a:rPr lang="en-US" dirty="0" smtClean="0"/>
+              <a:t>We will use an editor called “</a:t>
             </a:r>
             <a:r>
               <a:rPr lang="en-US" dirty="0" err="1" smtClean="0"/>
@@ -5638,6 +5521,233 @@
             </a:r>
             <a:r>
               <a:rPr lang="en-US" dirty="0" smtClean="0"/>
+              <a:t>” on the </a:t>
+            </a:r>
+            <a:r>
+              <a:rPr lang="en-US" dirty="0" err="1" smtClean="0"/>
+              <a:t>Debian</a:t>
+            </a:r>
+            <a:r>
+              <a:rPr lang="en-US" dirty="0" smtClean="0"/>
+              <a:t> machines</a:t>
+            </a:r>
+          </a:p>
+          <a:p>
+            <a:r>
+              <a:rPr lang="en-US" dirty="0" smtClean="0"/>
+              <a:t>However, you should learn “vi” as it has way more features than most editors</a:t>
+            </a:r>
+          </a:p>
+          <a:p>
+            <a:r>
+              <a:rPr lang="en-US" dirty="0" smtClean="0"/>
+              <a:t>Install </a:t>
+            </a:r>
+            <a:r>
+              <a:rPr lang="en-US" dirty="0" err="1" smtClean="0"/>
+              <a:t>nano</a:t>
+            </a:r>
+            <a:r>
+              <a:rPr lang="en-US" dirty="0" smtClean="0"/>
+              <a:t>: </a:t>
+            </a:r>
+            <a:r>
+              <a:rPr lang="en-US" b="1" dirty="0" smtClean="0"/>
+              <a:t>$</a:t>
+            </a:r>
+            <a:r>
+              <a:rPr lang="en-US" b="1" dirty="0" err="1" smtClean="0"/>
+              <a:t>sudo</a:t>
+            </a:r>
+            <a:r>
+              <a:rPr lang="en-US" b="1" dirty="0" smtClean="0"/>
+              <a:t> apt-get install </a:t>
+            </a:r>
+            <a:r>
+              <a:rPr lang="en-US" b="1" dirty="0" err="1" smtClean="0"/>
+              <a:t>nano</a:t>
+            </a:r>
+            <a:endParaRPr lang="en-US" b="1" dirty="0" smtClean="0"/>
+          </a:p>
+          <a:p>
+            <a:r>
+              <a:rPr lang="en-US" dirty="0" smtClean="0"/>
+              <a:t>For </a:t>
+            </a:r>
+            <a:r>
+              <a:rPr lang="en-US" dirty="0" err="1" smtClean="0"/>
+              <a:t>nano</a:t>
+            </a:r>
+            <a:r>
+              <a:rPr lang="en-US" dirty="0" smtClean="0"/>
+              <a:t> you can open a file by:</a:t>
+            </a:r>
+          </a:p>
+          <a:p>
+            <a:pPr marL="0" indent="0">
+              <a:buNone/>
+            </a:pPr>
+            <a:r>
+              <a:rPr lang="en-US" dirty="0" smtClean="0"/>
+              <a:t>	</a:t>
+            </a:r>
+            <a:r>
+              <a:rPr lang="en-US" b="1" dirty="0" smtClean="0"/>
+              <a:t>$</a:t>
+            </a:r>
+            <a:r>
+              <a:rPr lang="en-US" b="1" dirty="0" err="1" smtClean="0"/>
+              <a:t>nano</a:t>
+            </a:r>
+            <a:r>
+              <a:rPr lang="en-US" b="1" dirty="0" smtClean="0"/>
+              <a:t> /path/to/filename</a:t>
+            </a:r>
+            <a:br>
+              <a:rPr lang="en-US" b="1" dirty="0" smtClean="0"/>
+            </a:br>
+            <a:r>
+              <a:rPr lang="en-US" dirty="0" smtClean="0"/>
+              <a:t>OR</a:t>
+            </a:r>
+            <a:r>
+              <a:rPr lang="en-US" b="1" dirty="0" smtClean="0"/>
+              <a:t>        $</a:t>
+            </a:r>
+            <a:r>
+              <a:rPr lang="en-US" b="1" dirty="0" err="1" smtClean="0"/>
+              <a:t>nano</a:t>
+            </a:r>
+            <a:r>
+              <a:rPr lang="en-US" b="1" dirty="0" smtClean="0"/>
+              <a:t> filename</a:t>
+            </a:r>
+          </a:p>
+          <a:p>
+            <a:pPr marL="0" indent="0">
+              <a:buNone/>
+            </a:pPr>
+            <a:r>
+              <a:rPr lang="en-US" dirty="0" smtClean="0"/>
+              <a:t>Save the changes by:</a:t>
+            </a:r>
+          </a:p>
+          <a:p>
+            <a:pPr marL="0" indent="0">
+              <a:buNone/>
+            </a:pPr>
+            <a:r>
+              <a:rPr lang="en-US" dirty="0"/>
+              <a:t>	</a:t>
+            </a:r>
+            <a:r>
+              <a:rPr lang="en-US" b="1" dirty="0" smtClean="0"/>
+              <a:t>ctrl X</a:t>
+            </a:r>
+          </a:p>
+          <a:p>
+            <a:pPr marL="0" indent="0">
+              <a:buNone/>
+            </a:pPr>
+            <a:r>
+              <a:rPr lang="en-US" dirty="0"/>
+              <a:t>	</a:t>
+            </a:r>
+            <a:r>
+              <a:rPr lang="en-US" dirty="0" smtClean="0"/>
+              <a:t>answer “y”</a:t>
+            </a:r>
+          </a:p>
+          <a:p>
+            <a:pPr marL="0" indent="0">
+              <a:buNone/>
+            </a:pPr>
+            <a:r>
+              <a:rPr lang="en-US" dirty="0" smtClean="0"/>
+              <a:t>Search the file for a specific word:</a:t>
+            </a:r>
+          </a:p>
+          <a:p>
+            <a:pPr marL="0" indent="0">
+              <a:buNone/>
+            </a:pPr>
+            <a:r>
+              <a:rPr lang="en-US" dirty="0"/>
+              <a:t>	</a:t>
+            </a:r>
+            <a:r>
+              <a:rPr lang="en-US" b="1" dirty="0" smtClean="0"/>
+              <a:t>ctrl W</a:t>
+            </a:r>
+            <a:r>
+              <a:rPr lang="en-US" dirty="0" smtClean="0"/>
+              <a:t> &lt;then the search term&gt;</a:t>
+            </a:r>
+          </a:p>
+        </p:txBody>
+      </p:sp>
+    </p:spTree>
+    <p:extLst>
+      <p:ext uri="{BB962C8B-B14F-4D97-AF65-F5344CB8AC3E}">
+        <p14:creationId xmlns:p14="http://schemas.microsoft.com/office/powerpoint/2010/main" val="3508196960"/>
+      </p:ext>
+    </p:extLst>
+  </p:cSld>
+  <p:clrMapOvr>
+    <a:masterClrMapping/>
+  </p:clrMapOvr>
+  <p:timing>
+    <p:tnLst>
+      <p:par>
+        <p:cTn xmlns:p14="http://schemas.microsoft.com/office/powerpoint/2010/main" id="1" dur="indefinite" restart="never" nodeType="tmRoot"/>
+      </p:par>
+    </p:tnLst>
+  </p:timing>
+</p:sld>
+</file>
+
+<file path=ppt/slides/slide19.xml><?xml version="1.0" encoding="utf-8"?>
+<p:sld xmlns:a="http://schemas.openxmlformats.org/drawingml/2006/main" xmlns:r="http://schemas.openxmlformats.org/officeDocument/2006/relationships" xmlns:p="http://schemas.openxmlformats.org/presentationml/2006/main">
+  <p:cSld>
+    <p:spTree>
+      <p:nvGrpSpPr>
+        <p:cNvPr id="1" name=""/>
+        <p:cNvGrpSpPr/>
+        <p:nvPr/>
+      </p:nvGrpSpPr>
+      <p:grpSpPr>
+        <a:xfrm>
+          <a:off x="0" y="0"/>
+          <a:ext cx="0" cy="0"/>
+          <a:chOff x="0" y="0"/>
+          <a:chExt cx="0" cy="0"/>
+        </a:xfrm>
+      </p:grpSpPr>
+      <p:sp>
+        <p:nvSpPr>
+          <p:cNvPr id="2" name="Title 1"/>
+          <p:cNvSpPr>
+            <a:spLocks noGrp="1"/>
+          </p:cNvSpPr>
+          <p:nvPr>
+            <p:ph type="title"/>
+          </p:nvPr>
+        </p:nvSpPr>
+        <p:spPr/>
+        <p:txBody>
+          <a:bodyPr/>
+          <a:lstStyle/>
+          <a:p>
+            <a:r>
+              <a:rPr lang="en-US" dirty="0" smtClean="0"/>
+              <a:t>Short </a:t>
+            </a:r>
+            <a:r>
+              <a:rPr lang="en-US" dirty="0" err="1" smtClean="0"/>
+              <a:t>nano</a:t>
+            </a:r>
+            <a:r>
+              <a:rPr lang="en-US" dirty="0" smtClean="0"/>
               <a:t> exercise</a:t>
             </a:r>
             <a:endParaRPr lang="en-US" dirty="0"/>
@@ -5654,10 +5764,15 @@
             <p:ph idx="1"/>
           </p:nvPr>
         </p:nvSpPr>
-        <p:spPr/>
+        <p:spPr>
+          <a:xfrm>
+            <a:off x="457200" y="1600199"/>
+            <a:ext cx="8446968" cy="5073727"/>
+          </a:xfrm>
+        </p:spPr>
         <p:txBody>
           <a:bodyPr>
-            <a:noAutofit/>
+            <a:normAutofit fontScale="70000" lnSpcReduction="20000"/>
           </a:bodyPr>
           <a:lstStyle/>
           <a:p>
@@ -5682,12 +5797,24 @@
               <a:rPr lang="en-US" sz="2400" b="1" dirty="0" err="1" smtClean="0"/>
               <a:t>afnog</a:t>
             </a:r>
-            <a:endParaRPr lang="en-US" sz="2400" b="1" dirty="0" smtClean="0"/>
-          </a:p>
-          <a:p>
-            <a:r>
-              <a:rPr lang="en-US" dirty="0" smtClean="0"/>
-              <a:t>Copy a file with some text:</a:t>
+            <a:endParaRPr lang="en-US" dirty="0" smtClean="0"/>
+          </a:p>
+          <a:p>
+            <a:r>
+              <a:rPr lang="en-US" dirty="0" smtClean="0"/>
+              <a:t>Open </a:t>
+            </a:r>
+            <a:r>
+              <a:rPr lang="en-US" dirty="0" smtClean="0"/>
+              <a:t>a </a:t>
+            </a:r>
+            <a:r>
+              <a:rPr lang="en-US" dirty="0" smtClean="0"/>
+              <a:t>file:</a:t>
+            </a:r>
+            <a:r>
+              <a:rPr lang="en-US" dirty="0" smtClean="0"/>
+              <a:t/>
             </a:r>
             <a:br>
               <a:rPr lang="en-US" dirty="0" smtClean="0"/>
@@ -5702,84 +5829,28 @@
             </a:r>
             <a:r>
               <a:rPr lang="en-US" b="1" dirty="0" err="1" smtClean="0"/>
-              <a:t>cp</a:t>
+              <a:t>nano</a:t>
             </a:r>
             <a:r>
               <a:rPr lang="en-US" b="1" dirty="0" smtClean="0"/>
-              <a:t> /</a:t>
+              <a:t> test-</a:t>
             </a:r>
             <a:r>
               <a:rPr lang="en-US" b="1" dirty="0" err="1" smtClean="0"/>
-              <a:t>etc</a:t>
-            </a:r>
-            <a:r>
-              <a:rPr lang="en-US" b="1" dirty="0" smtClean="0"/>
-              <a:t>/default/apache2 .</a:t>
-            </a:r>
-          </a:p>
-          <a:p>
-            <a:r>
-              <a:rPr lang="en-US" dirty="0" smtClean="0"/>
-              <a:t>Open with </a:t>
-            </a:r>
-            <a:r>
-              <a:rPr lang="en-US" dirty="0" err="1" smtClean="0"/>
-              <a:t>nano</a:t>
-            </a:r>
-            <a:r>
-              <a:rPr lang="en-US" dirty="0" smtClean="0"/>
-              <a:t>:</a:t>
-            </a:r>
-          </a:p>
-          <a:p>
-            <a:pPr marL="548640" lvl="2" indent="0">
+              <a:t>script.sh</a:t>
+            </a:r>
+            <a:endParaRPr lang="en-US" b="1" dirty="0" smtClean="0"/>
+          </a:p>
+          <a:p>
+            <a:pPr marL="0" indent="0">
               <a:buNone/>
             </a:pPr>
-            <a:r>
-              <a:rPr lang="en-US" sz="2400" dirty="0" smtClean="0"/>
-              <a:t>	</a:t>
-            </a:r>
-            <a:r>
-              <a:rPr lang="en-US" sz="2400" b="1" dirty="0" smtClean="0"/>
-              <a:t>$</a:t>
-            </a:r>
-            <a:r>
-              <a:rPr lang="en-US" sz="2400" b="1" dirty="0" err="1" smtClean="0"/>
-              <a:t>nano</a:t>
-            </a:r>
-            <a:r>
-              <a:rPr lang="en-US" sz="2400" b="1" dirty="0" smtClean="0"/>
-              <a:t> apache2</a:t>
-            </a:r>
-          </a:p>
-          <a:p>
-            <a:r>
-              <a:rPr lang="en-US" dirty="0" smtClean="0"/>
-              <a:t>Search for 300</a:t>
-            </a:r>
-          </a:p>
-          <a:p>
-            <a:pPr marL="274320" lvl="1" indent="0">
-              <a:buNone/>
-            </a:pPr>
-            <a:r>
-              <a:rPr lang="en-US" sz="2400" b="1" dirty="0" smtClean="0"/>
-              <a:t>Ctrl W 300</a:t>
-            </a:r>
-          </a:p>
-          <a:p>
-            <a:r>
-              <a:rPr lang="en-US" dirty="0" smtClean="0"/>
-              <a:t>Change it to 600. Then Save and Exit</a:t>
-            </a:r>
-          </a:p>
-          <a:p>
-            <a:pPr marL="0" indent="0">
-              <a:buNone/>
-            </a:pPr>
-            <a:r>
-              <a:rPr lang="en-US" dirty="0" smtClean="0"/>
-              <a:t>	Ctrl X</a:t>
+            <a:endParaRPr lang="en-US" b="1" dirty="0" smtClean="0"/>
+          </a:p>
+          <a:p>
+            <a:r>
+              <a:rPr lang="en-US" dirty="0" smtClean="0"/>
+              <a:t>Type the following 3 lines in the file</a:t>
             </a:r>
           </a:p>
           <a:p>
@@ -5791,12 +5862,12 @@
               <a:t>	</a:t>
             </a:r>
             <a:r>
-              <a:rPr lang="en-US" dirty="0" smtClean="0"/>
-              <a:t>Then answer y. </a:t>
+              <a:rPr lang="en-US" b="1" dirty="0"/>
+              <a:t>#!/bin</a:t>
             </a:r>
             <a:r>
               <a:rPr lang="en-US" b="1" dirty="0" smtClean="0"/>
-              <a:t>Maintain the same filename (press enter)</a:t>
+              <a:t>/bash</a:t>
             </a:r>
           </a:p>
           <a:p>
@@ -5807,7 +5878,204 @@
               <a:rPr lang="en-US" b="1" dirty="0"/>
               <a:t>	</a:t>
             </a:r>
+            <a:r>
+              <a:rPr lang="en-US" b="1" dirty="0" smtClean="0"/>
+              <a:t># SSE Test Script</a:t>
+            </a:r>
+            <a:endParaRPr lang="en-US" b="1" dirty="0"/>
+          </a:p>
+          <a:p>
+            <a:pPr marL="0" indent="0">
+              <a:buNone/>
+            </a:pPr>
+            <a:r>
+              <a:rPr lang="en-US" b="1" dirty="0" smtClean="0"/>
+              <a:t>	echo </a:t>
+            </a:r>
+            <a:r>
+              <a:rPr lang="en-US" b="1" dirty="0"/>
+              <a:t>"Welcome </a:t>
+            </a:r>
+            <a:r>
+              <a:rPr lang="en-US" b="1" dirty="0" smtClean="0"/>
+              <a:t>$HOSTNAME to </a:t>
+            </a:r>
+            <a:r>
+              <a:rPr lang="en-US" b="1" dirty="0" err="1" smtClean="0"/>
+              <a:t>AfNOG</a:t>
+            </a:r>
+            <a:r>
+              <a:rPr lang="en-US" b="1" dirty="0" smtClean="0"/>
+              <a:t> SSE </a:t>
+            </a:r>
+            <a:r>
+              <a:rPr lang="en-US" b="1" dirty="0"/>
+              <a:t>2016</a:t>
+            </a:r>
+            <a:r>
+              <a:rPr lang="en-US" b="1" dirty="0" smtClean="0"/>
+              <a:t>!”</a:t>
+            </a:r>
+          </a:p>
+          <a:p>
+            <a:pPr marL="0" indent="0">
+              <a:buNone/>
+            </a:pPr>
+            <a:r>
+              <a:rPr lang="en-US" b="1" dirty="0"/>
+              <a:t>	</a:t>
+            </a:r>
+            <a:r>
+              <a:rPr lang="en-US" b="1" dirty="0" smtClean="0"/>
+              <a:t>echo “</a:t>
+            </a:r>
+            <a:r>
+              <a:rPr lang="en-US" b="1" dirty="0" err="1" smtClean="0"/>
+              <a:t>AfNOG</a:t>
+            </a:r>
+            <a:r>
+              <a:rPr lang="en-US" b="1" dirty="0" smtClean="0"/>
+              <a:t>!, Success!”</a:t>
+            </a:r>
+          </a:p>
+          <a:p>
+            <a:pPr marL="0" indent="0">
+              <a:buNone/>
+            </a:pPr>
             <a:endParaRPr lang="en-US" b="1" dirty="0" smtClean="0"/>
+          </a:p>
+          <a:p>
+            <a:r>
+              <a:rPr lang="en-US" dirty="0" smtClean="0"/>
+              <a:t>Then </a:t>
+            </a:r>
+            <a:r>
+              <a:rPr lang="en-US" dirty="0" smtClean="0"/>
+              <a:t>Save and Exit</a:t>
+            </a:r>
+          </a:p>
+          <a:p>
+            <a:pPr marL="0" indent="0">
+              <a:buNone/>
+            </a:pPr>
+            <a:r>
+              <a:rPr lang="en-US" dirty="0" smtClean="0"/>
+              <a:t>	</a:t>
+            </a:r>
+            <a:r>
+              <a:rPr lang="en-US" b="1" dirty="0" smtClean="0"/>
+              <a:t>Ctrl </a:t>
+            </a:r>
+            <a:r>
+              <a:rPr lang="en-US" b="1" dirty="0" smtClean="0"/>
+              <a:t>X</a:t>
+            </a:r>
+            <a:r>
+              <a:rPr lang="en-US" dirty="0"/>
+              <a:t> </a:t>
+            </a:r>
+            <a:r>
+              <a:rPr lang="en-US" dirty="0" smtClean="0"/>
+              <a:t>and </a:t>
+            </a:r>
+            <a:r>
+              <a:rPr lang="en-US" dirty="0" smtClean="0"/>
+              <a:t>Then </a:t>
+            </a:r>
+            <a:r>
+              <a:rPr lang="en-US" dirty="0" smtClean="0"/>
+              <a:t>answer </a:t>
+            </a:r>
+            <a:r>
+              <a:rPr lang="en-US" b="1" dirty="0" smtClean="0"/>
+              <a:t>y</a:t>
+            </a:r>
+            <a:r>
+              <a:rPr lang="en-US" dirty="0" smtClean="0"/>
+              <a:t>. </a:t>
+            </a:r>
+            <a:r>
+              <a:rPr lang="en-US" b="1" dirty="0" smtClean="0"/>
+              <a:t>Maintain the same filename (</a:t>
+            </a:r>
+            <a:r>
+              <a:rPr lang="en-US" b="1" dirty="0" smtClean="0"/>
+              <a:t>press enter)</a:t>
+            </a:r>
+          </a:p>
+          <a:p>
+            <a:pPr marL="0" indent="0">
+              <a:buNone/>
+            </a:pPr>
+            <a:endParaRPr lang="en-US" b="1" dirty="0" smtClean="0"/>
+          </a:p>
+          <a:p>
+            <a:r>
+              <a:rPr lang="en-US" dirty="0" smtClean="0"/>
+              <a:t>Change the files permissions</a:t>
+            </a:r>
+            <a:endParaRPr lang="en-US" dirty="0"/>
+          </a:p>
+          <a:p>
+            <a:pPr marL="0" indent="0">
+              <a:buNone/>
+            </a:pPr>
+            <a:r>
+              <a:rPr lang="en-US" dirty="0"/>
+              <a:t>	afnog@debian8:~</a:t>
+            </a:r>
+            <a:r>
+              <a:rPr lang="en-US" dirty="0" smtClean="0"/>
+              <a:t>$ </a:t>
+            </a:r>
+            <a:r>
+              <a:rPr lang="en-US" b="1" dirty="0" err="1" smtClean="0"/>
+              <a:t>chmod</a:t>
+            </a:r>
+            <a:r>
+              <a:rPr lang="en-US" b="1" dirty="0" smtClean="0"/>
+              <a:t> +x test-</a:t>
+            </a:r>
+            <a:r>
+              <a:rPr lang="en-US" b="1" dirty="0" err="1" smtClean="0"/>
+              <a:t>script.sh</a:t>
+            </a:r>
+            <a:endParaRPr lang="en-US" b="1" dirty="0" smtClean="0"/>
+          </a:p>
+          <a:p>
+            <a:pPr marL="0" indent="0">
+              <a:buNone/>
+            </a:pPr>
+            <a:endParaRPr lang="en-US" b="1" dirty="0"/>
+          </a:p>
+          <a:p>
+            <a:r>
+              <a:rPr lang="en-US" dirty="0" smtClean="0"/>
+              <a:t>Run the file</a:t>
+            </a:r>
+            <a:endParaRPr lang="en-US" dirty="0"/>
+          </a:p>
+          <a:p>
+            <a:pPr marL="0" indent="0">
+              <a:buNone/>
+            </a:pPr>
+            <a:r>
+              <a:rPr lang="en-US" dirty="0"/>
+              <a:t>	afnog@debian8:~$ </a:t>
+            </a:r>
+            <a:r>
+              <a:rPr lang="en-US" b="1" dirty="0" smtClean="0"/>
+              <a:t>./test</a:t>
+            </a:r>
+            <a:r>
+              <a:rPr lang="en-US" b="1" dirty="0"/>
+              <a:t>-</a:t>
+            </a:r>
+            <a:r>
+              <a:rPr lang="en-US" b="1" dirty="0" err="1" smtClean="0"/>
+              <a:t>script.sh</a:t>
+            </a:r>
+            <a:endParaRPr lang="en-US" b="1" dirty="0"/>
           </a:p>
         </p:txBody>
       </p:sp>
@@ -5831,7 +6099,130 @@
 </p:sld>
 </file>
 
-<file path=ppt/slides/slide19.xml><?xml version="1.0" encoding="utf-8"?>
+<file path=ppt/slides/slide2.xml><?xml version="1.0" encoding="utf-8"?>
+<p:sld xmlns:a="http://schemas.openxmlformats.org/drawingml/2006/main" xmlns:r="http://schemas.openxmlformats.org/officeDocument/2006/relationships" xmlns:p="http://schemas.openxmlformats.org/presentationml/2006/main">
+  <p:cSld>
+    <p:spTree>
+      <p:nvGrpSpPr>
+        <p:cNvPr id="1" name=""/>
+        <p:cNvGrpSpPr/>
+        <p:nvPr/>
+      </p:nvGrpSpPr>
+      <p:grpSpPr>
+        <a:xfrm>
+          <a:off x="0" y="0"/>
+          <a:ext cx="0" cy="0"/>
+          <a:chOff x="0" y="0"/>
+          <a:chExt cx="0" cy="0"/>
+        </a:xfrm>
+      </p:grpSpPr>
+      <p:sp>
+        <p:nvSpPr>
+          <p:cNvPr id="2" name="Title 1"/>
+          <p:cNvSpPr>
+            <a:spLocks noGrp="1"/>
+          </p:cNvSpPr>
+          <p:nvPr>
+            <p:ph type="title"/>
+          </p:nvPr>
+        </p:nvSpPr>
+        <p:spPr/>
+        <p:txBody>
+          <a:bodyPr/>
+          <a:lstStyle/>
+          <a:p>
+            <a:r>
+              <a:rPr lang="en-US" dirty="0" smtClean="0"/>
+              <a:t>What is SS-E?</a:t>
+            </a:r>
+            <a:endParaRPr lang="en-US" dirty="0"/>
+          </a:p>
+        </p:txBody>
+      </p:sp>
+      <p:sp>
+        <p:nvSpPr>
+          <p:cNvPr id="3" name="Content Placeholder 2"/>
+          <p:cNvSpPr>
+            <a:spLocks noGrp="1"/>
+          </p:cNvSpPr>
+          <p:nvPr>
+            <p:ph idx="1"/>
+          </p:nvPr>
+        </p:nvSpPr>
+        <p:spPr/>
+        <p:txBody>
+          <a:bodyPr>
+            <a:normAutofit/>
+          </a:bodyPr>
+          <a:lstStyle/>
+          <a:p>
+            <a:r>
+              <a:rPr lang="en-US" b="1" dirty="0" smtClean="0"/>
+              <a:t>Scalable Services – English is a track that teaches advanced topics on designing, configuring and managing large scale Internet Services run on UNIX/Linux servers</a:t>
+            </a:r>
+          </a:p>
+          <a:p>
+            <a:r>
+              <a:rPr lang="en-US" dirty="0" smtClean="0"/>
+              <a:t>It builds on Track Zero which covered introductory topics on UNIX/Linux and Internet Services</a:t>
+            </a:r>
+          </a:p>
+          <a:p>
+            <a:r>
+              <a:rPr lang="en-US" b="1" dirty="0" smtClean="0"/>
+              <a:t>What sort of services? </a:t>
+            </a:r>
+          </a:p>
+          <a:p>
+            <a:pPr lvl="1"/>
+            <a:r>
+              <a:rPr lang="en-US" dirty="0" smtClean="0"/>
+              <a:t>DNS, Web Email</a:t>
+            </a:r>
+          </a:p>
+          <a:p>
+            <a:pPr lvl="1"/>
+            <a:r>
+              <a:rPr lang="en-US" dirty="0" smtClean="0"/>
+              <a:t>Monitoring, Authentication</a:t>
+            </a:r>
+          </a:p>
+          <a:p>
+            <a:pPr lvl="1"/>
+            <a:r>
+              <a:rPr lang="en-US" dirty="0" smtClean="0"/>
+              <a:t>Many others</a:t>
+            </a:r>
+          </a:p>
+          <a:p>
+            <a:r>
+              <a:rPr lang="en-US" b="1" dirty="0" smtClean="0"/>
+              <a:t>Basically any service that can be offered on a Linux/UNIX server over the Internet</a:t>
+            </a:r>
+          </a:p>
+        </p:txBody>
+      </p:sp>
+    </p:spTree>
+    <p:extLst>
+      <p:ext uri="{BB962C8B-B14F-4D97-AF65-F5344CB8AC3E}">
+        <p14:creationId xmlns:p14="http://schemas.microsoft.com/office/powerpoint/2010/main" val="3434675883"/>
+      </p:ext>
+    </p:extLst>
+  </p:cSld>
+  <p:clrMapOvr>
+    <a:masterClrMapping/>
+  </p:clrMapOvr>
+  <p:timing>
+    <p:tnLst>
+      <p:par>
+        <p:cTn xmlns:p14="http://schemas.microsoft.com/office/powerpoint/2010/main" id="1" dur="indefinite" restart="never" nodeType="tmRoot"/>
+      </p:par>
+    </p:tnLst>
+  </p:timing>
+</p:sld>
+</file>
+
+<file path=ppt/slides/slide20.xml><?xml version="1.0" encoding="utf-8"?>
 <p:sld xmlns:a="http://schemas.openxmlformats.org/drawingml/2006/main" xmlns:r="http://schemas.openxmlformats.org/officeDocument/2006/relationships" xmlns:p="http://schemas.openxmlformats.org/presentationml/2006/main">
   <p:cSld>
     <p:spTree>
@@ -5974,7 +6365,7 @@
 </p:sld>
 </file>
 
-<file path=ppt/slides/slide2.xml><?xml version="1.0" encoding="utf-8"?>
+<file path=ppt/slides/slide21.xml><?xml version="1.0" encoding="utf-8"?>
 <p:sld xmlns:a="http://schemas.openxmlformats.org/drawingml/2006/main" xmlns:r="http://schemas.openxmlformats.org/officeDocument/2006/relationships" xmlns:p="http://schemas.openxmlformats.org/presentationml/2006/main">
   <p:cSld>
     <p:spTree>
@@ -5993,7 +6384,7 @@
       </p:grpSpPr>
       <p:sp>
         <p:nvSpPr>
-          <p:cNvPr id="2" name="Title 1"/>
+          <p:cNvPr id="4" name="Title 3"/>
           <p:cNvSpPr>
             <a:spLocks noGrp="1"/>
           </p:cNvSpPr>
@@ -6008,7 +6399,7 @@
           <a:p>
             <a:r>
               <a:rPr lang="en-US" dirty="0" smtClean="0"/>
-              <a:t>What is SS-E?</a:t>
+              <a:t>Post-Install best practices</a:t>
             </a:r>
             <a:endParaRPr lang="en-US" dirty="0"/>
           </a:p>
@@ -6016,88 +6407,1142 @@
       </p:sp>
       <p:sp>
         <p:nvSpPr>
-          <p:cNvPr id="3" name="Content Placeholder 2"/>
-          <p:cNvSpPr>
-            <a:spLocks noGrp="1"/>
-          </p:cNvSpPr>
-          <p:nvPr>
-            <p:ph idx="1"/>
+          <p:cNvPr id="5" name="Text Placeholder 4"/>
+          <p:cNvSpPr>
+            <a:spLocks noGrp="1"/>
+          </p:cNvSpPr>
+          <p:nvPr>
+            <p:ph type="body" idx="1"/>
           </p:nvPr>
         </p:nvSpPr>
         <p:spPr/>
         <p:txBody>
-          <a:bodyPr>
-            <a:normAutofit/>
-          </a:bodyPr>
+          <a:bodyPr/>
           <a:lstStyle/>
           <a:p>
-            <a:r>
-              <a:rPr lang="en-US" b="1" dirty="0" smtClean="0"/>
-              <a:t>Scalable Services – English is a track that teaches advanced topics on designing, configuring and managing large scale Internet Services run on UNIX/Linux servers</a:t>
-            </a:r>
-          </a:p>
-          <a:p>
-            <a:r>
-              <a:rPr lang="en-US" dirty="0" smtClean="0"/>
-              <a:t>It builds on Track Zero which covered introductory topics on UNIX/Linux and Internet Services</a:t>
-            </a:r>
-          </a:p>
-          <a:p>
-            <a:r>
-              <a:rPr lang="en-US" b="1" dirty="0" smtClean="0"/>
-              <a:t>What sort of services? </a:t>
-            </a:r>
-          </a:p>
-          <a:p>
-            <a:pPr lvl="1"/>
-            <a:r>
-              <a:rPr lang="en-US" dirty="0" smtClean="0"/>
-              <a:t>DNS, Web Email</a:t>
-            </a:r>
-          </a:p>
-          <a:p>
-            <a:pPr lvl="1"/>
-            <a:r>
-              <a:rPr lang="en-US" dirty="0" smtClean="0"/>
-              <a:t>Monitoring, Authentication</a:t>
-            </a:r>
-          </a:p>
-          <a:p>
-            <a:pPr lvl="1"/>
-            <a:r>
-              <a:rPr lang="en-US" dirty="0" smtClean="0"/>
-              <a:t>Many others</a:t>
-            </a:r>
-          </a:p>
-          <a:p>
-            <a:r>
-              <a:rPr lang="en-US" b="1" dirty="0" smtClean="0"/>
-              <a:t>Basically any service that can be offered on a Linux/UNIX server over the Internet</a:t>
-            </a:r>
+            <a:endParaRPr lang="en-US"/>
           </a:p>
         </p:txBody>
       </p:sp>
     </p:spTree>
     <p:extLst>
       <p:ext uri="{BB962C8B-B14F-4D97-AF65-F5344CB8AC3E}">
-        <p14:creationId xmlns:p14="http://schemas.microsoft.com/office/powerpoint/2010/main" val="3434675883"/>
+        <p14:creationId xmlns:p14="http://schemas.microsoft.com/office/powerpoint/2010/main" val="3681419508"/>
       </p:ext>
     </p:extLst>
   </p:cSld>
   <p:clrMapOvr>
     <a:masterClrMapping/>
   </p:clrMapOvr>
-  <p:timing>
-    <p:tnLst>
-      <p:par>
-        <p:cTn xmlns:p14="http://schemas.microsoft.com/office/powerpoint/2010/main" id="1" dur="indefinite" restart="never" nodeType="tmRoot"/>
-      </p:par>
-    </p:tnLst>
-  </p:timing>
 </p:sld>
 </file>
 
-<file path=ppt/slides/slide20.xml><?xml version="1.0" encoding="utf-8"?>
+<file path=ppt/slides/slide22.xml><?xml version="1.0" encoding="utf-8"?>
+<p:sld xmlns:a="http://schemas.openxmlformats.org/drawingml/2006/main" xmlns:r="http://schemas.openxmlformats.org/officeDocument/2006/relationships" xmlns:p="http://schemas.openxmlformats.org/presentationml/2006/main">
+  <p:cSld>
+    <p:spTree>
+      <p:nvGrpSpPr>
+        <p:cNvPr id="1" name=""/>
+        <p:cNvGrpSpPr/>
+        <p:nvPr/>
+      </p:nvGrpSpPr>
+      <p:grpSpPr>
+        <a:xfrm>
+          <a:off x="0" y="0"/>
+          <a:ext cx="0" cy="0"/>
+          <a:chOff x="0" y="0"/>
+          <a:chExt cx="0" cy="0"/>
+        </a:xfrm>
+      </p:grpSpPr>
+      <p:sp>
+        <p:nvSpPr>
+          <p:cNvPr id="2" name="Title 1"/>
+          <p:cNvSpPr>
+            <a:spLocks noGrp="1"/>
+          </p:cNvSpPr>
+          <p:nvPr>
+            <p:ph type="title"/>
+          </p:nvPr>
+        </p:nvSpPr>
+        <p:spPr/>
+        <p:txBody>
+          <a:bodyPr/>
+          <a:lstStyle/>
+          <a:p>
+            <a:r>
+              <a:rPr lang="en-US" dirty="0" smtClean="0"/>
+              <a:t>Things to do post-install</a:t>
+            </a:r>
+            <a:endParaRPr lang="en-US" dirty="0"/>
+          </a:p>
+        </p:txBody>
+      </p:sp>
+      <p:sp>
+        <p:nvSpPr>
+          <p:cNvPr id="3" name="Content Placeholder 2"/>
+          <p:cNvSpPr>
+            <a:spLocks noGrp="1"/>
+          </p:cNvSpPr>
+          <p:nvPr>
+            <p:ph idx="1"/>
+          </p:nvPr>
+        </p:nvSpPr>
+        <p:spPr>
+          <a:xfrm>
+            <a:off x="457199" y="1600200"/>
+            <a:ext cx="8487503" cy="4876800"/>
+          </a:xfrm>
+        </p:spPr>
+        <p:txBody>
+          <a:bodyPr>
+            <a:normAutofit/>
+          </a:bodyPr>
+          <a:lstStyle/>
+          <a:p>
+            <a:r>
+              <a:rPr lang="en-US" dirty="0" smtClean="0"/>
+              <a:t>1. Update the System</a:t>
+            </a:r>
+          </a:p>
+          <a:p>
+            <a:pPr lvl="1"/>
+            <a:r>
+              <a:rPr lang="en-US" b="1" dirty="0" smtClean="0"/>
+              <a:t>$</a:t>
+            </a:r>
+            <a:r>
+              <a:rPr lang="en-US" b="1" dirty="0" err="1" smtClean="0"/>
+              <a:t>sudo</a:t>
+            </a:r>
+            <a:r>
+              <a:rPr lang="en-US" b="1" dirty="0" smtClean="0"/>
+              <a:t> </a:t>
+            </a:r>
+            <a:r>
+              <a:rPr lang="en-US" b="1" dirty="0" err="1" smtClean="0"/>
+              <a:t>nano</a:t>
+            </a:r>
+            <a:r>
+              <a:rPr lang="en-US" b="1" dirty="0" smtClean="0"/>
+              <a:t> /</a:t>
+            </a:r>
+            <a:r>
+              <a:rPr lang="en-US" b="1" dirty="0" err="1" smtClean="0"/>
+              <a:t>etc</a:t>
+            </a:r>
+            <a:r>
+              <a:rPr lang="en-US" b="1" dirty="0" smtClean="0"/>
+              <a:t>/apt/</a:t>
+            </a:r>
+            <a:r>
+              <a:rPr lang="en-US" b="1" dirty="0" err="1" smtClean="0"/>
+              <a:t>sources.list</a:t>
+            </a:r>
+            <a:endParaRPr lang="en-US" b="1" dirty="0" smtClean="0"/>
+          </a:p>
+          <a:p>
+            <a:pPr lvl="1"/>
+            <a:endParaRPr lang="en-US" b="1" dirty="0" smtClean="0"/>
+          </a:p>
+          <a:p>
+            <a:pPr marL="274320" lvl="1" indent="0">
+              <a:buNone/>
+            </a:pPr>
+            <a:r>
+              <a:rPr lang="en-US" b="1" dirty="0" smtClean="0">
+                <a:solidFill>
+                  <a:srgbClr val="0000FF"/>
+                </a:solidFill>
+              </a:rPr>
+              <a:t>Find</a:t>
+            </a:r>
+          </a:p>
+          <a:p>
+            <a:pPr marL="274320" lvl="1" indent="0">
+              <a:buNone/>
+            </a:pPr>
+            <a:r>
+              <a:rPr lang="en-US" b="1" dirty="0" smtClean="0">
+                <a:solidFill>
+                  <a:srgbClr val="292934"/>
+                </a:solidFill>
+              </a:rPr>
+              <a:t>deb </a:t>
+            </a:r>
+            <a:r>
+              <a:rPr lang="en-US" b="1" dirty="0">
+                <a:solidFill>
+                  <a:srgbClr val="292934"/>
+                </a:solidFill>
+              </a:rPr>
+              <a:t>http://</a:t>
+            </a:r>
+            <a:r>
+              <a:rPr lang="en-US" b="1" dirty="0" err="1">
+                <a:solidFill>
+                  <a:srgbClr val="292934"/>
+                </a:solidFill>
+              </a:rPr>
+              <a:t>httpredir.debian.org</a:t>
+            </a:r>
+            <a:r>
+              <a:rPr lang="en-US" b="1" dirty="0">
+                <a:solidFill>
+                  <a:srgbClr val="292934"/>
+                </a:solidFill>
+              </a:rPr>
+              <a:t>/</a:t>
+            </a:r>
+            <a:r>
+              <a:rPr lang="en-US" b="1" dirty="0" err="1">
+                <a:solidFill>
+                  <a:srgbClr val="292934"/>
+                </a:solidFill>
+              </a:rPr>
+              <a:t>debian</a:t>
+            </a:r>
+            <a:r>
+              <a:rPr lang="en-US" b="1" dirty="0">
+                <a:solidFill>
+                  <a:srgbClr val="292934"/>
+                </a:solidFill>
+              </a:rPr>
+              <a:t>          </a:t>
+            </a:r>
+            <a:r>
+              <a:rPr lang="en-US" b="1" dirty="0" err="1">
+                <a:solidFill>
+                  <a:srgbClr val="292934"/>
+                </a:solidFill>
+              </a:rPr>
+              <a:t>jessie</a:t>
+            </a:r>
+            <a:r>
+              <a:rPr lang="en-US" b="1" dirty="0">
+                <a:solidFill>
+                  <a:srgbClr val="292934"/>
+                </a:solidFill>
+              </a:rPr>
+              <a:t>         </a:t>
+            </a:r>
+            <a:r>
+              <a:rPr lang="en-US" b="1" dirty="0" smtClean="0">
+                <a:solidFill>
+                  <a:srgbClr val="292934"/>
+                </a:solidFill>
+              </a:rPr>
+              <a:t>main</a:t>
+            </a:r>
+          </a:p>
+          <a:p>
+            <a:pPr marL="274320" lvl="1" indent="0">
+              <a:buNone/>
+            </a:pPr>
+            <a:r>
+              <a:rPr lang="en-US" b="1" dirty="0">
+                <a:solidFill>
+                  <a:srgbClr val="292934"/>
+                </a:solidFill>
+              </a:rPr>
+              <a:t>deb http://</a:t>
+            </a:r>
+            <a:r>
+              <a:rPr lang="en-US" b="1" dirty="0" err="1">
+                <a:solidFill>
+                  <a:srgbClr val="292934"/>
+                </a:solidFill>
+              </a:rPr>
+              <a:t>security.debian.org</a:t>
+            </a:r>
+            <a:r>
+              <a:rPr lang="en-US" b="1" dirty="0">
+                <a:solidFill>
+                  <a:srgbClr val="292934"/>
+                </a:solidFill>
+              </a:rPr>
+              <a:t>/ </a:t>
+            </a:r>
+            <a:r>
+              <a:rPr lang="en-US" b="1" dirty="0" err="1">
+                <a:solidFill>
+                  <a:srgbClr val="292934"/>
+                </a:solidFill>
+              </a:rPr>
+              <a:t>jessie</a:t>
+            </a:r>
+            <a:r>
+              <a:rPr lang="en-US" b="1" dirty="0">
+                <a:solidFill>
+                  <a:srgbClr val="292934"/>
+                </a:solidFill>
+              </a:rPr>
+              <a:t>/updates </a:t>
+            </a:r>
+            <a:r>
+              <a:rPr lang="en-US" b="1" dirty="0" smtClean="0">
+                <a:solidFill>
+                  <a:srgbClr val="292934"/>
+                </a:solidFill>
+              </a:rPr>
+              <a:t>main</a:t>
+            </a:r>
+          </a:p>
+          <a:p>
+            <a:pPr marL="274320" lvl="1" indent="0">
+              <a:buNone/>
+            </a:pPr>
+            <a:endParaRPr lang="en-US" b="1" dirty="0">
+              <a:solidFill>
+                <a:srgbClr val="0000FF"/>
+              </a:solidFill>
+            </a:endParaRPr>
+          </a:p>
+          <a:p>
+            <a:pPr marL="274320" lvl="1" indent="0">
+              <a:buNone/>
+            </a:pPr>
+            <a:r>
+              <a:rPr lang="en-US" b="1" dirty="0" smtClean="0">
+                <a:solidFill>
+                  <a:srgbClr val="0000FF"/>
+                </a:solidFill>
+              </a:rPr>
+              <a:t>Add “</a:t>
+            </a:r>
+            <a:r>
+              <a:rPr lang="en-US" b="1" dirty="0" err="1" smtClean="0">
+                <a:solidFill>
+                  <a:srgbClr val="0000FF"/>
+                </a:solidFill>
+              </a:rPr>
+              <a:t>contrib</a:t>
+            </a:r>
+            <a:r>
+              <a:rPr lang="en-US" b="1" dirty="0" smtClean="0">
+                <a:solidFill>
+                  <a:srgbClr val="0000FF"/>
+                </a:solidFill>
+              </a:rPr>
+              <a:t>” and “non-free” repositories to look as follows (use tab key);</a:t>
+            </a:r>
+          </a:p>
+          <a:p>
+            <a:pPr marL="274320" lvl="1" indent="0">
+              <a:buNone/>
+            </a:pPr>
+            <a:endParaRPr lang="en-US" b="1" dirty="0" smtClean="0">
+              <a:solidFill>
+                <a:srgbClr val="0000FF"/>
+              </a:solidFill>
+            </a:endParaRPr>
+          </a:p>
+          <a:p>
+            <a:pPr marL="274320" lvl="1" indent="0">
+              <a:buNone/>
+            </a:pPr>
+            <a:r>
+              <a:rPr lang="en-US" b="1" dirty="0"/>
+              <a:t>deb http://</a:t>
+            </a:r>
+            <a:r>
+              <a:rPr lang="en-US" b="1" dirty="0" err="1"/>
+              <a:t>httpredir.debian.org</a:t>
+            </a:r>
+            <a:r>
+              <a:rPr lang="en-US" b="1" dirty="0"/>
+              <a:t>/</a:t>
+            </a:r>
+            <a:r>
+              <a:rPr lang="en-US" b="1" dirty="0" err="1"/>
+              <a:t>debian</a:t>
+            </a:r>
+            <a:r>
+              <a:rPr lang="en-US" b="1" dirty="0"/>
+              <a:t>  </a:t>
+            </a:r>
+            <a:r>
+              <a:rPr lang="en-US" b="1" dirty="0" err="1" smtClean="0"/>
+              <a:t>jessie</a:t>
+            </a:r>
+            <a:r>
+              <a:rPr lang="en-US" b="1" dirty="0" smtClean="0"/>
+              <a:t>   main  </a:t>
+            </a:r>
+            <a:r>
+              <a:rPr lang="en-US" b="1" dirty="0" err="1" smtClean="0"/>
+              <a:t>contrib</a:t>
+            </a:r>
+            <a:r>
+              <a:rPr lang="en-US" b="1" dirty="0" smtClean="0"/>
+              <a:t>  non-free</a:t>
+            </a:r>
+            <a:endParaRPr lang="en-US" b="1" dirty="0"/>
+          </a:p>
+          <a:p>
+            <a:pPr marL="274320" lvl="1" indent="0">
+              <a:buNone/>
+            </a:pPr>
+            <a:r>
+              <a:rPr lang="en-US" b="1" dirty="0"/>
+              <a:t>deb http://</a:t>
+            </a:r>
+            <a:r>
+              <a:rPr lang="en-US" b="1" dirty="0" err="1"/>
+              <a:t>security.debian.org</a:t>
+            </a:r>
+            <a:r>
+              <a:rPr lang="en-US" b="1" dirty="0"/>
+              <a:t>/ </a:t>
+            </a:r>
+            <a:r>
+              <a:rPr lang="en-US" b="1" dirty="0" err="1"/>
+              <a:t>jessie</a:t>
+            </a:r>
+            <a:r>
+              <a:rPr lang="en-US" b="1" dirty="0"/>
+              <a:t>/updates </a:t>
+            </a:r>
+            <a:r>
+              <a:rPr lang="en-US" b="1" dirty="0" smtClean="0"/>
+              <a:t>main </a:t>
+            </a:r>
+            <a:r>
+              <a:rPr lang="en-US" b="1" dirty="0" err="1" smtClean="0"/>
+              <a:t>contrib</a:t>
+            </a:r>
+            <a:r>
+              <a:rPr lang="en-US" b="1" dirty="0" smtClean="0"/>
+              <a:t> non</a:t>
+            </a:r>
+            <a:r>
+              <a:rPr lang="en-US" b="1" dirty="0"/>
+              <a:t>-</a:t>
+            </a:r>
+            <a:r>
+              <a:rPr lang="en-US" b="1" dirty="0" smtClean="0"/>
+              <a:t>free</a:t>
+            </a:r>
+            <a:endParaRPr lang="en-US" b="1" dirty="0"/>
+          </a:p>
+          <a:p>
+            <a:pPr marL="274320" lvl="1" indent="0">
+              <a:buNone/>
+            </a:pPr>
+            <a:endParaRPr lang="en-US" b="1" dirty="0" smtClean="0">
+              <a:solidFill>
+                <a:srgbClr val="0000FF"/>
+              </a:solidFill>
+            </a:endParaRPr>
+          </a:p>
+          <a:p>
+            <a:pPr marL="274320" lvl="1" indent="0">
+              <a:buNone/>
+            </a:pPr>
+            <a:endParaRPr lang="en-US" b="1" dirty="0" smtClean="0">
+              <a:solidFill>
+                <a:srgbClr val="0000FF"/>
+              </a:solidFill>
+            </a:endParaRPr>
+          </a:p>
+          <a:p>
+            <a:pPr marL="274320" lvl="1" indent="0">
+              <a:buNone/>
+            </a:pPr>
+            <a:endParaRPr lang="en-US" b="1" dirty="0" smtClean="0">
+              <a:solidFill>
+                <a:srgbClr val="0000FF"/>
+              </a:solidFill>
+            </a:endParaRPr>
+          </a:p>
+          <a:p>
+            <a:pPr marL="274320" lvl="1" indent="0">
+              <a:buNone/>
+            </a:pPr>
+            <a:endParaRPr lang="en-US" b="1" dirty="0" smtClean="0"/>
+          </a:p>
+          <a:p>
+            <a:pPr marL="0" indent="0">
+              <a:buNone/>
+            </a:pPr>
+            <a:endParaRPr lang="en-US" b="1" dirty="0"/>
+          </a:p>
+        </p:txBody>
+      </p:sp>
+    </p:spTree>
+    <p:extLst>
+      <p:ext uri="{BB962C8B-B14F-4D97-AF65-F5344CB8AC3E}">
+        <p14:creationId xmlns:p14="http://schemas.microsoft.com/office/powerpoint/2010/main" val="3858695653"/>
+      </p:ext>
+    </p:extLst>
+  </p:cSld>
+  <p:clrMapOvr>
+    <a:masterClrMapping/>
+  </p:clrMapOvr>
+</p:sld>
+</file>
+
+<file path=ppt/slides/slide23.xml><?xml version="1.0" encoding="utf-8"?>
+<p:sld xmlns:a="http://schemas.openxmlformats.org/drawingml/2006/main" xmlns:r="http://schemas.openxmlformats.org/officeDocument/2006/relationships" xmlns:p="http://schemas.openxmlformats.org/presentationml/2006/main">
+  <p:cSld>
+    <p:spTree>
+      <p:nvGrpSpPr>
+        <p:cNvPr id="1" name=""/>
+        <p:cNvGrpSpPr/>
+        <p:nvPr/>
+      </p:nvGrpSpPr>
+      <p:grpSpPr>
+        <a:xfrm>
+          <a:off x="0" y="0"/>
+          <a:ext cx="0" cy="0"/>
+          <a:chOff x="0" y="0"/>
+          <a:chExt cx="0" cy="0"/>
+        </a:xfrm>
+      </p:grpSpPr>
+      <p:sp>
+        <p:nvSpPr>
+          <p:cNvPr id="2" name="Title 1"/>
+          <p:cNvSpPr>
+            <a:spLocks noGrp="1"/>
+          </p:cNvSpPr>
+          <p:nvPr>
+            <p:ph type="title"/>
+          </p:nvPr>
+        </p:nvSpPr>
+        <p:spPr/>
+        <p:txBody>
+          <a:bodyPr/>
+          <a:lstStyle/>
+          <a:p>
+            <a:r>
+              <a:rPr lang="en-US" dirty="0" smtClean="0"/>
+              <a:t>Things to do post-install</a:t>
+            </a:r>
+            <a:endParaRPr lang="en-US" dirty="0"/>
+          </a:p>
+        </p:txBody>
+      </p:sp>
+      <p:sp>
+        <p:nvSpPr>
+          <p:cNvPr id="3" name="Content Placeholder 2"/>
+          <p:cNvSpPr>
+            <a:spLocks noGrp="1"/>
+          </p:cNvSpPr>
+          <p:nvPr>
+            <p:ph idx="1"/>
+          </p:nvPr>
+        </p:nvSpPr>
+        <p:spPr/>
+        <p:txBody>
+          <a:bodyPr>
+            <a:normAutofit fontScale="92500" lnSpcReduction="10000"/>
+          </a:bodyPr>
+          <a:lstStyle/>
+          <a:p>
+            <a:r>
+              <a:rPr lang="en-US" dirty="0"/>
+              <a:t>2</a:t>
+            </a:r>
+            <a:r>
+              <a:rPr lang="en-US" dirty="0" smtClean="0"/>
+              <a:t>. Update the System</a:t>
+            </a:r>
+          </a:p>
+          <a:p>
+            <a:pPr lvl="1"/>
+            <a:r>
+              <a:rPr lang="en-US" b="1" dirty="0"/>
+              <a:t>$</a:t>
+            </a:r>
+            <a:r>
+              <a:rPr lang="en-US" b="1" dirty="0" err="1" smtClean="0"/>
+              <a:t>sudo</a:t>
+            </a:r>
+            <a:r>
+              <a:rPr lang="en-US" b="1" dirty="0" smtClean="0"/>
+              <a:t> apt-get update</a:t>
+            </a:r>
+          </a:p>
+          <a:p>
+            <a:pPr lvl="1"/>
+            <a:r>
+              <a:rPr lang="en-US" b="1" dirty="0" smtClean="0"/>
+              <a:t>$</a:t>
+            </a:r>
+            <a:r>
+              <a:rPr lang="en-US" b="1" dirty="0" err="1" smtClean="0"/>
+              <a:t>sudo</a:t>
+            </a:r>
+            <a:r>
+              <a:rPr lang="en-US" b="1" dirty="0" smtClean="0"/>
+              <a:t> apt-get upgrade</a:t>
+            </a:r>
+          </a:p>
+          <a:p>
+            <a:pPr lvl="1"/>
+            <a:endParaRPr lang="en-US" b="1" dirty="0"/>
+          </a:p>
+          <a:p>
+            <a:r>
+              <a:rPr lang="en-US" dirty="0" smtClean="0"/>
+              <a:t>3. Install SSH (If it was not installed during system installation)</a:t>
+            </a:r>
+            <a:endParaRPr lang="en-US" dirty="0"/>
+          </a:p>
+          <a:p>
+            <a:pPr lvl="1"/>
+            <a:r>
+              <a:rPr lang="en-US" b="1" dirty="0"/>
+              <a:t>$</a:t>
+            </a:r>
+            <a:r>
+              <a:rPr lang="en-US" b="1" dirty="0" err="1"/>
+              <a:t>sudo</a:t>
+            </a:r>
+            <a:r>
+              <a:rPr lang="en-US" b="1" dirty="0"/>
+              <a:t> </a:t>
+            </a:r>
+            <a:r>
+              <a:rPr lang="en-US" b="1" dirty="0" smtClean="0"/>
+              <a:t>apt-get install </a:t>
+            </a:r>
+            <a:r>
+              <a:rPr lang="en-US" b="1" dirty="0" err="1" smtClean="0"/>
+              <a:t>openssh</a:t>
+            </a:r>
+            <a:r>
+              <a:rPr lang="en-US" b="1" dirty="0" smtClean="0"/>
+              <a:t>-server</a:t>
+            </a:r>
+            <a:endParaRPr lang="en-US" b="1" dirty="0"/>
+          </a:p>
+          <a:p>
+            <a:pPr lvl="1"/>
+            <a:r>
+              <a:rPr lang="en-US" b="1" dirty="0"/>
+              <a:t>$</a:t>
+            </a:r>
+            <a:r>
+              <a:rPr lang="en-US" b="1" dirty="0" err="1"/>
+              <a:t>sudo</a:t>
+            </a:r>
+            <a:r>
+              <a:rPr lang="en-US" b="1" dirty="0"/>
+              <a:t> service exim4 stop </a:t>
+            </a:r>
+          </a:p>
+          <a:p>
+            <a:pPr marL="0" indent="0">
+              <a:buNone/>
+            </a:pPr>
+            <a:endParaRPr lang="en-US" dirty="0"/>
+          </a:p>
+          <a:p>
+            <a:r>
+              <a:rPr lang="en-US" dirty="0"/>
+              <a:t>4</a:t>
+            </a:r>
+            <a:r>
+              <a:rPr lang="en-US" dirty="0" smtClean="0"/>
+              <a:t>. Disable unwanted Services</a:t>
+            </a:r>
+          </a:p>
+          <a:p>
+            <a:pPr lvl="1"/>
+            <a:r>
+              <a:rPr lang="en-US" b="1" dirty="0" smtClean="0"/>
+              <a:t>$</a:t>
+            </a:r>
+            <a:r>
+              <a:rPr lang="en-US" b="1" dirty="0" err="1" smtClean="0"/>
+              <a:t>sudo</a:t>
+            </a:r>
+            <a:r>
+              <a:rPr lang="en-US" b="1" dirty="0" smtClean="0"/>
+              <a:t> service  - - status-all </a:t>
+            </a:r>
+          </a:p>
+          <a:p>
+            <a:pPr lvl="1"/>
+            <a:r>
+              <a:rPr lang="en-US" b="1" dirty="0" smtClean="0"/>
+              <a:t>$</a:t>
+            </a:r>
+            <a:r>
+              <a:rPr lang="en-US" b="1" dirty="0" err="1" smtClean="0"/>
+              <a:t>sudo</a:t>
+            </a:r>
+            <a:r>
+              <a:rPr lang="en-US" b="1" dirty="0" smtClean="0"/>
+              <a:t> service exim4 stop </a:t>
+            </a:r>
+          </a:p>
+          <a:p>
+            <a:pPr marL="274320" lvl="1" indent="0">
+              <a:buNone/>
+            </a:pPr>
+            <a:endParaRPr lang="en-US" b="1" dirty="0"/>
+          </a:p>
+          <a:p>
+            <a:r>
+              <a:rPr lang="en-US" dirty="0" smtClean="0"/>
+              <a:t>5. </a:t>
+            </a:r>
+            <a:r>
+              <a:rPr lang="en-US" dirty="0"/>
+              <a:t>Check Listening Network Ports</a:t>
+            </a:r>
+          </a:p>
+          <a:p>
+            <a:pPr lvl="1"/>
+            <a:r>
+              <a:rPr lang="en-US" b="1" dirty="0"/>
+              <a:t>$</a:t>
+            </a:r>
+            <a:r>
+              <a:rPr lang="en-US" b="1" dirty="0" err="1"/>
+              <a:t>sudo</a:t>
+            </a:r>
+            <a:r>
+              <a:rPr lang="en-US" b="1" dirty="0"/>
+              <a:t> </a:t>
+            </a:r>
+            <a:r>
+              <a:rPr lang="en-US" b="1" dirty="0" err="1"/>
+              <a:t>netstat</a:t>
+            </a:r>
+            <a:r>
+              <a:rPr lang="en-US" b="1" dirty="0"/>
+              <a:t> –</a:t>
+            </a:r>
+            <a:r>
+              <a:rPr lang="en-US" b="1" dirty="0" err="1" smtClean="0"/>
+              <a:t>tulpn</a:t>
+            </a:r>
+            <a:endParaRPr lang="en-US" b="1" dirty="0"/>
+          </a:p>
+        </p:txBody>
+      </p:sp>
+    </p:spTree>
+    <p:extLst>
+      <p:ext uri="{BB962C8B-B14F-4D97-AF65-F5344CB8AC3E}">
+        <p14:creationId xmlns:p14="http://schemas.microsoft.com/office/powerpoint/2010/main" val="873403326"/>
+      </p:ext>
+    </p:extLst>
+  </p:cSld>
+  <p:clrMapOvr>
+    <a:masterClrMapping/>
+  </p:clrMapOvr>
+</p:sld>
+</file>
+
+<file path=ppt/slides/slide24.xml><?xml version="1.0" encoding="utf-8"?>
+<p:sld xmlns:a="http://schemas.openxmlformats.org/drawingml/2006/main" xmlns:r="http://schemas.openxmlformats.org/officeDocument/2006/relationships" xmlns:p="http://schemas.openxmlformats.org/presentationml/2006/main">
+  <p:cSld>
+    <p:spTree>
+      <p:nvGrpSpPr>
+        <p:cNvPr id="1" name=""/>
+        <p:cNvGrpSpPr/>
+        <p:nvPr/>
+      </p:nvGrpSpPr>
+      <p:grpSpPr>
+        <a:xfrm>
+          <a:off x="0" y="0"/>
+          <a:ext cx="0" cy="0"/>
+          <a:chOff x="0" y="0"/>
+          <a:chExt cx="0" cy="0"/>
+        </a:xfrm>
+      </p:grpSpPr>
+      <p:sp>
+        <p:nvSpPr>
+          <p:cNvPr id="2" name="Title 1"/>
+          <p:cNvSpPr>
+            <a:spLocks noGrp="1"/>
+          </p:cNvSpPr>
+          <p:nvPr>
+            <p:ph type="title"/>
+          </p:nvPr>
+        </p:nvSpPr>
+        <p:spPr/>
+        <p:txBody>
+          <a:bodyPr/>
+          <a:lstStyle/>
+          <a:p>
+            <a:r>
+              <a:rPr lang="en-US" dirty="0" smtClean="0"/>
+              <a:t>Things to do post-install</a:t>
+            </a:r>
+            <a:endParaRPr lang="en-US" dirty="0"/>
+          </a:p>
+        </p:txBody>
+      </p:sp>
+      <p:sp>
+        <p:nvSpPr>
+          <p:cNvPr id="3" name="Content Placeholder 2"/>
+          <p:cNvSpPr>
+            <a:spLocks noGrp="1"/>
+          </p:cNvSpPr>
+          <p:nvPr>
+            <p:ph idx="1"/>
+          </p:nvPr>
+        </p:nvSpPr>
+        <p:spPr/>
+        <p:txBody>
+          <a:bodyPr>
+            <a:normAutofit fontScale="85000" lnSpcReduction="20000"/>
+          </a:bodyPr>
+          <a:lstStyle/>
+          <a:p>
+            <a:r>
+              <a:rPr lang="en-US" dirty="0"/>
+              <a:t>6</a:t>
+            </a:r>
+            <a:r>
+              <a:rPr lang="en-US" dirty="0" smtClean="0"/>
+              <a:t>. </a:t>
+            </a:r>
+            <a:r>
+              <a:rPr lang="en-US" dirty="0"/>
+              <a:t>Disable Remote SSH Root User Login</a:t>
+            </a:r>
+          </a:p>
+          <a:p>
+            <a:pPr lvl="1"/>
+            <a:r>
+              <a:rPr lang="en-US" b="1" dirty="0"/>
+              <a:t>$</a:t>
+            </a:r>
+            <a:r>
+              <a:rPr lang="en-US" b="1" dirty="0" err="1"/>
+              <a:t>sudo</a:t>
+            </a:r>
+            <a:r>
+              <a:rPr lang="en-US" b="1" dirty="0"/>
+              <a:t> </a:t>
+            </a:r>
+            <a:r>
+              <a:rPr lang="en-US" b="1" dirty="0" err="1"/>
+              <a:t>nano</a:t>
+            </a:r>
+            <a:r>
+              <a:rPr lang="en-US" b="1" dirty="0"/>
+              <a:t> /</a:t>
+            </a:r>
+            <a:r>
+              <a:rPr lang="en-US" b="1" dirty="0" err="1"/>
+              <a:t>etc</a:t>
+            </a:r>
+            <a:r>
+              <a:rPr lang="en-US" b="1" dirty="0"/>
+              <a:t>/</a:t>
+            </a:r>
+            <a:r>
+              <a:rPr lang="en-US" b="1" dirty="0" err="1"/>
+              <a:t>ssh</a:t>
+            </a:r>
+            <a:r>
+              <a:rPr lang="en-US" b="1" dirty="0"/>
+              <a:t>/</a:t>
+            </a:r>
+            <a:r>
+              <a:rPr lang="en-US" b="1" dirty="0" err="1"/>
+              <a:t>sshd_config</a:t>
+            </a:r>
+            <a:endParaRPr lang="en-US" b="1" dirty="0"/>
+          </a:p>
+          <a:p>
+            <a:pPr lvl="1"/>
+            <a:r>
+              <a:rPr lang="en-US" i="1" dirty="0">
+                <a:solidFill>
+                  <a:srgbClr val="0000FF"/>
+                </a:solidFill>
+              </a:rPr>
+              <a:t>Change line or if missing Add the line (use  </a:t>
+            </a:r>
+          </a:p>
+          <a:p>
+            <a:pPr lvl="1"/>
+            <a:r>
+              <a:rPr lang="en-US" dirty="0" err="1"/>
+              <a:t>PermitRootLogin</a:t>
+            </a:r>
+            <a:r>
+              <a:rPr lang="en-US" dirty="0"/>
+              <a:t> without-password</a:t>
+            </a:r>
+            <a:r>
+              <a:rPr lang="en-US" b="1" dirty="0"/>
+              <a:t> </a:t>
+            </a:r>
+            <a:r>
+              <a:rPr lang="en-US" dirty="0"/>
+              <a:t>    </a:t>
+            </a:r>
+            <a:r>
+              <a:rPr lang="en-US" dirty="0">
+                <a:solidFill>
+                  <a:srgbClr val="0000FF"/>
+                </a:solidFill>
+                <a:sym typeface="Wingdings"/>
+              </a:rPr>
+              <a:t></a:t>
+            </a:r>
+            <a:r>
+              <a:rPr lang="en-US" dirty="0">
+                <a:sym typeface="Wingdings"/>
+              </a:rPr>
+              <a:t>        </a:t>
+            </a:r>
+            <a:r>
+              <a:rPr lang="en-US" dirty="0" err="1"/>
+              <a:t>PermitRootLogin</a:t>
+            </a:r>
+            <a:r>
+              <a:rPr lang="en-US" dirty="0"/>
+              <a:t> no</a:t>
+            </a:r>
+          </a:p>
+          <a:p>
+            <a:pPr lvl="1"/>
+            <a:r>
+              <a:rPr lang="en-US" b="1" dirty="0"/>
+              <a:t>$</a:t>
+            </a:r>
+            <a:r>
+              <a:rPr lang="en-US" b="1" dirty="0" err="1"/>
+              <a:t>sudo</a:t>
+            </a:r>
+            <a:r>
+              <a:rPr lang="en-US" b="1" dirty="0"/>
+              <a:t> service </a:t>
+            </a:r>
+            <a:r>
+              <a:rPr lang="en-US" b="1" dirty="0" err="1"/>
+              <a:t>sshd</a:t>
+            </a:r>
+            <a:r>
+              <a:rPr lang="en-US" b="1" dirty="0"/>
+              <a:t> </a:t>
+            </a:r>
+            <a:r>
+              <a:rPr lang="en-US" b="1" dirty="0" smtClean="0"/>
+              <a:t>restart</a:t>
+            </a:r>
+          </a:p>
+          <a:p>
+            <a:pPr lvl="1"/>
+            <a:endParaRPr lang="en-US" b="1" dirty="0"/>
+          </a:p>
+          <a:p>
+            <a:r>
+              <a:rPr lang="en-US" dirty="0" smtClean="0"/>
+              <a:t>7. Configure NTP Server</a:t>
+            </a:r>
+            <a:endParaRPr lang="en-US" dirty="0"/>
+          </a:p>
+          <a:p>
+            <a:pPr lvl="1"/>
+            <a:r>
+              <a:rPr lang="en-US" b="1" dirty="0"/>
+              <a:t>$</a:t>
+            </a:r>
+            <a:r>
+              <a:rPr lang="en-US" b="1" dirty="0" err="1"/>
+              <a:t>sudo</a:t>
+            </a:r>
+            <a:r>
+              <a:rPr lang="en-US" b="1" dirty="0"/>
+              <a:t> </a:t>
+            </a:r>
+            <a:r>
+              <a:rPr lang="en-US" b="1" dirty="0" smtClean="0"/>
+              <a:t>apt-get install </a:t>
+            </a:r>
+            <a:r>
+              <a:rPr lang="en-US" b="1" dirty="0" err="1" smtClean="0"/>
+              <a:t>ntp</a:t>
+            </a:r>
+            <a:endParaRPr lang="en-US" b="1" dirty="0" smtClean="0"/>
+          </a:p>
+          <a:p>
+            <a:pPr lvl="1"/>
+            <a:r>
+              <a:rPr lang="en-US" dirty="0" smtClean="0"/>
+              <a:t>(optional but necessary) Edit </a:t>
+            </a:r>
+            <a:r>
+              <a:rPr lang="en-US" dirty="0" err="1" smtClean="0"/>
+              <a:t>ntp</a:t>
+            </a:r>
+            <a:r>
+              <a:rPr lang="en-US" dirty="0" smtClean="0"/>
+              <a:t> servers and put local ones</a:t>
+            </a:r>
+          </a:p>
+          <a:p>
+            <a:pPr lvl="1"/>
+            <a:r>
+              <a:rPr lang="en-US" dirty="0" smtClean="0"/>
+              <a:t>$</a:t>
+            </a:r>
+            <a:r>
+              <a:rPr lang="en-US" dirty="0" err="1" smtClean="0"/>
+              <a:t>sudo</a:t>
+            </a:r>
+            <a:r>
+              <a:rPr lang="en-US" dirty="0" smtClean="0"/>
+              <a:t> </a:t>
+            </a:r>
+            <a:r>
+              <a:rPr lang="en-US" dirty="0" err="1" smtClean="0"/>
+              <a:t>nano</a:t>
+            </a:r>
+            <a:r>
+              <a:rPr lang="en-US" dirty="0" smtClean="0"/>
+              <a:t> /</a:t>
+            </a:r>
+            <a:r>
+              <a:rPr lang="en-US" dirty="0" err="1" smtClean="0"/>
+              <a:t>etc</a:t>
+            </a:r>
+            <a:r>
+              <a:rPr lang="en-US" dirty="0" smtClean="0"/>
+              <a:t>/</a:t>
+            </a:r>
+            <a:r>
+              <a:rPr lang="en-US" dirty="0" err="1" smtClean="0"/>
+              <a:t>ntp.conf</a:t>
+            </a:r>
+            <a:endParaRPr lang="en-US" dirty="0" smtClean="0"/>
+          </a:p>
+          <a:p>
+            <a:pPr lvl="2"/>
+            <a:r>
+              <a:rPr lang="en-US" dirty="0" smtClean="0"/>
+              <a:t>Comment “server” sections or replace server with a local/internal one</a:t>
+            </a:r>
+            <a:endParaRPr lang="en-US" dirty="0"/>
+          </a:p>
+          <a:p>
+            <a:pPr lvl="1"/>
+            <a:r>
+              <a:rPr lang="en-US" b="1" dirty="0" smtClean="0"/>
+              <a:t>$</a:t>
+            </a:r>
+            <a:r>
+              <a:rPr lang="en-US" b="1" dirty="0" err="1"/>
+              <a:t>sudo</a:t>
+            </a:r>
+            <a:r>
+              <a:rPr lang="en-US" b="1" dirty="0"/>
+              <a:t> service </a:t>
+            </a:r>
+            <a:r>
+              <a:rPr lang="en-US" b="1" dirty="0" err="1" smtClean="0"/>
+              <a:t>ntp</a:t>
+            </a:r>
+            <a:r>
+              <a:rPr lang="en-US" b="1" dirty="0" smtClean="0"/>
+              <a:t> start</a:t>
+            </a:r>
+          </a:p>
+          <a:p>
+            <a:pPr lvl="1"/>
+            <a:r>
+              <a:rPr lang="en-US" b="1" dirty="0" smtClean="0"/>
+              <a:t>$</a:t>
+            </a:r>
+            <a:r>
+              <a:rPr lang="en-US" b="1" dirty="0" err="1" smtClean="0"/>
+              <a:t>ntpdc</a:t>
+            </a:r>
+            <a:r>
+              <a:rPr lang="en-US" b="1" dirty="0" smtClean="0"/>
+              <a:t> –</a:t>
+            </a:r>
+            <a:r>
+              <a:rPr lang="en-US" b="1" dirty="0" err="1" smtClean="0"/>
+              <a:t>pn</a:t>
+            </a:r>
+            <a:endParaRPr lang="en-US" b="1" dirty="0" smtClean="0"/>
+          </a:p>
+          <a:p>
+            <a:pPr lvl="1"/>
+            <a:r>
+              <a:rPr lang="en-US" b="1" dirty="0" smtClean="0"/>
+              <a:t>$</a:t>
+            </a:r>
+            <a:r>
+              <a:rPr lang="en-US" b="1" dirty="0" err="1" smtClean="0"/>
+              <a:t>ntpq</a:t>
+            </a:r>
+            <a:r>
+              <a:rPr lang="en-US" b="1" dirty="0" smtClean="0"/>
+              <a:t> –</a:t>
+            </a:r>
+            <a:r>
+              <a:rPr lang="en-US" b="1" dirty="0" err="1" smtClean="0"/>
+              <a:t>pn</a:t>
+            </a:r>
+            <a:endParaRPr lang="en-US" b="1" dirty="0"/>
+          </a:p>
+          <a:p>
+            <a:pPr marL="0" indent="0">
+              <a:buNone/>
+            </a:pPr>
+            <a:endParaRPr lang="en-US" b="1" dirty="0" smtClean="0"/>
+          </a:p>
+          <a:p>
+            <a:r>
+              <a:rPr lang="en-US" b="1" dirty="0"/>
+              <a:t>More here: </a:t>
+            </a:r>
+            <a:endParaRPr lang="en-US" b="1" dirty="0" smtClean="0"/>
+          </a:p>
+          <a:p>
+            <a:pPr marL="0" indent="0">
+              <a:buNone/>
+            </a:pPr>
+            <a:r>
+              <a:rPr lang="en-US" b="1" dirty="0" smtClean="0">
+                <a:hlinkClick r:id="rId2"/>
+              </a:rPr>
+              <a:t>https</a:t>
+            </a:r>
+            <a:r>
+              <a:rPr lang="en-US" b="1" dirty="0">
+                <a:hlinkClick r:id="rId2"/>
+              </a:rPr>
+              <a:t>://www.debian.org/doc/manuals/securing-debian-howto</a:t>
+            </a:r>
+            <a:r>
+              <a:rPr lang="en-US" b="1" dirty="0" smtClean="0">
+                <a:hlinkClick r:id="rId2"/>
+              </a:rPr>
+              <a:t>/</a:t>
+            </a:r>
+            <a:endParaRPr lang="en-US" b="1" dirty="0" smtClean="0"/>
+          </a:p>
+          <a:p>
+            <a:endParaRPr lang="en-US" dirty="0" smtClean="0"/>
+          </a:p>
+        </p:txBody>
+      </p:sp>
+    </p:spTree>
+    <p:extLst>
+      <p:ext uri="{BB962C8B-B14F-4D97-AF65-F5344CB8AC3E}">
+        <p14:creationId xmlns:p14="http://schemas.microsoft.com/office/powerpoint/2010/main" val="3587916233"/>
+      </p:ext>
+    </p:extLst>
+  </p:cSld>
+  <p:clrMapOvr>
+    <a:masterClrMapping/>
+  </p:clrMapOvr>
+</p:sld>
+</file>
+
+<file path=ppt/slides/slide25.xml><?xml version="1.0" encoding="utf-8"?>
 <p:sld xmlns:a="http://schemas.openxmlformats.org/drawingml/2006/main" xmlns:r="http://schemas.openxmlformats.org/officeDocument/2006/relationships" xmlns:p="http://schemas.openxmlformats.org/presentationml/2006/main">
   <p:cSld>
     <p:spTree>
@@ -6241,6 +7686,70 @@
           <a:lstStyle/>
           <a:p>
             <a:r>
+              <a:rPr lang="en-US" dirty="0" err="1" smtClean="0"/>
+              <a:t>Ayitey</a:t>
+            </a:r>
+            <a:r>
+              <a:rPr lang="en-US" dirty="0" smtClean="0"/>
+              <a:t> A. </a:t>
+            </a:r>
+            <a:r>
+              <a:rPr lang="en-US" dirty="0" err="1" smtClean="0"/>
+              <a:t>Bulley</a:t>
+            </a:r>
+            <a:r>
+              <a:rPr lang="en-US" dirty="0" smtClean="0"/>
+              <a:t> - Ghana</a:t>
+            </a:r>
+          </a:p>
+          <a:p>
+            <a:r>
+              <a:rPr lang="en-US" dirty="0"/>
+              <a:t>Chris Wilson – </a:t>
+            </a:r>
+            <a:r>
+              <a:rPr lang="en-US" dirty="0" smtClean="0"/>
+              <a:t>UK</a:t>
+            </a:r>
+          </a:p>
+          <a:p>
+            <a:r>
+              <a:rPr lang="en-US" dirty="0" smtClean="0"/>
+              <a:t>Emmanuel </a:t>
+            </a:r>
+            <a:r>
+              <a:rPr lang="en-US" dirty="0" err="1"/>
+              <a:t>Odoom</a:t>
+            </a:r>
+            <a:r>
+              <a:rPr lang="en-US" dirty="0"/>
+              <a:t> - </a:t>
+            </a:r>
+            <a:r>
+              <a:rPr lang="en-US" dirty="0" smtClean="0"/>
+              <a:t>Ghana</a:t>
+            </a:r>
+          </a:p>
+          <a:p>
+            <a:r>
+              <a:rPr lang="en-US" dirty="0" smtClean="0"/>
+              <a:t>Frank </a:t>
+            </a:r>
+            <a:r>
+              <a:rPr lang="en-US" dirty="0" err="1"/>
+              <a:t>Kuse</a:t>
+            </a:r>
+            <a:r>
+              <a:rPr lang="en-US" dirty="0"/>
+              <a:t> – </a:t>
+            </a:r>
+            <a:r>
+              <a:rPr lang="en-US" dirty="0" smtClean="0"/>
+              <a:t>Ghana</a:t>
+            </a:r>
+          </a:p>
+          <a:p>
+            <a:r>
               <a:rPr lang="en-US" dirty="0" smtClean="0"/>
               <a:t>Joe </a:t>
             </a:r>
@@ -6250,52 +7759,36 @@
             </a:r>
             <a:r>
               <a:rPr lang="en-US" dirty="0" smtClean="0"/>
-              <a:t> – from Canada</a:t>
-            </a:r>
-          </a:p>
-          <a:p>
-            <a:r>
-              <a:rPr lang="en-US" dirty="0" smtClean="0"/>
-              <a:t>Kevin Chege – from Kenya</a:t>
-            </a:r>
-          </a:p>
-          <a:p>
-            <a:r>
-              <a:rPr lang="en-US" dirty="0" smtClean="0"/>
-              <a:t>Frank </a:t>
-            </a:r>
-            <a:r>
-              <a:rPr lang="en-US" dirty="0" err="1" smtClean="0"/>
-              <a:t>Kuse</a:t>
-            </a:r>
-            <a:r>
-              <a:rPr lang="en-US" dirty="0" smtClean="0"/>
-              <a:t> – from Ghana</a:t>
-            </a:r>
-          </a:p>
-          <a:p>
-            <a:r>
-              <a:rPr lang="en-US" dirty="0" err="1" smtClean="0"/>
-              <a:t>Michuki</a:t>
-            </a:r>
-            <a:r>
-              <a:rPr lang="en-US" dirty="0" smtClean="0"/>
-              <a:t> </a:t>
-            </a:r>
-            <a:r>
-              <a:rPr lang="en-US" dirty="0" err="1" smtClean="0"/>
-              <a:t>Mwangi</a:t>
-            </a:r>
-            <a:r>
-              <a:rPr lang="en-US" dirty="0" smtClean="0"/>
-              <a:t> – from Kenya</a:t>
-            </a:r>
-          </a:p>
-          <a:p>
-            <a:r>
-              <a:rPr lang="en-US" dirty="0" smtClean="0"/>
-              <a:t>Chris Wilson – from UK</a:t>
-            </a:r>
+              <a:t> – </a:t>
+            </a:r>
+            <a:r>
+              <a:rPr lang="en-US" dirty="0" smtClean="0"/>
+              <a:t>Canada</a:t>
+            </a:r>
+            <a:endParaRPr lang="en-US" dirty="0" smtClean="0"/>
+          </a:p>
+          <a:p>
+            <a:r>
+              <a:rPr lang="en-US" dirty="0" smtClean="0"/>
+              <a:t>Kevin Chege – </a:t>
+            </a:r>
+            <a:r>
+              <a:rPr lang="en-US" dirty="0" smtClean="0"/>
+              <a:t>Kenya</a:t>
+            </a:r>
+            <a:endParaRPr lang="en-US" dirty="0" smtClean="0"/>
+          </a:p>
+          <a:p>
+            <a:r>
+              <a:rPr lang="en-US" dirty="0" smtClean="0"/>
+              <a:t>Michuki </a:t>
+            </a:r>
+            <a:r>
+              <a:rPr lang="en-US" dirty="0"/>
+              <a:t>Mwangi – from Kenya</a:t>
+            </a:r>
+          </a:p>
+          <a:p>
             <a:endParaRPr lang="en-US" dirty="0"/>
           </a:p>
         </p:txBody>
@@ -6418,8 +7911,23 @@
               <a:rPr lang="en-US" sz="2800" b="1" dirty="0" smtClean="0">
                 <a:sym typeface="Wingdings"/>
               </a:rPr>
-              <a:t>How did you fly to get to Tunis?</a:t>
-            </a:r>
+              <a:t>How did you fly to get to </a:t>
+            </a:r>
+            <a:r>
+              <a:rPr lang="en-US" sz="2800" b="1" dirty="0" smtClean="0">
+                <a:sym typeface="Wingdings"/>
+              </a:rPr>
+              <a:t>Botswana</a:t>
+            </a:r>
+            <a:r>
+              <a:rPr lang="en-US" sz="2800" b="1" dirty="0" smtClean="0">
+                <a:sym typeface="Wingdings"/>
+              </a:rPr>
+              <a:t>?</a:t>
+            </a:r>
+            <a:endParaRPr lang="en-US" sz="2800" b="1" dirty="0" smtClean="0">
+              <a:sym typeface="Wingdings"/>
+            </a:endParaRPr>
           </a:p>
           <a:p>
             <a:endParaRPr lang="en-US" dirty="0"/>
@@ -6565,7 +8073,19 @@
               <a:rPr lang="en-US" sz="2800" dirty="0" smtClean="0">
                 <a:sym typeface="Wingdings"/>
               </a:rPr>
-              <a:t>Please close your laptops during theory sessions   </a:t>
+              <a:t>Please </a:t>
+            </a:r>
+            <a:r>
+              <a:rPr lang="en-US" sz="2800" dirty="0" smtClean="0">
+                <a:sym typeface="Wingdings"/>
+              </a:rPr>
+              <a:t>pay </a:t>
+            </a:r>
+            <a:r>
+              <a:rPr lang="en-US" sz="2800" dirty="0" smtClean="0">
+                <a:sym typeface="Wingdings"/>
+              </a:rPr>
+              <a:t>during theory sessions   </a:t>
             </a:r>
             <a:endParaRPr lang="en-US" sz="2800" dirty="0" smtClean="0"/>
           </a:p>
@@ -6659,55 +8179,171 @@
         <p:spPr/>
         <p:txBody>
           <a:bodyPr>
-            <a:normAutofit lnSpcReduction="10000"/>
+            <a:normAutofit fontScale="85000" lnSpcReduction="10000"/>
           </a:bodyPr>
           <a:lstStyle/>
           <a:p>
-            <a:r>
-              <a:rPr lang="en-US" dirty="0" smtClean="0"/>
-              <a:t>Breakfast starts at 6am* </a:t>
-            </a:r>
+            <a:pPr lvl="1"/>
+            <a:r>
+              <a:rPr lang="en-US" dirty="0" smtClean="0"/>
+              <a:t>Breakfast starts at </a:t>
+            </a:r>
+            <a:r>
+              <a:rPr lang="en-US" dirty="0" smtClean="0"/>
+              <a:t>6am*</a:t>
+            </a:r>
+            <a:endParaRPr lang="en-US" b="1" dirty="0" smtClean="0"/>
           </a:p>
           <a:p>
             <a:r>
               <a:rPr lang="en-US" b="1" dirty="0" smtClean="0"/>
-              <a:t>First Session 9am to 11.00am</a:t>
-            </a:r>
-          </a:p>
-          <a:p>
-            <a:r>
-              <a:rPr lang="en-US" dirty="0" smtClean="0"/>
-              <a:t>Tea break 11.00am to 11:30am</a:t>
-            </a:r>
+              <a:t>First Session 09:00 to 11:00</a:t>
+            </a:r>
+          </a:p>
+          <a:p>
+            <a:pPr lvl="1"/>
+            <a:r>
+              <a:rPr lang="en-US" dirty="0" smtClean="0"/>
+              <a:t>Tea </a:t>
+            </a:r>
+            <a:r>
+              <a:rPr lang="en-US" dirty="0" smtClean="0"/>
+              <a:t>break </a:t>
+            </a:r>
+            <a:r>
+              <a:rPr lang="en-US" dirty="0" smtClean="0"/>
+              <a:t>11:00 </a:t>
+            </a:r>
+            <a:r>
+              <a:rPr lang="en-US" dirty="0" smtClean="0"/>
+              <a:t>to 11</a:t>
+            </a:r>
+            <a:r>
+              <a:rPr lang="en-US" dirty="0" smtClean="0"/>
+              <a:t>:</a:t>
+            </a:r>
+            <a:r>
+              <a:rPr lang="en-US" dirty="0" smtClean="0"/>
+              <a:t>00</a:t>
+            </a:r>
+            <a:endParaRPr lang="en-US" dirty="0" smtClean="0"/>
           </a:p>
           <a:p>
             <a:r>
               <a:rPr lang="en-US" b="1" dirty="0" smtClean="0"/>
-              <a:t>Second Session from 11:30am to 1:00pm</a:t>
-            </a:r>
-          </a:p>
-          <a:p>
-            <a:r>
-              <a:rPr lang="en-US" dirty="0" smtClean="0"/>
-              <a:t>Lunch from 1:00pm to 2:00pm</a:t>
-            </a:r>
-          </a:p>
-          <a:p>
+              <a:t>Second Session from 11:</a:t>
+            </a:r>
             <a:r>
               <a:rPr lang="en-US" b="1" dirty="0" smtClean="0"/>
-              <a:t>Third Session-  from 2pm to 4pm</a:t>
-            </a:r>
-          </a:p>
-          <a:p>
-            <a:r>
-              <a:rPr lang="en-US" dirty="0" smtClean="0"/>
-              <a:t>Tea break – 4pm to 4.30pm</a:t>
-            </a:r>
-          </a:p>
-          <a:p>
+              <a:t>30 </a:t>
+            </a:r>
             <a:r>
               <a:rPr lang="en-US" b="1" dirty="0" smtClean="0"/>
-              <a:t>Fourth Session – 4.30pm to 6pm</a:t>
+              <a:t>to </a:t>
+            </a:r>
+            <a:r>
+              <a:rPr lang="en-US" b="1" dirty="0" smtClean="0"/>
+              <a:t>13:00</a:t>
+            </a:r>
+            <a:endParaRPr lang="en-US" b="1" dirty="0" smtClean="0"/>
+          </a:p>
+          <a:p>
+            <a:pPr lvl="1"/>
+            <a:r>
+              <a:rPr lang="en-US" dirty="0" smtClean="0"/>
+              <a:t>Lunch from </a:t>
+            </a:r>
+            <a:r>
+              <a:rPr lang="en-US" dirty="0" smtClean="0"/>
+              <a:t>13:00 </a:t>
+            </a:r>
+            <a:r>
+              <a:rPr lang="en-US" dirty="0" smtClean="0"/>
+              <a:t>to </a:t>
+            </a:r>
+            <a:r>
+              <a:rPr lang="en-US" dirty="0" smtClean="0"/>
+              <a:t>14:00</a:t>
+            </a:r>
+            <a:endParaRPr lang="en-US" dirty="0" smtClean="0"/>
+          </a:p>
+          <a:p>
+            <a:r>
+              <a:rPr lang="en-US" b="1" dirty="0" smtClean="0"/>
+              <a:t>Third Session-  from </a:t>
+            </a:r>
+            <a:r>
+              <a:rPr lang="en-US" b="1" dirty="0" smtClean="0"/>
+              <a:t>14:00</a:t>
+            </a:r>
+            <a:r>
+              <a:rPr lang="en-US" b="1" dirty="0" smtClean="0"/>
+              <a:t> </a:t>
+            </a:r>
+            <a:r>
+              <a:rPr lang="en-US" b="1" dirty="0" smtClean="0"/>
+              <a:t>to </a:t>
+            </a:r>
+            <a:r>
+              <a:rPr lang="en-US" b="1" dirty="0" smtClean="0"/>
+              <a:t>16:00</a:t>
+            </a:r>
+            <a:endParaRPr lang="en-US" b="1" dirty="0" smtClean="0"/>
+          </a:p>
+          <a:p>
+            <a:pPr lvl="1"/>
+            <a:r>
+              <a:rPr lang="en-US" dirty="0" smtClean="0"/>
+              <a:t>Tea break – </a:t>
+            </a:r>
+            <a:r>
+              <a:rPr lang="en-US" dirty="0" smtClean="0"/>
+              <a:t>16:00</a:t>
+            </a:r>
+            <a:r>
+              <a:rPr lang="en-US" dirty="0" smtClean="0"/>
+              <a:t> </a:t>
+            </a:r>
+            <a:r>
+              <a:rPr lang="en-US" dirty="0" smtClean="0"/>
+              <a:t>to </a:t>
+            </a:r>
+            <a:r>
+              <a:rPr lang="en-US" dirty="0" smtClean="0"/>
+              <a:t>16:30</a:t>
+            </a:r>
+            <a:endParaRPr lang="en-US" dirty="0" smtClean="0"/>
+          </a:p>
+          <a:p>
+            <a:r>
+              <a:rPr lang="en-US" b="1" dirty="0" smtClean="0"/>
+              <a:t>Fourth Session – </a:t>
+            </a:r>
+            <a:r>
+              <a:rPr lang="en-US" b="1" dirty="0" smtClean="0"/>
+              <a:t>16:30 </a:t>
+            </a:r>
+            <a:r>
+              <a:rPr lang="en-US" b="1" dirty="0" smtClean="0"/>
+              <a:t>to </a:t>
+            </a:r>
+            <a:r>
+              <a:rPr lang="en-US" b="1" dirty="0" smtClean="0"/>
+              <a:t>18:00</a:t>
+            </a:r>
+          </a:p>
+          <a:p>
+            <a:pPr lvl="1"/>
+            <a:r>
+              <a:rPr lang="en-US" dirty="0" smtClean="0"/>
+              <a:t>Dinner</a:t>
+            </a:r>
+            <a:endParaRPr lang="en-US" dirty="0" smtClean="0"/>
+          </a:p>
+          <a:p>
+            <a:r>
+              <a:rPr lang="en-US" b="1" dirty="0" smtClean="0"/>
+              <a:t>Evening sessions – 20:00 – 22:00</a:t>
             </a:r>
             <a:endParaRPr lang="en-US" b="1" dirty="0"/>
           </a:p>
@@ -6715,10 +8351,7 @@
             <a:pPr marL="0" indent="0">
               <a:buNone/>
             </a:pPr>
-            <a:r>
-              <a:rPr lang="en-US" dirty="0" smtClean="0"/>
-              <a:t>Breakfast, lunch and dinner are at the main Hotel Restaurant </a:t>
-            </a:r>
+            <a:endParaRPr lang="en-US" dirty="0" smtClean="0"/>
           </a:p>
           <a:p>
             <a:pPr marL="0" indent="0">
@@ -6726,8 +8359,102 @@
             </a:pPr>
             <a:r>
               <a:rPr lang="en-US" dirty="0" smtClean="0"/>
-              <a:t>Tea breaks are at the small lobby as you get to the training rooms. Washrooms are at the lobby area, others towards main restaurant</a:t>
-            </a:r>
+              <a:t>Breakfast: </a:t>
+            </a:r>
+            <a:r>
+              <a:rPr lang="en-US" b="1" dirty="0"/>
+              <a:t>A</a:t>
+            </a:r>
+            <a:r>
+              <a:rPr lang="en-US" b="1" dirty="0" smtClean="0"/>
+              <a:t>t the </a:t>
+            </a:r>
+            <a:r>
+              <a:rPr lang="en-US" b="1" dirty="0" err="1" smtClean="0"/>
+              <a:t>Metcourt</a:t>
+            </a:r>
+            <a:r>
+              <a:rPr lang="en-US" b="1" dirty="0" smtClean="0"/>
+              <a:t> Hotel</a:t>
+            </a:r>
+            <a:endParaRPr lang="en-US" b="1" dirty="0" smtClean="0"/>
+          </a:p>
+          <a:p>
+            <a:pPr marL="0" indent="0">
+              <a:buNone/>
+            </a:pPr>
+            <a:r>
+              <a:rPr lang="en-US" dirty="0"/>
+              <a:t>L</a:t>
+            </a:r>
+            <a:r>
+              <a:rPr lang="en-US" dirty="0" smtClean="0"/>
+              <a:t>unch </a:t>
+            </a:r>
+            <a:r>
+              <a:rPr lang="en-US" dirty="0" smtClean="0"/>
+              <a:t>and </a:t>
+            </a:r>
+            <a:r>
+              <a:rPr lang="en-US" dirty="0" smtClean="0"/>
+              <a:t>dinner: </a:t>
+            </a:r>
+            <a:r>
+              <a:rPr lang="en-US" b="1" dirty="0" smtClean="0"/>
+              <a:t>At </a:t>
+            </a:r>
+            <a:r>
+              <a:rPr lang="en-US" b="1" dirty="0" smtClean="0"/>
+              <a:t>the </a:t>
+            </a:r>
+            <a:r>
+              <a:rPr lang="en-US" b="1" dirty="0" smtClean="0"/>
+              <a:t>Marquee (on left side of the exit from GICC)</a:t>
+            </a:r>
+            <a:endParaRPr lang="en-US" b="1" dirty="0" smtClean="0"/>
+          </a:p>
+          <a:p>
+            <a:pPr marL="0" indent="0">
+              <a:buNone/>
+            </a:pPr>
+            <a:r>
+              <a:rPr lang="en-US" dirty="0" smtClean="0"/>
+              <a:t>Tea </a:t>
+            </a:r>
+            <a:r>
+              <a:rPr lang="en-US" dirty="0" smtClean="0"/>
+              <a:t>break: </a:t>
+            </a:r>
+            <a:r>
+              <a:rPr lang="en-US" b="1" dirty="0" smtClean="0"/>
+              <a:t>At the foyer area next to the main entrance</a:t>
+            </a:r>
+          </a:p>
+          <a:p>
+            <a:pPr marL="0" indent="0">
+              <a:buNone/>
+            </a:pPr>
+            <a:r>
+              <a:rPr lang="en-US" dirty="0" smtClean="0"/>
+              <a:t>Washrooms:  </a:t>
+            </a:r>
+            <a:r>
+              <a:rPr lang="en-US" b="1" dirty="0" smtClean="0"/>
+              <a:t>At the right of foyer area and 2</a:t>
+            </a:r>
+            <a:r>
+              <a:rPr lang="en-US" b="1" baseline="30000" dirty="0" smtClean="0"/>
+              <a:t>nd</a:t>
+            </a:r>
+            <a:r>
+              <a:rPr lang="en-US" b="1" dirty="0" smtClean="0"/>
+              <a:t> further along the corridor</a:t>
+            </a:r>
+            <a:r>
+              <a:rPr lang="en-US" dirty="0" smtClean="0"/>
+              <a:t> </a:t>
+            </a:r>
+            <a:endParaRPr lang="en-US" dirty="0" smtClean="0"/>
           </a:p>
           <a:p>
             <a:endParaRPr lang="en-US" dirty="0" smtClean="0"/>
@@ -6807,7 +8534,7 @@
         <p:spPr/>
         <p:txBody>
           <a:bodyPr>
-            <a:normAutofit fontScale="92500" lnSpcReduction="10000"/>
+            <a:normAutofit/>
           </a:bodyPr>
           <a:lstStyle/>
           <a:p>
@@ -6871,19 +8598,16 @@
             </a:r>
           </a:p>
           <a:p>
-            <a:pPr lvl="1"/>
-            <a:r>
-              <a:rPr lang="en-US" sz="3000" dirty="0"/>
-              <a:t>Possibly a FreeBSD CD-ROM</a:t>
-            </a:r>
-          </a:p>
-          <a:p>
             <a:pPr marL="0" indent="0">
               <a:buNone/>
             </a:pPr>
             <a:r>
+              <a:rPr lang="en-US" sz="3600" b="1" dirty="0" smtClean="0"/>
+              <a:t>Please </a:t>
+            </a:r>
+            <a:r>
               <a:rPr lang="en-US" sz="3600" b="1" dirty="0"/>
-              <a:t>Please share with your colleagues back at home.</a:t>
+              <a:t>share with your colleagues back at home.</a:t>
             </a:r>
           </a:p>
           <a:p>
@@ -7026,13 +8750,29 @@
             <a:pPr lvl="1"/>
             <a:r>
               <a:rPr lang="en-US" sz="2800" dirty="0"/>
-              <a:t>Use the AIS network if possible, otherwise AIS-</a:t>
-            </a:r>
-            <a:r>
-              <a:rPr lang="en-US" sz="2800" dirty="0" err="1"/>
+              <a:t>Use the </a:t>
+            </a:r>
+            <a:r>
+              <a:rPr lang="en-US" sz="2800" b="1" dirty="0" smtClean="0"/>
+              <a:t>AIS </a:t>
+            </a:r>
+            <a:r>
+              <a:rPr lang="en-US" sz="2800" dirty="0" smtClean="0"/>
+              <a:t>network </a:t>
+            </a:r>
+            <a:r>
+              <a:rPr lang="en-US" sz="2800" dirty="0"/>
+              <a:t>if possible, otherwise </a:t>
+            </a:r>
+            <a:r>
+              <a:rPr lang="en-US" sz="2800" b="1" dirty="0"/>
+              <a:t>AIS-</a:t>
+            </a:r>
+            <a:r>
+              <a:rPr lang="en-US" sz="2800" b="1" dirty="0" err="1"/>
               <a:t>bgn</a:t>
             </a:r>
-            <a:endParaRPr lang="en-US" sz="2800" dirty="0"/>
+            <a:endParaRPr lang="en-US" sz="2800" b="1" dirty="0"/>
           </a:p>
           <a:p>
             <a:pPr lvl="1"/>
@@ -7205,9 +8945,17 @@
               <a:t>etc</a:t>
             </a:r>
             <a:r>
-              <a:rPr lang="en-US" sz="2400" dirty="0"/>
+              <a:rPr lang="en-US" sz="2400" dirty="0" smtClean="0"/>
               <a:t>)</a:t>
             </a:r>
+          </a:p>
+          <a:p>
+            <a:pPr lvl="1"/>
+            <a:r>
+              <a:rPr lang="en-US" sz="2400" dirty="0" smtClean="0"/>
+              <a:t>PC Assignment exercise</a:t>
+            </a:r>
+            <a:endParaRPr lang="en-US" sz="2400" dirty="0" smtClean="0"/>
           </a:p>
           <a:p>
             <a:pPr lvl="0"/>
@@ -7217,7 +8965,11 @@
             </a:r>
             <a:r>
               <a:rPr lang="en-US" b="1" dirty="0" smtClean="0"/>
-              <a:t> 8.0.0 OS </a:t>
+              <a:t> </a:t>
+            </a:r>
+            <a:r>
+              <a:rPr lang="en-US" b="1" dirty="0" smtClean="0"/>
+              <a:t>8.0.0 OS </a:t>
             </a:r>
             <a:r>
               <a:rPr lang="en-US" b="1" dirty="0"/>

--- a/intro/IntroPresentation.pptx
+++ b/intro/IntroPresentation.pptx
@@ -8179,7 +8179,7 @@
         <p:spPr/>
         <p:txBody>
           <a:bodyPr>
-            <a:normAutofit fontScale="85000" lnSpcReduction="10000"/>
+            <a:normAutofit fontScale="77500" lnSpcReduction="20000"/>
           </a:bodyPr>
           <a:lstStyle/>
           <a:p>
@@ -8450,14 +8450,32 @@
               <a:rPr lang="en-US" b="1" dirty="0" smtClean="0"/>
               <a:t> further along the corridor</a:t>
             </a:r>
-            <a:r>
-              <a:rPr lang="en-US" dirty="0" smtClean="0"/>
+          </a:p>
+          <a:p>
+            <a:pPr marL="0" indent="0" algn="ctr">
+              <a:buNone/>
+            </a:pPr>
+            <a:r>
+              <a:rPr lang="en-US" b="1" dirty="0" smtClean="0">
+                <a:solidFill>
+                  <a:srgbClr val="FF0000"/>
+                </a:solidFill>
+              </a:rPr>
+              <a:t>EXIT: USE DOOR ON RIGHT SIDE OF ROOM VIA SI-E CLASS BEAR IN MIND THAT THE OTHER TRACKS WILL BE IN SESSION </a:t>
+            </a:r>
+            <a:r>
+              <a:rPr lang="en-US" dirty="0" smtClean="0">
+                <a:solidFill>
+                  <a:srgbClr val="FF0000"/>
+                </a:solidFill>
+              </a:rPr>
               <a:t> </a:t>
             </a:r>
-            <a:endParaRPr lang="en-US" dirty="0" smtClean="0"/>
-          </a:p>
-          <a:p>
-            <a:endParaRPr lang="en-US" dirty="0" smtClean="0"/>
+            <a:endParaRPr lang="en-US" dirty="0" smtClean="0">
+              <a:solidFill>
+                <a:srgbClr val="FF0000"/>
+              </a:solidFill>
+            </a:endParaRPr>
           </a:p>
         </p:txBody>
       </p:sp>

--- a/intro/IntroPresentation.pptx
+++ b/intro/IntroPresentation.pptx
@@ -4281,13 +4281,26 @@
             <a:pPr lvl="1"/>
             <a:r>
               <a:rPr lang="en-US" dirty="0" smtClean="0"/>
-              <a:t>From Terminal prompt type the following; </a:t>
+              <a:t>From Terminal prompt type the following</a:t>
+            </a:r>
+            <a:r>
+              <a:rPr lang="en-US" smtClean="0"/>
+              <a:t>; </a:t>
+            </a:r>
+          </a:p>
+          <a:p>
+            <a:pPr lvl="1"/>
+            <a:r>
+              <a:rPr lang="en-US" smtClean="0">
+                <a:hlinkClick r:id="rId2"/>
+              </a:rPr>
+              <a:t>ssh</a:t>
             </a:r>
             <a:r>
               <a:rPr lang="en-US" dirty="0" smtClean="0">
                 <a:hlinkClick r:id="rId2"/>
               </a:rPr>
-              <a:t>ssh@pcX.sse.ws.afnog.org</a:t>
+              <a:t> afnog@pcX.sse.ws.afnog.org</a:t>
             </a:r>
             <a:r>
               <a:rPr lang="en-US" dirty="0" smtClean="0"/>
@@ -4314,6 +4327,13 @@
   <p:clrMapOvr>
     <a:masterClrMapping/>
   </p:clrMapOvr>
+  <p:timing>
+    <p:tnLst>
+      <p:par>
+        <p:cTn xmlns:p14="http://schemas.microsoft.com/office/powerpoint/2010/main" id="1" dur="indefinite" restart="never" nodeType="tmRoot"/>
+      </p:par>
+    </p:tnLst>
+  </p:timing>
 </p:sld>
 </file>
 

--- a/intro/IntroPresentation.pptx
+++ b/intro/IntroPresentation.pptx
@@ -4281,26 +4281,16 @@
             <a:pPr lvl="1"/>
             <a:r>
               <a:rPr lang="en-US" dirty="0" smtClean="0"/>
-              <a:t>From Terminal prompt type the following</a:t>
-            </a:r>
-            <a:r>
-              <a:rPr lang="en-US" smtClean="0"/>
-              <a:t>; </a:t>
+              <a:t>From Terminal prompt type the following; </a:t>
             </a:r>
           </a:p>
           <a:p>
             <a:pPr lvl="1"/>
-            <a:r>
-              <a:rPr lang="en-US" smtClean="0">
-                <a:hlinkClick r:id="rId2"/>
-              </a:rPr>
-              <a:t>ssh</a:t>
-            </a:r>
             <a:r>
               <a:rPr lang="en-US" dirty="0" smtClean="0">
                 <a:hlinkClick r:id="rId2"/>
               </a:rPr>
-              <a:t> afnog@pcX.sse.ws.afnog.org</a:t>
+              <a:t>ssh afnog@pcX.sse.ws.afnog.org</a:t>
             </a:r>
             <a:r>
               <a:rPr lang="en-US" dirty="0" smtClean="0"/>
@@ -5870,7 +5860,15 @@
           <a:p>
             <a:r>
               <a:rPr lang="en-US" dirty="0" smtClean="0"/>
-              <a:t>Type the following 3 lines in the file</a:t>
+              <a:t>Type the </a:t>
+            </a:r>
+            <a:r>
+              <a:rPr lang="en-US" smtClean="0"/>
+              <a:t>following 4 </a:t>
+            </a:r>
+            <a:r>
+              <a:rPr lang="en-US" dirty="0" smtClean="0"/>
+              <a:t>lines in the file</a:t>
             </a:r>
           </a:p>
           <a:p>

--- a/intro/IntroPresentation.pptx
+++ b/intro/IntroPresentation.pptx
@@ -5796,12 +5796,24 @@
               <a:buNone/>
             </a:pPr>
             <a:r>
-              <a:rPr lang="en-US" sz="2400" dirty="0"/>
-              <a:t>	</a:t>
+              <a:rPr lang="en-US" sz="2600" dirty="0"/>
+              <a:t>	afnog@debian8:</a:t>
+            </a:r>
+            <a:r>
+              <a:rPr lang="en-US" sz="2300" dirty="0"/>
+              <a:t>~</a:t>
+            </a:r>
+            <a:r>
+              <a:rPr lang="en-US" sz="2300" dirty="0" smtClean="0"/>
+              <a:t>$</a:t>
             </a:r>
             <a:r>
               <a:rPr lang="en-US" sz="2400" b="1" dirty="0" smtClean="0"/>
-              <a:t>$cd /home/</a:t>
+              <a:t>cd </a:t>
+            </a:r>
+            <a:r>
+              <a:rPr lang="en-US" sz="2400" b="1" dirty="0" smtClean="0"/>
+              <a:t>/home/</a:t>
             </a:r>
             <a:r>
               <a:rPr lang="en-US" sz="2400" b="1" dirty="0" err="1" smtClean="0"/>
@@ -5830,11 +5842,19 @@
               <a:rPr lang="en-US" dirty="0" smtClean="0"/>
             </a:br>
             <a:r>
-              <a:rPr lang="en-US" dirty="0" smtClean="0"/>
+              <a:rPr lang="en-US" sz="2600" dirty="0" smtClean="0"/>
               <a:t>	</a:t>
             </a:r>
             <a:r>
-              <a:rPr lang="en-US" b="1" dirty="0" smtClean="0"/>
+              <a:rPr lang="en-US" sz="2600" dirty="0" smtClean="0"/>
+              <a:t>afnog</a:t>
+            </a:r>
+            <a:r>
+              <a:rPr lang="en-US" sz="2600" dirty="0"/>
+              <a:t>@debian8:~</a:t>
+            </a:r>
+            <a:r>
+              <a:rPr lang="en-US" sz="2600" dirty="0" smtClean="0"/>
               <a:t>$</a:t>
             </a:r>
             <a:r>
@@ -5860,15 +5880,7 @@
           <a:p>
             <a:r>
               <a:rPr lang="en-US" dirty="0" smtClean="0"/>
-              <a:t>Type the </a:t>
-            </a:r>
-            <a:r>
-              <a:rPr lang="en-US" smtClean="0"/>
-              <a:t>following 4 </a:t>
-            </a:r>
-            <a:r>
-              <a:rPr lang="en-US" dirty="0" smtClean="0"/>
-              <a:t>lines in the file</a:t>
+              <a:t>Type the following 4 lines in the file</a:t>
             </a:r>
           </a:p>
           <a:p>

--- a/intro/IntroPresentation.pptx
+++ b/intro/IntroPresentation.pptx
@@ -6464,6 +6464,13 @@
   <p:clrMapOvr>
     <a:masterClrMapping/>
   </p:clrMapOvr>
+  <p:timing>
+    <p:tnLst>
+      <p:par>
+        <p:cTn xmlns:p14="http://schemas.microsoft.com/office/powerpoint/2010/main" id="1" dur="indefinite" restart="never" nodeType="tmRoot"/>
+      </p:par>
+    </p:tnLst>
+  </p:timing>
 </p:sld>
 </file>
 
@@ -6908,6 +6915,13 @@
   <p:clrMapOvr>
     <a:masterClrMapping/>
   </p:clrMapOvr>
+  <p:timing>
+    <p:tnLst>
+      <p:par>
+        <p:cTn xmlns:p14="http://schemas.microsoft.com/office/powerpoint/2010/main" id="1" dur="indefinite" restart="never" nodeType="tmRoot"/>
+      </p:par>
+    </p:tnLst>
+  </p:timing>
 </p:sld>
 </file>
 
@@ -6964,7 +6978,7 @@
         <p:spPr/>
         <p:txBody>
           <a:bodyPr>
-            <a:normAutofit fontScale="92500" lnSpcReduction="10000"/>
+            <a:normAutofit lnSpcReduction="10000"/>
           </a:bodyPr>
           <a:lstStyle/>
           <a:p>
@@ -7045,21 +7059,6 @@
               <a:t>-server</a:t>
             </a:r>
             <a:endParaRPr lang="en-US" b="1" dirty="0"/>
-          </a:p>
-          <a:p>
-            <a:pPr lvl="1"/>
-            <a:r>
-              <a:rPr lang="en-US" b="1" dirty="0"/>
-              <a:t>$</a:t>
-            </a:r>
-            <a:r>
-              <a:rPr lang="en-US" b="1" dirty="0" err="1"/>
-              <a:t>sudo</a:t>
-            </a:r>
-            <a:r>
-              <a:rPr lang="en-US" b="1" dirty="0"/>
-              <a:t> service exim4 stop </a:t>
-            </a:r>
           </a:p>
           <a:p>
             <a:pPr marL="0" indent="0">
@@ -7163,6 +7162,13 @@
   <p:clrMapOvr>
     <a:masterClrMapping/>
   </p:clrMapOvr>
+  <p:timing>
+    <p:tnLst>
+      <p:par>
+        <p:cTn xmlns:p14="http://schemas.microsoft.com/office/powerpoint/2010/main" id="1" dur="indefinite" restart="never" nodeType="tmRoot"/>
+      </p:par>
+    </p:tnLst>
+  </p:timing>
 </p:sld>
 </file>
 
@@ -7569,6 +7575,13 @@
   <p:clrMapOvr>
     <a:masterClrMapping/>
   </p:clrMapOvr>
+  <p:timing>
+    <p:tnLst>
+      <p:par>
+        <p:cTn xmlns:p14="http://schemas.microsoft.com/office/powerpoint/2010/main" id="1" dur="indefinite" restart="never" nodeType="tmRoot"/>
+      </p:par>
+    </p:tnLst>
+  </p:timing>
 </p:sld>
 </file>
 

--- a/intro/IntroPresentation.pptx
+++ b/intro/IntroPresentation.pptx
@@ -5562,7 +5562,15 @@
               <a:t>: </a:t>
             </a:r>
             <a:r>
-              <a:rPr lang="en-US" b="1" dirty="0" smtClean="0"/>
+              <a:rPr lang="en-US" dirty="0"/>
+              <a:t>	afnog@debian8:</a:t>
+            </a:r>
+            <a:r>
+              <a:rPr lang="en-US" sz="2000" dirty="0"/>
+              <a:t>~</a:t>
+            </a:r>
+            <a:r>
+              <a:rPr lang="en-US" sz="2000" dirty="0" smtClean="0"/>
               <a:t>$</a:t>
             </a:r>
             <a:r>
@@ -5571,7 +5579,11 @@
             </a:r>
             <a:r>
               <a:rPr lang="en-US" b="1" dirty="0" smtClean="0"/>
-              <a:t> apt-get install </a:t>
+              <a:t> </a:t>
+            </a:r>
+            <a:r>
+              <a:rPr lang="en-US" b="1" dirty="0" smtClean="0"/>
+              <a:t>apt-get install </a:t>
             </a:r>
             <a:r>
               <a:rPr lang="en-US" b="1" dirty="0" err="1" smtClean="0"/>
@@ -5602,8 +5614,16 @@
               <a:t>	</a:t>
             </a:r>
             <a:r>
-              <a:rPr lang="en-US" b="1" dirty="0" smtClean="0"/>
-              <a:t>$</a:t>
+              <a:rPr lang="en-US" dirty="0" smtClean="0"/>
+              <a:t>afnog</a:t>
+            </a:r>
+            <a:r>
+              <a:rPr lang="en-US" dirty="0"/>
+              <a:t>@debian8:</a:t>
+            </a:r>
+            <a:r>
+              <a:rPr lang="en-US" sz="2000" dirty="0"/>
+              <a:t>~$</a:t>
             </a:r>
             <a:r>
               <a:rPr lang="en-US" b="1" dirty="0" err="1" smtClean="0"/>
@@ -5611,7 +5631,11 @@
             </a:r>
             <a:r>
               <a:rPr lang="en-US" b="1" dirty="0" smtClean="0"/>
-              <a:t> /path/to/filename</a:t>
+              <a:t> </a:t>
+            </a:r>
+            <a:r>
+              <a:rPr lang="en-US" b="1" dirty="0" smtClean="0"/>
+              <a:t>/path/to/filename</a:t>
             </a:r>
             <a:br>
               <a:rPr lang="en-US" b="1" dirty="0" smtClean="0"/>
@@ -5622,7 +5646,19 @@
             </a:r>
             <a:r>
               <a:rPr lang="en-US" b="1" dirty="0" smtClean="0"/>
-              <a:t>        $</a:t>
+              <a:t>        </a:t>
+            </a:r>
+            <a:r>
+              <a:rPr lang="en-US" dirty="0" smtClean="0"/>
+              <a:t>afnog</a:t>
+            </a:r>
+            <a:r>
+              <a:rPr lang="en-US" dirty="0"/>
+              <a:t>@debian8:</a:t>
+            </a:r>
+            <a:r>
+              <a:rPr lang="en-US" sz="2000" dirty="0"/>
+              <a:t>~$</a:t>
             </a:r>
             <a:r>
               <a:rPr lang="en-US" b="1" dirty="0" err="1" smtClean="0"/>
@@ -5630,7 +5666,11 @@
             </a:r>
             <a:r>
               <a:rPr lang="en-US" b="1" dirty="0" smtClean="0"/>
-              <a:t> filename</a:t>
+              <a:t> </a:t>
+            </a:r>
+            <a:r>
+              <a:rPr lang="en-US" b="1" dirty="0" smtClean="0"/>
+              <a:t>filename</a:t>
             </a:r>
           </a:p>
           <a:p>
@@ -6542,10 +6582,20 @@
             </a:r>
           </a:p>
           <a:p>
-            <a:pPr lvl="1"/>
-            <a:r>
-              <a:rPr lang="en-US" b="1" dirty="0" smtClean="0"/>
-              <a:t>$</a:t>
+            <a:pPr marL="274320" lvl="1" indent="0">
+              <a:buNone/>
+            </a:pPr>
+            <a:r>
+              <a:rPr lang="en-US" dirty="0" smtClean="0"/>
+              <a:t>afnog</a:t>
+            </a:r>
+            <a:r>
+              <a:rPr lang="en-US" dirty="0"/>
+              <a:t>@debian8:</a:t>
+            </a:r>
+            <a:r>
+              <a:rPr lang="en-US" sz="1800" dirty="0"/>
+              <a:t>~$</a:t>
             </a:r>
             <a:r>
               <a:rPr lang="en-US" b="1" dirty="0" err="1" smtClean="0"/>
@@ -6875,6 +6925,22 @@
             <a:pPr marL="274320" lvl="1" indent="0">
               <a:buNone/>
             </a:pPr>
+            <a:r>
+              <a:rPr lang="en-US" b="1" dirty="0" smtClean="0">
+                <a:solidFill>
+                  <a:srgbClr val="0000FF"/>
+                </a:solidFill>
+              </a:rPr>
+              <a:t>Save the file </a:t>
+            </a:r>
+            <a:r>
+              <a:rPr lang="en-US" b="1" smtClean="0">
+                <a:solidFill>
+                  <a:srgbClr val="0000FF"/>
+                </a:solidFill>
+              </a:rPr>
+              <a:t>and exit</a:t>
+            </a:r>
             <a:endParaRPr lang="en-US" b="1" dirty="0" smtClean="0">
               <a:solidFill>
                 <a:srgbClr val="0000FF"/>

--- a/intro/IntroPresentation.pptx
+++ b/intro/IntroPresentation.pptx
@@ -6931,21 +6931,8 @@
                   <a:srgbClr val="0000FF"/>
                 </a:solidFill>
               </a:rPr>
-              <a:t>Save the file </a:t>
-            </a:r>
-            <a:r>
-              <a:rPr lang="en-US" b="1" smtClean="0">
-                <a:solidFill>
-                  <a:srgbClr val="0000FF"/>
-                </a:solidFill>
-              </a:rPr>
-              <a:t>and exit</a:t>
-            </a:r>
-            <a:endParaRPr lang="en-US" b="1" dirty="0" smtClean="0">
-              <a:solidFill>
-                <a:srgbClr val="0000FF"/>
-              </a:solidFill>
-            </a:endParaRPr>
+              <a:t>Save the file and exit</a:t>
+            </a:r>
           </a:p>
           <a:p>
             <a:pPr marL="274320" lvl="1" indent="0">
@@ -7058,10 +7045,20 @@
             </a:r>
           </a:p>
           <a:p>
-            <a:pPr lvl="1"/>
-            <a:r>
-              <a:rPr lang="en-US" b="1" dirty="0"/>
-              <a:t>$</a:t>
+            <a:pPr marL="274320" lvl="1" indent="0">
+              <a:buNone/>
+            </a:pPr>
+            <a:r>
+              <a:rPr lang="en-US" dirty="0" smtClean="0"/>
+              <a:t>afnog</a:t>
+            </a:r>
+            <a:r>
+              <a:rPr lang="en-US" dirty="0"/>
+              <a:t>@debian8:</a:t>
+            </a:r>
+            <a:r>
+              <a:rPr lang="en-US" sz="1800" dirty="0"/>
+              <a:t>~$</a:t>
             </a:r>
             <a:r>
               <a:rPr lang="en-US" b="1" dirty="0" err="1" smtClean="0"/>
@@ -7073,10 +7070,20 @@
             </a:r>
           </a:p>
           <a:p>
-            <a:pPr lvl="1"/>
-            <a:r>
-              <a:rPr lang="en-US" b="1" dirty="0" smtClean="0"/>
-              <a:t>$</a:t>
+            <a:pPr marL="274320" lvl="1" indent="0">
+              <a:buNone/>
+            </a:pPr>
+            <a:r>
+              <a:rPr lang="en-US" dirty="0" smtClean="0"/>
+              <a:t>afnog</a:t>
+            </a:r>
+            <a:r>
+              <a:rPr lang="en-US" dirty="0"/>
+              <a:t>@debian8:</a:t>
+            </a:r>
+            <a:r>
+              <a:rPr lang="en-US" sz="1800" dirty="0"/>
+              <a:t>~$</a:t>
             </a:r>
             <a:r>
               <a:rPr lang="en-US" b="1" dirty="0" err="1" smtClean="0"/>
@@ -7099,22 +7106,28 @@
             <a:endParaRPr lang="en-US" dirty="0"/>
           </a:p>
           <a:p>
-            <a:pPr lvl="1"/>
-            <a:r>
-              <a:rPr lang="en-US" b="1" dirty="0"/>
-              <a:t>$</a:t>
-            </a:r>
-            <a:r>
-              <a:rPr lang="en-US" b="1" dirty="0" err="1"/>
+            <a:pPr marL="274320" lvl="1" indent="0">
+              <a:buNone/>
+            </a:pPr>
+            <a:r>
+              <a:rPr lang="en-US" dirty="0" smtClean="0"/>
+              <a:t>afnog</a:t>
+            </a:r>
+            <a:r>
+              <a:rPr lang="en-US" dirty="0"/>
+              <a:t>@debian8:</a:t>
+            </a:r>
+            <a:r>
+              <a:rPr lang="en-US" sz="1800" dirty="0"/>
+              <a:t>~$</a:t>
+            </a:r>
+            <a:r>
+              <a:rPr lang="en-US" b="1" dirty="0" err="1" smtClean="0"/>
               <a:t>sudo</a:t>
             </a:r>
             <a:r>
-              <a:rPr lang="en-US" b="1" dirty="0"/>
-              <a:t> </a:t>
-            </a:r>
-            <a:r>
               <a:rPr lang="en-US" b="1" dirty="0" smtClean="0"/>
-              <a:t>apt-get install </a:t>
+              <a:t> apt-get install </a:t>
             </a:r>
             <a:r>
               <a:rPr lang="en-US" b="1" dirty="0" err="1" smtClean="0"/>
@@ -7143,10 +7156,20 @@
             </a:r>
           </a:p>
           <a:p>
-            <a:pPr lvl="1"/>
-            <a:r>
-              <a:rPr lang="en-US" b="1" dirty="0" smtClean="0"/>
-              <a:t>$</a:t>
+            <a:pPr marL="274320" lvl="1" indent="0">
+              <a:buNone/>
+            </a:pPr>
+            <a:r>
+              <a:rPr lang="en-US" dirty="0" smtClean="0"/>
+              <a:t>afnog</a:t>
+            </a:r>
+            <a:r>
+              <a:rPr lang="en-US" dirty="0"/>
+              <a:t>@debian8:</a:t>
+            </a:r>
+            <a:r>
+              <a:rPr lang="en-US" sz="1800" dirty="0"/>
+              <a:t>~$</a:t>
             </a:r>
             <a:r>
               <a:rPr lang="en-US" b="1" dirty="0" err="1" smtClean="0"/>
@@ -7158,10 +7181,20 @@
             </a:r>
           </a:p>
           <a:p>
-            <a:pPr lvl="1"/>
-            <a:r>
-              <a:rPr lang="en-US" b="1" dirty="0" smtClean="0"/>
-              <a:t>$</a:t>
+            <a:pPr marL="274320" lvl="1" indent="0">
+              <a:buNone/>
+            </a:pPr>
+            <a:r>
+              <a:rPr lang="en-US" dirty="0" smtClean="0"/>
+              <a:t>afnog</a:t>
+            </a:r>
+            <a:r>
+              <a:rPr lang="en-US" dirty="0"/>
+              <a:t>@debian8:</a:t>
+            </a:r>
+            <a:r>
+              <a:rPr lang="en-US" sz="1800" dirty="0"/>
+              <a:t>~$</a:t>
             </a:r>
             <a:r>
               <a:rPr lang="en-US" b="1" dirty="0" err="1" smtClean="0"/>
@@ -7189,17 +7222,27 @@
             </a:r>
           </a:p>
           <a:p>
-            <a:pPr lvl="1"/>
-            <a:r>
-              <a:rPr lang="en-US" b="1" dirty="0"/>
-              <a:t>$</a:t>
-            </a:r>
-            <a:r>
-              <a:rPr lang="en-US" b="1" dirty="0" err="1"/>
+            <a:pPr marL="274320" lvl="1" indent="0">
+              <a:buNone/>
+            </a:pPr>
+            <a:r>
+              <a:rPr lang="en-US" dirty="0" smtClean="0"/>
+              <a:t>afnog</a:t>
+            </a:r>
+            <a:r>
+              <a:rPr lang="en-US" dirty="0"/>
+              <a:t>@debian8:</a:t>
+            </a:r>
+            <a:r>
+              <a:rPr lang="en-US" sz="1800" dirty="0"/>
+              <a:t>~$</a:t>
+            </a:r>
+            <a:r>
+              <a:rPr lang="en-US" b="1" dirty="0" err="1" smtClean="0"/>
               <a:t>sudo</a:t>
             </a:r>
             <a:r>
-              <a:rPr lang="en-US" b="1" dirty="0"/>
+              <a:rPr lang="en-US" b="1" dirty="0" smtClean="0"/>
               <a:t> </a:t>
             </a:r>
             <a:r>
@@ -7309,17 +7352,27 @@
             </a:r>
           </a:p>
           <a:p>
-            <a:pPr lvl="1"/>
-            <a:r>
-              <a:rPr lang="en-US" b="1" dirty="0"/>
-              <a:t>$</a:t>
-            </a:r>
-            <a:r>
-              <a:rPr lang="en-US" b="1" dirty="0" err="1"/>
+            <a:pPr marL="274320" lvl="1" indent="0">
+              <a:buNone/>
+            </a:pPr>
+            <a:r>
+              <a:rPr lang="en-US" dirty="0" smtClean="0"/>
+              <a:t>afnog</a:t>
+            </a:r>
+            <a:r>
+              <a:rPr lang="en-US" dirty="0"/>
+              <a:t>@debian8:</a:t>
+            </a:r>
+            <a:r>
+              <a:rPr lang="en-US" sz="1800" dirty="0"/>
+              <a:t>~$</a:t>
+            </a:r>
+            <a:r>
+              <a:rPr lang="en-US" b="1" dirty="0" err="1" smtClean="0"/>
               <a:t>sudo</a:t>
             </a:r>
             <a:r>
-              <a:rPr lang="en-US" b="1" dirty="0"/>
+              <a:rPr lang="en-US" b="1" dirty="0" smtClean="0"/>
               <a:t> </a:t>
             </a:r>
             <a:r>
@@ -7406,18 +7459,32 @@
             </a:r>
           </a:p>
           <a:p>
-            <a:pPr lvl="1"/>
+            <a:pPr marL="274320" lvl="1" indent="0">
+              <a:buNone/>
+            </a:pPr>
+            <a:r>
+              <a:rPr lang="en-US" dirty="0" smtClean="0"/>
+              <a:t>afnog</a:t>
+            </a:r>
+            <a:r>
+              <a:rPr lang="en-US" dirty="0"/>
+              <a:t>@debian8:</a:t>
+            </a:r>
+            <a:r>
+              <a:rPr lang="en-US" sz="1800" dirty="0"/>
+              <a:t>~$</a:t>
+            </a:r>
+            <a:r>
+              <a:rPr lang="en-US" b="1" dirty="0" err="1" smtClean="0"/>
+              <a:t>sudo</a:t>
+            </a:r>
+            <a:r>
+              <a:rPr lang="en-US" b="1" dirty="0" smtClean="0"/>
+              <a:t> </a:t>
+            </a:r>
             <a:r>
               <a:rPr lang="en-US" b="1" dirty="0"/>
-              <a:t>$</a:t>
-            </a:r>
-            <a:r>
-              <a:rPr lang="en-US" b="1" dirty="0" err="1"/>
-              <a:t>sudo</a:t>
-            </a:r>
-            <a:r>
-              <a:rPr lang="en-US" b="1" dirty="0"/>
-              <a:t> service </a:t>
+              <a:t>service </a:t>
             </a:r>
             <a:r>
               <a:rPr lang="en-US" b="1" dirty="0" err="1"/>
@@ -7444,22 +7511,28 @@
             <a:endParaRPr lang="en-US" dirty="0"/>
           </a:p>
           <a:p>
-            <a:pPr lvl="1"/>
-            <a:r>
-              <a:rPr lang="en-US" b="1" dirty="0"/>
-              <a:t>$</a:t>
-            </a:r>
-            <a:r>
-              <a:rPr lang="en-US" b="1" dirty="0" err="1"/>
+            <a:pPr marL="274320" lvl="1" indent="0">
+              <a:buNone/>
+            </a:pPr>
+            <a:r>
+              <a:rPr lang="en-US" dirty="0" smtClean="0"/>
+              <a:t>afnog</a:t>
+            </a:r>
+            <a:r>
+              <a:rPr lang="en-US" dirty="0"/>
+              <a:t>@debian8:</a:t>
+            </a:r>
+            <a:r>
+              <a:rPr lang="en-US" sz="1800" dirty="0"/>
+              <a:t>~$</a:t>
+            </a:r>
+            <a:r>
+              <a:rPr lang="en-US" b="1" dirty="0" err="1" smtClean="0"/>
               <a:t>sudo</a:t>
             </a:r>
             <a:r>
-              <a:rPr lang="en-US" b="1" dirty="0"/>
-              <a:t> </a:t>
-            </a:r>
-            <a:r>
               <a:rPr lang="en-US" b="1" dirty="0" smtClean="0"/>
-              <a:t>apt-get install </a:t>
+              <a:t> apt-get install </a:t>
             </a:r>
             <a:r>
               <a:rPr lang="en-US" b="1" dirty="0" err="1" smtClean="0"/>
@@ -7483,40 +7556,50 @@
             </a:r>
           </a:p>
           <a:p>
-            <a:pPr lvl="1"/>
-            <a:r>
-              <a:rPr lang="en-US" dirty="0" smtClean="0"/>
-              <a:t>$</a:t>
-            </a:r>
-            <a:r>
-              <a:rPr lang="en-US" dirty="0" err="1" smtClean="0"/>
+            <a:pPr marL="274320" lvl="1" indent="0">
+              <a:buNone/>
+            </a:pPr>
+            <a:r>
+              <a:rPr lang="en-US" dirty="0" smtClean="0"/>
+              <a:t>afnog</a:t>
+            </a:r>
+            <a:r>
+              <a:rPr lang="en-US" dirty="0"/>
+              <a:t>@debian8:</a:t>
+            </a:r>
+            <a:r>
+              <a:rPr lang="en-US" sz="1800" dirty="0"/>
+              <a:t>~$</a:t>
+            </a:r>
+            <a:r>
+              <a:rPr lang="en-US" b="1" dirty="0" err="1" smtClean="0"/>
               <a:t>sudo</a:t>
             </a:r>
             <a:r>
-              <a:rPr lang="en-US" dirty="0" smtClean="0"/>
+              <a:rPr lang="en-US" b="1" dirty="0" smtClean="0"/>
               <a:t> </a:t>
             </a:r>
             <a:r>
-              <a:rPr lang="en-US" dirty="0" err="1" smtClean="0"/>
+              <a:rPr lang="en-US" b="1" dirty="0" err="1" smtClean="0"/>
               <a:t>nano</a:t>
             </a:r>
             <a:r>
-              <a:rPr lang="en-US" dirty="0" smtClean="0"/>
+              <a:rPr lang="en-US" b="1" dirty="0" smtClean="0"/>
               <a:t> /</a:t>
             </a:r>
             <a:r>
-              <a:rPr lang="en-US" dirty="0" err="1" smtClean="0"/>
+              <a:rPr lang="en-US" b="1" dirty="0" err="1" smtClean="0"/>
               <a:t>etc</a:t>
             </a:r>
             <a:r>
-              <a:rPr lang="en-US" dirty="0" smtClean="0"/>
+              <a:rPr lang="en-US" b="1" dirty="0" smtClean="0"/>
               <a:t>/</a:t>
             </a:r>
             <a:r>
-              <a:rPr lang="en-US" dirty="0" err="1" smtClean="0"/>
+              <a:rPr lang="en-US" b="1" dirty="0" err="1" smtClean="0"/>
               <a:t>ntp.conf</a:t>
             </a:r>
-            <a:endParaRPr lang="en-US" dirty="0" smtClean="0"/>
+            <a:endParaRPr lang="en-US" b="1" dirty="0" smtClean="0"/>
           </a:p>
           <a:p>
             <a:pPr lvl="2"/>
@@ -7527,18 +7610,32 @@
             <a:endParaRPr lang="en-US" dirty="0"/>
           </a:p>
           <a:p>
-            <a:pPr lvl="1"/>
+            <a:pPr marL="274320" lvl="1" indent="0">
+              <a:buNone/>
+            </a:pPr>
+            <a:r>
+              <a:rPr lang="en-US" dirty="0" smtClean="0"/>
+              <a:t>afnog</a:t>
+            </a:r>
+            <a:r>
+              <a:rPr lang="en-US" dirty="0"/>
+              <a:t>@debian8:</a:t>
+            </a:r>
+            <a:r>
+              <a:rPr lang="en-US" sz="1800" dirty="0"/>
+              <a:t>~$</a:t>
+            </a:r>
+            <a:r>
+              <a:rPr lang="en-US" b="1" dirty="0" err="1" smtClean="0"/>
+              <a:t>sudo</a:t>
+            </a:r>
             <a:r>
               <a:rPr lang="en-US" b="1" dirty="0" smtClean="0"/>
-              <a:t>$</a:t>
-            </a:r>
-            <a:r>
-              <a:rPr lang="en-US" b="1" dirty="0" err="1"/>
-              <a:t>sudo</a:t>
+              <a:t> </a:t>
             </a:r>
             <a:r>
               <a:rPr lang="en-US" b="1" dirty="0"/>
-              <a:t> service </a:t>
+              <a:t>service </a:t>
             </a:r>
             <a:r>
               <a:rPr lang="en-US" b="1" dirty="0" err="1" smtClean="0"/>
@@ -7550,10 +7647,20 @@
             </a:r>
           </a:p>
           <a:p>
-            <a:pPr lvl="1"/>
-            <a:r>
-              <a:rPr lang="en-US" b="1" dirty="0" smtClean="0"/>
-              <a:t>$</a:t>
+            <a:pPr marL="274320" lvl="1" indent="0">
+              <a:buNone/>
+            </a:pPr>
+            <a:r>
+              <a:rPr lang="en-US" dirty="0" smtClean="0"/>
+              <a:t>afnog</a:t>
+            </a:r>
+            <a:r>
+              <a:rPr lang="en-US" dirty="0"/>
+              <a:t>@debian8:</a:t>
+            </a:r>
+            <a:r>
+              <a:rPr lang="en-US" sz="1800" dirty="0"/>
+              <a:t>~$</a:t>
             </a:r>
             <a:r>
               <a:rPr lang="en-US" b="1" dirty="0" err="1" smtClean="0"/>
@@ -7567,13 +7674,23 @@
               <a:rPr lang="en-US" b="1" dirty="0" err="1" smtClean="0"/>
               <a:t>pn</a:t>
             </a:r>
-            <a:endParaRPr lang="en-US" b="1" dirty="0" smtClean="0"/>
-          </a:p>
-          <a:p>
-            <a:pPr lvl="1"/>
-            <a:r>
-              <a:rPr lang="en-US" b="1" dirty="0" smtClean="0"/>
-              <a:t>$</a:t>
+            <a:endParaRPr lang="en-US" b="1" dirty="0"/>
+          </a:p>
+          <a:p>
+            <a:pPr marL="274320" lvl="1" indent="0">
+              <a:buNone/>
+            </a:pPr>
+            <a:r>
+              <a:rPr lang="en-US" dirty="0" smtClean="0"/>
+              <a:t>afnog</a:t>
+            </a:r>
+            <a:r>
+              <a:rPr lang="en-US" dirty="0"/>
+              <a:t>@debian8:</a:t>
+            </a:r>
+            <a:r>
+              <a:rPr lang="en-US" sz="1800" dirty="0"/>
+              <a:t>~$</a:t>
             </a:r>
             <a:r>
               <a:rPr lang="en-US" b="1" dirty="0" err="1" smtClean="0"/>

--- a/intro/IntroPresentation.pptx
+++ b/intro/IntroPresentation.pptx
@@ -131,6 +131,22 @@
       </a:defRPr>
     </a:lvl9pPr>
   </p:defaultTextStyle>
+  <p:extLst>
+    <p:ext uri="{EFAFB233-063F-42B5-8137-9DF3F51BA10A}">
+      <p15:sldGuideLst xmlns:p15="http://schemas.microsoft.com/office/powerpoint/2012/main">
+        <p15:guide id="1" orient="horz" pos="2160">
+          <p15:clr>
+            <a:srgbClr val="A4A3A4"/>
+          </p15:clr>
+        </p15:guide>
+        <p15:guide id="2" pos="2880">
+          <p15:clr>
+            <a:srgbClr val="A4A3A4"/>
+          </p15:clr>
+        </p15:guide>
+      </p15:sldGuideLst>
+    </p:ext>
+  </p:extLst>
 </p:presentation>
 </file>
 
@@ -216,7 +232,7 @@
           <a:p>
             <a:fld id="{A65904DE-5373-004A-BC9C-B0A175A4A2D9}" type="datetimeFigureOut">
               <a:rPr lang="en-US" smtClean="0"/>
-              <a:t>5/29/16</a:t>
+              <a:t>5/21/17</a:t>
             </a:fld>
             <a:endParaRPr lang="en-US"/>
           </a:p>
@@ -756,7 +772,7 @@
           <a:p>
             <a:fld id="{C8A432C8-69A7-458B-9684-2BFA64B31948}" type="datetime2">
               <a:rPr lang="en-US" smtClean="0"/>
-              <a:t>Sunday, May 29, 16</a:t>
+              <a:t>Sunday, May 21, 2017</a:t>
             </a:fld>
             <a:endParaRPr lang="en-US"/>
           </a:p>
@@ -958,7 +974,7 @@
           <a:p>
             <a:fld id="{8CC057FC-95B6-4D89-AFDA-ABA33EE921E5}" type="datetime2">
               <a:rPr lang="en-US" smtClean="0"/>
-              <a:t>Sunday, May 29, 16</a:t>
+              <a:t>Sunday, May 21, 2017</a:t>
             </a:fld>
             <a:endParaRPr lang="en-US"/>
           </a:p>
@@ -1135,7 +1151,7 @@
           <a:p>
             <a:fld id="{EC4549AC-EB31-477F-92A9-B1988E232878}" type="datetime2">
               <a:rPr lang="en-US" smtClean="0"/>
-              <a:t>Sunday, May 29, 16</a:t>
+              <a:t>Sunday, May 21, 2017</a:t>
             </a:fld>
             <a:endParaRPr lang="en-US"/>
           </a:p>
@@ -1333,7 +1349,7 @@
           <a:p>
             <a:fld id="{6396A3A3-94A6-4E5B-AF39-173ACA3E61CC}" type="datetime2">
               <a:rPr lang="en-US" smtClean="0"/>
-              <a:t>Sunday, May 29, 16</a:t>
+              <a:t>Sunday, May 21, 2017</a:t>
             </a:fld>
             <a:endParaRPr lang="en-US"/>
           </a:p>
@@ -1583,7 +1599,7 @@
           <a:p>
             <a:fld id="{9933D019-A32C-4EAD-B8E6-DBDA699692FD}" type="datetime2">
               <a:rPr lang="en-US" smtClean="0"/>
-              <a:t>Sunday, May 29, 16</a:t>
+              <a:t>Sunday, May 21, 2017</a:t>
             </a:fld>
             <a:endParaRPr lang="en-US"/>
           </a:p>
@@ -1903,7 +1919,7 @@
           <a:p>
             <a:fld id="{CCEBA98F-560C-4997-81C4-81D4D9187EAB}" type="datetime2">
               <a:rPr lang="en-US" smtClean="0"/>
-              <a:t>Sunday, May 29, 16</a:t>
+              <a:t>Sunday, May 21, 2017</a:t>
             </a:fld>
             <a:endParaRPr lang="en-US"/>
           </a:p>
@@ -2371,7 +2387,7 @@
           <a:p>
             <a:fld id="{150972B2-CA5C-437D-87D0-8081271A9E4B}" type="datetime2">
               <a:rPr lang="en-US" smtClean="0"/>
-              <a:t>Sunday, May 29, 16</a:t>
+              <a:t>Sunday, May 21, 2017</a:t>
             </a:fld>
             <a:endParaRPr lang="en-US"/>
           </a:p>
@@ -2521,7 +2537,7 @@
           <a:p>
             <a:fld id="{79CD4847-11EF-4466-A8AD-85CDB7B49118}" type="datetime2">
               <a:rPr lang="en-US" smtClean="0"/>
-              <a:t>Sunday, May 29, 16</a:t>
+              <a:t>Sunday, May 21, 2017</a:t>
             </a:fld>
             <a:endParaRPr lang="en-US"/>
           </a:p>
@@ -2613,7 +2629,7 @@
           <a:p>
             <a:fld id="{F168457A-3AB9-4880-8A0C-9F8524491207}" type="datetime2">
               <a:rPr lang="en-US" smtClean="0"/>
-              <a:t>Sunday, May 29, 16</a:t>
+              <a:t>Sunday, May 21, 2017</a:t>
             </a:fld>
             <a:endParaRPr lang="en-US"/>
           </a:p>
@@ -2889,7 +2905,7 @@
           <a:p>
             <a:fld id="{3FE976D3-5B7F-4300-ABED-C91F1B2AE209}" type="datetime2">
               <a:rPr lang="en-US" smtClean="0"/>
-              <a:t>Sunday, May 29, 16</a:t>
+              <a:t>Sunday, May 21, 2017</a:t>
             </a:fld>
             <a:endParaRPr lang="en-US"/>
           </a:p>
@@ -3196,7 +3212,7 @@
           <a:p>
             <a:fld id="{EBDC1E59-17DD-41CE-97CA-624A472382D4}" type="datetime2">
               <a:rPr lang="en-US" smtClean="0"/>
-              <a:t>Sunday, May 29, 16</a:t>
+              <a:t>Sunday, May 21, 2017</a:t>
             </a:fld>
             <a:endParaRPr lang="en-US"/>
           </a:p>
@@ -3496,7 +3512,7 @@
           <a:p>
             <a:fld id="{A80CB818-7379-467D-8E76-EF9D9074A26C}" type="datetime2">
               <a:rPr lang="en-US" smtClean="0"/>
-              <a:t>Sunday, May 29, 16</a:t>
+              <a:t>Sunday, May 21, 2017</a:t>
             </a:fld>
             <a:endParaRPr lang="en-US" dirty="0"/>
           </a:p>
@@ -3943,7 +3959,7 @@
             </a:r>
             <a:r>
               <a:rPr lang="en-US" dirty="0" smtClean="0"/>
-              <a:t>2016</a:t>
+              <a:t>2017</a:t>
             </a:r>
             <a:r>
               <a:rPr lang="en-US" dirty="0" smtClean="0"/>
@@ -3954,7 +3970,11 @@
             </a:br>
             <a:r>
               <a:rPr lang="en-US" dirty="0" smtClean="0"/>
-              <a:t>Botswana</a:t>
+              <a:t>Nairobi, </a:t>
+            </a:r>
+            <a:r>
+              <a:rPr lang="en-US" dirty="0" err="1" smtClean="0"/>
+              <a:t>kenya</a:t>
             </a:r>
             <a:endParaRPr lang="en-US" dirty="0"/>
           </a:p>
@@ -3996,7 +4016,7 @@
   <p:timing>
     <p:tnLst>
       <p:par>
-        <p:cTn xmlns:p14="http://schemas.microsoft.com/office/powerpoint/2010/main" id="1" dur="indefinite" restart="never" nodeType="tmRoot"/>
+        <p:cTn id="1" dur="indefinite" restart="never" nodeType="tmRoot"/>
       </p:par>
     </p:tnLst>
   </p:timing>
@@ -4197,7 +4217,7 @@
   <p:timing>
     <p:tnLst>
       <p:par>
-        <p:cTn xmlns:p14="http://schemas.microsoft.com/office/powerpoint/2010/main" id="1" dur="indefinite" restart="never" nodeType="tmRoot"/>
+        <p:cTn id="1" dur="indefinite" restart="never" nodeType="tmRoot"/>
       </p:par>
     </p:tnLst>
   </p:timing>
@@ -4320,7 +4340,7 @@
   <p:timing>
     <p:tnLst>
       <p:par>
-        <p:cTn xmlns:p14="http://schemas.microsoft.com/office/powerpoint/2010/main" id="1" dur="indefinite" restart="never" nodeType="tmRoot"/>
+        <p:cTn id="1" dur="indefinite" restart="never" nodeType="tmRoot"/>
       </p:par>
     </p:tnLst>
   </p:timing>
@@ -4361,11 +4381,7 @@
           <a:p>
             <a:r>
               <a:rPr lang="en-US" dirty="0" smtClean="0"/>
-              <a:t>Online </a:t>
-            </a:r>
-            <a:r>
-              <a:rPr lang="en-US" dirty="0" smtClean="0"/>
-              <a:t>Resources</a:t>
+              <a:t>Online Resources</a:t>
             </a:r>
             <a:endParaRPr lang="en-US" dirty="0"/>
           </a:p>
@@ -4403,13 +4419,13 @@
               <a:rPr lang="en-US" sz="2600" dirty="0">
                 <a:hlinkClick r:id="rId2"/>
               </a:rPr>
-              <a:t>http://www.ws.afnog.org/</a:t>
+              <a:t>http://</a:t>
             </a:r>
             <a:r>
               <a:rPr lang="en-US" sz="2600" dirty="0" smtClean="0">
                 <a:hlinkClick r:id="rId2"/>
               </a:rPr>
-              <a:t>afnog2016/</a:t>
+              <a:t>www.ws.afnog.org/afnog2017/</a:t>
             </a:r>
             <a:endParaRPr lang="en-US" sz="2600" dirty="0"/>
           </a:p>
@@ -4507,7 +4523,7 @@
   <p:timing>
     <p:tnLst>
       <p:par>
-        <p:cTn xmlns:p14="http://schemas.microsoft.com/office/powerpoint/2010/main" id="1" dur="indefinite" restart="never" nodeType="tmRoot"/>
+        <p:cTn id="1" dur="indefinite" restart="never" nodeType="tmRoot"/>
       </p:par>
     </p:tnLst>
   </p:timing>
@@ -4630,7 +4646,7 @@
   <p:timing>
     <p:tnLst>
       <p:par>
-        <p:cTn xmlns:p14="http://schemas.microsoft.com/office/powerpoint/2010/main" id="1" dur="indefinite" restart="never" nodeType="tmRoot"/>
+        <p:cTn id="1" dur="indefinite" restart="never" nodeType="tmRoot"/>
       </p:par>
     </p:tnLst>
   </p:timing>
@@ -4758,17 +4774,12 @@
               <a:rPr lang="en-US" sz="2800" b="1" dirty="0" smtClean="0"/>
               <a:t>Hosting Web services</a:t>
             </a:r>
-            <a:endParaRPr lang="en-US" sz="2800" b="1" dirty="0" smtClean="0"/>
           </a:p>
           <a:p>
             <a:pPr lvl="1"/>
             <a:r>
               <a:rPr lang="en-US" dirty="0" smtClean="0"/>
-              <a:t>Web server </a:t>
-            </a:r>
-            <a:r>
-              <a:rPr lang="en-US" dirty="0" smtClean="0"/>
-              <a:t>using Apache</a:t>
+              <a:t>Web server using Apache</a:t>
             </a:r>
             <a:endParaRPr lang="en-US" dirty="0"/>
           </a:p>
@@ -4778,21 +4789,12 @@
               <a:rPr lang="en-US" sz="2800" b="1" dirty="0" smtClean="0"/>
               <a:t>RADIUS &amp; LDAP</a:t>
             </a:r>
-            <a:endParaRPr lang="en-US" sz="2800" b="1" dirty="0" smtClean="0"/>
           </a:p>
           <a:p>
             <a:pPr lvl="1"/>
             <a:r>
               <a:rPr lang="en-US" dirty="0" smtClean="0"/>
-              <a:t>For </a:t>
-            </a:r>
-            <a:r>
-              <a:rPr lang="en-US" dirty="0" smtClean="0"/>
-              <a:t>centralizing </a:t>
-            </a:r>
-            <a:r>
-              <a:rPr lang="en-US" dirty="0" smtClean="0"/>
-              <a:t>authentication</a:t>
+              <a:t>For centralizing authentication</a:t>
             </a:r>
             <a:endParaRPr lang="en-US" dirty="0"/>
           </a:p>
@@ -4802,17 +4804,12 @@
               <a:rPr lang="en-US" sz="2800" b="1" dirty="0" smtClean="0"/>
               <a:t>Virtualization</a:t>
             </a:r>
-            <a:endParaRPr lang="en-US" sz="2800" b="1" dirty="0" smtClean="0"/>
           </a:p>
           <a:p>
             <a:pPr lvl="1"/>
             <a:r>
               <a:rPr lang="en-US" dirty="0" smtClean="0"/>
-              <a:t>How to build virtual </a:t>
-            </a:r>
-            <a:r>
-              <a:rPr lang="en-US" dirty="0" smtClean="0"/>
-              <a:t>servers</a:t>
+              <a:t>How to build virtual servers</a:t>
             </a:r>
             <a:endParaRPr lang="en-US" dirty="0"/>
           </a:p>
@@ -4831,7 +4828,7 @@
   <p:timing>
     <p:tnLst>
       <p:par>
-        <p:cTn xmlns:p14="http://schemas.microsoft.com/office/powerpoint/2010/main" id="1" dur="indefinite" restart="never" nodeType="tmRoot"/>
+        <p:cTn id="1" dur="indefinite" restart="never" nodeType="tmRoot"/>
       </p:par>
     </p:tnLst>
   </p:timing>
@@ -4955,11 +4952,7 @@
             </a:r>
             <a:r>
               <a:rPr lang="en-US" dirty="0" smtClean="0"/>
-              <a:t>: </a:t>
-            </a:r>
-            <a:r>
-              <a:rPr lang="en-US" dirty="0" smtClean="0"/>
-              <a:t>DNS (Intro)</a:t>
+              <a:t>: DNS (Intro)</a:t>
             </a:r>
             <a:endParaRPr lang="en-US" dirty="0"/>
           </a:p>
@@ -4967,11 +4960,7 @@
             <a:pPr lvl="1"/>
             <a:r>
               <a:rPr lang="en-US" dirty="0" smtClean="0"/>
-              <a:t>Third Session: </a:t>
-            </a:r>
-            <a:r>
-              <a:rPr lang="en-US" dirty="0" smtClean="0"/>
-              <a:t>Firewalls and Network Security</a:t>
+              <a:t>Third Session: Firewalls and Network Security</a:t>
             </a:r>
             <a:endParaRPr lang="en-US" dirty="0"/>
           </a:p>
@@ -4987,11 +4976,7 @@
             </a:r>
             <a:r>
               <a:rPr lang="en-US" dirty="0" smtClean="0"/>
-              <a:t>: </a:t>
-            </a:r>
-            <a:r>
-              <a:rPr lang="en-US" dirty="0" smtClean="0"/>
-              <a:t>DNS (Resolver)</a:t>
+              <a:t>: DNS (Resolver)</a:t>
             </a:r>
           </a:p>
           <a:p>
@@ -5032,11 +5017,7 @@
             </a:r>
             <a:r>
               <a:rPr lang="en-US" dirty="0" smtClean="0"/>
-              <a:t>: </a:t>
-            </a:r>
-            <a:r>
-              <a:rPr lang="en-US" dirty="0" smtClean="0"/>
-              <a:t>Security (Public Key, SSL, PGP, Crypto)</a:t>
+              <a:t>: Security (Public Key, SSL, PGP, Crypto)</a:t>
             </a:r>
             <a:endParaRPr lang="en-US" dirty="0"/>
           </a:p>
@@ -5044,11 +5025,7 @@
             <a:pPr lvl="1"/>
             <a:r>
               <a:rPr lang="en-US" dirty="0" smtClean="0"/>
-              <a:t>Second </a:t>
-            </a:r>
-            <a:r>
-              <a:rPr lang="en-US" dirty="0" smtClean="0"/>
-              <a:t>: DNS (Authoritative)</a:t>
+              <a:t>Second : DNS (Authoritative)</a:t>
             </a:r>
             <a:endParaRPr lang="en-US" dirty="0"/>
           </a:p>
@@ -5056,19 +5033,7 @@
             <a:pPr lvl="1"/>
             <a:r>
               <a:rPr lang="en-US" dirty="0" smtClean="0"/>
-              <a:t>Third </a:t>
-            </a:r>
-            <a:r>
-              <a:rPr lang="en-US" dirty="0" smtClean="0"/>
-              <a:t>Session</a:t>
-            </a:r>
-            <a:r>
-              <a:rPr lang="en-US" dirty="0" smtClean="0"/>
-              <a:t>: </a:t>
-            </a:r>
-            <a:r>
-              <a:rPr lang="en-US" dirty="0" smtClean="0"/>
-              <a:t>Apache + PHP</a:t>
+              <a:t>Third Session: Apache + PHP</a:t>
             </a:r>
           </a:p>
           <a:p>
@@ -5127,11 +5092,7 @@
             </a:r>
             <a:r>
               <a:rPr lang="en-US" dirty="0" smtClean="0"/>
-              <a:t>: </a:t>
-            </a:r>
-            <a:r>
-              <a:rPr lang="en-US" dirty="0" smtClean="0"/>
-              <a:t>Postfix</a:t>
+              <a:t>: Postfix</a:t>
             </a:r>
             <a:endParaRPr lang="en-US" dirty="0"/>
           </a:p>
@@ -5139,11 +5100,7 @@
             <a:pPr lvl="1"/>
             <a:r>
               <a:rPr lang="en-US" dirty="0" smtClean="0"/>
-              <a:t>Third and Fourth Session: </a:t>
-            </a:r>
-            <a:r>
-              <a:rPr lang="en-US" dirty="0" smtClean="0"/>
-              <a:t>Open LDAP Directory</a:t>
+              <a:t>Third and Fourth Session: Open LDAP Directory</a:t>
             </a:r>
           </a:p>
           <a:p>
@@ -5185,7 +5142,7 @@
   <p:timing>
     <p:tnLst>
       <p:par>
-        <p:cTn xmlns:p14="http://schemas.microsoft.com/office/powerpoint/2010/main" id="1" dur="indefinite" restart="never" nodeType="tmRoot"/>
+        <p:cTn id="1" dur="indefinite" restart="never" nodeType="tmRoot"/>
       </p:par>
     </p:tnLst>
   </p:timing>
@@ -5231,11 +5188,7 @@
           <a:p>
             <a:r>
               <a:rPr lang="en-US" dirty="0" smtClean="0"/>
-              <a:t>Rough agenda for the </a:t>
-            </a:r>
-            <a:r>
-              <a:rPr lang="en-US" dirty="0" smtClean="0"/>
-              <a:t>week </a:t>
+              <a:t>Rough agenda for the week </a:t>
             </a:r>
             <a:r>
               <a:rPr lang="is-IS" dirty="0" smtClean="0"/>
@@ -5282,11 +5235,7 @@
             <a:pPr lvl="1"/>
             <a:r>
               <a:rPr lang="en-US" dirty="0" smtClean="0"/>
-              <a:t>First </a:t>
-            </a:r>
-            <a:r>
-              <a:rPr lang="en-US" dirty="0" smtClean="0"/>
-              <a:t>and Second Session: RADIUS</a:t>
+              <a:t>First and Second Session: RADIUS</a:t>
             </a:r>
             <a:endParaRPr lang="en-US" dirty="0"/>
           </a:p>
@@ -5302,11 +5251,7 @@
             </a:r>
             <a:r>
               <a:rPr lang="en-US" dirty="0" smtClean="0"/>
-              <a:t>: </a:t>
-            </a:r>
-            <a:r>
-              <a:rPr lang="en-US" dirty="0" smtClean="0"/>
-              <a:t>Dovecot IMAP</a:t>
+              <a:t>: Dovecot IMAP</a:t>
             </a:r>
             <a:endParaRPr lang="en-US" dirty="0"/>
           </a:p>
@@ -5314,11 +5259,7 @@
             <a:pPr lvl="1"/>
             <a:r>
               <a:rPr lang="en-US" dirty="0" smtClean="0"/>
-              <a:t>Fourth </a:t>
-            </a:r>
-            <a:r>
-              <a:rPr lang="en-US" dirty="0" smtClean="0"/>
-              <a:t>Session: </a:t>
+              <a:t>Fourth Session: </a:t>
             </a:r>
             <a:r>
               <a:rPr lang="en-US" dirty="0" err="1" smtClean="0"/>
@@ -5341,19 +5282,7 @@
             <a:pPr lvl="1"/>
             <a:r>
               <a:rPr lang="en-US" dirty="0" smtClean="0"/>
-              <a:t>First </a:t>
-            </a:r>
-            <a:r>
-              <a:rPr lang="en-US" dirty="0" smtClean="0"/>
-              <a:t>and Session</a:t>
-            </a:r>
-            <a:r>
-              <a:rPr lang="en-US" dirty="0" smtClean="0"/>
-              <a:t>: </a:t>
-            </a:r>
-            <a:r>
-              <a:rPr lang="en-US" dirty="0" smtClean="0"/>
-              <a:t>Load Balancing</a:t>
+              <a:t>First and Session: Load Balancing</a:t>
             </a:r>
             <a:endParaRPr lang="en-US" dirty="0"/>
           </a:p>
@@ -5388,7 +5317,7 @@
   <p:timing>
     <p:tnLst>
       <p:par>
-        <p:cTn xmlns:p14="http://schemas.microsoft.com/office/powerpoint/2010/main" id="1" dur="indefinite" restart="never" nodeType="tmRoot"/>
+        <p:cTn id="1" dur="indefinite" restart="never" nodeType="tmRoot"/>
       </p:par>
     </p:tnLst>
   </p:timing>
@@ -5453,7 +5382,7 @@
   <p:timing>
     <p:tnLst>
       <p:par>
-        <p:cTn xmlns:p14="http://schemas.microsoft.com/office/powerpoint/2010/main" id="1" dur="indefinite" restart="never" nodeType="tmRoot"/>
+        <p:cTn id="1" dur="indefinite" restart="never" nodeType="tmRoot"/>
       </p:par>
     </p:tnLst>
   </p:timing>
@@ -5563,15 +5492,23 @@
             </a:r>
             <a:r>
               <a:rPr lang="en-US" dirty="0"/>
-              <a:t>	afnog@debian8:</a:t>
-            </a:r>
-            <a:r>
-              <a:rPr lang="en-US" sz="2000" dirty="0"/>
-              <a:t>~</a:t>
+              <a:t>	</a:t>
+            </a:r>
+            <a:r>
+              <a:rPr lang="en-US" dirty="0"/>
+              <a:t> </a:t>
+            </a:r>
+            <a:r>
+              <a:rPr lang="en-US" dirty="0" err="1"/>
+              <a:t>afnog@pcX</a:t>
+            </a:r>
+            <a:r>
+              <a:rPr lang="en-US" dirty="0"/>
+              <a:t> :</a:t>
             </a:r>
             <a:r>
               <a:rPr lang="en-US" sz="2000" dirty="0" smtClean="0"/>
-              <a:t>$</a:t>
+              <a:t>~$</a:t>
             </a:r>
             <a:r>
               <a:rPr lang="en-US" b="1" dirty="0" err="1" smtClean="0"/>
@@ -5579,11 +5516,7 @@
             </a:r>
             <a:r>
               <a:rPr lang="en-US" b="1" dirty="0" smtClean="0"/>
-              <a:t> </a:t>
-            </a:r>
-            <a:r>
-              <a:rPr lang="en-US" b="1" dirty="0" smtClean="0"/>
-              <a:t>apt-get install </a:t>
+              <a:t> apt-get install </a:t>
             </a:r>
             <a:r>
               <a:rPr lang="en-US" b="1" dirty="0" err="1" smtClean="0"/>
@@ -5614,15 +5547,19 @@
               <a:t>	</a:t>
             </a:r>
             <a:r>
-              <a:rPr lang="en-US" dirty="0" smtClean="0"/>
-              <a:t>afnog</a:t>
+              <a:rPr lang="en-US" dirty="0" err="1" smtClean="0"/>
+              <a:t>afnog@pcX</a:t>
+            </a:r>
+            <a:r>
+              <a:rPr lang="en-US" dirty="0" smtClean="0"/>
+              <a:t> </a:t>
             </a:r>
             <a:r>
               <a:rPr lang="en-US" dirty="0"/>
-              <a:t>@debian8:</a:t>
-            </a:r>
-            <a:r>
-              <a:rPr lang="en-US" sz="2000" dirty="0"/>
+              <a:t>:</a:t>
+            </a:r>
+            <a:r>
+              <a:rPr lang="en-US" sz="2000" dirty="0" smtClean="0"/>
               <a:t>~$</a:t>
             </a:r>
             <a:r>
@@ -5631,11 +5568,7 @@
             </a:r>
             <a:r>
               <a:rPr lang="en-US" b="1" dirty="0" smtClean="0"/>
-              <a:t> </a:t>
-            </a:r>
-            <a:r>
-              <a:rPr lang="en-US" b="1" dirty="0" smtClean="0"/>
-              <a:t>/path/to/filename</a:t>
+              <a:t> /path/to/filename</a:t>
             </a:r>
             <a:br>
               <a:rPr lang="en-US" b="1" dirty="0" smtClean="0"/>
@@ -5646,18 +5579,26 @@
             </a:r>
             <a:r>
               <a:rPr lang="en-US" b="1" dirty="0" smtClean="0"/>
-              <a:t>        </a:t>
-            </a:r>
-            <a:r>
-              <a:rPr lang="en-US" dirty="0" smtClean="0"/>
-              <a:t>afnog</a:t>
+              <a:t> </a:t>
+            </a:r>
+            <a:r>
+              <a:rPr lang="en-US" b="1" dirty="0" smtClean="0"/>
+              <a:t>	</a:t>
+            </a:r>
+            <a:r>
+              <a:rPr lang="en-US" dirty="0" err="1" smtClean="0"/>
+              <a:t>afnog@pcX</a:t>
+            </a:r>
+            <a:r>
+              <a:rPr lang="en-US" dirty="0" smtClean="0"/>
+              <a:t> </a:t>
             </a:r>
             <a:r>
               <a:rPr lang="en-US" dirty="0"/>
-              <a:t>@debian8:</a:t>
-            </a:r>
-            <a:r>
-              <a:rPr lang="en-US" sz="2000" dirty="0"/>
+              <a:t>:</a:t>
+            </a:r>
+            <a:r>
+              <a:rPr lang="en-US" sz="2000" dirty="0" smtClean="0"/>
               <a:t>~$</a:t>
             </a:r>
             <a:r>
@@ -5666,11 +5607,7 @@
             </a:r>
             <a:r>
               <a:rPr lang="en-US" b="1" dirty="0" smtClean="0"/>
-              <a:t> </a:t>
-            </a:r>
-            <a:r>
-              <a:rPr lang="en-US" b="1" dirty="0" smtClean="0"/>
-              <a:t>filename</a:t>
+              <a:t> filename</a:t>
             </a:r>
           </a:p>
           <a:p>
@@ -5749,7 +5686,7 @@
   <p:timing>
     <p:tnLst>
       <p:par>
-        <p:cTn xmlns:p14="http://schemas.microsoft.com/office/powerpoint/2010/main" id="1" dur="indefinite" restart="never" nodeType="tmRoot"/>
+        <p:cTn id="1" dur="indefinite" restart="never" nodeType="tmRoot"/>
       </p:par>
     </p:tnLst>
   </p:timing>
@@ -5816,7 +5753,7 @@
         </p:nvSpPr>
         <p:spPr>
           <a:xfrm>
-            <a:off x="457200" y="1600199"/>
+            <a:off x="457200" y="1627495"/>
             <a:ext cx="8446968" cy="5073727"/>
           </a:xfrm>
         </p:spPr>
@@ -5837,23 +5774,27 @@
             </a:pPr>
             <a:r>
               <a:rPr lang="en-US" sz="2600" dirty="0"/>
-              <a:t>	afnog@debian8:</a:t>
-            </a:r>
-            <a:r>
-              <a:rPr lang="en-US" sz="2300" dirty="0"/>
-              <a:t>~</a:t>
+              <a:t>	</a:t>
+            </a:r>
+            <a:r>
+              <a:rPr lang="en-US" sz="2600" dirty="0"/>
+              <a:t> </a:t>
+            </a:r>
+            <a:r>
+              <a:rPr lang="en-US" sz="2600" dirty="0" err="1"/>
+              <a:t>afnog@pcX</a:t>
+            </a:r>
+            <a:r>
+              <a:rPr lang="en-US" sz="2600" dirty="0"/>
+              <a:t> :</a:t>
             </a:r>
             <a:r>
               <a:rPr lang="en-US" sz="2300" dirty="0" smtClean="0"/>
-              <a:t>$</a:t>
+              <a:t>~$</a:t>
             </a:r>
             <a:r>
               <a:rPr lang="en-US" sz="2400" b="1" dirty="0" smtClean="0"/>
-              <a:t>cd </a:t>
-            </a:r>
-            <a:r>
-              <a:rPr lang="en-US" sz="2400" b="1" dirty="0" smtClean="0"/>
-              <a:t>/home/</a:t>
+              <a:t>cd /home/</a:t>
             </a:r>
             <a:r>
               <a:rPr lang="en-US" sz="2400" b="1" dirty="0" err="1" smtClean="0"/>
@@ -5864,19 +5805,7 @@
           <a:p>
             <a:r>
               <a:rPr lang="en-US" dirty="0" smtClean="0"/>
-              <a:t>Open </a:t>
-            </a:r>
-            <a:r>
-              <a:rPr lang="en-US" dirty="0" smtClean="0"/>
-              <a:t>a </a:t>
-            </a:r>
-            <a:r>
-              <a:rPr lang="en-US" dirty="0" smtClean="0"/>
-              <a:t>file:</a:t>
-            </a:r>
-            <a:r>
-              <a:rPr lang="en-US" dirty="0" smtClean="0"/>
-              <a:t/>
+              <a:t>Open a file:</a:t>
             </a:r>
             <a:br>
               <a:rPr lang="en-US" dirty="0" smtClean="0"/>
@@ -5886,16 +5815,16 @@
               <a:t>	</a:t>
             </a:r>
             <a:r>
-              <a:rPr lang="en-US" sz="2600" dirty="0" smtClean="0"/>
-              <a:t>afnog</a:t>
-            </a:r>
-            <a:r>
               <a:rPr lang="en-US" sz="2600" dirty="0"/>
-              <a:t>@debian8:~</a:t>
-            </a:r>
-            <a:r>
-              <a:rPr lang="en-US" sz="2600" dirty="0" smtClean="0"/>
-              <a:t>$</a:t>
+              <a:t> </a:t>
+            </a:r>
+            <a:r>
+              <a:rPr lang="en-US" sz="2600" dirty="0" err="1"/>
+              <a:t>afnog@pcX</a:t>
+            </a:r>
+            <a:r>
+              <a:rPr lang="en-US" sz="2600" dirty="0"/>
+              <a:t> :~$</a:t>
             </a:r>
             <a:r>
               <a:rPr lang="en-US" b="1" dirty="0" err="1" smtClean="0"/>
@@ -5979,13 +5908,10 @@
               <a:t> SSE </a:t>
             </a:r>
             <a:r>
-              <a:rPr lang="en-US" b="1" dirty="0"/>
-              <a:t>2016</a:t>
-            </a:r>
-            <a:r>
               <a:rPr lang="en-US" b="1" dirty="0" smtClean="0"/>
-              <a:t>!”</a:t>
-            </a:r>
+              <a:t>2017!”</a:t>
+            </a:r>
+            <a:endParaRPr lang="en-US" b="1" dirty="0" smtClean="0"/>
           </a:p>
           <a:p>
             <a:pPr marL="0" indent="0">
@@ -6017,11 +5943,7 @@
           <a:p>
             <a:r>
               <a:rPr lang="en-US" dirty="0" smtClean="0"/>
-              <a:t>Then </a:t>
-            </a:r>
-            <a:r>
-              <a:rPr lang="en-US" dirty="0" smtClean="0"/>
-              <a:t>Save and Exit</a:t>
+              <a:t>Then Save and Exit</a:t>
             </a:r>
           </a:p>
           <a:p>
@@ -6034,11 +5956,7 @@
             </a:r>
             <a:r>
               <a:rPr lang="en-US" b="1" dirty="0" smtClean="0"/>
-              <a:t>Ctrl </a:t>
-            </a:r>
-            <a:r>
-              <a:rPr lang="en-US" b="1" dirty="0" smtClean="0"/>
-              <a:t>X</a:t>
+              <a:t>Ctrl X</a:t>
             </a:r>
             <a:r>
               <a:rPr lang="en-US" dirty="0"/>
@@ -6046,15 +5964,7 @@
             </a:r>
             <a:r>
               <a:rPr lang="en-US" dirty="0" smtClean="0"/>
-              <a:t>and </a:t>
-            </a:r>
-            <a:r>
-              <a:rPr lang="en-US" dirty="0" smtClean="0"/>
-              <a:t>Then </a:t>
-            </a:r>
-            <a:r>
-              <a:rPr lang="en-US" dirty="0" smtClean="0"/>
-              <a:t>answer </a:t>
+              <a:t>and Then answer </a:t>
             </a:r>
             <a:r>
               <a:rPr lang="en-US" b="1" dirty="0" smtClean="0"/>
@@ -6066,11 +5976,7 @@
             </a:r>
             <a:r>
               <a:rPr lang="en-US" b="1" dirty="0" smtClean="0"/>
-              <a:t>Maintain the same filename (</a:t>
-            </a:r>
-            <a:r>
-              <a:rPr lang="en-US" b="1" dirty="0" smtClean="0"/>
-              <a:t>press enter)</a:t>
+              <a:t>Maintain the same filename (press enter)</a:t>
             </a:r>
           </a:p>
           <a:p>
@@ -6092,11 +5998,19 @@
             </a:pPr>
             <a:r>
               <a:rPr lang="en-US" dirty="0"/>
-              <a:t>	afnog@debian8:~</a:t>
-            </a:r>
-            <a:r>
-              <a:rPr lang="en-US" dirty="0" smtClean="0"/>
-              <a:t>$ </a:t>
+              <a:t>	</a:t>
+            </a:r>
+            <a:r>
+              <a:rPr lang="en-US" dirty="0"/>
+              <a:t> </a:t>
+            </a:r>
+            <a:r>
+              <a:rPr lang="en-US" dirty="0" err="1"/>
+              <a:t>afnog@pcX</a:t>
+            </a:r>
+            <a:r>
+              <a:rPr lang="en-US" dirty="0"/>
+              <a:t> :~$ </a:t>
             </a:r>
             <a:r>
               <a:rPr lang="en-US" b="1" dirty="0" err="1" smtClean="0"/>
@@ -6131,7 +6045,19 @@
             </a:pPr>
             <a:r>
               <a:rPr lang="en-US" dirty="0"/>
-              <a:t>	afnog@debian8:~$ </a:t>
+              <a:t>	</a:t>
+            </a:r>
+            <a:r>
+              <a:rPr lang="en-US" dirty="0"/>
+              <a:t> </a:t>
+            </a:r>
+            <a:r>
+              <a:rPr lang="en-US" dirty="0" err="1"/>
+              <a:t>afnog@pcX</a:t>
+            </a:r>
+            <a:r>
+              <a:rPr lang="en-US" dirty="0"/>
+              <a:t> :~$ </a:t>
             </a:r>
             <a:r>
               <a:rPr lang="en-US" b="1" dirty="0" smtClean="0"/>
@@ -6162,7 +6088,7 @@
   <p:timing>
     <p:tnLst>
       <p:par>
-        <p:cTn xmlns:p14="http://schemas.microsoft.com/office/powerpoint/2010/main" id="1" dur="indefinite" restart="never" nodeType="tmRoot"/>
+        <p:cTn id="1" dur="indefinite" restart="never" nodeType="tmRoot"/>
       </p:par>
     </p:tnLst>
   </p:timing>
@@ -6247,7 +6173,15 @@
             <a:pPr lvl="1"/>
             <a:r>
               <a:rPr lang="en-US" dirty="0" smtClean="0"/>
-              <a:t>DNS, Web Email</a:t>
+              <a:t>DNS, </a:t>
+            </a:r>
+            <a:r>
+              <a:rPr lang="en-US" dirty="0" smtClean="0"/>
+              <a:t>Web, </a:t>
+            </a:r>
+            <a:r>
+              <a:rPr lang="en-US" dirty="0" smtClean="0"/>
+              <a:t>Email</a:t>
             </a:r>
           </a:p>
           <a:p>
@@ -6261,8 +6195,9 @@
             <a:pPr lvl="1"/>
             <a:r>
               <a:rPr lang="en-US" dirty="0" smtClean="0"/>
-              <a:t>Many others</a:t>
-            </a:r>
+              <a:t>Many Others</a:t>
+            </a:r>
+            <a:endParaRPr lang="en-US" dirty="0" smtClean="0"/>
           </a:p>
           <a:p>
             <a:r>
@@ -6285,7 +6220,7 @@
   <p:timing>
     <p:tnLst>
       <p:par>
-        <p:cTn xmlns:p14="http://schemas.microsoft.com/office/powerpoint/2010/main" id="1" dur="indefinite" restart="never" nodeType="tmRoot"/>
+        <p:cTn id="1" dur="indefinite" restart="never" nodeType="tmRoot"/>
       </p:par>
     </p:tnLst>
   </p:timing>
@@ -6428,7 +6363,7 @@
   <p:timing>
     <p:tnLst>
       <p:par>
-        <p:cTn xmlns:p14="http://schemas.microsoft.com/office/powerpoint/2010/main" id="1" dur="indefinite" restart="never" nodeType="tmRoot"/>
+        <p:cTn id="1" dur="indefinite" restart="never" nodeType="tmRoot"/>
       </p:par>
     </p:tnLst>
   </p:timing>
@@ -6507,7 +6442,7 @@
   <p:timing>
     <p:tnLst>
       <p:par>
-        <p:cTn xmlns:p14="http://schemas.microsoft.com/office/powerpoint/2010/main" id="1" dur="indefinite" restart="never" nodeType="tmRoot"/>
+        <p:cTn id="1" dur="indefinite" restart="never" nodeType="tmRoot"/>
       </p:par>
     </p:tnLst>
   </p:timing>
@@ -6586,15 +6521,15 @@
               <a:buNone/>
             </a:pPr>
             <a:r>
-              <a:rPr lang="en-US" dirty="0" smtClean="0"/>
-              <a:t>afnog</a:t>
+              <a:rPr lang="en-US" dirty="0" err="1"/>
+              <a:t>afnog@pcX</a:t>
             </a:r>
             <a:r>
               <a:rPr lang="en-US" dirty="0"/>
-              <a:t>@debian8:</a:t>
-            </a:r>
-            <a:r>
-              <a:rPr lang="en-US" sz="1800" dirty="0"/>
+              <a:t> :</a:t>
+            </a:r>
+            <a:r>
+              <a:rPr lang="en-US" sz="1800" dirty="0" smtClean="0"/>
               <a:t>~$</a:t>
             </a:r>
             <a:r>
@@ -6731,26 +6666,36 @@
                   <a:srgbClr val="292934"/>
                 </a:solidFill>
               </a:rPr>
-              <a:t>deb http://</a:t>
-            </a:r>
-            <a:r>
-              <a:rPr lang="en-US" b="1" dirty="0" err="1">
+              <a:t>deb </a:t>
+            </a:r>
+            <a:r>
+              <a:rPr lang="en-US" b="1" dirty="0">
+                <a:solidFill>
+                  <a:srgbClr val="292934"/>
+                </a:solidFill>
+                <a:hlinkClick r:id="rId2"/>
+              </a:rPr>
+              <a:t>http://</a:t>
+            </a:r>
+            <a:r>
+              <a:rPr lang="en-US" b="1" dirty="0" smtClean="0">
+                <a:solidFill>
+                  <a:srgbClr val="292934"/>
+                </a:solidFill>
+                <a:hlinkClick r:id="rId2"/>
+              </a:rPr>
+              <a:t>security.debian.org/</a:t>
+            </a:r>
+            <a:r>
+              <a:rPr lang="en-US" b="1" dirty="0" smtClean="0">
                 <a:solidFill>
                   <a:srgbClr val="292934"/>
                 </a:solidFill>
               </a:rPr>
-              <a:t>security.debian.org</a:t>
-            </a:r>
-            <a:r>
-              <a:rPr lang="en-US" b="1" dirty="0">
-                <a:solidFill>
-                  <a:srgbClr val="292934"/>
-                </a:solidFill>
-              </a:rPr>
-              <a:t>/ </a:t>
-            </a:r>
-            <a:r>
-              <a:rPr lang="en-US" b="1" dirty="0" err="1">
+              <a:t> </a:t>
+            </a:r>
+            <a:r>
+              <a:rPr lang="en-US" b="1" dirty="0" err="1" smtClean="0">
                 <a:solidFill>
                   <a:srgbClr val="292934"/>
                 </a:solidFill>
@@ -6758,7 +6703,7 @@
               <a:t>jessie</a:t>
             </a:r>
             <a:r>
-              <a:rPr lang="en-US" b="1" dirty="0">
+              <a:rPr lang="en-US" b="1" dirty="0" smtClean="0">
                 <a:solidFill>
                   <a:srgbClr val="292934"/>
                 </a:solidFill>
@@ -6971,7 +6916,7 @@
   <p:timing>
     <p:tnLst>
       <p:par>
-        <p:cTn xmlns:p14="http://schemas.microsoft.com/office/powerpoint/2010/main" id="1" dur="indefinite" restart="never" nodeType="tmRoot"/>
+        <p:cTn id="1" dur="indefinite" restart="never" nodeType="tmRoot"/>
       </p:par>
     </p:tnLst>
   </p:timing>
@@ -7049,15 +6994,15 @@
               <a:buNone/>
             </a:pPr>
             <a:r>
-              <a:rPr lang="en-US" dirty="0" smtClean="0"/>
-              <a:t>afnog</a:t>
-            </a:r>
-            <a:r>
-              <a:rPr lang="en-US" dirty="0"/>
-              <a:t>@debian8:</a:t>
-            </a:r>
-            <a:r>
-              <a:rPr lang="en-US" sz="1800" dirty="0"/>
+              <a:rPr lang="en-US" dirty="0" err="1" smtClean="0"/>
+              <a:t>afnog@pcX</a:t>
+            </a:r>
+            <a:r>
+              <a:rPr lang="en-US" dirty="0" smtClean="0"/>
+              <a:t>:</a:t>
+            </a:r>
+            <a:r>
+              <a:rPr lang="en-US" sz="1800" dirty="0" smtClean="0"/>
               <a:t>~$</a:t>
             </a:r>
             <a:r>
@@ -7074,15 +7019,15 @@
               <a:buNone/>
             </a:pPr>
             <a:r>
-              <a:rPr lang="en-US" dirty="0" smtClean="0"/>
-              <a:t>afnog</a:t>
-            </a:r>
-            <a:r>
-              <a:rPr lang="en-US" dirty="0"/>
-              <a:t>@debian8:</a:t>
-            </a:r>
-            <a:r>
-              <a:rPr lang="en-US" sz="1800" dirty="0"/>
+              <a:rPr lang="en-US" dirty="0" err="1" smtClean="0"/>
+              <a:t>afnog@pcX</a:t>
+            </a:r>
+            <a:r>
+              <a:rPr lang="en-US" dirty="0" smtClean="0"/>
+              <a:t>:</a:t>
+            </a:r>
+            <a:r>
+              <a:rPr lang="en-US" sz="1800" dirty="0" smtClean="0"/>
               <a:t>~$</a:t>
             </a:r>
             <a:r>
@@ -7110,15 +7055,15 @@
               <a:buNone/>
             </a:pPr>
             <a:r>
-              <a:rPr lang="en-US" dirty="0" smtClean="0"/>
-              <a:t>afnog</a:t>
-            </a:r>
-            <a:r>
-              <a:rPr lang="en-US" dirty="0"/>
-              <a:t>@debian8:</a:t>
-            </a:r>
-            <a:r>
-              <a:rPr lang="en-US" sz="1800" dirty="0"/>
+              <a:rPr lang="en-US" dirty="0" err="1" smtClean="0"/>
+              <a:t>afnog@pcX</a:t>
+            </a:r>
+            <a:r>
+              <a:rPr lang="en-US" dirty="0" smtClean="0"/>
+              <a:t>:</a:t>
+            </a:r>
+            <a:r>
+              <a:rPr lang="en-US" sz="1800" dirty="0" smtClean="0"/>
               <a:t>~$</a:t>
             </a:r>
             <a:r>
@@ -7160,15 +7105,15 @@
               <a:buNone/>
             </a:pPr>
             <a:r>
-              <a:rPr lang="en-US" dirty="0" smtClean="0"/>
-              <a:t>afnog</a:t>
+              <a:rPr lang="en-US" dirty="0" err="1"/>
+              <a:t>afnog@pcX</a:t>
             </a:r>
             <a:r>
               <a:rPr lang="en-US" dirty="0"/>
-              <a:t>@debian8:</a:t>
-            </a:r>
-            <a:r>
-              <a:rPr lang="en-US" sz="1800" dirty="0"/>
+              <a:t> :</a:t>
+            </a:r>
+            <a:r>
+              <a:rPr lang="en-US" sz="1800" dirty="0" smtClean="0"/>
               <a:t>~$</a:t>
             </a:r>
             <a:r>
@@ -7185,15 +7130,15 @@
               <a:buNone/>
             </a:pPr>
             <a:r>
-              <a:rPr lang="en-US" dirty="0" smtClean="0"/>
-              <a:t>afnog</a:t>
+              <a:rPr lang="en-US" dirty="0" err="1"/>
+              <a:t>afnog@pcX</a:t>
             </a:r>
             <a:r>
               <a:rPr lang="en-US" dirty="0"/>
-              <a:t>@debian8:</a:t>
-            </a:r>
-            <a:r>
-              <a:rPr lang="en-US" sz="1800" dirty="0"/>
+              <a:t> :</a:t>
+            </a:r>
+            <a:r>
+              <a:rPr lang="en-US" sz="1800" dirty="0" smtClean="0"/>
               <a:t>~$</a:t>
             </a:r>
             <a:r>
@@ -7226,15 +7171,15 @@
               <a:buNone/>
             </a:pPr>
             <a:r>
-              <a:rPr lang="en-US" dirty="0" smtClean="0"/>
-              <a:t>afnog</a:t>
+              <a:rPr lang="en-US" dirty="0" err="1"/>
+              <a:t>afnog@pcX</a:t>
             </a:r>
             <a:r>
               <a:rPr lang="en-US" dirty="0"/>
-              <a:t>@debian8:</a:t>
-            </a:r>
-            <a:r>
-              <a:rPr lang="en-US" sz="1800" dirty="0"/>
+              <a:t> :</a:t>
+            </a:r>
+            <a:r>
+              <a:rPr lang="en-US" sz="1800" dirty="0" smtClean="0"/>
               <a:t>~$</a:t>
             </a:r>
             <a:r>
@@ -7274,7 +7219,7 @@
   <p:timing>
     <p:tnLst>
       <p:par>
-        <p:cTn xmlns:p14="http://schemas.microsoft.com/office/powerpoint/2010/main" id="1" dur="indefinite" restart="never" nodeType="tmRoot"/>
+        <p:cTn id="1" dur="indefinite" restart="never" nodeType="tmRoot"/>
       </p:par>
     </p:tnLst>
   </p:timing>
@@ -7761,7 +7706,7 @@
   <p:timing>
     <p:tnLst>
       <p:par>
-        <p:cTn xmlns:p14="http://schemas.microsoft.com/office/powerpoint/2010/main" id="1" dur="indefinite" restart="never" nodeType="tmRoot"/>
+        <p:cTn id="1" dur="indefinite" restart="never" nodeType="tmRoot"/>
       </p:par>
     </p:tnLst>
   </p:timing>
@@ -7849,7 +7794,7 @@
   <p:timing>
     <p:tnLst>
       <p:par>
-        <p:cTn xmlns:p14="http://schemas.microsoft.com/office/powerpoint/2010/main" id="1" dur="indefinite" restart="never" nodeType="tmRoot"/>
+        <p:cTn id="1" dur="indefinite" restart="never" nodeType="tmRoot"/>
       </p:par>
     </p:tnLst>
   </p:timing>
@@ -7930,34 +7875,6 @@
           </a:p>
           <a:p>
             <a:r>
-              <a:rPr lang="en-US" dirty="0"/>
-              <a:t>Chris Wilson – </a:t>
-            </a:r>
-            <a:r>
-              <a:rPr lang="en-US" dirty="0" smtClean="0"/>
-              <a:t>UK</a:t>
-            </a:r>
-          </a:p>
-          <a:p>
-            <a:r>
-              <a:rPr lang="en-US" dirty="0" smtClean="0"/>
-              <a:t>Emmanuel </a:t>
-            </a:r>
-            <a:r>
-              <a:rPr lang="en-US" dirty="0" err="1"/>
-              <a:t>Odoom</a:t>
-            </a:r>
-            <a:r>
-              <a:rPr lang="en-US" dirty="0"/>
-              <a:t> - </a:t>
-            </a:r>
-            <a:r>
-              <a:rPr lang="en-US" dirty="0" smtClean="0"/>
-              <a:t>Ghana</a:t>
-            </a:r>
-          </a:p>
-          <a:p>
-            <a:r>
               <a:rPr lang="en-US" dirty="0" smtClean="0"/>
               <a:t>Frank </a:t>
             </a:r>
@@ -7977,6 +7894,29 @@
           <a:p>
             <a:r>
               <a:rPr lang="en-US" dirty="0" smtClean="0"/>
+              <a:t>Isabella </a:t>
+            </a:r>
+            <a:r>
+              <a:rPr lang="en-US" dirty="0" err="1" smtClean="0"/>
+              <a:t>Odida</a:t>
+            </a:r>
+            <a:r>
+              <a:rPr lang="en-US" dirty="0" smtClean="0"/>
+              <a:t> </a:t>
+            </a:r>
+            <a:r>
+              <a:rPr lang="mr-IN" dirty="0" smtClean="0"/>
+              <a:t>–</a:t>
+            </a:r>
+            <a:r>
+              <a:rPr lang="en-US" dirty="0" smtClean="0"/>
+              <a:t> Uganda </a:t>
+            </a:r>
+            <a:endParaRPr lang="en-US" dirty="0" smtClean="0"/>
+          </a:p>
+          <a:p>
+            <a:r>
+              <a:rPr lang="en-US" dirty="0" smtClean="0"/>
               <a:t>Joe </a:t>
             </a:r>
             <a:r>
@@ -7985,24 +7925,14 @@
             </a:r>
             <a:r>
               <a:rPr lang="en-US" dirty="0" smtClean="0"/>
-              <a:t> – </a:t>
-            </a:r>
-            <a:r>
-              <a:rPr lang="en-US" dirty="0" smtClean="0"/>
-              <a:t>Canada</a:t>
-            </a:r>
-            <a:endParaRPr lang="en-US" dirty="0" smtClean="0"/>
-          </a:p>
-          <a:p>
-            <a:r>
-              <a:rPr lang="en-US" dirty="0" smtClean="0"/>
-              <a:t>Kevin Chege – </a:t>
-            </a:r>
-            <a:r>
-              <a:rPr lang="en-US" dirty="0" smtClean="0"/>
-              <a:t>Kenya</a:t>
-            </a:r>
-            <a:endParaRPr lang="en-US" dirty="0" smtClean="0"/>
+              <a:t> – Canada</a:t>
+            </a:r>
+          </a:p>
+          <a:p>
+            <a:r>
+              <a:rPr lang="en-US" dirty="0" smtClean="0"/>
+              <a:t>Kevin Chege – Kenya</a:t>
+            </a:r>
           </a:p>
           <a:p>
             <a:r>
@@ -8032,7 +7962,7 @@
   <p:timing>
     <p:tnLst>
       <p:par>
-        <p:cTn xmlns:p14="http://schemas.microsoft.com/office/powerpoint/2010/main" id="1" dur="indefinite" restart="never" nodeType="tmRoot"/>
+        <p:cTn id="1" dur="indefinite" restart="never" nodeType="tmRoot"/>
       </p:par>
     </p:tnLst>
   </p:timing>
@@ -8143,13 +8073,7 @@
               <a:rPr lang="en-US" sz="2800" b="1" dirty="0" smtClean="0">
                 <a:sym typeface="Wingdings"/>
               </a:rPr>
-              <a:t>Botswana</a:t>
-            </a:r>
-            <a:r>
-              <a:rPr lang="en-US" sz="2800" b="1" dirty="0" smtClean="0">
-                <a:sym typeface="Wingdings"/>
-              </a:rPr>
-              <a:t>?</a:t>
+              <a:t>Nairobi?</a:t>
             </a:r>
             <a:endParaRPr lang="en-US" sz="2800" b="1" dirty="0" smtClean="0">
               <a:sym typeface="Wingdings"/>
@@ -8173,7 +8097,7 @@
   <p:timing>
     <p:tnLst>
       <p:par>
-        <p:cTn xmlns:p14="http://schemas.microsoft.com/office/powerpoint/2010/main" id="1" dur="indefinite" restart="never" nodeType="tmRoot"/>
+        <p:cTn id="1" dur="indefinite" restart="never" nodeType="tmRoot"/>
       </p:par>
     </p:tnLst>
   </p:timing>
@@ -8251,7 +8175,15 @@
             </a:r>
             <a:r>
               <a:rPr lang="en-US" sz="2800" dirty="0" smtClean="0"/>
-              <a:t> 8.0.0 (Jessie) that </a:t>
+              <a:t> </a:t>
+            </a:r>
+            <a:r>
+              <a:rPr lang="en-US" sz="2800" dirty="0" smtClean="0"/>
+              <a:t>8.8 </a:t>
+            </a:r>
+            <a:r>
+              <a:rPr lang="en-US" sz="2800" dirty="0" smtClean="0"/>
+              <a:t>(Jessie) that </a:t>
             </a:r>
             <a:r>
               <a:rPr lang="en-US" sz="2800" b="1" dirty="0" smtClean="0"/>
@@ -8299,19 +8231,7 @@
               <a:rPr lang="en-US" sz="2800" dirty="0" smtClean="0">
                 <a:sym typeface="Wingdings"/>
               </a:rPr>
-              <a:t>Please </a:t>
-            </a:r>
-            <a:r>
-              <a:rPr lang="en-US" sz="2800" dirty="0" smtClean="0">
-                <a:sym typeface="Wingdings"/>
-              </a:rPr>
-              <a:t>pay </a:t>
-            </a:r>
-            <a:r>
-              <a:rPr lang="en-US" sz="2800" dirty="0" smtClean="0">
-                <a:sym typeface="Wingdings"/>
-              </a:rPr>
-              <a:t>during theory sessions   </a:t>
+              <a:t>Please pay during theory sessions   </a:t>
             </a:r>
             <a:endParaRPr lang="en-US" sz="2800" dirty="0" smtClean="0"/>
           </a:p>
@@ -8339,7 +8259,7 @@
   <p:timing>
     <p:tnLst>
       <p:par>
-        <p:cTn xmlns:p14="http://schemas.microsoft.com/office/powerpoint/2010/main" id="1" dur="indefinite" restart="never" nodeType="tmRoot"/>
+        <p:cTn id="1" dur="indefinite" restart="never" nodeType="tmRoot"/>
       </p:par>
     </p:tnLst>
   </p:timing>
@@ -8405,18 +8325,22 @@
         <p:spPr/>
         <p:txBody>
           <a:bodyPr>
-            <a:normAutofit fontScale="77500" lnSpcReduction="20000"/>
+            <a:normAutofit fontScale="85000" lnSpcReduction="20000"/>
           </a:bodyPr>
           <a:lstStyle/>
           <a:p>
             <a:pPr lvl="1"/>
             <a:r>
               <a:rPr lang="en-US" dirty="0" smtClean="0"/>
-              <a:t>Breakfast starts at </a:t>
-            </a:r>
-            <a:r>
-              <a:rPr lang="en-US" dirty="0" smtClean="0"/>
-              <a:t>6am*</a:t>
+              <a:t>Breakfast </a:t>
+            </a:r>
+            <a:r>
+              <a:rPr lang="en-US" dirty="0" smtClean="0"/>
+              <a:t>at the hotel starts </a:t>
+            </a:r>
+            <a:r>
+              <a:rPr lang="en-US" dirty="0" smtClean="0"/>
+              <a:t>at 6am*</a:t>
             </a:r>
             <a:endParaRPr lang="en-US" b="1" dirty="0" smtClean="0"/>
           </a:p>
@@ -8430,141 +8354,47 @@
             <a:pPr lvl="1"/>
             <a:r>
               <a:rPr lang="en-US" dirty="0" smtClean="0"/>
-              <a:t>Tea </a:t>
-            </a:r>
-            <a:r>
-              <a:rPr lang="en-US" dirty="0" smtClean="0"/>
-              <a:t>break </a:t>
-            </a:r>
-            <a:r>
-              <a:rPr lang="en-US" dirty="0" smtClean="0"/>
-              <a:t>11:00 </a:t>
-            </a:r>
-            <a:r>
-              <a:rPr lang="en-US" dirty="0" smtClean="0"/>
-              <a:t>to 11</a:t>
-            </a:r>
-            <a:r>
-              <a:rPr lang="en-US" dirty="0" smtClean="0"/>
-              <a:t>:</a:t>
-            </a:r>
-            <a:r>
-              <a:rPr lang="en-US" dirty="0" smtClean="0"/>
-              <a:t>00</a:t>
-            </a:r>
-            <a:endParaRPr lang="en-US" dirty="0" smtClean="0"/>
+              <a:t>Tea break 11:00 to 11:00</a:t>
+            </a:r>
           </a:p>
           <a:p>
             <a:r>
               <a:rPr lang="en-US" b="1" dirty="0" smtClean="0"/>
-              <a:t>Second Session from 11:</a:t>
-            </a:r>
+              <a:t>Second Session from 11:30 to 13:00</a:t>
+            </a:r>
+          </a:p>
+          <a:p>
+            <a:pPr lvl="1"/>
+            <a:r>
+              <a:rPr lang="en-US" dirty="0" smtClean="0"/>
+              <a:t>Lunch from 13:00 to 14:00</a:t>
+            </a:r>
+          </a:p>
+          <a:p>
             <a:r>
               <a:rPr lang="en-US" b="1" dirty="0" smtClean="0"/>
-              <a:t>30 </a:t>
-            </a:r>
+              <a:t>Third Session-  from 14:00 to 16:00</a:t>
+            </a:r>
+          </a:p>
+          <a:p>
+            <a:pPr lvl="1"/>
+            <a:r>
+              <a:rPr lang="en-US" dirty="0" smtClean="0"/>
+              <a:t>Tea break – 16:00 to 16:30</a:t>
+            </a:r>
+          </a:p>
+          <a:p>
             <a:r>
               <a:rPr lang="en-US" b="1" dirty="0" smtClean="0"/>
-              <a:t>to </a:t>
-            </a:r>
-            <a:r>
-              <a:rPr lang="en-US" b="1" dirty="0" smtClean="0"/>
-              <a:t>13:00</a:t>
-            </a:r>
-            <a:endParaRPr lang="en-US" b="1" dirty="0" smtClean="0"/>
+              <a:t>Fourth Session – 16:30 to 18:00</a:t>
+            </a:r>
           </a:p>
           <a:p>
             <a:pPr lvl="1"/>
             <a:r>
               <a:rPr lang="en-US" dirty="0" smtClean="0"/>
-              <a:t>Lunch from </a:t>
-            </a:r>
-            <a:r>
-              <a:rPr lang="en-US" dirty="0" smtClean="0"/>
-              <a:t>13:00 </a:t>
-            </a:r>
-            <a:r>
-              <a:rPr lang="en-US" dirty="0" smtClean="0"/>
-              <a:t>to </a:t>
-            </a:r>
-            <a:r>
-              <a:rPr lang="en-US" dirty="0" smtClean="0"/>
-              <a:t>14:00</a:t>
-            </a:r>
-            <a:endParaRPr lang="en-US" dirty="0" smtClean="0"/>
-          </a:p>
-          <a:p>
-            <a:r>
-              <a:rPr lang="en-US" b="1" dirty="0" smtClean="0"/>
-              <a:t>Third Session-  from </a:t>
-            </a:r>
-            <a:r>
-              <a:rPr lang="en-US" b="1" dirty="0" smtClean="0"/>
-              <a:t>14:00</a:t>
-            </a:r>
-            <a:r>
-              <a:rPr lang="en-US" b="1" dirty="0" smtClean="0"/>
-              <a:t> </a:t>
-            </a:r>
-            <a:r>
-              <a:rPr lang="en-US" b="1" dirty="0" smtClean="0"/>
-              <a:t>to </a:t>
-            </a:r>
-            <a:r>
-              <a:rPr lang="en-US" b="1" dirty="0" smtClean="0"/>
-              <a:t>16:00</a:t>
-            </a:r>
-            <a:endParaRPr lang="en-US" b="1" dirty="0" smtClean="0"/>
-          </a:p>
-          <a:p>
-            <a:pPr lvl="1"/>
-            <a:r>
-              <a:rPr lang="en-US" dirty="0" smtClean="0"/>
-              <a:t>Tea break – </a:t>
-            </a:r>
-            <a:r>
-              <a:rPr lang="en-US" dirty="0" smtClean="0"/>
-              <a:t>16:00</a:t>
-            </a:r>
-            <a:r>
-              <a:rPr lang="en-US" dirty="0" smtClean="0"/>
-              <a:t> </a:t>
-            </a:r>
-            <a:r>
-              <a:rPr lang="en-US" dirty="0" smtClean="0"/>
-              <a:t>to </a:t>
-            </a:r>
-            <a:r>
-              <a:rPr lang="en-US" dirty="0" smtClean="0"/>
-              <a:t>16:30</a:t>
-            </a:r>
-            <a:endParaRPr lang="en-US" dirty="0" smtClean="0"/>
-          </a:p>
-          <a:p>
-            <a:r>
-              <a:rPr lang="en-US" b="1" dirty="0" smtClean="0"/>
-              <a:t>Fourth Session – </a:t>
-            </a:r>
-            <a:r>
-              <a:rPr lang="en-US" b="1" dirty="0" smtClean="0"/>
-              <a:t>16:30 </a:t>
-            </a:r>
-            <a:r>
-              <a:rPr lang="en-US" b="1" dirty="0" smtClean="0"/>
-              <a:t>to </a:t>
-            </a:r>
-            <a:r>
-              <a:rPr lang="en-US" b="1" dirty="0" smtClean="0"/>
-              <a:t>18:00</a:t>
-            </a:r>
-          </a:p>
-          <a:p>
-            <a:pPr lvl="1"/>
-            <a:r>
-              <a:rPr lang="en-US" dirty="0" smtClean="0"/>
               <a:t>Dinner</a:t>
             </a:r>
-            <a:endParaRPr lang="en-US" dirty="0" smtClean="0"/>
           </a:p>
           <a:p>
             <a:r>
@@ -8597,11 +8427,19 @@
             </a:r>
             <a:r>
               <a:rPr lang="en-US" b="1" dirty="0" err="1" smtClean="0"/>
-              <a:t>Metcourt</a:t>
+              <a:t>Boma</a:t>
             </a:r>
             <a:r>
               <a:rPr lang="en-US" b="1" dirty="0" smtClean="0"/>
-              <a:t> Hotel</a:t>
+              <a:t> Hotel or </a:t>
+            </a:r>
+            <a:r>
+              <a:rPr lang="en-US" b="1" dirty="0" err="1" smtClean="0"/>
+              <a:t>Boma</a:t>
+            </a:r>
+            <a:r>
+              <a:rPr lang="en-US" b="1" dirty="0" smtClean="0"/>
+              <a:t> Inn</a:t>
             </a:r>
             <a:endParaRPr lang="en-US" b="1" dirty="0" smtClean="0"/>
           </a:p>
@@ -8615,93 +8453,40 @@
             </a:r>
             <a:r>
               <a:rPr lang="en-US" dirty="0" smtClean="0"/>
-              <a:t>unch </a:t>
-            </a:r>
-            <a:r>
-              <a:rPr lang="en-US" dirty="0" smtClean="0"/>
-              <a:t>and </a:t>
-            </a:r>
-            <a:r>
-              <a:rPr lang="en-US" dirty="0" smtClean="0"/>
-              <a:t>dinner: </a:t>
+              <a:t>unch and dinner: </a:t>
             </a:r>
             <a:r>
               <a:rPr lang="en-US" b="1" dirty="0" smtClean="0"/>
-              <a:t>At </a:t>
+              <a:t>On the ground floor of the conference facility</a:t>
+            </a:r>
+            <a:endParaRPr lang="en-US" b="1" dirty="0" smtClean="0"/>
+          </a:p>
+          <a:p>
+            <a:pPr marL="0" indent="0">
+              <a:buNone/>
+            </a:pPr>
+            <a:r>
+              <a:rPr lang="en-US" dirty="0" smtClean="0"/>
+              <a:t>Tea break: </a:t>
             </a:r>
             <a:r>
               <a:rPr lang="en-US" b="1" dirty="0" smtClean="0"/>
-              <a:t>the </a:t>
+              <a:t>In the corridor outside the lecture rooms</a:t>
+            </a:r>
+            <a:endParaRPr lang="en-US" b="1" dirty="0" smtClean="0"/>
+          </a:p>
+          <a:p>
+            <a:pPr marL="0" indent="0">
+              <a:buNone/>
+            </a:pPr>
+            <a:r>
+              <a:rPr lang="en-US" dirty="0" smtClean="0"/>
+              <a:t>Washrooms:  </a:t>
             </a:r>
             <a:r>
               <a:rPr lang="en-US" b="1" dirty="0" smtClean="0"/>
-              <a:t>Marquee (on left side of the exit from GICC)</a:t>
-            </a:r>
-            <a:endParaRPr lang="en-US" b="1" dirty="0" smtClean="0"/>
-          </a:p>
-          <a:p>
-            <a:pPr marL="0" indent="0">
-              <a:buNone/>
-            </a:pPr>
-            <a:r>
-              <a:rPr lang="en-US" dirty="0" smtClean="0"/>
-              <a:t>Tea </a:t>
-            </a:r>
-            <a:r>
-              <a:rPr lang="en-US" dirty="0" smtClean="0"/>
-              <a:t>break: </a:t>
-            </a:r>
-            <a:r>
-              <a:rPr lang="en-US" b="1" dirty="0" smtClean="0"/>
-              <a:t>At the foyer area next to the main entrance</a:t>
-            </a:r>
-          </a:p>
-          <a:p>
-            <a:pPr marL="0" indent="0">
-              <a:buNone/>
-            </a:pPr>
-            <a:r>
-              <a:rPr lang="en-US" dirty="0" smtClean="0"/>
-              <a:t>Washrooms:  </a:t>
-            </a:r>
-            <a:r>
-              <a:rPr lang="en-US" b="1" dirty="0" smtClean="0"/>
-              <a:t>At the right of foyer area and 2</a:t>
-            </a:r>
-            <a:r>
-              <a:rPr lang="en-US" b="1" baseline="30000" dirty="0" smtClean="0"/>
-              <a:t>nd</a:t>
-            </a:r>
-            <a:r>
-              <a:rPr lang="en-US" b="1" dirty="0" smtClean="0"/>
-              <a:t> further along the corridor</a:t>
-            </a:r>
-          </a:p>
-          <a:p>
-            <a:pPr marL="0" indent="0" algn="ctr">
-              <a:buNone/>
-            </a:pPr>
-            <a:r>
-              <a:rPr lang="en-US" b="1" dirty="0" smtClean="0">
-                <a:solidFill>
-                  <a:srgbClr val="FF0000"/>
-                </a:solidFill>
-              </a:rPr>
-              <a:t>EXIT: USE DOOR ON RIGHT SIDE OF ROOM VIA SI-E CLASS BEAR IN MIND THAT THE OTHER TRACKS WILL BE IN SESSION </a:t>
-            </a:r>
-            <a:r>
-              <a:rPr lang="en-US" dirty="0" smtClean="0">
-                <a:solidFill>
-                  <a:srgbClr val="FF0000"/>
-                </a:solidFill>
-              </a:rPr>
-              <a:t> </a:t>
-            </a:r>
-            <a:endParaRPr lang="en-US" dirty="0" smtClean="0">
-              <a:solidFill>
-                <a:srgbClr val="FF0000"/>
-              </a:solidFill>
-            </a:endParaRPr>
+              <a:t>To the right when you exit from KIFARU (close to the secretariat)</a:t>
+            </a:r>
           </a:p>
         </p:txBody>
       </p:sp>
@@ -8718,7 +8503,7 @@
   <p:timing>
     <p:tnLst>
       <p:par>
-        <p:cTn xmlns:p14="http://schemas.microsoft.com/office/powerpoint/2010/main" id="1" dur="indefinite" restart="never" nodeType="tmRoot"/>
+        <p:cTn id="1" dur="indefinite" restart="never" nodeType="tmRoot"/>
       </p:par>
     </p:tnLst>
   </p:timing>
@@ -8884,7 +8669,7 @@
   <p:timing>
     <p:tnLst>
       <p:par>
-        <p:cTn xmlns:p14="http://schemas.microsoft.com/office/powerpoint/2010/main" id="1" dur="indefinite" restart="never" nodeType="tmRoot"/>
+        <p:cTn id="1" dur="indefinite" restart="never" nodeType="tmRoot"/>
       </p:par>
     </p:tnLst>
   </p:timing>
@@ -9002,19 +8787,7 @@
             </a:r>
             <a:r>
               <a:rPr lang="en-US" sz="2800" dirty="0" smtClean="0"/>
-              <a:t>network </a:t>
-            </a:r>
-            <a:r>
-              <a:rPr lang="en-US" sz="2800" dirty="0"/>
-              <a:t>if possible, otherwise </a:t>
-            </a:r>
-            <a:r>
-              <a:rPr lang="en-US" sz="2800" b="1" dirty="0"/>
-              <a:t>AIS-</a:t>
-            </a:r>
-            <a:r>
-              <a:rPr lang="en-US" sz="2800" b="1" dirty="0" err="1"/>
-              <a:t>bgn</a:t>
+              <a:t>or you course network SSID</a:t>
             </a:r>
             <a:endParaRPr lang="en-US" sz="2800" b="1" dirty="0"/>
           </a:p>
@@ -9079,7 +8852,7 @@
   <p:timing>
     <p:tnLst>
       <p:par>
-        <p:cTn xmlns:p14="http://schemas.microsoft.com/office/powerpoint/2010/main" id="1" dur="indefinite" restart="never" nodeType="tmRoot"/>
+        <p:cTn id="1" dur="indefinite" restart="never" nodeType="tmRoot"/>
       </p:par>
     </p:tnLst>
   </p:timing>
@@ -9199,7 +8972,6 @@
               <a:rPr lang="en-US" sz="2400" dirty="0" smtClean="0"/>
               <a:t>PC Assignment exercise</a:t>
             </a:r>
-            <a:endParaRPr lang="en-US" sz="2400" dirty="0" smtClean="0"/>
           </a:p>
           <a:p>
             <a:pPr lvl="0"/>
@@ -9213,7 +8985,11 @@
             </a:r>
             <a:r>
               <a:rPr lang="en-US" b="1" dirty="0" smtClean="0"/>
-              <a:t>8.0.0 OS </a:t>
+              <a:t>8.8 </a:t>
+            </a:r>
+            <a:r>
+              <a:rPr lang="en-US" b="1" dirty="0" smtClean="0"/>
+              <a:t>OS </a:t>
             </a:r>
             <a:r>
               <a:rPr lang="en-US" b="1" dirty="0"/>
@@ -9308,7 +9084,7 @@
   <p:timing>
     <p:tnLst>
       <p:par>
-        <p:cTn xmlns:p14="http://schemas.microsoft.com/office/powerpoint/2010/main" id="1" dur="indefinite" restart="never" nodeType="tmRoot"/>
+        <p:cTn id="1" dur="indefinite" restart="never" nodeType="tmRoot"/>
       </p:par>
     </p:tnLst>
   </p:timing>

--- a/intro/IntroPresentation.pptx
+++ b/intro/IntroPresentation.pptx
@@ -232,7 +232,7 @@
           <a:p>
             <a:fld id="{A65904DE-5373-004A-BC9C-B0A175A4A2D9}" type="datetimeFigureOut">
               <a:rPr lang="en-US" smtClean="0"/>
-              <a:t>5/21/17</a:t>
+              <a:t>4/30/18</a:t>
             </a:fld>
             <a:endParaRPr lang="en-US"/>
           </a:p>
@@ -296,38 +296,37 @@
           <a:p>
             <a:pPr lvl="0"/>
             <a:r>
-              <a:rPr lang="en-US" smtClean="0"/>
+              <a:rPr lang="en-US"/>
               <a:t>Click to edit Master text styles</a:t>
             </a:r>
           </a:p>
           <a:p>
             <a:pPr lvl="1"/>
             <a:r>
-              <a:rPr lang="en-US" smtClean="0"/>
+              <a:rPr lang="en-US"/>
               <a:t>Second level</a:t>
             </a:r>
           </a:p>
           <a:p>
             <a:pPr lvl="2"/>
             <a:r>
-              <a:rPr lang="en-US" smtClean="0"/>
+              <a:rPr lang="en-US"/>
               <a:t>Third level</a:t>
             </a:r>
           </a:p>
           <a:p>
             <a:pPr lvl="3"/>
             <a:r>
-              <a:rPr lang="en-US" smtClean="0"/>
+              <a:rPr lang="en-US"/>
               <a:t>Fourth level</a:t>
             </a:r>
           </a:p>
           <a:p>
             <a:pPr lvl="4"/>
             <a:r>
-              <a:rPr lang="en-US" smtClean="0"/>
+              <a:rPr lang="en-US"/>
               <a:t>Fifth level</a:t>
             </a:r>
-            <a:endParaRPr lang="en-US"/>
           </a:p>
         </p:txBody>
       </p:sp>
@@ -628,7 +627,7 @@
           </a:lstStyle>
           <a:p>
             <a:r>
-              <a:rPr lang="en-US" smtClean="0"/>
+              <a:rPr lang="en-US"/>
               <a:t>Click to edit Master title style</a:t>
             </a:r>
             <a:endParaRPr lang="en-US" dirty="0"/>
@@ -748,7 +747,7 @@
           </a:lstStyle>
           <a:p>
             <a:r>
-              <a:rPr lang="en-US" smtClean="0"/>
+              <a:rPr lang="en-US"/>
               <a:t>Click to edit Master subtitle style</a:t>
             </a:r>
             <a:endParaRPr lang="en-US" dirty="0"/>
@@ -772,7 +771,7 @@
           <a:p>
             <a:fld id="{C8A432C8-69A7-458B-9684-2BFA64B31948}" type="datetime2">
               <a:rPr lang="en-US" smtClean="0"/>
-              <a:t>Sunday, May 21, 2017</a:t>
+              <a:t>Monday, April 30, 2018</a:t>
             </a:fld>
             <a:endParaRPr lang="en-US"/>
           </a:p>
@@ -898,10 +897,9 @@
           <a:lstStyle/>
           <a:p>
             <a:r>
-              <a:rPr lang="en-US" smtClean="0"/>
+              <a:rPr lang="en-US"/>
               <a:t>Click to edit Master title style</a:t>
             </a:r>
-            <a:endParaRPr lang="en-US"/>
           </a:p>
         </p:txBody>
       </p:sp>
@@ -922,38 +920,37 @@
           <a:p>
             <a:pPr lvl="0"/>
             <a:r>
-              <a:rPr lang="en-US" smtClean="0"/>
+              <a:rPr lang="en-US"/>
               <a:t>Click to edit Master text styles</a:t>
             </a:r>
           </a:p>
           <a:p>
             <a:pPr lvl="1"/>
             <a:r>
-              <a:rPr lang="en-US" smtClean="0"/>
+              <a:rPr lang="en-US"/>
               <a:t>Second level</a:t>
             </a:r>
           </a:p>
           <a:p>
             <a:pPr lvl="2"/>
             <a:r>
-              <a:rPr lang="en-US" smtClean="0"/>
+              <a:rPr lang="en-US"/>
               <a:t>Third level</a:t>
             </a:r>
           </a:p>
           <a:p>
             <a:pPr lvl="3"/>
             <a:r>
-              <a:rPr lang="en-US" smtClean="0"/>
+              <a:rPr lang="en-US"/>
               <a:t>Fourth level</a:t>
             </a:r>
           </a:p>
           <a:p>
             <a:pPr lvl="4"/>
             <a:r>
-              <a:rPr lang="en-US" smtClean="0"/>
+              <a:rPr lang="en-US"/>
               <a:t>Fifth level</a:t>
             </a:r>
-            <a:endParaRPr lang="en-US"/>
           </a:p>
         </p:txBody>
       </p:sp>
@@ -974,7 +971,7 @@
           <a:p>
             <a:fld id="{8CC057FC-95B6-4D89-AFDA-ABA33EE921E5}" type="datetime2">
               <a:rPr lang="en-US" smtClean="0"/>
-              <a:t>Sunday, May 21, 2017</a:t>
+              <a:t>Monday, April 30, 2018</a:t>
             </a:fld>
             <a:endParaRPr lang="en-US"/>
           </a:p>
@@ -1070,7 +1067,7 @@
           <a:lstStyle/>
           <a:p>
             <a:r>
-              <a:rPr lang="en-US" smtClean="0"/>
+              <a:rPr lang="en-US"/>
               <a:t>Click to edit Master title style</a:t>
             </a:r>
             <a:endParaRPr lang="en-US" dirty="0"/>
@@ -1099,35 +1096,35 @@
           <a:p>
             <a:pPr lvl="0"/>
             <a:r>
-              <a:rPr lang="en-US" smtClean="0"/>
+              <a:rPr lang="en-US"/>
               <a:t>Click to edit Master text styles</a:t>
             </a:r>
           </a:p>
           <a:p>
             <a:pPr lvl="1"/>
             <a:r>
-              <a:rPr lang="en-US" smtClean="0"/>
+              <a:rPr lang="en-US"/>
               <a:t>Second level</a:t>
             </a:r>
           </a:p>
           <a:p>
             <a:pPr lvl="2"/>
             <a:r>
-              <a:rPr lang="en-US" smtClean="0"/>
+              <a:rPr lang="en-US"/>
               <a:t>Third level</a:t>
             </a:r>
           </a:p>
           <a:p>
             <a:pPr lvl="3"/>
             <a:r>
-              <a:rPr lang="en-US" smtClean="0"/>
+              <a:rPr lang="en-US"/>
               <a:t>Fourth level</a:t>
             </a:r>
           </a:p>
           <a:p>
             <a:pPr lvl="4"/>
             <a:r>
-              <a:rPr lang="en-US" smtClean="0"/>
+              <a:rPr lang="en-US"/>
               <a:t>Fifth level</a:t>
             </a:r>
             <a:endParaRPr lang="en-US" dirty="0"/>
@@ -1151,7 +1148,7 @@
           <a:p>
             <a:fld id="{EC4549AC-EB31-477F-92A9-B1988E232878}" type="datetime2">
               <a:rPr lang="en-US" smtClean="0"/>
-              <a:t>Sunday, May 21, 2017</a:t>
+              <a:t>Monday, April 30, 2018</a:t>
             </a:fld>
             <a:endParaRPr lang="en-US"/>
           </a:p>
@@ -1242,10 +1239,9 @@
           <a:lstStyle/>
           <a:p>
             <a:r>
-              <a:rPr lang="en-US" smtClean="0"/>
+              <a:rPr lang="en-US"/>
               <a:t>Click to edit Master title style</a:t>
             </a:r>
-            <a:endParaRPr lang="en-US"/>
           </a:p>
         </p:txBody>
       </p:sp>
@@ -1297,38 +1293,37 @@
           <a:p>
             <a:pPr lvl="0"/>
             <a:r>
-              <a:rPr lang="en-US" dirty="0" smtClean="0"/>
+              <a:rPr lang="en-US" dirty="0"/>
               <a:t>Click to edit Master text styles</a:t>
             </a:r>
           </a:p>
           <a:p>
             <a:pPr lvl="1"/>
             <a:r>
-              <a:rPr lang="en-US" dirty="0" smtClean="0"/>
+              <a:rPr lang="en-US" dirty="0"/>
               <a:t>Second level</a:t>
             </a:r>
           </a:p>
           <a:p>
             <a:pPr lvl="2"/>
             <a:r>
-              <a:rPr lang="en-US" dirty="0" smtClean="0"/>
+              <a:rPr lang="en-US" dirty="0"/>
               <a:t>Third level</a:t>
             </a:r>
           </a:p>
           <a:p>
             <a:pPr lvl="3"/>
             <a:r>
-              <a:rPr lang="en-US" dirty="0" smtClean="0"/>
+              <a:rPr lang="en-US" dirty="0"/>
               <a:t>Fourth level</a:t>
             </a:r>
           </a:p>
           <a:p>
             <a:pPr lvl="4"/>
             <a:r>
-              <a:rPr lang="en-US" dirty="0" smtClean="0"/>
+              <a:rPr lang="en-US" dirty="0"/>
               <a:t>Fifth level</a:t>
             </a:r>
-            <a:endParaRPr lang="en-US" dirty="0"/>
           </a:p>
         </p:txBody>
       </p:sp>
@@ -1349,7 +1344,7 @@
           <a:p>
             <a:fld id="{6396A3A3-94A6-4E5B-AF39-173ACA3E61CC}" type="datetime2">
               <a:rPr lang="en-US" smtClean="0"/>
-              <a:t>Sunday, May 21, 2017</a:t>
+              <a:t>Monday, April 30, 2018</a:t>
             </a:fld>
             <a:endParaRPr lang="en-US"/>
           </a:p>
@@ -1456,7 +1451,7 @@
           </a:lstStyle>
           <a:p>
             <a:r>
-              <a:rPr lang="en-US" smtClean="0"/>
+              <a:rPr lang="en-US"/>
               <a:t>Click to edit Master title style</a:t>
             </a:r>
             <a:endParaRPr lang="en-US" dirty="0"/>
@@ -1576,7 +1571,7 @@
           <a:p>
             <a:pPr lvl="0"/>
             <a:r>
-              <a:rPr lang="en-US" smtClean="0"/>
+              <a:rPr lang="en-US"/>
               <a:t>Click to edit Master text styles</a:t>
             </a:r>
           </a:p>
@@ -1599,7 +1594,7 @@
           <a:p>
             <a:fld id="{9933D019-A32C-4EAD-B8E6-DBDA699692FD}" type="datetime2">
               <a:rPr lang="en-US" smtClean="0"/>
-              <a:t>Sunday, May 21, 2017</a:t>
+              <a:t>Monday, April 30, 2018</a:t>
             </a:fld>
             <a:endParaRPr lang="en-US"/>
           </a:p>
@@ -1725,10 +1720,9 @@
           <a:lstStyle/>
           <a:p>
             <a:r>
-              <a:rPr lang="en-US" smtClean="0"/>
+              <a:rPr lang="en-US"/>
               <a:t>Click to edit Master title style</a:t>
             </a:r>
-            <a:endParaRPr lang="en-US"/>
           </a:p>
         </p:txBody>
       </p:sp>
@@ -1782,35 +1776,35 @@
           <a:p>
             <a:pPr lvl="0"/>
             <a:r>
-              <a:rPr lang="en-US" smtClean="0"/>
+              <a:rPr lang="en-US"/>
               <a:t>Click to edit Master text styles</a:t>
             </a:r>
           </a:p>
           <a:p>
             <a:pPr lvl="1"/>
             <a:r>
-              <a:rPr lang="en-US" smtClean="0"/>
+              <a:rPr lang="en-US"/>
               <a:t>Second level</a:t>
             </a:r>
           </a:p>
           <a:p>
             <a:pPr lvl="2"/>
             <a:r>
-              <a:rPr lang="en-US" smtClean="0"/>
+              <a:rPr lang="en-US"/>
               <a:t>Third level</a:t>
             </a:r>
           </a:p>
           <a:p>
             <a:pPr lvl="3"/>
             <a:r>
-              <a:rPr lang="en-US" smtClean="0"/>
+              <a:rPr lang="en-US"/>
               <a:t>Fourth level</a:t>
             </a:r>
           </a:p>
           <a:p>
             <a:pPr lvl="4"/>
             <a:r>
-              <a:rPr lang="en-US" smtClean="0"/>
+              <a:rPr lang="en-US"/>
               <a:t>Fifth level</a:t>
             </a:r>
             <a:endParaRPr lang="en-US" dirty="0"/>
@@ -1867,35 +1861,35 @@
           <a:p>
             <a:pPr lvl="0"/>
             <a:r>
-              <a:rPr lang="en-US" smtClean="0"/>
+              <a:rPr lang="en-US"/>
               <a:t>Click to edit Master text styles</a:t>
             </a:r>
           </a:p>
           <a:p>
             <a:pPr lvl="1"/>
             <a:r>
-              <a:rPr lang="en-US" smtClean="0"/>
+              <a:rPr lang="en-US"/>
               <a:t>Second level</a:t>
             </a:r>
           </a:p>
           <a:p>
             <a:pPr lvl="2"/>
             <a:r>
-              <a:rPr lang="en-US" smtClean="0"/>
+              <a:rPr lang="en-US"/>
               <a:t>Third level</a:t>
             </a:r>
           </a:p>
           <a:p>
             <a:pPr lvl="3"/>
             <a:r>
-              <a:rPr lang="en-US" smtClean="0"/>
+              <a:rPr lang="en-US"/>
               <a:t>Fourth level</a:t>
             </a:r>
           </a:p>
           <a:p>
             <a:pPr lvl="4"/>
             <a:r>
-              <a:rPr lang="en-US" smtClean="0"/>
+              <a:rPr lang="en-US"/>
               <a:t>Fifth level</a:t>
             </a:r>
             <a:endParaRPr lang="en-US" dirty="0"/>
@@ -1919,7 +1913,7 @@
           <a:p>
             <a:fld id="{CCEBA98F-560C-4997-81C4-81D4D9187EAB}" type="datetime2">
               <a:rPr lang="en-US" smtClean="0"/>
-              <a:t>Sunday, May 21, 2017</a:t>
+              <a:t>Monday, April 30, 2018</a:t>
             </a:fld>
             <a:endParaRPr lang="en-US"/>
           </a:p>
@@ -2014,7 +2008,7 @@
           </a:lstStyle>
           <a:p>
             <a:r>
-              <a:rPr lang="en-US" smtClean="0"/>
+              <a:rPr lang="en-US"/>
               <a:t>Click to edit Master title style</a:t>
             </a:r>
             <a:endParaRPr lang="en-US" dirty="0"/>
@@ -2103,7 +2097,7 @@
           <a:p>
             <a:pPr lvl="0"/>
             <a:r>
-              <a:rPr lang="en-US" smtClean="0"/>
+              <a:rPr lang="en-US"/>
               <a:t>Click to edit Master text styles</a:t>
             </a:r>
           </a:p>
@@ -2159,35 +2153,35 @@
           <a:p>
             <a:pPr lvl="0"/>
             <a:r>
-              <a:rPr lang="en-US" smtClean="0"/>
+              <a:rPr lang="en-US"/>
               <a:t>Click to edit Master text styles</a:t>
             </a:r>
           </a:p>
           <a:p>
             <a:pPr lvl="1"/>
             <a:r>
-              <a:rPr lang="en-US" smtClean="0"/>
+              <a:rPr lang="en-US"/>
               <a:t>Second level</a:t>
             </a:r>
           </a:p>
           <a:p>
             <a:pPr lvl="2"/>
             <a:r>
-              <a:rPr lang="en-US" smtClean="0"/>
+              <a:rPr lang="en-US"/>
               <a:t>Third level</a:t>
             </a:r>
           </a:p>
           <a:p>
             <a:pPr lvl="3"/>
             <a:r>
-              <a:rPr lang="en-US" smtClean="0"/>
+              <a:rPr lang="en-US"/>
               <a:t>Fourth level</a:t>
             </a:r>
           </a:p>
           <a:p>
             <a:pPr lvl="4"/>
             <a:r>
-              <a:rPr lang="en-US" smtClean="0"/>
+              <a:rPr lang="en-US"/>
               <a:t>Fifth level</a:t>
             </a:r>
             <a:endParaRPr lang="en-US" dirty="0"/>
@@ -2279,7 +2273,7 @@
           <a:p>
             <a:pPr lvl="0"/>
             <a:r>
-              <a:rPr lang="en-US" smtClean="0"/>
+              <a:rPr lang="en-US"/>
               <a:t>Click to edit Master text styles</a:t>
             </a:r>
           </a:p>
@@ -2335,35 +2329,35 @@
           <a:p>
             <a:pPr lvl="0"/>
             <a:r>
-              <a:rPr lang="en-US" smtClean="0"/>
+              <a:rPr lang="en-US"/>
               <a:t>Click to edit Master text styles</a:t>
             </a:r>
           </a:p>
           <a:p>
             <a:pPr lvl="1"/>
             <a:r>
-              <a:rPr lang="en-US" smtClean="0"/>
+              <a:rPr lang="en-US"/>
               <a:t>Second level</a:t>
             </a:r>
           </a:p>
           <a:p>
             <a:pPr lvl="2"/>
             <a:r>
-              <a:rPr lang="en-US" smtClean="0"/>
+              <a:rPr lang="en-US"/>
               <a:t>Third level</a:t>
             </a:r>
           </a:p>
           <a:p>
             <a:pPr lvl="3"/>
             <a:r>
-              <a:rPr lang="en-US" smtClean="0"/>
+              <a:rPr lang="en-US"/>
               <a:t>Fourth level</a:t>
             </a:r>
           </a:p>
           <a:p>
             <a:pPr lvl="4"/>
             <a:r>
-              <a:rPr lang="en-US" smtClean="0"/>
+              <a:rPr lang="en-US"/>
               <a:t>Fifth level</a:t>
             </a:r>
             <a:endParaRPr lang="en-US" dirty="0"/>
@@ -2387,7 +2381,7 @@
           <a:p>
             <a:fld id="{150972B2-CA5C-437D-87D0-8081271A9E4B}" type="datetime2">
               <a:rPr lang="en-US" smtClean="0"/>
-              <a:t>Sunday, May 21, 2017</a:t>
+              <a:t>Monday, April 30, 2018</a:t>
             </a:fld>
             <a:endParaRPr lang="en-US"/>
           </a:p>
@@ -2513,10 +2507,9 @@
           <a:lstStyle/>
           <a:p>
             <a:r>
-              <a:rPr lang="en-US" smtClean="0"/>
+              <a:rPr lang="en-US"/>
               <a:t>Click to edit Master title style</a:t>
             </a:r>
-            <a:endParaRPr lang="en-US"/>
           </a:p>
         </p:txBody>
       </p:sp>
@@ -2537,7 +2530,7 @@
           <a:p>
             <a:fld id="{79CD4847-11EF-4466-A8AD-85CDB7B49118}" type="datetime2">
               <a:rPr lang="en-US" smtClean="0"/>
-              <a:t>Sunday, May 21, 2017</a:t>
+              <a:t>Monday, April 30, 2018</a:t>
             </a:fld>
             <a:endParaRPr lang="en-US"/>
           </a:p>
@@ -2629,7 +2622,7 @@
           <a:p>
             <a:fld id="{F168457A-3AB9-4880-8A0C-9F8524491207}" type="datetime2">
               <a:rPr lang="en-US" smtClean="0"/>
-              <a:t>Sunday, May 21, 2017</a:t>
+              <a:t>Monday, April 30, 2018</a:t>
             </a:fld>
             <a:endParaRPr lang="en-US"/>
           </a:p>
@@ -2731,7 +2724,7 @@
           </a:lstStyle>
           <a:p>
             <a:r>
-              <a:rPr lang="en-US" smtClean="0"/>
+              <a:rPr lang="en-US"/>
               <a:t>Click to edit Master title style</a:t>
             </a:r>
             <a:endParaRPr lang="en-US" dirty="0"/>
@@ -2788,35 +2781,35 @@
           <a:p>
             <a:pPr lvl="0"/>
             <a:r>
-              <a:rPr lang="en-US" smtClean="0"/>
+              <a:rPr lang="en-US"/>
               <a:t>Click to edit Master text styles</a:t>
             </a:r>
           </a:p>
           <a:p>
             <a:pPr lvl="1"/>
             <a:r>
-              <a:rPr lang="en-US" smtClean="0"/>
+              <a:rPr lang="en-US"/>
               <a:t>Second level</a:t>
             </a:r>
           </a:p>
           <a:p>
             <a:pPr lvl="2"/>
             <a:r>
-              <a:rPr lang="en-US" smtClean="0"/>
+              <a:rPr lang="en-US"/>
               <a:t>Third level</a:t>
             </a:r>
           </a:p>
           <a:p>
             <a:pPr lvl="3"/>
             <a:r>
-              <a:rPr lang="en-US" smtClean="0"/>
+              <a:rPr lang="en-US"/>
               <a:t>Fourth level</a:t>
             </a:r>
           </a:p>
           <a:p>
             <a:pPr lvl="4"/>
             <a:r>
-              <a:rPr lang="en-US" smtClean="0"/>
+              <a:rPr lang="en-US"/>
               <a:t>Fifth level</a:t>
             </a:r>
             <a:endParaRPr lang="en-US" dirty="0"/>
@@ -2882,7 +2875,7 @@
           <a:p>
             <a:pPr lvl="0"/>
             <a:r>
-              <a:rPr lang="en-US" smtClean="0"/>
+              <a:rPr lang="en-US"/>
               <a:t>Click to edit Master text styles</a:t>
             </a:r>
           </a:p>
@@ -2905,7 +2898,7 @@
           <a:p>
             <a:fld id="{3FE976D3-5B7F-4300-ABED-C91F1B2AE209}" type="datetime2">
               <a:rPr lang="en-US" smtClean="0"/>
-              <a:t>Sunday, May 21, 2017</a:t>
+              <a:t>Monday, April 30, 2018</a:t>
             </a:fld>
             <a:endParaRPr lang="en-US"/>
           </a:p>
@@ -3042,7 +3035,7 @@
           </a:lstStyle>
           <a:p>
             <a:r>
-              <a:rPr lang="en-US" smtClean="0"/>
+              <a:rPr lang="en-US"/>
               <a:t>Click to edit Master title style</a:t>
             </a:r>
             <a:endParaRPr lang="en-US" dirty="0"/>
@@ -3123,7 +3116,7 @@
           </a:lstStyle>
           <a:p>
             <a:r>
-              <a:rPr lang="en-US" smtClean="0"/>
+              <a:rPr lang="en-US"/>
               <a:t>Drag picture to placeholder or click icon to add</a:t>
             </a:r>
             <a:endParaRPr lang="en-US" dirty="0"/>
@@ -3189,7 +3182,7 @@
           <a:p>
             <a:pPr lvl="0"/>
             <a:r>
-              <a:rPr lang="en-US" smtClean="0"/>
+              <a:rPr lang="en-US"/>
               <a:t>Click to edit Master text styles</a:t>
             </a:r>
           </a:p>
@@ -3212,7 +3205,7 @@
           <a:p>
             <a:fld id="{EBDC1E59-17DD-41CE-97CA-624A472382D4}" type="datetime2">
               <a:rPr lang="en-US" smtClean="0"/>
-              <a:t>Sunday, May 21, 2017</a:t>
+              <a:t>Monday, April 30, 2018</a:t>
             </a:fld>
             <a:endParaRPr lang="en-US"/>
           </a:p>
@@ -3364,7 +3357,7 @@
           <a:lstStyle/>
           <a:p>
             <a:r>
-              <a:rPr lang="en-US" smtClean="0"/>
+              <a:rPr lang="en-US"/>
               <a:t>Click to edit Master title style</a:t>
             </a:r>
             <a:endParaRPr lang="en-US" dirty="0"/>
@@ -3398,38 +3391,37 @@
           <a:p>
             <a:pPr lvl="0"/>
             <a:r>
-              <a:rPr lang="en-US" dirty="0" smtClean="0"/>
+              <a:rPr lang="en-US" dirty="0"/>
               <a:t>Click to edit Master text styles</a:t>
             </a:r>
           </a:p>
           <a:p>
             <a:pPr lvl="1"/>
             <a:r>
-              <a:rPr lang="en-US" dirty="0" smtClean="0"/>
+              <a:rPr lang="en-US" dirty="0"/>
               <a:t>Second level</a:t>
             </a:r>
           </a:p>
           <a:p>
             <a:pPr lvl="2"/>
             <a:r>
-              <a:rPr lang="en-US" dirty="0" smtClean="0"/>
+              <a:rPr lang="en-US" dirty="0"/>
               <a:t>Third level</a:t>
             </a:r>
           </a:p>
           <a:p>
             <a:pPr lvl="3"/>
             <a:r>
-              <a:rPr lang="en-US" dirty="0" smtClean="0"/>
+              <a:rPr lang="en-US" dirty="0"/>
               <a:t>Fourth level</a:t>
             </a:r>
           </a:p>
           <a:p>
             <a:pPr lvl="4"/>
             <a:r>
-              <a:rPr lang="en-US" dirty="0" smtClean="0"/>
+              <a:rPr lang="en-US" dirty="0"/>
               <a:t>Fifth level</a:t>
             </a:r>
-            <a:endParaRPr lang="en-US" dirty="0"/>
           </a:p>
         </p:txBody>
       </p:sp>
@@ -3512,7 +3504,7 @@
           <a:p>
             <a:fld id="{A80CB818-7379-467D-8E76-EF9D9074A26C}" type="datetime2">
               <a:rPr lang="en-US" smtClean="0"/>
-              <a:t>Sunday, May 21, 2017</a:t>
+              <a:t>Monday, April 30, 2018</a:t>
             </a:fld>
             <a:endParaRPr lang="en-US" dirty="0"/>
           </a:p>
@@ -3931,52 +3923,39 @@
           <a:lstStyle/>
           <a:p>
             <a:r>
-              <a:rPr lang="en-US" dirty="0" smtClean="0"/>
+              <a:rPr lang="en-US" dirty="0"/>
               <a:t>Welcome to </a:t>
             </a:r>
             <a:r>
-              <a:rPr lang="en-US" dirty="0" err="1" smtClean="0"/>
+              <a:rPr lang="en-US" dirty="0" err="1"/>
               <a:t>ss</a:t>
             </a:r>
             <a:r>
-              <a:rPr lang="en-US" dirty="0" smtClean="0"/>
+              <a:rPr lang="en-US" dirty="0"/>
               <a:t>-e</a:t>
             </a:r>
-            <a:r>
-              <a:rPr lang="en-US" dirty="0"/>
-              <a:t/>
-            </a:r>
             <a:br>
               <a:rPr lang="en-US" dirty="0"/>
             </a:br>
             <a:r>
-              <a:rPr lang="en-US" dirty="0" err="1" smtClean="0"/>
+              <a:rPr lang="en-US" dirty="0" err="1"/>
               <a:t>AfNOG</a:t>
             </a:r>
             <a:r>
-              <a:rPr lang="en-US" dirty="0" smtClean="0"/>
-              <a:t> - </a:t>
-            </a:r>
-            <a:r>
-              <a:rPr lang="en-US" dirty="0" smtClean="0"/>
-              <a:t>2017</a:t>
-            </a:r>
-            <a:r>
-              <a:rPr lang="en-US" dirty="0" smtClean="0"/>
-              <a:t/>
+              <a:rPr lang="en-US" dirty="0"/>
+              <a:t> - 2018</a:t>
             </a:r>
             <a:br>
-              <a:rPr lang="en-US" dirty="0" smtClean="0"/>
+              <a:rPr lang="en-US" dirty="0"/>
             </a:br>
             <a:r>
-              <a:rPr lang="en-US" dirty="0" smtClean="0"/>
-              <a:t>Nairobi, </a:t>
-            </a:r>
-            <a:r>
-              <a:rPr lang="en-US" dirty="0" err="1" smtClean="0"/>
-              <a:t>kenya</a:t>
-            </a:r>
-            <a:endParaRPr lang="en-US" dirty="0"/>
+              <a:rPr lang="en-US" dirty="0" err="1"/>
+              <a:t>DaKAR</a:t>
+            </a:r>
+            <a:r>
+              <a:rPr lang="en-US" dirty="0"/>
+              <a:t>, SENEGAL</a:t>
+            </a:r>
           </a:p>
         </p:txBody>
       </p:sp>
@@ -3996,10 +3975,9 @@
           <a:lstStyle/>
           <a:p>
             <a:r>
-              <a:rPr lang="en-US" dirty="0" smtClean="0"/>
+              <a:rPr lang="en-US" dirty="0"/>
               <a:t>Scalable Services – English </a:t>
             </a:r>
-            <a:endParaRPr lang="en-US" dirty="0"/>
           </a:p>
         </p:txBody>
       </p:sp>
@@ -4013,13 +3991,6 @@
   <p:clrMapOvr>
     <a:masterClrMapping/>
   </p:clrMapOvr>
-  <p:timing>
-    <p:tnLst>
-      <p:par>
-        <p:cTn id="1" dur="indefinite" restart="never" nodeType="tmRoot"/>
-      </p:par>
-    </p:tnLst>
-  </p:timing>
 </p:sld>
 </file>
 
@@ -4056,10 +4027,9 @@
           <a:lstStyle/>
           <a:p>
             <a:r>
-              <a:rPr lang="en-US" dirty="0" smtClean="0"/>
+              <a:rPr lang="en-US" dirty="0"/>
               <a:t>Windows Users</a:t>
             </a:r>
-            <a:endParaRPr lang="en-US" dirty="0"/>
           </a:p>
         </p:txBody>
       </p:sp>
@@ -4079,7 +4049,7 @@
           <a:lstStyle/>
           <a:p>
             <a:r>
-              <a:rPr lang="en-US" b="1" dirty="0" smtClean="0"/>
+              <a:rPr lang="en-US" b="1" dirty="0"/>
               <a:t>Install putty from</a:t>
             </a:r>
             <a:r>
@@ -4090,18 +4060,12 @@
               <a:rPr lang="en-US" dirty="0">
                 <a:hlinkClick r:id="rId2"/>
               </a:rPr>
-              <a:t>http://www.ws.afnog.org/afnog2016/unix-intro/downloads</a:t>
-            </a:r>
-            <a:r>
-              <a:rPr lang="en-US" dirty="0" smtClean="0">
-                <a:hlinkClick r:id="rId2"/>
-              </a:rPr>
-              <a:t>/</a:t>
-            </a:r>
-            <a:endParaRPr lang="en-US" dirty="0" smtClean="0"/>
-          </a:p>
-          <a:p>
-            <a:endParaRPr lang="en-US" dirty="0" smtClean="0"/>
+              <a:t>http://www.ws.afnog.org/afnog2016/unix-intro/downloads/</a:t>
+            </a:r>
+            <a:endParaRPr lang="en-US" dirty="0"/>
+          </a:p>
+          <a:p>
+            <a:endParaRPr lang="en-US" dirty="0"/>
           </a:p>
           <a:p>
             <a:endParaRPr lang="en-US" dirty="0"/>
@@ -4197,10 +4161,9 @@
           <a:lstStyle/>
           <a:p>
             <a:r>
-              <a:rPr lang="en-US" sz="2400" b="1" dirty="0" smtClean="0"/>
+              <a:rPr lang="en-US" sz="2400" b="1" dirty="0"/>
               <a:t>After downloading you will see the above icon. Double click on it and you should see a window similar to the one on the right</a:t>
             </a:r>
-            <a:endParaRPr lang="en-US" sz="2400" b="1" dirty="0"/>
           </a:p>
         </p:txBody>
       </p:sp>
@@ -4214,13 +4177,6 @@
   <p:clrMapOvr>
     <a:masterClrMapping/>
   </p:clrMapOvr>
-  <p:timing>
-    <p:tnLst>
-      <p:par>
-        <p:cTn id="1" dur="indefinite" restart="never" nodeType="tmRoot"/>
-      </p:par>
-    </p:tnLst>
-  </p:timing>
 </p:sld>
 </file>
 
@@ -4257,10 +4213,9 @@
           <a:lstStyle/>
           <a:p>
             <a:r>
-              <a:rPr lang="en-US" dirty="0" smtClean="0"/>
+              <a:rPr lang="en-US" dirty="0"/>
               <a:t>Unix, Linux and OS X Users</a:t>
             </a:r>
-            <a:endParaRPr lang="en-US" dirty="0"/>
           </a:p>
         </p:txBody>
       </p:sp>
@@ -4280,46 +4235,46 @@
           <a:lstStyle/>
           <a:p>
             <a:r>
-              <a:rPr lang="en-US" dirty="0" smtClean="0"/>
+              <a:rPr lang="en-US" dirty="0"/>
               <a:t>A default Secure Shell (SSH) client is already installed in Unix, Linux and OS X</a:t>
             </a:r>
           </a:p>
           <a:p>
             <a:r>
-              <a:rPr lang="en-US" dirty="0" smtClean="0"/>
+              <a:rPr lang="en-US" dirty="0"/>
               <a:t>To access the default SSH </a:t>
             </a:r>
           </a:p>
           <a:p>
             <a:pPr lvl="1"/>
             <a:r>
-              <a:rPr lang="en-US" dirty="0" smtClean="0"/>
+              <a:rPr lang="en-US" dirty="0"/>
               <a:t>Open:  Terminal application</a:t>
             </a:r>
           </a:p>
           <a:p>
             <a:pPr lvl="1"/>
             <a:r>
-              <a:rPr lang="en-US" dirty="0" smtClean="0"/>
+              <a:rPr lang="en-US" dirty="0"/>
               <a:t>From Terminal prompt type the following; </a:t>
             </a:r>
           </a:p>
           <a:p>
             <a:pPr lvl="1"/>
             <a:r>
-              <a:rPr lang="en-US" dirty="0" smtClean="0">
+              <a:rPr lang="en-US" dirty="0">
                 <a:hlinkClick r:id="rId2"/>
               </a:rPr>
               <a:t>ssh afnog@pcX.sse.ws.afnog.org</a:t>
             </a:r>
             <a:r>
-              <a:rPr lang="en-US" dirty="0" smtClean="0"/>
+              <a:rPr lang="en-US" dirty="0"/>
               <a:t> where X is the pc number.</a:t>
             </a:r>
           </a:p>
           <a:p>
             <a:pPr lvl="1"/>
-            <a:endParaRPr lang="en-US" dirty="0" smtClean="0"/>
+            <a:endParaRPr lang="en-US" dirty="0"/>
           </a:p>
           <a:p>
             <a:pPr lvl="1"/>
@@ -4337,13 +4292,6 @@
   <p:clrMapOvr>
     <a:masterClrMapping/>
   </p:clrMapOvr>
-  <p:timing>
-    <p:tnLst>
-      <p:par>
-        <p:cTn id="1" dur="indefinite" restart="never" nodeType="tmRoot"/>
-      </p:par>
-    </p:tnLst>
-  </p:timing>
 </p:sld>
 </file>
 
@@ -4380,10 +4328,9 @@
           <a:lstStyle/>
           <a:p>
             <a:r>
-              <a:rPr lang="en-US" dirty="0" smtClean="0"/>
+              <a:rPr lang="en-US" dirty="0"/>
               <a:t>Online Resources</a:t>
             </a:r>
-            <a:endParaRPr lang="en-US" dirty="0"/>
           </a:p>
         </p:txBody>
       </p:sp>
@@ -4419,13 +4366,7 @@
               <a:rPr lang="en-US" sz="2600" dirty="0">
                 <a:hlinkClick r:id="rId2"/>
               </a:rPr>
-              <a:t>http://</a:t>
-            </a:r>
-            <a:r>
-              <a:rPr lang="en-US" sz="2600" dirty="0" smtClean="0">
-                <a:hlinkClick r:id="rId2"/>
-              </a:rPr>
-              <a:t>www.ws.afnog.org/afnog2017/</a:t>
+              <a:t>http://www.ws.afnog.org/afnog2017/</a:t>
             </a:r>
             <a:endParaRPr lang="en-US" sz="2600" dirty="0"/>
           </a:p>
@@ -4520,13 +4461,6 @@
   <p:clrMapOvr>
     <a:masterClrMapping/>
   </p:clrMapOvr>
-  <p:timing>
-    <p:tnLst>
-      <p:par>
-        <p:cTn id="1" dur="indefinite" restart="never" nodeType="tmRoot"/>
-      </p:par>
-    </p:tnLst>
-  </p:timing>
 </p:sld>
 </file>
 
@@ -4563,10 +4497,9 @@
           <a:lstStyle/>
           <a:p>
             <a:r>
-              <a:rPr lang="en-US" dirty="0" smtClean="0"/>
+              <a:rPr lang="en-US" dirty="0"/>
               <a:t>Safety</a:t>
             </a:r>
-            <a:endParaRPr lang="en-US" dirty="0"/>
           </a:p>
         </p:txBody>
       </p:sp>
@@ -4589,19 +4522,15 @@
               <a:buNone/>
             </a:pPr>
             <a:r>
-              <a:rPr lang="en-US" sz="3200" dirty="0" smtClean="0"/>
+              <a:rPr lang="en-US" sz="3200" dirty="0"/>
               <a:t>Please be careful in class:</a:t>
             </a:r>
           </a:p>
           <a:p>
             <a:pPr lvl="0"/>
             <a:r>
-              <a:rPr lang="en-US" sz="3200" dirty="0" smtClean="0"/>
-              <a:t>trip </a:t>
-            </a:r>
-            <a:r>
               <a:rPr lang="en-US" sz="3200" dirty="0"/>
-              <a:t>on power cords</a:t>
+              <a:t>trip on power cords</a:t>
             </a:r>
           </a:p>
           <a:p>
@@ -4643,13 +4572,6 @@
   <p:clrMapOvr>
     <a:masterClrMapping/>
   </p:clrMapOvr>
-  <p:timing>
-    <p:tnLst>
-      <p:par>
-        <p:cTn id="1" dur="indefinite" restart="never" nodeType="tmRoot"/>
-      </p:par>
-    </p:tnLst>
-  </p:timing>
 </p:sld>
 </file>
 
@@ -4686,10 +4608,9 @@
           <a:lstStyle/>
           <a:p>
             <a:r>
-              <a:rPr lang="en-US" dirty="0" smtClean="0"/>
+              <a:rPr lang="en-US" dirty="0"/>
               <a:t>Core topics to be covered this week</a:t>
             </a:r>
-            <a:endParaRPr lang="en-US" dirty="0"/>
           </a:p>
         </p:txBody>
       </p:sp>
@@ -4712,106 +4633,98 @@
           <a:p>
             <a:pPr lvl="0"/>
             <a:r>
-              <a:rPr lang="en-US" sz="2800" b="1" dirty="0" smtClean="0"/>
+              <a:rPr lang="en-US" sz="2800" b="1" dirty="0"/>
               <a:t>DNS</a:t>
             </a:r>
           </a:p>
           <a:p>
             <a:pPr lvl="1"/>
             <a:r>
-              <a:rPr lang="en-US" dirty="0" smtClean="0"/>
+              <a:rPr lang="en-US" dirty="0"/>
               <a:t>Resolver</a:t>
             </a:r>
           </a:p>
           <a:p>
             <a:pPr lvl="1"/>
             <a:r>
-              <a:rPr lang="en-US" dirty="0" smtClean="0"/>
+              <a:rPr lang="en-US" dirty="0"/>
               <a:t>Authoritative DNS</a:t>
             </a:r>
+          </a:p>
+          <a:p>
+            <a:pPr lvl="0"/>
+            <a:r>
+              <a:rPr lang="en-US" sz="2800" b="1" dirty="0"/>
+              <a:t>Firewalls and Network Security</a:t>
+            </a:r>
+          </a:p>
+          <a:p>
+            <a:pPr lvl="1"/>
+            <a:r>
+              <a:rPr lang="en-US" dirty="0"/>
+              <a:t>Host security using </a:t>
+            </a:r>
+            <a:r>
+              <a:rPr lang="en-US" dirty="0" err="1"/>
+              <a:t>IPtables</a:t>
+            </a:r>
             <a:endParaRPr lang="en-US" dirty="0"/>
           </a:p>
           <a:p>
             <a:pPr lvl="0"/>
             <a:r>
-              <a:rPr lang="en-US" sz="2800" b="1" dirty="0" smtClean="0"/>
-              <a:t>Firewalls and Network Security</a:t>
+              <a:rPr lang="en-US" sz="2800" b="1" dirty="0"/>
+              <a:t>Mail Services</a:t>
             </a:r>
           </a:p>
           <a:p>
             <a:pPr lvl="1"/>
             <a:r>
-              <a:rPr lang="en-US" dirty="0" smtClean="0"/>
-              <a:t>Host security using </a:t>
-            </a:r>
-            <a:r>
-              <a:rPr lang="en-US" dirty="0" err="1" smtClean="0"/>
-              <a:t>IPtables</a:t>
-            </a:r>
-            <a:endParaRPr lang="en-US" dirty="0" smtClean="0"/>
+              <a:rPr lang="en-US" dirty="0"/>
+              <a:t>How to setup mail services </a:t>
+            </a:r>
           </a:p>
           <a:p>
             <a:pPr lvl="0"/>
             <a:r>
-              <a:rPr lang="en-US" sz="2800" b="1" dirty="0" smtClean="0"/>
-              <a:t>Mail </a:t>
-            </a:r>
-            <a:r>
               <a:rPr lang="en-US" sz="2800" b="1" dirty="0"/>
-              <a:t>Services</a:t>
+              <a:t>Hosting Web services</a:t>
             </a:r>
           </a:p>
           <a:p>
             <a:pPr lvl="1"/>
             <a:r>
               <a:rPr lang="en-US" dirty="0"/>
-              <a:t>How to setup mail services </a:t>
+              <a:t>Web server using Apache</a:t>
             </a:r>
           </a:p>
           <a:p>
             <a:pPr lvl="0"/>
             <a:r>
-              <a:rPr lang="en-US" sz="2800" b="1" dirty="0" smtClean="0"/>
-              <a:t>Hosting Web services</a:t>
+              <a:rPr lang="en-US" sz="2800" b="1" dirty="0"/>
+              <a:t>RADIUS &amp; LDAP</a:t>
             </a:r>
           </a:p>
           <a:p>
             <a:pPr lvl="1"/>
             <a:r>
-              <a:rPr lang="en-US" dirty="0" smtClean="0"/>
-              <a:t>Web server using Apache</a:t>
-            </a:r>
-            <a:endParaRPr lang="en-US" dirty="0"/>
+              <a:rPr lang="en-US" dirty="0"/>
+              <a:t>For centralizing authentication</a:t>
+            </a:r>
           </a:p>
           <a:p>
             <a:pPr lvl="0"/>
             <a:r>
-              <a:rPr lang="en-US" sz="2800" b="1" dirty="0" smtClean="0"/>
-              <a:t>RADIUS &amp; LDAP</a:t>
+              <a:rPr lang="en-US" sz="2800" b="1" dirty="0"/>
+              <a:t>Virtualization</a:t>
             </a:r>
           </a:p>
           <a:p>
             <a:pPr lvl="1"/>
             <a:r>
-              <a:rPr lang="en-US" dirty="0" smtClean="0"/>
-              <a:t>For centralizing authentication</a:t>
-            </a:r>
-            <a:endParaRPr lang="en-US" dirty="0"/>
-          </a:p>
-          <a:p>
-            <a:pPr lvl="0"/>
-            <a:r>
-              <a:rPr lang="en-US" sz="2800" b="1" dirty="0" smtClean="0"/>
-              <a:t>Virtualization</a:t>
-            </a:r>
-          </a:p>
-          <a:p>
-            <a:pPr lvl="1"/>
-            <a:r>
-              <a:rPr lang="en-US" dirty="0" smtClean="0"/>
+              <a:rPr lang="en-US" dirty="0"/>
               <a:t>How to build virtual servers</a:t>
             </a:r>
-            <a:endParaRPr lang="en-US" dirty="0"/>
           </a:p>
         </p:txBody>
       </p:sp>
@@ -4825,13 +4738,6 @@
   <p:clrMapOvr>
     <a:masterClrMapping/>
   </p:clrMapOvr>
-  <p:timing>
-    <p:tnLst>
-      <p:par>
-        <p:cTn id="1" dur="indefinite" restart="never" nodeType="tmRoot"/>
-      </p:par>
-    </p:tnLst>
-  </p:timing>
 </p:sld>
 </file>
 
@@ -4873,10 +4779,9 @@
           <a:lstStyle/>
           <a:p>
             <a:r>
-              <a:rPr lang="en-US" dirty="0" smtClean="0"/>
+              <a:rPr lang="en-US" dirty="0"/>
               <a:t>Rough agenda for the week</a:t>
             </a:r>
-            <a:endParaRPr lang="en-US" dirty="0"/>
           </a:p>
         </p:txBody>
       </p:sp>
@@ -4915,12 +4820,8 @@
           <a:p>
             <a:pPr lvl="1"/>
             <a:r>
-              <a:rPr lang="en-US" dirty="0" smtClean="0"/>
-              <a:t>First Session: intro</a:t>
-            </a:r>
-            <a:r>
-              <a:rPr lang="en-US" dirty="0"/>
-              <a:t>, </a:t>
+              <a:rPr lang="en-US" dirty="0"/>
+              <a:t>First Session: intro, </a:t>
             </a:r>
             <a:r>
               <a:rPr lang="en-US" dirty="0" err="1"/>
@@ -4931,73 +4832,49 @@
               <a:t> </a:t>
             </a:r>
             <a:r>
-              <a:rPr lang="en-US" dirty="0" err="1" smtClean="0"/>
+              <a:rPr lang="en-US" dirty="0" err="1"/>
               <a:t>bootcamp</a:t>
             </a:r>
             <a:r>
-              <a:rPr lang="en-US" dirty="0" smtClean="0"/>
+              <a:rPr lang="en-US" dirty="0"/>
               <a:t>, Post-installation Best Practices</a:t>
             </a:r>
-            <a:endParaRPr lang="en-US" dirty="0"/>
           </a:p>
           <a:p>
             <a:pPr lvl="1"/>
             <a:r>
-              <a:rPr lang="en-US" dirty="0" smtClean="0"/>
-              <a:t>Second </a:t>
-            </a:r>
-            <a:r>
-              <a:rPr lang="en-US" dirty="0"/>
-              <a:t>Session</a:t>
-            </a:r>
-            <a:r>
-              <a:rPr lang="en-US" dirty="0" smtClean="0"/>
-              <a:t>: DNS (Intro)</a:t>
-            </a:r>
-            <a:endParaRPr lang="en-US" dirty="0"/>
+              <a:rPr lang="en-US" dirty="0"/>
+              <a:t>Second Session: DNS (Intro)</a:t>
+            </a:r>
           </a:p>
           <a:p>
             <a:pPr lvl="1"/>
             <a:r>
-              <a:rPr lang="en-US" dirty="0" smtClean="0"/>
+              <a:rPr lang="en-US" dirty="0"/>
               <a:t>Third Session: Firewalls and Network Security</a:t>
             </a:r>
-            <a:endParaRPr lang="en-US" dirty="0"/>
           </a:p>
           <a:p>
             <a:pPr lvl="1"/>
             <a:r>
-              <a:rPr lang="en-US" dirty="0" smtClean="0"/>
-              <a:t>Fourth </a:t>
-            </a:r>
-            <a:r>
-              <a:rPr lang="en-US" dirty="0"/>
-              <a:t>Session</a:t>
-            </a:r>
-            <a:r>
-              <a:rPr lang="en-US" dirty="0" smtClean="0"/>
-              <a:t>: DNS (Resolver)</a:t>
+              <a:rPr lang="en-US" dirty="0"/>
+              <a:t>Fourth Session: DNS (Resolver)</a:t>
             </a:r>
           </a:p>
           <a:p>
             <a:pPr lvl="2"/>
             <a:r>
-              <a:rPr lang="en-US" i="1" dirty="0" smtClean="0">
+              <a:rPr lang="en-US" i="1" dirty="0">
                 <a:solidFill>
                   <a:srgbClr val="0000FF"/>
                 </a:solidFill>
               </a:rPr>
               <a:t>Evening Session: General </a:t>
             </a:r>
-            <a:endParaRPr lang="en-US" i="1" dirty="0">
-              <a:solidFill>
-                <a:srgbClr val="0000FF"/>
-              </a:solidFill>
-            </a:endParaRPr>
-          </a:p>
-          <a:p>
-            <a:r>
-              <a:rPr lang="en-US" b="1" dirty="0" smtClean="0"/>
+          </a:p>
+          <a:p>
+            <a:r>
+              <a:rPr lang="en-US" b="1" dirty="0"/>
               <a:t>Tuesday</a:t>
             </a:r>
             <a:r>
@@ -5008,105 +4885,71 @@
           <a:p>
             <a:pPr lvl="1"/>
             <a:r>
-              <a:rPr lang="en-US" dirty="0" smtClean="0"/>
-              <a:t>First </a:t>
-            </a:r>
-            <a:r>
-              <a:rPr lang="en-US" dirty="0"/>
-              <a:t>Session</a:t>
-            </a:r>
-            <a:r>
-              <a:rPr lang="en-US" dirty="0" smtClean="0"/>
-              <a:t>: Security (Public Key, SSL, PGP, Crypto)</a:t>
-            </a:r>
-            <a:endParaRPr lang="en-US" dirty="0"/>
+              <a:rPr lang="en-US" dirty="0"/>
+              <a:t>First Session: Security (Public Key, SSL, PGP, Crypto)</a:t>
+            </a:r>
           </a:p>
           <a:p>
             <a:pPr lvl="1"/>
             <a:r>
-              <a:rPr lang="en-US" dirty="0" smtClean="0"/>
+              <a:rPr lang="en-US" dirty="0"/>
               <a:t>Second : DNS (Authoritative)</a:t>
             </a:r>
-            <a:endParaRPr lang="en-US" dirty="0"/>
           </a:p>
           <a:p>
             <a:pPr lvl="1"/>
             <a:r>
-              <a:rPr lang="en-US" dirty="0" smtClean="0"/>
+              <a:rPr lang="en-US" dirty="0"/>
               <a:t>Third Session: Apache + PHP</a:t>
             </a:r>
           </a:p>
           <a:p>
             <a:pPr lvl="1"/>
             <a:r>
-              <a:rPr lang="en-US" dirty="0" smtClean="0"/>
-              <a:t>Fourth Session</a:t>
-            </a:r>
-            <a:r>
-              <a:rPr lang="en-US" dirty="0"/>
-              <a:t>: </a:t>
-            </a:r>
-            <a:r>
-              <a:rPr lang="en-US" dirty="0" smtClean="0"/>
-              <a:t>Postfix</a:t>
-            </a:r>
-            <a:endParaRPr lang="en-US" dirty="0"/>
+              <a:rPr lang="en-US" dirty="0"/>
+              <a:t>Fourth Session: Postfix</a:t>
+            </a:r>
           </a:p>
           <a:p>
             <a:pPr lvl="2"/>
             <a:r>
-              <a:rPr lang="en-US" i="1" dirty="0" smtClean="0">
+              <a:rPr lang="en-US" i="1" dirty="0">
                 <a:solidFill>
                   <a:srgbClr val="0000FF"/>
                 </a:solidFill>
               </a:rPr>
               <a:t>Evening Session: DNSSEC</a:t>
             </a:r>
-            <a:endParaRPr lang="en-US" i="1" dirty="0">
-              <a:solidFill>
-                <a:srgbClr val="0000FF"/>
-              </a:solidFill>
-            </a:endParaRPr>
           </a:p>
           <a:p>
             <a:pPr lvl="0"/>
             <a:r>
-              <a:rPr lang="en-US" b="1" dirty="0" smtClean="0"/>
+              <a:rPr lang="en-US" b="1" dirty="0"/>
               <a:t>Wednesday</a:t>
             </a:r>
             <a:r>
-              <a:rPr lang="en-US" dirty="0" smtClean="0"/>
+              <a:rPr lang="en-US" dirty="0"/>
               <a:t>:</a:t>
             </a:r>
-            <a:endParaRPr lang="en-US" dirty="0"/>
           </a:p>
           <a:p>
             <a:pPr lvl="1"/>
             <a:r>
-              <a:rPr lang="en-US" dirty="0" smtClean="0"/>
-              <a:t>First and Second </a:t>
-            </a:r>
-            <a:r>
-              <a:rPr lang="en-US" dirty="0"/>
-              <a:t>Session</a:t>
-            </a:r>
-            <a:r>
-              <a:rPr lang="en-US" dirty="0" smtClean="0"/>
-              <a:t>: Postfix</a:t>
-            </a:r>
-            <a:endParaRPr lang="en-US" dirty="0"/>
+              <a:rPr lang="en-US" dirty="0"/>
+              <a:t>First and Second Session: Postfix</a:t>
+            </a:r>
           </a:p>
           <a:p>
             <a:pPr lvl="1"/>
             <a:r>
-              <a:rPr lang="en-US" dirty="0" smtClean="0"/>
+              <a:rPr lang="en-US" dirty="0"/>
               <a:t>Third and Fourth Session: Open LDAP Directory</a:t>
             </a:r>
           </a:p>
           <a:p>
             <a:pPr lvl="2"/>
             <a:r>
-              <a:rPr lang="en-US" i="1" dirty="0" smtClean="0">
+              <a:rPr lang="en-US" i="1" dirty="0">
                 <a:solidFill>
                   <a:srgbClr val="0000FF"/>
                 </a:solidFill>
@@ -5114,7 +4957,7 @@
               <a:t>Evening Session: </a:t>
             </a:r>
             <a:r>
-              <a:rPr lang="en-US" i="1" dirty="0" err="1" smtClean="0">
+              <a:rPr lang="en-US" i="1" dirty="0" err="1">
                 <a:solidFill>
                   <a:srgbClr val="0000FF"/>
                 </a:solidFill>
@@ -5139,13 +4982,6 @@
   <p:clrMapOvr>
     <a:masterClrMapping/>
   </p:clrMapOvr>
-  <p:timing>
-    <p:tnLst>
-      <p:par>
-        <p:cTn id="1" dur="indefinite" restart="never" nodeType="tmRoot"/>
-      </p:par>
-    </p:tnLst>
-  </p:timing>
 </p:sld>
 </file>
 
@@ -5187,11 +5023,11 @@
           <a:lstStyle/>
           <a:p>
             <a:r>
-              <a:rPr lang="en-US" dirty="0" smtClean="0"/>
+              <a:rPr lang="en-US" dirty="0"/>
               <a:t>Rough agenda for the week </a:t>
             </a:r>
             <a:r>
-              <a:rPr lang="is-IS" dirty="0" smtClean="0"/>
+              <a:rPr lang="is-IS" dirty="0"/>
               <a:t>…</a:t>
             </a:r>
             <a:endParaRPr lang="en-US" dirty="0"/>
@@ -5222,85 +5058,70 @@
           <a:p>
             <a:pPr lvl="0"/>
             <a:r>
-              <a:rPr lang="en-US" b="1" dirty="0" smtClean="0"/>
+              <a:rPr lang="en-US" b="1" dirty="0"/>
               <a:t>Thursday</a:t>
             </a:r>
             <a:r>
-              <a:rPr lang="en-US" dirty="0" smtClean="0"/>
+              <a:rPr lang="en-US" dirty="0"/>
               <a:t>:</a:t>
             </a:r>
+          </a:p>
+          <a:p>
+            <a:pPr lvl="1"/>
+            <a:r>
+              <a:rPr lang="en-US" dirty="0"/>
+              <a:t>First and Second Session: RADIUS</a:t>
+            </a:r>
+          </a:p>
+          <a:p>
+            <a:pPr lvl="1"/>
+            <a:r>
+              <a:rPr lang="en-US" dirty="0"/>
+              <a:t>Third Session: Dovecot IMAP</a:t>
+            </a:r>
+          </a:p>
+          <a:p>
+            <a:pPr lvl="1"/>
+            <a:r>
+              <a:rPr lang="en-US" dirty="0"/>
+              <a:t>Fourth Session: </a:t>
+            </a:r>
+            <a:r>
+              <a:rPr lang="en-US" dirty="0" err="1"/>
+              <a:t>Squirrelmail</a:t>
+            </a:r>
             <a:endParaRPr lang="en-US" dirty="0"/>
           </a:p>
           <a:p>
+            <a:r>
+              <a:rPr lang="en-US" b="1" dirty="0"/>
+              <a:t>Friday</a:t>
+            </a:r>
+            <a:r>
+              <a:rPr lang="en-US" dirty="0"/>
+              <a:t>:</a:t>
+            </a:r>
+          </a:p>
+          <a:p>
             <a:pPr lvl="1"/>
             <a:r>
-              <a:rPr lang="en-US" dirty="0" smtClean="0"/>
-              <a:t>First and Second Session: RADIUS</a:t>
-            </a:r>
-            <a:endParaRPr lang="en-US" dirty="0"/>
+              <a:rPr lang="en-US" dirty="0"/>
+              <a:t>First and Session: Load Balancing</a:t>
+            </a:r>
           </a:p>
           <a:p>
             <a:pPr lvl="1"/>
             <a:r>
-              <a:rPr lang="en-US" dirty="0" smtClean="0"/>
-              <a:t>Third </a:t>
-            </a:r>
-            <a:r>
-              <a:rPr lang="en-US" dirty="0"/>
-              <a:t>Session</a:t>
-            </a:r>
-            <a:r>
-              <a:rPr lang="en-US" dirty="0" smtClean="0"/>
-              <a:t>: Dovecot IMAP</a:t>
-            </a:r>
-            <a:endParaRPr lang="en-US" dirty="0"/>
+              <a:rPr lang="en-US" dirty="0"/>
+              <a:t>Third and Fourth : Virtualization</a:t>
+            </a:r>
           </a:p>
           <a:p>
             <a:pPr lvl="1"/>
             <a:r>
-              <a:rPr lang="en-US" dirty="0" smtClean="0"/>
-              <a:t>Fourth Session: </a:t>
-            </a:r>
-            <a:r>
-              <a:rPr lang="en-US" dirty="0" err="1" smtClean="0"/>
-              <a:t>Squirrelmail</a:t>
-            </a:r>
-            <a:endParaRPr lang="en-US" dirty="0"/>
-          </a:p>
-          <a:p>
-            <a:r>
-              <a:rPr lang="en-US" b="1" dirty="0" smtClean="0"/>
-              <a:t>Friday</a:t>
-            </a:r>
-            <a:r>
-              <a:rPr lang="en-US" dirty="0" smtClean="0"/>
-              <a:t>:</a:t>
-            </a:r>
-            <a:endParaRPr lang="en-US" dirty="0"/>
-          </a:p>
-          <a:p>
-            <a:pPr lvl="1"/>
-            <a:r>
-              <a:rPr lang="en-US" dirty="0" smtClean="0"/>
-              <a:t>First and Session: Load Balancing</a:t>
-            </a:r>
-            <a:endParaRPr lang="en-US" dirty="0"/>
-          </a:p>
-          <a:p>
-            <a:pPr lvl="1"/>
-            <a:r>
-              <a:rPr lang="en-US" dirty="0" smtClean="0"/>
-              <a:t>Third and Fourth : Virtualization</a:t>
-            </a:r>
-            <a:endParaRPr lang="en-US" dirty="0"/>
-          </a:p>
-          <a:p>
-            <a:pPr lvl="1"/>
-            <a:r>
-              <a:rPr lang="en-US" dirty="0" smtClean="0"/>
+              <a:rPr lang="en-US" dirty="0"/>
               <a:t>Closing Survey</a:t>
             </a:r>
-            <a:endParaRPr lang="en-US" dirty="0"/>
           </a:p>
         </p:txBody>
       </p:sp>
@@ -5314,13 +5135,6 @@
   <p:clrMapOvr>
     <a:masterClrMapping/>
   </p:clrMapOvr>
-  <p:timing>
-    <p:tnLst>
-      <p:par>
-        <p:cTn id="1" dur="indefinite" restart="never" nodeType="tmRoot"/>
-      </p:par>
-    </p:tnLst>
-  </p:timing>
 </p:sld>
 </file>
 
@@ -5362,10 +5176,9 @@
           <a:lstStyle/>
           <a:p>
             <a:r>
-              <a:rPr lang="en-US" dirty="0" smtClean="0"/>
+              <a:rPr lang="en-US" dirty="0"/>
               <a:t>Any questions?</a:t>
             </a:r>
-            <a:endParaRPr lang="en-US" dirty="0"/>
           </a:p>
         </p:txBody>
       </p:sp>
@@ -5379,13 +5192,6 @@
   <p:clrMapOvr>
     <a:masterClrMapping/>
   </p:clrMapOvr>
-  <p:timing>
-    <p:tnLst>
-      <p:par>
-        <p:cTn id="1" dur="indefinite" restart="never" nodeType="tmRoot"/>
-      </p:par>
-    </p:tnLst>
-  </p:timing>
 </p:sld>
 </file>
 
@@ -5422,11 +5228,11 @@
           <a:lstStyle/>
           <a:p>
             <a:r>
-              <a:rPr lang="en-US" dirty="0" smtClean="0"/>
+              <a:rPr lang="en-US" dirty="0"/>
               <a:t>Nano </a:t>
             </a:r>
             <a:r>
-              <a:rPr lang="en-US" dirty="0" err="1" smtClean="0"/>
+              <a:rPr lang="en-US" dirty="0" err="1"/>
               <a:t>bootcamp</a:t>
             </a:r>
             <a:endParaRPr lang="en-US" dirty="0"/>
@@ -5451,52 +5257,44 @@
           <a:lstStyle/>
           <a:p>
             <a:r>
-              <a:rPr lang="en-US" dirty="0" smtClean="0"/>
+              <a:rPr lang="en-US" dirty="0"/>
               <a:t>We will use an editor called “</a:t>
             </a:r>
             <a:r>
-              <a:rPr lang="en-US" dirty="0" err="1" smtClean="0"/>
+              <a:rPr lang="en-US" dirty="0" err="1"/>
               <a:t>nano</a:t>
             </a:r>
             <a:r>
-              <a:rPr lang="en-US" dirty="0" smtClean="0"/>
+              <a:rPr lang="en-US" dirty="0"/>
               <a:t>” on the </a:t>
             </a:r>
             <a:r>
-              <a:rPr lang="en-US" dirty="0" err="1" smtClean="0"/>
+              <a:rPr lang="en-US" dirty="0" err="1"/>
               <a:t>Debian</a:t>
             </a:r>
             <a:r>
-              <a:rPr lang="en-US" dirty="0" smtClean="0"/>
+              <a:rPr lang="en-US" dirty="0"/>
               <a:t> machines</a:t>
             </a:r>
           </a:p>
           <a:p>
             <a:r>
-              <a:rPr lang="en-US" dirty="0" smtClean="0"/>
+              <a:rPr lang="en-US" dirty="0"/>
               <a:t>However, you should learn “vi” as it has way more features than most editors</a:t>
             </a:r>
           </a:p>
           <a:p>
             <a:r>
-              <a:rPr lang="en-US" dirty="0" smtClean="0"/>
+              <a:rPr lang="en-US" dirty="0"/>
               <a:t>Install </a:t>
             </a:r>
             <a:r>
-              <a:rPr lang="en-US" dirty="0" err="1" smtClean="0"/>
+              <a:rPr lang="en-US" dirty="0" err="1"/>
               <a:t>nano</a:t>
             </a:r>
             <a:r>
-              <a:rPr lang="en-US" dirty="0" smtClean="0"/>
-              <a:t>: </a:t>
-            </a:r>
-            <a:r>
-              <a:rPr lang="en-US" dirty="0"/>
-              <a:t>	</a:t>
-            </a:r>
-            <a:r>
-              <a:rPr lang="en-US" dirty="0"/>
-              <a:t> </a:t>
+              <a:rPr lang="en-US" dirty="0"/>
+              <a:t>: 	 </a:t>
             </a:r>
             <a:r>
               <a:rPr lang="en-US" dirty="0" err="1"/>
@@ -5507,34 +5305,34 @@
               <a:t> :</a:t>
             </a:r>
             <a:r>
-              <a:rPr lang="en-US" sz="2000" dirty="0" smtClean="0"/>
+              <a:rPr lang="en-US" sz="2000" dirty="0"/>
               <a:t>~$</a:t>
             </a:r>
             <a:r>
-              <a:rPr lang="en-US" b="1" dirty="0" err="1" smtClean="0"/>
+              <a:rPr lang="en-US" b="1" dirty="0" err="1"/>
               <a:t>sudo</a:t>
             </a:r>
             <a:r>
-              <a:rPr lang="en-US" b="1" dirty="0" smtClean="0"/>
+              <a:rPr lang="en-US" b="1" dirty="0"/>
               <a:t> apt-get install </a:t>
             </a:r>
             <a:r>
-              <a:rPr lang="en-US" b="1" dirty="0" err="1" smtClean="0"/>
+              <a:rPr lang="en-US" b="1" dirty="0" err="1"/>
               <a:t>nano</a:t>
             </a:r>
-            <a:endParaRPr lang="en-US" b="1" dirty="0" smtClean="0"/>
-          </a:p>
-          <a:p>
-            <a:r>
-              <a:rPr lang="en-US" dirty="0" smtClean="0"/>
+            <a:endParaRPr lang="en-US" b="1" dirty="0"/>
+          </a:p>
+          <a:p>
+            <a:r>
+              <a:rPr lang="en-US" dirty="0"/>
               <a:t>For </a:t>
             </a:r>
             <a:r>
-              <a:rPr lang="en-US" dirty="0" err="1" smtClean="0"/>
+              <a:rPr lang="en-US" dirty="0" err="1"/>
               <a:t>nano</a:t>
             </a:r>
             <a:r>
-              <a:rPr lang="en-US" dirty="0" smtClean="0"/>
+              <a:rPr lang="en-US" dirty="0"/>
               <a:t> you can open a file by:</a:t>
             </a:r>
           </a:p>
@@ -5543,71 +5341,81 @@
               <a:buNone/>
             </a:pPr>
             <a:r>
-              <a:rPr lang="en-US" dirty="0" smtClean="0"/>
+              <a:rPr lang="en-US" dirty="0"/>
               <a:t>	</a:t>
             </a:r>
             <a:r>
-              <a:rPr lang="en-US" dirty="0" err="1" smtClean="0"/>
+              <a:rPr lang="en-US" dirty="0" err="1"/>
               <a:t>afnog@pcX</a:t>
             </a:r>
             <a:r>
-              <a:rPr lang="en-US" dirty="0" smtClean="0"/>
-              <a:t> </a:t>
-            </a:r>
-            <a:r>
-              <a:rPr lang="en-US" dirty="0"/>
-              <a:t>:</a:t>
-            </a:r>
-            <a:r>
-              <a:rPr lang="en-US" sz="2000" dirty="0" smtClean="0"/>
+              <a:rPr lang="en-US" dirty="0"/>
+              <a:t> :</a:t>
+            </a:r>
+            <a:r>
+              <a:rPr lang="en-US" sz="2000" dirty="0"/>
               <a:t>~$</a:t>
             </a:r>
             <a:r>
-              <a:rPr lang="en-US" b="1" dirty="0" err="1" smtClean="0"/>
+              <a:rPr lang="en-US" b="1" dirty="0" err="1"/>
               <a:t>nano</a:t>
             </a:r>
             <a:r>
-              <a:rPr lang="en-US" b="1" dirty="0" smtClean="0"/>
+              <a:rPr lang="en-US" b="1" dirty="0"/>
               <a:t> /path/to/filename</a:t>
             </a:r>
             <a:br>
-              <a:rPr lang="en-US" b="1" dirty="0" smtClean="0"/>
+              <a:rPr lang="en-US" b="1" dirty="0"/>
             </a:br>
             <a:r>
-              <a:rPr lang="en-US" dirty="0" smtClean="0"/>
+              <a:rPr lang="en-US" dirty="0"/>
               <a:t>OR</a:t>
             </a:r>
             <a:r>
-              <a:rPr lang="en-US" b="1" dirty="0" smtClean="0"/>
-              <a:t> </a:t>
-            </a:r>
-            <a:r>
-              <a:rPr lang="en-US" b="1" dirty="0" smtClean="0"/>
+              <a:rPr lang="en-US" b="1" dirty="0"/>
+              <a:t> 	</a:t>
+            </a:r>
+            <a:r>
+              <a:rPr lang="en-US" dirty="0" err="1"/>
+              <a:t>afnog@pcX</a:t>
+            </a:r>
+            <a:r>
+              <a:rPr lang="en-US" dirty="0"/>
+              <a:t> :</a:t>
+            </a:r>
+            <a:r>
+              <a:rPr lang="en-US" sz="2000" dirty="0"/>
+              <a:t>~$</a:t>
+            </a:r>
+            <a:r>
+              <a:rPr lang="en-US" b="1" dirty="0" err="1"/>
+              <a:t>nano</a:t>
+            </a:r>
+            <a:r>
+              <a:rPr lang="en-US" b="1" dirty="0"/>
+              <a:t> filename</a:t>
+            </a:r>
+          </a:p>
+          <a:p>
+            <a:pPr marL="0" indent="0">
+              <a:buNone/>
+            </a:pPr>
+            <a:r>
+              <a:rPr lang="en-US" dirty="0"/>
+              <a:t>Save the changes by:</a:t>
+            </a:r>
+          </a:p>
+          <a:p>
+            <a:pPr marL="0" indent="0">
+              <a:buNone/>
+            </a:pPr>
+            <a:r>
+              <a:rPr lang="en-US" dirty="0"/>
               <a:t>	</a:t>
             </a:r>
             <a:r>
-              <a:rPr lang="en-US" dirty="0" err="1" smtClean="0"/>
-              <a:t>afnog@pcX</a:t>
-            </a:r>
-            <a:r>
-              <a:rPr lang="en-US" dirty="0" smtClean="0"/>
-              <a:t> </a:t>
-            </a:r>
-            <a:r>
-              <a:rPr lang="en-US" dirty="0"/>
-              <a:t>:</a:t>
-            </a:r>
-            <a:r>
-              <a:rPr lang="en-US" sz="2000" dirty="0" smtClean="0"/>
-              <a:t>~$</a:t>
-            </a:r>
-            <a:r>
-              <a:rPr lang="en-US" b="1" dirty="0" err="1" smtClean="0"/>
-              <a:t>nano</a:t>
-            </a:r>
-            <a:r>
-              <a:rPr lang="en-US" b="1" dirty="0" smtClean="0"/>
-              <a:t> filename</a:t>
+              <a:rPr lang="en-US" b="1" dirty="0"/>
+              <a:t>ctrl X</a:t>
             </a:r>
           </a:p>
           <a:p>
@@ -5615,8 +5423,8 @@
               <a:buNone/>
             </a:pPr>
             <a:r>
-              <a:rPr lang="en-US" dirty="0" smtClean="0"/>
-              <a:t>Save the changes by:</a:t>
+              <a:rPr lang="en-US" dirty="0"/>
+              <a:t>	answer “y”</a:t>
             </a:r>
           </a:p>
           <a:p>
@@ -5625,49 +5433,23 @@
             </a:pPr>
             <a:r>
               <a:rPr lang="en-US" dirty="0"/>
+              <a:t>Search the file for a specific word:</a:t>
+            </a:r>
+          </a:p>
+          <a:p>
+            <a:pPr marL="0" indent="0">
+              <a:buNone/>
+            </a:pPr>
+            <a:r>
+              <a:rPr lang="en-US" dirty="0"/>
               <a:t>	</a:t>
             </a:r>
             <a:r>
-              <a:rPr lang="en-US" b="1" dirty="0" smtClean="0"/>
-              <a:t>ctrl X</a:t>
-            </a:r>
-          </a:p>
-          <a:p>
-            <a:pPr marL="0" indent="0">
-              <a:buNone/>
-            </a:pPr>
-            <a:r>
-              <a:rPr lang="en-US" dirty="0"/>
-              <a:t>	</a:t>
-            </a:r>
-            <a:r>
-              <a:rPr lang="en-US" dirty="0" smtClean="0"/>
-              <a:t>answer “y”</a:t>
-            </a:r>
-          </a:p>
-          <a:p>
-            <a:pPr marL="0" indent="0">
-              <a:buNone/>
-            </a:pPr>
-            <a:r>
-              <a:rPr lang="en-US" dirty="0" smtClean="0"/>
-              <a:t>Search the file for a specific word:</a:t>
-            </a:r>
-          </a:p>
-          <a:p>
-            <a:pPr marL="0" indent="0">
-              <a:buNone/>
-            </a:pPr>
-            <a:r>
-              <a:rPr lang="en-US" dirty="0"/>
-              <a:t>	</a:t>
-            </a:r>
-            <a:r>
-              <a:rPr lang="en-US" b="1" dirty="0" smtClean="0"/>
+              <a:rPr lang="en-US" b="1" dirty="0"/>
               <a:t>ctrl W</a:t>
             </a:r>
             <a:r>
-              <a:rPr lang="en-US" dirty="0" smtClean="0"/>
+              <a:rPr lang="en-US" dirty="0"/>
               <a:t> &lt;then the search term&gt;</a:t>
             </a:r>
           </a:p>
@@ -5683,13 +5465,6 @@
   <p:clrMapOvr>
     <a:masterClrMapping/>
   </p:clrMapOvr>
-  <p:timing>
-    <p:tnLst>
-      <p:par>
-        <p:cTn id="1" dur="indefinite" restart="never" nodeType="tmRoot"/>
-      </p:par>
-    </p:tnLst>
-  </p:timing>
 </p:sld>
 </file>
 
@@ -5726,18 +5501,17 @@
           <a:lstStyle/>
           <a:p>
             <a:r>
-              <a:rPr lang="en-US" dirty="0" smtClean="0"/>
+              <a:rPr lang="en-US" dirty="0"/>
               <a:t>Short </a:t>
             </a:r>
             <a:r>
-              <a:rPr lang="en-US" dirty="0" err="1" smtClean="0"/>
+              <a:rPr lang="en-US" dirty="0" err="1"/>
               <a:t>nano</a:t>
             </a:r>
             <a:r>
-              <a:rPr lang="en-US" dirty="0" smtClean="0"/>
+              <a:rPr lang="en-US" dirty="0"/>
               <a:t> exercise</a:t>
             </a:r>
-            <a:endParaRPr lang="en-US" dirty="0"/>
           </a:p>
         </p:txBody>
       </p:sp>
@@ -5764,7 +5538,7 @@
           <a:lstStyle/>
           <a:p>
             <a:r>
-              <a:rPr lang="en-US" dirty="0" smtClean="0"/>
+              <a:rPr lang="en-US" dirty="0"/>
               <a:t>Go to your home directory</a:t>
             </a:r>
           </a:p>
@@ -5774,11 +5548,7 @@
             </a:pPr>
             <a:r>
               <a:rPr lang="en-US" sz="2600" dirty="0"/>
-              <a:t>	</a:t>
-            </a:r>
-            <a:r>
-              <a:rPr lang="en-US" sz="2600" dirty="0"/>
-              <a:t> </a:t>
+              <a:t>	 </a:t>
             </a:r>
             <a:r>
               <a:rPr lang="en-US" sz="2600" dirty="0" err="1"/>
@@ -5789,34 +5559,30 @@
               <a:t> :</a:t>
             </a:r>
             <a:r>
-              <a:rPr lang="en-US" sz="2300" dirty="0" smtClean="0"/>
+              <a:rPr lang="en-US" sz="2300" dirty="0"/>
               <a:t>~$</a:t>
             </a:r>
             <a:r>
-              <a:rPr lang="en-US" sz="2400" b="1" dirty="0" smtClean="0"/>
+              <a:rPr lang="en-US" sz="2400" b="1" dirty="0"/>
               <a:t>cd /home/</a:t>
             </a:r>
             <a:r>
-              <a:rPr lang="en-US" sz="2400" b="1" dirty="0" err="1" smtClean="0"/>
+              <a:rPr lang="en-US" sz="2400" b="1" dirty="0" err="1"/>
               <a:t>afnog</a:t>
             </a:r>
-            <a:endParaRPr lang="en-US" dirty="0" smtClean="0"/>
-          </a:p>
-          <a:p>
-            <a:r>
-              <a:rPr lang="en-US" dirty="0" smtClean="0"/>
+            <a:endParaRPr lang="en-US" dirty="0"/>
+          </a:p>
+          <a:p>
+            <a:r>
+              <a:rPr lang="en-US" dirty="0"/>
               <a:t>Open a file:</a:t>
             </a:r>
             <a:br>
-              <a:rPr lang="en-US" dirty="0" smtClean="0"/>
+              <a:rPr lang="en-US" dirty="0"/>
             </a:br>
             <a:r>
-              <a:rPr lang="en-US" sz="2600" dirty="0" smtClean="0"/>
-              <a:t>	</a:t>
-            </a:r>
-            <a:r>
               <a:rPr lang="en-US" sz="2600" dirty="0"/>
-              <a:t> </a:t>
+              <a:t>	 </a:t>
             </a:r>
             <a:r>
               <a:rPr lang="en-US" sz="2600" dirty="0" err="1"/>
@@ -5827,28 +5593,28 @@
               <a:t> :~$</a:t>
             </a:r>
             <a:r>
-              <a:rPr lang="en-US" b="1" dirty="0" err="1" smtClean="0"/>
+              <a:rPr lang="en-US" b="1" dirty="0" err="1"/>
               <a:t>nano</a:t>
             </a:r>
             <a:r>
-              <a:rPr lang="en-US" b="1" dirty="0" smtClean="0"/>
+              <a:rPr lang="en-US" b="1" dirty="0"/>
               <a:t> test-</a:t>
             </a:r>
             <a:r>
-              <a:rPr lang="en-US" b="1" dirty="0" err="1" smtClean="0"/>
+              <a:rPr lang="en-US" b="1" dirty="0" err="1"/>
               <a:t>script.sh</a:t>
             </a:r>
-            <a:endParaRPr lang="en-US" b="1" dirty="0" smtClean="0"/>
+            <a:endParaRPr lang="en-US" b="1" dirty="0"/>
           </a:p>
           <a:p>
             <a:pPr marL="0" indent="0">
               <a:buNone/>
             </a:pPr>
-            <a:endParaRPr lang="en-US" b="1" dirty="0" smtClean="0"/>
-          </a:p>
-          <a:p>
-            <a:r>
-              <a:rPr lang="en-US" dirty="0" smtClean="0"/>
+            <a:endParaRPr lang="en-US" b="1" dirty="0"/>
+          </a:p>
+          <a:p>
+            <a:r>
+              <a:rPr lang="en-US" dirty="0"/>
               <a:t>Type the following 4 lines in the file</a:t>
             </a:r>
           </a:p>
@@ -5862,11 +5628,7 @@
             </a:r>
             <a:r>
               <a:rPr lang="en-US" b="1" dirty="0"/>
-              <a:t>#!/bin</a:t>
-            </a:r>
-            <a:r>
-              <a:rPr lang="en-US" b="1" dirty="0" smtClean="0"/>
-              <a:t>/bash</a:t>
+              <a:t>#!/bin/bash</a:t>
             </a:r>
           </a:p>
           <a:p>
@@ -5875,134 +5637,103 @@
             </a:pPr>
             <a:r>
               <a:rPr lang="en-US" b="1" dirty="0"/>
+              <a:t>	# SSE Test Script</a:t>
+            </a:r>
+          </a:p>
+          <a:p>
+            <a:pPr marL="0" indent="0">
+              <a:buNone/>
+            </a:pPr>
+            <a:r>
+              <a:rPr lang="en-US" b="1" dirty="0"/>
+              <a:t>	echo "Welcome $HOSTNAME to </a:t>
+            </a:r>
+            <a:r>
+              <a:rPr lang="en-US" b="1" dirty="0" err="1"/>
+              <a:t>AfNOG</a:t>
+            </a:r>
+            <a:r>
+              <a:rPr lang="en-US" b="1" dirty="0"/>
+              <a:t> SSE 2017!”</a:t>
+            </a:r>
+          </a:p>
+          <a:p>
+            <a:pPr marL="0" indent="0">
+              <a:buNone/>
+            </a:pPr>
+            <a:r>
+              <a:rPr lang="en-US" b="1" dirty="0"/>
+              <a:t>	echo “</a:t>
+            </a:r>
+            <a:r>
+              <a:rPr lang="en-US" b="1" dirty="0" err="1"/>
+              <a:t>AfNOG</a:t>
+            </a:r>
+            <a:r>
+              <a:rPr lang="en-US" b="1" dirty="0"/>
+              <a:t>!, Success!”</a:t>
+            </a:r>
+          </a:p>
+          <a:p>
+            <a:pPr marL="0" indent="0">
+              <a:buNone/>
+            </a:pPr>
+            <a:endParaRPr lang="en-US" b="1" dirty="0"/>
+          </a:p>
+          <a:p>
+            <a:r>
+              <a:rPr lang="en-US" dirty="0"/>
+              <a:t>Then Save and Exit</a:t>
+            </a:r>
+          </a:p>
+          <a:p>
+            <a:pPr marL="0" indent="0">
+              <a:buNone/>
+            </a:pPr>
+            <a:r>
+              <a:rPr lang="en-US" dirty="0"/>
               <a:t>	</a:t>
             </a:r>
             <a:r>
-              <a:rPr lang="en-US" b="1" dirty="0" smtClean="0"/>
-              <a:t># SSE Test Script</a:t>
-            </a:r>
+              <a:rPr lang="en-US" b="1" dirty="0"/>
+              <a:t>Ctrl X</a:t>
+            </a:r>
+            <a:r>
+              <a:rPr lang="en-US" dirty="0"/>
+              <a:t> and Then answer </a:t>
+            </a:r>
+            <a:r>
+              <a:rPr lang="en-US" b="1" dirty="0"/>
+              <a:t>y</a:t>
+            </a:r>
+            <a:r>
+              <a:rPr lang="en-US" dirty="0"/>
+              <a:t>. </a:t>
+            </a:r>
+            <a:r>
+              <a:rPr lang="en-US" b="1" dirty="0"/>
+              <a:t>Maintain the same filename (press enter)</a:t>
+            </a:r>
+          </a:p>
+          <a:p>
+            <a:pPr marL="0" indent="0">
+              <a:buNone/>
+            </a:pPr>
             <a:endParaRPr lang="en-US" b="1" dirty="0"/>
           </a:p>
           <a:p>
+            <a:r>
+              <a:rPr lang="en-US" dirty="0"/>
+              <a:t>Change the files permissions</a:t>
+            </a:r>
+          </a:p>
+          <a:p>
             <a:pPr marL="0" indent="0">
               <a:buNone/>
             </a:pPr>
             <a:r>
-              <a:rPr lang="en-US" b="1" dirty="0" smtClean="0"/>
-              <a:t>	echo </a:t>
-            </a:r>
-            <a:r>
-              <a:rPr lang="en-US" b="1" dirty="0"/>
-              <a:t>"Welcome </a:t>
-            </a:r>
-            <a:r>
-              <a:rPr lang="en-US" b="1" dirty="0" smtClean="0"/>
-              <a:t>$HOSTNAME to </a:t>
-            </a:r>
-            <a:r>
-              <a:rPr lang="en-US" b="1" dirty="0" err="1" smtClean="0"/>
-              <a:t>AfNOG</a:t>
-            </a:r>
-            <a:r>
-              <a:rPr lang="en-US" b="1" dirty="0" smtClean="0"/>
-              <a:t> SSE </a:t>
-            </a:r>
-            <a:r>
-              <a:rPr lang="en-US" b="1" dirty="0" smtClean="0"/>
-              <a:t>2017!”</a:t>
-            </a:r>
-            <a:endParaRPr lang="en-US" b="1" dirty="0" smtClean="0"/>
-          </a:p>
-          <a:p>
-            <a:pPr marL="0" indent="0">
-              <a:buNone/>
-            </a:pPr>
-            <a:r>
-              <a:rPr lang="en-US" b="1" dirty="0"/>
-              <a:t>	</a:t>
-            </a:r>
-            <a:r>
-              <a:rPr lang="en-US" b="1" dirty="0" smtClean="0"/>
-              <a:t>echo “</a:t>
-            </a:r>
-            <a:r>
-              <a:rPr lang="en-US" b="1" dirty="0" err="1" smtClean="0"/>
-              <a:t>AfNOG</a:t>
-            </a:r>
-            <a:r>
-              <a:rPr lang="en-US" b="1" dirty="0" smtClean="0"/>
-              <a:t>!, Success!”</a:t>
-            </a:r>
-          </a:p>
-          <a:p>
-            <a:pPr marL="0" indent="0">
-              <a:buNone/>
-            </a:pPr>
-            <a:endParaRPr lang="en-US" b="1" dirty="0" smtClean="0"/>
-          </a:p>
-          <a:p>
-            <a:r>
-              <a:rPr lang="en-US" dirty="0" smtClean="0"/>
-              <a:t>Then Save and Exit</a:t>
-            </a:r>
-          </a:p>
-          <a:p>
-            <a:pPr marL="0" indent="0">
-              <a:buNone/>
-            </a:pPr>
-            <a:r>
-              <a:rPr lang="en-US" dirty="0" smtClean="0"/>
-              <a:t>	</a:t>
-            </a:r>
-            <a:r>
-              <a:rPr lang="en-US" b="1" dirty="0" smtClean="0"/>
-              <a:t>Ctrl X</a:t>
-            </a:r>
-            <a:r>
-              <a:rPr lang="en-US" dirty="0"/>
-              <a:t> </a:t>
-            </a:r>
-            <a:r>
-              <a:rPr lang="en-US" dirty="0" smtClean="0"/>
-              <a:t>and Then answer </a:t>
-            </a:r>
-            <a:r>
-              <a:rPr lang="en-US" b="1" dirty="0" smtClean="0"/>
-              <a:t>y</a:t>
-            </a:r>
-            <a:r>
-              <a:rPr lang="en-US" dirty="0" smtClean="0"/>
-              <a:t>. </a:t>
-            </a:r>
-            <a:r>
-              <a:rPr lang="en-US" b="1" dirty="0" smtClean="0"/>
-              <a:t>Maintain the same filename (press enter)</a:t>
-            </a:r>
-          </a:p>
-          <a:p>
-            <a:pPr marL="0" indent="0">
-              <a:buNone/>
-            </a:pPr>
-            <a:endParaRPr lang="en-US" b="1" dirty="0" smtClean="0"/>
-          </a:p>
-          <a:p>
-            <a:r>
-              <a:rPr lang="en-US" dirty="0" smtClean="0"/>
-              <a:t>Change the files permissions</a:t>
-            </a:r>
-            <a:endParaRPr lang="en-US" dirty="0"/>
-          </a:p>
-          <a:p>
-            <a:pPr marL="0" indent="0">
-              <a:buNone/>
-            </a:pPr>
-            <a:r>
-              <a:rPr lang="en-US" dirty="0"/>
-              <a:t>	</a:t>
-            </a:r>
-            <a:r>
-              <a:rPr lang="en-US" dirty="0"/>
-              <a:t> </a:t>
+              <a:rPr lang="en-US" dirty="0"/>
+              <a:t>	 </a:t>
             </a:r>
             <a:r>
               <a:rPr lang="en-US" dirty="0" err="1"/>
@@ -6013,18 +5744,18 @@
               <a:t> :~$ </a:t>
             </a:r>
             <a:r>
-              <a:rPr lang="en-US" b="1" dirty="0" err="1" smtClean="0"/>
+              <a:rPr lang="en-US" b="1" dirty="0" err="1"/>
               <a:t>chmod</a:t>
             </a:r>
             <a:r>
-              <a:rPr lang="en-US" b="1" dirty="0" smtClean="0"/>
+              <a:rPr lang="en-US" b="1" dirty="0"/>
               <a:t> +x test-</a:t>
             </a:r>
             <a:r>
-              <a:rPr lang="en-US" b="1" dirty="0" err="1" smtClean="0"/>
+              <a:rPr lang="en-US" b="1" dirty="0" err="1"/>
               <a:t>script.sh</a:t>
             </a:r>
-            <a:endParaRPr lang="en-US" b="1" dirty="0" smtClean="0"/>
+            <a:endParaRPr lang="en-US" b="1" dirty="0"/>
           </a:p>
           <a:p>
             <a:pPr marL="0" indent="0">
@@ -6034,10 +5765,9 @@
           </a:p>
           <a:p>
             <a:r>
-              <a:rPr lang="en-US" dirty="0" smtClean="0"/>
+              <a:rPr lang="en-US" dirty="0"/>
               <a:t>Run the file</a:t>
             </a:r>
-            <a:endParaRPr lang="en-US" dirty="0"/>
           </a:p>
           <a:p>
             <a:pPr marL="0" indent="0">
@@ -6045,11 +5775,7 @@
             </a:pPr>
             <a:r>
               <a:rPr lang="en-US" dirty="0"/>
-              <a:t>	</a:t>
-            </a:r>
-            <a:r>
-              <a:rPr lang="en-US" dirty="0"/>
-              <a:t> </a:t>
+              <a:t>	 </a:t>
             </a:r>
             <a:r>
               <a:rPr lang="en-US" dirty="0" err="1"/>
@@ -6060,15 +5786,11 @@
               <a:t> :~$ </a:t>
             </a:r>
             <a:r>
-              <a:rPr lang="en-US" b="1" dirty="0" smtClean="0"/>
-              <a:t>./test</a:t>
-            </a:r>
-            <a:r>
               <a:rPr lang="en-US" b="1" dirty="0"/>
-              <a:t>-</a:t>
-            </a:r>
-            <a:r>
-              <a:rPr lang="en-US" b="1" dirty="0" err="1" smtClean="0"/>
+              <a:t>./test-</a:t>
+            </a:r>
+            <a:r>
+              <a:rPr lang="en-US" b="1" dirty="0" err="1"/>
               <a:t>script.sh</a:t>
             </a:r>
             <a:endParaRPr lang="en-US" b="1" dirty="0"/>
@@ -6085,13 +5807,6 @@
   <p:clrMapOvr>
     <a:masterClrMapping/>
   </p:clrMapOvr>
-  <p:timing>
-    <p:tnLst>
-      <p:par>
-        <p:cTn id="1" dur="indefinite" restart="never" nodeType="tmRoot"/>
-      </p:par>
-    </p:tnLst>
-  </p:timing>
 </p:sld>
 </file>
 
@@ -6128,10 +5843,9 @@
           <a:lstStyle/>
           <a:p>
             <a:r>
-              <a:rPr lang="en-US" dirty="0" smtClean="0"/>
+              <a:rPr lang="en-US" dirty="0"/>
               <a:t>What is SS-E?</a:t>
             </a:r>
-            <a:endParaRPr lang="en-US" dirty="0"/>
           </a:p>
         </p:txBody>
       </p:sp>
@@ -6153,55 +5867,46 @@
           <a:lstStyle/>
           <a:p>
             <a:r>
-              <a:rPr lang="en-US" b="1" dirty="0" smtClean="0"/>
+              <a:rPr lang="en-US" b="1" dirty="0"/>
               <a:t>Scalable Services – English is a track that teaches advanced topics on designing, configuring and managing large scale Internet Services run on UNIX/Linux servers</a:t>
             </a:r>
           </a:p>
           <a:p>
             <a:r>
-              <a:rPr lang="en-US" dirty="0" smtClean="0"/>
+              <a:rPr lang="en-US" dirty="0"/>
               <a:t>It builds on Track Zero which covered introductory topics on UNIX/Linux and Internet Services</a:t>
             </a:r>
           </a:p>
           <a:p>
             <a:r>
-              <a:rPr lang="en-US" b="1" dirty="0" smtClean="0"/>
+              <a:rPr lang="en-US" b="1" dirty="0"/>
               <a:t>What sort of services? </a:t>
             </a:r>
           </a:p>
           <a:p>
             <a:pPr lvl="1"/>
             <a:r>
-              <a:rPr lang="en-US" dirty="0" smtClean="0"/>
-              <a:t>DNS, </a:t>
-            </a:r>
-            <a:r>
-              <a:rPr lang="en-US" dirty="0" smtClean="0"/>
-              <a:t>Web, </a:t>
-            </a:r>
-            <a:r>
-              <a:rPr lang="en-US" dirty="0" smtClean="0"/>
-              <a:t>Email</a:t>
+              <a:rPr lang="en-US" dirty="0"/>
+              <a:t>DNS, Web, Email</a:t>
             </a:r>
           </a:p>
           <a:p>
             <a:pPr lvl="1"/>
             <a:r>
-              <a:rPr lang="en-US" dirty="0" smtClean="0"/>
+              <a:rPr lang="en-US" dirty="0"/>
               <a:t>Monitoring, Authentication</a:t>
             </a:r>
           </a:p>
           <a:p>
             <a:pPr lvl="1"/>
             <a:r>
-              <a:rPr lang="en-US" dirty="0" smtClean="0"/>
+              <a:rPr lang="en-US" dirty="0"/>
               <a:t>Many Others</a:t>
             </a:r>
-            <a:endParaRPr lang="en-US" dirty="0" smtClean="0"/>
-          </a:p>
-          <a:p>
-            <a:r>
-              <a:rPr lang="en-US" b="1" dirty="0" smtClean="0"/>
+          </a:p>
+          <a:p>
+            <a:r>
+              <a:rPr lang="en-US" b="1" dirty="0"/>
               <a:t>Basically any service that can be offered on a Linux/UNIX server over the Internet</a:t>
             </a:r>
           </a:p>
@@ -6217,13 +5922,6 @@
   <p:clrMapOvr>
     <a:masterClrMapping/>
   </p:clrMapOvr>
-  <p:timing>
-    <p:tnLst>
-      <p:par>
-        <p:cTn id="1" dur="indefinite" restart="never" nodeType="tmRoot"/>
-      </p:par>
-    </p:tnLst>
-  </p:timing>
 </p:sld>
 </file>
 
@@ -6260,10 +5958,9 @@
           <a:lstStyle/>
           <a:p>
             <a:r>
-              <a:rPr lang="en-US" dirty="0" smtClean="0"/>
+              <a:rPr lang="en-US" dirty="0"/>
               <a:t>More commands</a:t>
             </a:r>
-            <a:endParaRPr lang="en-US" dirty="0"/>
           </a:p>
         </p:txBody>
       </p:sp>
@@ -6283,13 +5980,13 @@
           <a:lstStyle/>
           <a:p>
             <a:r>
-              <a:rPr lang="en-US" sz="2800" dirty="0" smtClean="0"/>
+              <a:rPr lang="en-US" sz="2800" dirty="0"/>
               <a:t>Ctrl y – previous Page</a:t>
             </a:r>
           </a:p>
           <a:p>
             <a:r>
-              <a:rPr lang="en-US" sz="2800" dirty="0" smtClean="0"/>
+              <a:rPr lang="en-US" sz="2800" dirty="0"/>
               <a:t>Ctrl v – next page</a:t>
             </a:r>
           </a:p>
@@ -6298,11 +5995,11 @@
               <a:buNone/>
             </a:pPr>
             <a:r>
-              <a:rPr lang="en-US" sz="2800" dirty="0" smtClean="0"/>
+              <a:rPr lang="en-US" sz="2800" dirty="0"/>
               <a:t>Nano provides a menu at the bottom</a:t>
             </a:r>
             <a:r>
-              <a:rPr lang="en-US" dirty="0" smtClean="0"/>
+              <a:rPr lang="en-US" dirty="0"/>
               <a:t>:</a:t>
             </a:r>
           </a:p>
@@ -6360,13 +6057,6 @@
   <p:clrMapOvr>
     <a:masterClrMapping/>
   </p:clrMapOvr>
-  <p:timing>
-    <p:tnLst>
-      <p:par>
-        <p:cTn id="1" dur="indefinite" restart="never" nodeType="tmRoot"/>
-      </p:par>
-    </p:tnLst>
-  </p:timing>
 </p:sld>
 </file>
 
@@ -6403,10 +6093,9 @@
           <a:lstStyle/>
           <a:p>
             <a:r>
-              <a:rPr lang="en-US" dirty="0" smtClean="0"/>
+              <a:rPr lang="en-US" dirty="0"/>
               <a:t>Post-Install best practices</a:t>
             </a:r>
-            <a:endParaRPr lang="en-US" dirty="0"/>
           </a:p>
         </p:txBody>
       </p:sp>
@@ -6439,13 +6128,6 @@
   <p:clrMapOvr>
     <a:masterClrMapping/>
   </p:clrMapOvr>
-  <p:timing>
-    <p:tnLst>
-      <p:par>
-        <p:cTn id="1" dur="indefinite" restart="never" nodeType="tmRoot"/>
-      </p:par>
-    </p:tnLst>
-  </p:timing>
 </p:sld>
 </file>
 
@@ -6482,10 +6164,9 @@
           <a:lstStyle/>
           <a:p>
             <a:r>
-              <a:rPr lang="en-US" dirty="0" smtClean="0"/>
+              <a:rPr lang="en-US" dirty="0"/>
               <a:t>Things to do post-install</a:t>
             </a:r>
-            <a:endParaRPr lang="en-US" dirty="0"/>
           </a:p>
         </p:txBody>
       </p:sp>
@@ -6512,7 +6193,7 @@
           <a:lstStyle/>
           <a:p>
             <a:r>
-              <a:rPr lang="en-US" dirty="0" smtClean="0"/>
+              <a:rPr lang="en-US" dirty="0"/>
               <a:t>1. Update the System</a:t>
             </a:r>
           </a:p>
@@ -6529,49 +6210,49 @@
               <a:t> :</a:t>
             </a:r>
             <a:r>
-              <a:rPr lang="en-US" sz="1800" dirty="0" smtClean="0"/>
+              <a:rPr lang="en-US" sz="1800" dirty="0"/>
               <a:t>~$</a:t>
             </a:r>
             <a:r>
-              <a:rPr lang="en-US" b="1" dirty="0" err="1" smtClean="0"/>
+              <a:rPr lang="en-US" b="1" dirty="0" err="1"/>
               <a:t>sudo</a:t>
             </a:r>
             <a:r>
-              <a:rPr lang="en-US" b="1" dirty="0" smtClean="0"/>
+              <a:rPr lang="en-US" b="1" dirty="0"/>
               <a:t> </a:t>
             </a:r>
             <a:r>
-              <a:rPr lang="en-US" b="1" dirty="0" err="1" smtClean="0"/>
+              <a:rPr lang="en-US" b="1" dirty="0" err="1"/>
               <a:t>nano</a:t>
             </a:r>
             <a:r>
-              <a:rPr lang="en-US" b="1" dirty="0" smtClean="0"/>
+              <a:rPr lang="en-US" b="1" dirty="0"/>
               <a:t> /</a:t>
             </a:r>
             <a:r>
-              <a:rPr lang="en-US" b="1" dirty="0" err="1" smtClean="0"/>
+              <a:rPr lang="en-US" b="1" dirty="0" err="1"/>
               <a:t>etc</a:t>
             </a:r>
             <a:r>
-              <a:rPr lang="en-US" b="1" dirty="0" smtClean="0"/>
+              <a:rPr lang="en-US" b="1" dirty="0"/>
               <a:t>/apt/</a:t>
             </a:r>
             <a:r>
-              <a:rPr lang="en-US" b="1" dirty="0" err="1" smtClean="0"/>
+              <a:rPr lang="en-US" b="1" dirty="0" err="1"/>
               <a:t>sources.list</a:t>
             </a:r>
-            <a:endParaRPr lang="en-US" b="1" dirty="0" smtClean="0"/>
+            <a:endParaRPr lang="en-US" b="1" dirty="0"/>
           </a:p>
           <a:p>
             <a:pPr lvl="1"/>
-            <a:endParaRPr lang="en-US" b="1" dirty="0" smtClean="0"/>
+            <a:endParaRPr lang="en-US" b="1" dirty="0"/>
           </a:p>
           <a:p>
             <a:pPr marL="274320" lvl="1" indent="0">
               <a:buNone/>
             </a:pPr>
             <a:r>
-              <a:rPr lang="en-US" b="1" dirty="0" smtClean="0">
+              <a:rPr lang="en-US" b="1" dirty="0">
                 <a:solidFill>
                   <a:srgbClr val="0000FF"/>
                 </a:solidFill>
@@ -6584,20 +6265,12 @@
               <a:buNone/>
             </a:pPr>
             <a:r>
-              <a:rPr lang="en-US" b="1" dirty="0" smtClean="0">
-                <a:solidFill>
-                  <a:srgbClr val="292934"/>
-                </a:solidFill>
-              </a:rPr>
-              <a:t>deb </a:t>
-            </a:r>
-            <a:r>
               <a:rPr lang="en-US" b="1" dirty="0">
                 <a:solidFill>
                   <a:srgbClr val="292934"/>
                 </a:solidFill>
               </a:rPr>
-              <a:t>http://</a:t>
+              <a:t>deb http://</a:t>
             </a:r>
             <a:r>
               <a:rPr lang="en-US" b="1" dirty="0" err="1">
@@ -6645,15 +6318,7 @@
                   <a:srgbClr val="292934"/>
                 </a:solidFill>
               </a:rPr>
-              <a:t>         </a:t>
-            </a:r>
-            <a:r>
-              <a:rPr lang="en-US" b="1" dirty="0" smtClean="0">
-                <a:solidFill>
-                  <a:srgbClr val="292934"/>
-                </a:solidFill>
-              </a:rPr>
-              <a:t>main</a:t>
+              <a:t>         main</a:t>
             </a:r>
           </a:p>
           <a:p>
@@ -6675,19 +6340,10 @@
                 </a:solidFill>
                 <a:hlinkClick r:id="rId2"/>
               </a:rPr>
-              <a:t>http://</a:t>
-            </a:r>
-            <a:r>
-              <a:rPr lang="en-US" b="1" dirty="0" smtClean="0">
-                <a:solidFill>
-                  <a:srgbClr val="292934"/>
-                </a:solidFill>
-                <a:hlinkClick r:id="rId2"/>
-              </a:rPr>
-              <a:t>security.debian.org/</a:t>
-            </a:r>
-            <a:r>
-              <a:rPr lang="en-US" b="1" dirty="0" smtClean="0">
+              <a:t>http://security.debian.org/</a:t>
+            </a:r>
+            <a:r>
+              <a:rPr lang="en-US" b="1" dirty="0">
                 <a:solidFill>
                   <a:srgbClr val="292934"/>
                 </a:solidFill>
@@ -6695,7 +6351,7 @@
               <a:t> </a:t>
             </a:r>
             <a:r>
-              <a:rPr lang="en-US" b="1" dirty="0" err="1" smtClean="0">
+              <a:rPr lang="en-US" b="1" dirty="0" err="1">
                 <a:solidFill>
                   <a:srgbClr val="292934"/>
                 </a:solidFill>
@@ -6703,20 +6359,12 @@
               <a:t>jessie</a:t>
             </a:r>
             <a:r>
-              <a:rPr lang="en-US" b="1" dirty="0" smtClean="0">
+              <a:rPr lang="en-US" b="1" dirty="0">
                 <a:solidFill>
                   <a:srgbClr val="292934"/>
                 </a:solidFill>
               </a:rPr>
-              <a:t>/updates </a:t>
-            </a:r>
-            <a:r>
-              <a:rPr lang="en-US" b="1" dirty="0" smtClean="0">
-                <a:solidFill>
-                  <a:srgbClr val="292934"/>
-                </a:solidFill>
-              </a:rPr>
-              <a:t>main</a:t>
+              <a:t>/updates main</a:t>
             </a:r>
           </a:p>
           <a:p>
@@ -6734,7 +6382,7 @@
               <a:buNone/>
             </a:pPr>
             <a:r>
-              <a:rPr lang="en-US" b="1" dirty="0" smtClean="0">
+              <a:rPr lang="en-US" b="1" dirty="0">
                 <a:solidFill>
                   <a:srgbClr val="0000FF"/>
                 </a:solidFill>
@@ -6742,7 +6390,7 @@
               <a:t>Add “</a:t>
             </a:r>
             <a:r>
-              <a:rPr lang="en-US" b="1" dirty="0" err="1" smtClean="0">
+              <a:rPr lang="en-US" b="1" dirty="0" err="1">
                 <a:solidFill>
                   <a:srgbClr val="0000FF"/>
                 </a:solidFill>
@@ -6750,7 +6398,7 @@
               <a:t>contrib</a:t>
             </a:r>
             <a:r>
-              <a:rPr lang="en-US" b="1" dirty="0" smtClean="0">
+              <a:rPr lang="en-US" b="1" dirty="0">
                 <a:solidFill>
                   <a:srgbClr val="0000FF"/>
                 </a:solidFill>
@@ -6762,7 +6410,7 @@
             <a:pPr marL="274320" lvl="1" indent="0">
               <a:buNone/>
             </a:pPr>
-            <a:endParaRPr lang="en-US" b="1" dirty="0" smtClean="0">
+            <a:endParaRPr lang="en-US" b="1" dirty="0">
               <a:solidFill>
                 <a:srgbClr val="0000FF"/>
               </a:solidFill>
@@ -6793,22 +6441,21 @@
               <a:t>  </a:t>
             </a:r>
             <a:r>
-              <a:rPr lang="en-US" b="1" dirty="0" err="1" smtClean="0"/>
+              <a:rPr lang="en-US" b="1" dirty="0" err="1"/>
               <a:t>jessie</a:t>
             </a:r>
             <a:r>
-              <a:rPr lang="en-US" b="1" dirty="0" smtClean="0"/>
+              <a:rPr lang="en-US" b="1" dirty="0"/>
               <a:t>   main  </a:t>
             </a:r>
             <a:r>
-              <a:rPr lang="en-US" b="1" dirty="0" err="1" smtClean="0"/>
+              <a:rPr lang="en-US" b="1" dirty="0" err="1"/>
               <a:t>contrib</a:t>
             </a:r>
             <a:r>
-              <a:rPr lang="en-US" b="1" dirty="0" smtClean="0"/>
+              <a:rPr lang="en-US" b="1" dirty="0"/>
               <a:t>  non-free</a:t>
             </a:r>
-            <a:endParaRPr lang="en-US" b="1" dirty="0"/>
           </a:p>
           <a:p>
             <a:pPr marL="274320" lvl="1" indent="0">
@@ -6832,35 +6479,22 @@
             </a:r>
             <a:r>
               <a:rPr lang="en-US" b="1" dirty="0"/>
-              <a:t>/updates </a:t>
-            </a:r>
-            <a:r>
-              <a:rPr lang="en-US" b="1" dirty="0" smtClean="0"/>
-              <a:t>main </a:t>
-            </a:r>
-            <a:r>
-              <a:rPr lang="en-US" b="1" dirty="0" err="1" smtClean="0"/>
+              <a:t>/updates main </a:t>
+            </a:r>
+            <a:r>
+              <a:rPr lang="en-US" b="1" dirty="0" err="1"/>
               <a:t>contrib</a:t>
             </a:r>
             <a:r>
-              <a:rPr lang="en-US" b="1" dirty="0" smtClean="0"/>
-              <a:t> non</a:t>
-            </a:r>
-            <a:r>
               <a:rPr lang="en-US" b="1" dirty="0"/>
-              <a:t>-</a:t>
-            </a:r>
-            <a:r>
-              <a:rPr lang="en-US" b="1" dirty="0" smtClean="0"/>
-              <a:t>free</a:t>
-            </a:r>
-            <a:endParaRPr lang="en-US" b="1" dirty="0"/>
+              <a:t> non-free</a:t>
+            </a:r>
           </a:p>
           <a:p>
             <a:pPr marL="274320" lvl="1" indent="0">
               <a:buNone/>
             </a:pPr>
-            <a:endParaRPr lang="en-US" b="1" dirty="0" smtClean="0">
+            <a:endParaRPr lang="en-US" b="1" dirty="0">
               <a:solidFill>
                 <a:srgbClr val="0000FF"/>
               </a:solidFill>
@@ -6871,7 +6505,7 @@
               <a:buNone/>
             </a:pPr>
             <a:r>
-              <a:rPr lang="en-US" b="1" dirty="0" smtClean="0">
+              <a:rPr lang="en-US" b="1" dirty="0">
                 <a:solidFill>
                   <a:srgbClr val="0000FF"/>
                 </a:solidFill>
@@ -6883,7 +6517,7 @@
             <a:pPr marL="274320" lvl="1" indent="0">
               <a:buNone/>
             </a:pPr>
-            <a:endParaRPr lang="en-US" b="1" dirty="0" smtClean="0">
+            <a:endParaRPr lang="en-US" b="1" dirty="0">
               <a:solidFill>
                 <a:srgbClr val="0000FF"/>
               </a:solidFill>
@@ -6893,7 +6527,7 @@
             <a:pPr marL="274320" lvl="1" indent="0">
               <a:buNone/>
             </a:pPr>
-            <a:endParaRPr lang="en-US" b="1" dirty="0" smtClean="0"/>
+            <a:endParaRPr lang="en-US" b="1" dirty="0"/>
           </a:p>
           <a:p>
             <a:pPr marL="0" indent="0">
@@ -6913,13 +6547,6 @@
   <p:clrMapOvr>
     <a:masterClrMapping/>
   </p:clrMapOvr>
-  <p:timing>
-    <p:tnLst>
-      <p:par>
-        <p:cTn id="1" dur="indefinite" restart="never" nodeType="tmRoot"/>
-      </p:par>
-    </p:tnLst>
-  </p:timing>
 </p:sld>
 </file>
 
@@ -6956,10 +6583,9 @@
           <a:lstStyle/>
           <a:p>
             <a:r>
-              <a:rPr lang="en-US" dirty="0" smtClean="0"/>
+              <a:rPr lang="en-US" dirty="0"/>
               <a:t>Things to do post-install</a:t>
             </a:r>
-            <a:endParaRPr lang="en-US" dirty="0"/>
           </a:p>
         </p:txBody>
       </p:sp>
@@ -6982,11 +6608,7 @@
           <a:p>
             <a:r>
               <a:rPr lang="en-US" dirty="0"/>
-              <a:t>2</a:t>
-            </a:r>
-            <a:r>
-              <a:rPr lang="en-US" dirty="0" smtClean="0"/>
-              <a:t>. Update the System</a:t>
+              <a:t>2. Update the System</a:t>
             </a:r>
           </a:p>
           <a:p>
@@ -6994,23 +6616,23 @@
               <a:buNone/>
             </a:pPr>
             <a:r>
-              <a:rPr lang="en-US" dirty="0" err="1" smtClean="0"/>
+              <a:rPr lang="en-US" dirty="0" err="1"/>
               <a:t>afnog@pcX</a:t>
             </a:r>
             <a:r>
-              <a:rPr lang="en-US" dirty="0" smtClean="0"/>
+              <a:rPr lang="en-US" dirty="0"/>
               <a:t>:</a:t>
             </a:r>
             <a:r>
-              <a:rPr lang="en-US" sz="1800" dirty="0" smtClean="0"/>
+              <a:rPr lang="en-US" sz="1800" dirty="0"/>
               <a:t>~$</a:t>
             </a:r>
             <a:r>
-              <a:rPr lang="en-US" b="1" dirty="0" err="1" smtClean="0"/>
+              <a:rPr lang="en-US" b="1" dirty="0" err="1"/>
               <a:t>sudo</a:t>
             </a:r>
             <a:r>
-              <a:rPr lang="en-US" b="1" dirty="0" smtClean="0"/>
+              <a:rPr lang="en-US" b="1" dirty="0"/>
               <a:t> apt-get update</a:t>
             </a:r>
           </a:p>
@@ -7019,23 +6641,23 @@
               <a:buNone/>
             </a:pPr>
             <a:r>
-              <a:rPr lang="en-US" dirty="0" err="1" smtClean="0"/>
+              <a:rPr lang="en-US" dirty="0" err="1"/>
               <a:t>afnog@pcX</a:t>
             </a:r>
             <a:r>
-              <a:rPr lang="en-US" dirty="0" smtClean="0"/>
+              <a:rPr lang="en-US" dirty="0"/>
               <a:t>:</a:t>
             </a:r>
             <a:r>
-              <a:rPr lang="en-US" sz="1800" dirty="0" smtClean="0"/>
+              <a:rPr lang="en-US" sz="1800" dirty="0"/>
               <a:t>~$</a:t>
             </a:r>
             <a:r>
-              <a:rPr lang="en-US" b="1" dirty="0" err="1" smtClean="0"/>
+              <a:rPr lang="en-US" b="1" dirty="0" err="1"/>
               <a:t>sudo</a:t>
             </a:r>
             <a:r>
-              <a:rPr lang="en-US" b="1" dirty="0" smtClean="0"/>
+              <a:rPr lang="en-US" b="1" dirty="0"/>
               <a:t> apt-get upgrade</a:t>
             </a:r>
           </a:p>
@@ -7045,44 +6667,42 @@
           </a:p>
           <a:p>
             <a:r>
-              <a:rPr lang="en-US" dirty="0" smtClean="0"/>
+              <a:rPr lang="en-US" dirty="0"/>
               <a:t>3. Install SSH (If it was not installed during system installation)</a:t>
             </a:r>
-            <a:endParaRPr lang="en-US" dirty="0"/>
           </a:p>
           <a:p>
             <a:pPr marL="274320" lvl="1" indent="0">
               <a:buNone/>
             </a:pPr>
             <a:r>
-              <a:rPr lang="en-US" dirty="0" err="1" smtClean="0"/>
+              <a:rPr lang="en-US" dirty="0" err="1"/>
               <a:t>afnog@pcX</a:t>
             </a:r>
             <a:r>
-              <a:rPr lang="en-US" dirty="0" smtClean="0"/>
+              <a:rPr lang="en-US" dirty="0"/>
               <a:t>:</a:t>
             </a:r>
             <a:r>
-              <a:rPr lang="en-US" sz="1800" dirty="0" smtClean="0"/>
+              <a:rPr lang="en-US" sz="1800" dirty="0"/>
               <a:t>~$</a:t>
             </a:r>
             <a:r>
-              <a:rPr lang="en-US" b="1" dirty="0" err="1" smtClean="0"/>
+              <a:rPr lang="en-US" b="1" dirty="0" err="1"/>
               <a:t>sudo</a:t>
             </a:r>
             <a:r>
-              <a:rPr lang="en-US" b="1" dirty="0" smtClean="0"/>
+              <a:rPr lang="en-US" b="1" dirty="0"/>
               <a:t> apt-get install </a:t>
             </a:r>
             <a:r>
-              <a:rPr lang="en-US" b="1" dirty="0" err="1" smtClean="0"/>
+              <a:rPr lang="en-US" b="1" dirty="0" err="1"/>
               <a:t>openssh</a:t>
             </a:r>
             <a:r>
-              <a:rPr lang="en-US" b="1" dirty="0" smtClean="0"/>
+              <a:rPr lang="en-US" b="1" dirty="0"/>
               <a:t>-server</a:t>
             </a:r>
-            <a:endParaRPr lang="en-US" b="1" dirty="0"/>
           </a:p>
           <a:p>
             <a:pPr marL="0" indent="0">
@@ -7093,11 +6713,7 @@
           <a:p>
             <a:r>
               <a:rPr lang="en-US" dirty="0"/>
-              <a:t>4</a:t>
-            </a:r>
-            <a:r>
-              <a:rPr lang="en-US" dirty="0" smtClean="0"/>
-              <a:t>. Disable unwanted Services</a:t>
+              <a:t>4. Disable unwanted Services</a:t>
             </a:r>
           </a:p>
           <a:p>
@@ -7113,15 +6729,15 @@
               <a:t> :</a:t>
             </a:r>
             <a:r>
-              <a:rPr lang="en-US" sz="1800" dirty="0" smtClean="0"/>
+              <a:rPr lang="en-US" sz="1800" dirty="0"/>
               <a:t>~$</a:t>
             </a:r>
             <a:r>
-              <a:rPr lang="en-US" b="1" dirty="0" err="1" smtClean="0"/>
+              <a:rPr lang="en-US" b="1" dirty="0" err="1"/>
               <a:t>sudo</a:t>
             </a:r>
             <a:r>
-              <a:rPr lang="en-US" b="1" dirty="0" smtClean="0"/>
+              <a:rPr lang="en-US" b="1" dirty="0"/>
               <a:t> service  - - status-all </a:t>
             </a:r>
           </a:p>
@@ -7138,15 +6754,15 @@
               <a:t> :</a:t>
             </a:r>
             <a:r>
-              <a:rPr lang="en-US" sz="1800" dirty="0" smtClean="0"/>
+              <a:rPr lang="en-US" sz="1800" dirty="0"/>
               <a:t>~$</a:t>
             </a:r>
             <a:r>
-              <a:rPr lang="en-US" b="1" dirty="0" err="1" smtClean="0"/>
+              <a:rPr lang="en-US" b="1" dirty="0" err="1"/>
               <a:t>sudo</a:t>
             </a:r>
             <a:r>
-              <a:rPr lang="en-US" b="1" dirty="0" smtClean="0"/>
+              <a:rPr lang="en-US" b="1" dirty="0"/>
               <a:t> service exim4 stop </a:t>
             </a:r>
           </a:p>
@@ -7158,12 +6774,8 @@
           </a:p>
           <a:p>
             <a:r>
-              <a:rPr lang="en-US" dirty="0" smtClean="0"/>
-              <a:t>5. </a:t>
-            </a:r>
-            <a:r>
-              <a:rPr lang="en-US" dirty="0"/>
-              <a:t>Check Listening Network Ports</a:t>
+              <a:rPr lang="en-US" dirty="0"/>
+              <a:t>5. Check Listening Network Ports</a:t>
             </a:r>
           </a:p>
           <a:p>
@@ -7179,15 +6791,15 @@
               <a:t> :</a:t>
             </a:r>
             <a:r>
-              <a:rPr lang="en-US" sz="1800" dirty="0" smtClean="0"/>
+              <a:rPr lang="en-US" sz="1800" dirty="0"/>
               <a:t>~$</a:t>
             </a:r>
             <a:r>
-              <a:rPr lang="en-US" b="1" dirty="0" err="1" smtClean="0"/>
+              <a:rPr lang="en-US" b="1" dirty="0" err="1"/>
               <a:t>sudo</a:t>
             </a:r>
             <a:r>
-              <a:rPr lang="en-US" b="1" dirty="0" smtClean="0"/>
+              <a:rPr lang="en-US" b="1" dirty="0"/>
               <a:t> </a:t>
             </a:r>
             <a:r>
@@ -7199,7 +6811,7 @@
               <a:t> –</a:t>
             </a:r>
             <a:r>
-              <a:rPr lang="en-US" b="1" dirty="0" err="1" smtClean="0"/>
+              <a:rPr lang="en-US" b="1" dirty="0" err="1"/>
               <a:t>tulpn</a:t>
             </a:r>
             <a:endParaRPr lang="en-US" b="1" dirty="0"/>
@@ -7216,13 +6828,6 @@
   <p:clrMapOvr>
     <a:masterClrMapping/>
   </p:clrMapOvr>
-  <p:timing>
-    <p:tnLst>
-      <p:par>
-        <p:cTn id="1" dur="indefinite" restart="never" nodeType="tmRoot"/>
-      </p:par>
-    </p:tnLst>
-  </p:timing>
 </p:sld>
 </file>
 
@@ -7259,10 +6864,9 @@
           <a:lstStyle/>
           <a:p>
             <a:r>
-              <a:rPr lang="en-US" dirty="0" smtClean="0"/>
+              <a:rPr lang="en-US" dirty="0"/>
               <a:t>Things to do post-install</a:t>
             </a:r>
-            <a:endParaRPr lang="en-US" dirty="0"/>
           </a:p>
         </p:txBody>
       </p:sp>
@@ -7285,15 +6889,7 @@
           <a:p>
             <a:r>
               <a:rPr lang="en-US" dirty="0"/>
-              <a:t>6</a:t>
-            </a:r>
-            <a:r>
-              <a:rPr lang="en-US" dirty="0" smtClean="0"/>
-              <a:t>. </a:t>
-            </a:r>
-            <a:r>
-              <a:rPr lang="en-US" dirty="0"/>
-              <a:t>Disable Remote SSH Root User Login</a:t>
+              <a:t>6. Disable Remote SSH Root User Login</a:t>
             </a:r>
           </a:p>
           <a:p>
@@ -7301,23 +6897,19 @@
               <a:buNone/>
             </a:pPr>
             <a:r>
-              <a:rPr lang="en-US" dirty="0" smtClean="0"/>
-              <a:t>afnog</a:t>
-            </a:r>
-            <a:r>
-              <a:rPr lang="en-US" dirty="0"/>
-              <a:t>@debian8:</a:t>
+              <a:rPr lang="en-US" dirty="0"/>
+              <a:t>afnog@debian8:</a:t>
             </a:r>
             <a:r>
               <a:rPr lang="en-US" sz="1800" dirty="0"/>
               <a:t>~$</a:t>
             </a:r>
             <a:r>
-              <a:rPr lang="en-US" b="1" dirty="0" err="1" smtClean="0"/>
+              <a:rPr lang="en-US" b="1" dirty="0" err="1"/>
               <a:t>sudo</a:t>
             </a:r>
             <a:r>
-              <a:rPr lang="en-US" b="1" dirty="0" smtClean="0"/>
+              <a:rPr lang="en-US" b="1" dirty="0"/>
               <a:t> </a:t>
             </a:r>
             <a:r>
@@ -7408,28 +7000,20 @@
               <a:buNone/>
             </a:pPr>
             <a:r>
-              <a:rPr lang="en-US" dirty="0" smtClean="0"/>
-              <a:t>afnog</a:t>
-            </a:r>
-            <a:r>
-              <a:rPr lang="en-US" dirty="0"/>
-              <a:t>@debian8:</a:t>
+              <a:rPr lang="en-US" dirty="0"/>
+              <a:t>afnog@debian8:</a:t>
             </a:r>
             <a:r>
               <a:rPr lang="en-US" sz="1800" dirty="0"/>
               <a:t>~$</a:t>
             </a:r>
             <a:r>
-              <a:rPr lang="en-US" b="1" dirty="0" err="1" smtClean="0"/>
+              <a:rPr lang="en-US" b="1" dirty="0" err="1"/>
               <a:t>sudo</a:t>
             </a:r>
             <a:r>
-              <a:rPr lang="en-US" b="1" dirty="0" smtClean="0"/>
-              <a:t> </a:t>
-            </a:r>
-            <a:r>
               <a:rPr lang="en-US" b="1" dirty="0"/>
-              <a:t>service </a:t>
+              <a:t> service </a:t>
             </a:r>
             <a:r>
               <a:rPr lang="en-US" b="1" dirty="0" err="1"/>
@@ -7437,11 +7021,7 @@
             </a:r>
             <a:r>
               <a:rPr lang="en-US" b="1" dirty="0"/>
-              <a:t> </a:t>
-            </a:r>
-            <a:r>
-              <a:rPr lang="en-US" b="1" dirty="0" smtClean="0"/>
-              <a:t>restart</a:t>
+              <a:t> restart</a:t>
             </a:r>
           </a:p>
           <a:p>
@@ -7450,53 +7030,48 @@
           </a:p>
           <a:p>
             <a:r>
-              <a:rPr lang="en-US" dirty="0" smtClean="0"/>
+              <a:rPr lang="en-US" dirty="0"/>
               <a:t>7. Configure NTP Server</a:t>
             </a:r>
-            <a:endParaRPr lang="en-US" dirty="0"/>
           </a:p>
           <a:p>
             <a:pPr marL="274320" lvl="1" indent="0">
               <a:buNone/>
             </a:pPr>
             <a:r>
-              <a:rPr lang="en-US" dirty="0" smtClean="0"/>
-              <a:t>afnog</a:t>
-            </a:r>
-            <a:r>
-              <a:rPr lang="en-US" dirty="0"/>
-              <a:t>@debian8:</a:t>
+              <a:rPr lang="en-US" dirty="0"/>
+              <a:t>afnog@debian8:</a:t>
             </a:r>
             <a:r>
               <a:rPr lang="en-US" sz="1800" dirty="0"/>
               <a:t>~$</a:t>
             </a:r>
             <a:r>
-              <a:rPr lang="en-US" b="1" dirty="0" err="1" smtClean="0"/>
+              <a:rPr lang="en-US" b="1" dirty="0" err="1"/>
               <a:t>sudo</a:t>
             </a:r>
             <a:r>
-              <a:rPr lang="en-US" b="1" dirty="0" smtClean="0"/>
+              <a:rPr lang="en-US" b="1" dirty="0"/>
               <a:t> apt-get install </a:t>
             </a:r>
             <a:r>
-              <a:rPr lang="en-US" b="1" dirty="0" err="1" smtClean="0"/>
+              <a:rPr lang="en-US" b="1" dirty="0" err="1"/>
               <a:t>ntp</a:t>
             </a:r>
-            <a:endParaRPr lang="en-US" b="1" dirty="0" smtClean="0"/>
+            <a:endParaRPr lang="en-US" b="1" dirty="0"/>
           </a:p>
           <a:p>
             <a:pPr lvl="1"/>
             <a:r>
-              <a:rPr lang="en-US" dirty="0" smtClean="0"/>
+              <a:rPr lang="en-US" dirty="0"/>
               <a:t>(optional but necessary) Edit </a:t>
             </a:r>
             <a:r>
-              <a:rPr lang="en-US" dirty="0" err="1" smtClean="0"/>
+              <a:rPr lang="en-US" dirty="0" err="1"/>
               <a:t>ntp</a:t>
             </a:r>
             <a:r>
-              <a:rPr lang="en-US" dirty="0" smtClean="0"/>
+              <a:rPr lang="en-US" dirty="0"/>
               <a:t> servers and put local ones</a:t>
             </a:r>
           </a:p>
@@ -7505,89 +7080,76 @@
               <a:buNone/>
             </a:pPr>
             <a:r>
-              <a:rPr lang="en-US" dirty="0" smtClean="0"/>
-              <a:t>afnog</a:t>
-            </a:r>
-            <a:r>
-              <a:rPr lang="en-US" dirty="0"/>
-              <a:t>@debian8:</a:t>
+              <a:rPr lang="en-US" dirty="0"/>
+              <a:t>afnog@debian8:</a:t>
             </a:r>
             <a:r>
               <a:rPr lang="en-US" sz="1800" dirty="0"/>
               <a:t>~$</a:t>
             </a:r>
             <a:r>
-              <a:rPr lang="en-US" b="1" dirty="0" err="1" smtClean="0"/>
+              <a:rPr lang="en-US" b="1" dirty="0" err="1"/>
               <a:t>sudo</a:t>
             </a:r>
             <a:r>
-              <a:rPr lang="en-US" b="1" dirty="0" smtClean="0"/>
+              <a:rPr lang="en-US" b="1" dirty="0"/>
               <a:t> </a:t>
             </a:r>
             <a:r>
-              <a:rPr lang="en-US" b="1" dirty="0" err="1" smtClean="0"/>
+              <a:rPr lang="en-US" b="1" dirty="0" err="1"/>
               <a:t>nano</a:t>
             </a:r>
             <a:r>
-              <a:rPr lang="en-US" b="1" dirty="0" smtClean="0"/>
+              <a:rPr lang="en-US" b="1" dirty="0"/>
               <a:t> /</a:t>
             </a:r>
             <a:r>
-              <a:rPr lang="en-US" b="1" dirty="0" err="1" smtClean="0"/>
+              <a:rPr lang="en-US" b="1" dirty="0" err="1"/>
               <a:t>etc</a:t>
             </a:r>
             <a:r>
-              <a:rPr lang="en-US" b="1" dirty="0" smtClean="0"/>
+              <a:rPr lang="en-US" b="1" dirty="0"/>
               <a:t>/</a:t>
             </a:r>
             <a:r>
-              <a:rPr lang="en-US" b="1" dirty="0" err="1" smtClean="0"/>
+              <a:rPr lang="en-US" b="1" dirty="0" err="1"/>
               <a:t>ntp.conf</a:t>
             </a:r>
-            <a:endParaRPr lang="en-US" b="1" dirty="0" smtClean="0"/>
+            <a:endParaRPr lang="en-US" b="1" dirty="0"/>
           </a:p>
           <a:p>
             <a:pPr lvl="2"/>
             <a:r>
-              <a:rPr lang="en-US" dirty="0" smtClean="0"/>
+              <a:rPr lang="en-US" dirty="0"/>
               <a:t>Comment “server” sections or replace server with a local/internal one</a:t>
             </a:r>
-            <a:endParaRPr lang="en-US" dirty="0"/>
           </a:p>
           <a:p>
             <a:pPr marL="274320" lvl="1" indent="0">
               <a:buNone/>
             </a:pPr>
             <a:r>
-              <a:rPr lang="en-US" dirty="0" smtClean="0"/>
-              <a:t>afnog</a:t>
-            </a:r>
-            <a:r>
-              <a:rPr lang="en-US" dirty="0"/>
-              <a:t>@debian8:</a:t>
+              <a:rPr lang="en-US" dirty="0"/>
+              <a:t>afnog@debian8:</a:t>
             </a:r>
             <a:r>
               <a:rPr lang="en-US" sz="1800" dirty="0"/>
               <a:t>~$</a:t>
             </a:r>
             <a:r>
-              <a:rPr lang="en-US" b="1" dirty="0" err="1" smtClean="0"/>
+              <a:rPr lang="en-US" b="1" dirty="0" err="1"/>
               <a:t>sudo</a:t>
             </a:r>
             <a:r>
-              <a:rPr lang="en-US" b="1" dirty="0" smtClean="0"/>
-              <a:t> </a:t>
-            </a:r>
-            <a:r>
               <a:rPr lang="en-US" b="1" dirty="0"/>
-              <a:t>service </a:t>
-            </a:r>
-            <a:r>
-              <a:rPr lang="en-US" b="1" dirty="0" err="1" smtClean="0"/>
+              <a:t> service </a:t>
+            </a:r>
+            <a:r>
+              <a:rPr lang="en-US" b="1" dirty="0" err="1"/>
               <a:t>ntp</a:t>
             </a:r>
             <a:r>
-              <a:rPr lang="en-US" b="1" dirty="0" smtClean="0"/>
+              <a:rPr lang="en-US" b="1" dirty="0"/>
               <a:t> start</a:t>
             </a:r>
           </a:p>
@@ -7596,27 +7158,23 @@
               <a:buNone/>
             </a:pPr>
             <a:r>
-              <a:rPr lang="en-US" dirty="0" smtClean="0"/>
-              <a:t>afnog</a:t>
-            </a:r>
-            <a:r>
-              <a:rPr lang="en-US" dirty="0"/>
-              <a:t>@debian8:</a:t>
+              <a:rPr lang="en-US" dirty="0"/>
+              <a:t>afnog@debian8:</a:t>
             </a:r>
             <a:r>
               <a:rPr lang="en-US" sz="1800" dirty="0"/>
               <a:t>~$</a:t>
             </a:r>
             <a:r>
-              <a:rPr lang="en-US" b="1" dirty="0" err="1" smtClean="0"/>
+              <a:rPr lang="en-US" b="1" dirty="0" err="1"/>
               <a:t>ntpdc</a:t>
             </a:r>
             <a:r>
-              <a:rPr lang="en-US" b="1" dirty="0" smtClean="0"/>
+              <a:rPr lang="en-US" b="1" dirty="0"/>
               <a:t> –</a:t>
             </a:r>
             <a:r>
-              <a:rPr lang="en-US" b="1" dirty="0" err="1" smtClean="0"/>
+              <a:rPr lang="en-US" b="1" dirty="0" err="1"/>
               <a:t>pn</a:t>
             </a:r>
             <a:endParaRPr lang="en-US" b="1" dirty="0"/>
@@ -7626,27 +7184,23 @@
               <a:buNone/>
             </a:pPr>
             <a:r>
-              <a:rPr lang="en-US" dirty="0" smtClean="0"/>
-              <a:t>afnog</a:t>
-            </a:r>
-            <a:r>
-              <a:rPr lang="en-US" dirty="0"/>
-              <a:t>@debian8:</a:t>
+              <a:rPr lang="en-US" dirty="0"/>
+              <a:t>afnog@debian8:</a:t>
             </a:r>
             <a:r>
               <a:rPr lang="en-US" sz="1800" dirty="0"/>
               <a:t>~$</a:t>
             </a:r>
             <a:r>
-              <a:rPr lang="en-US" b="1" dirty="0" err="1" smtClean="0"/>
+              <a:rPr lang="en-US" b="1" dirty="0" err="1"/>
               <a:t>ntpq</a:t>
             </a:r>
             <a:r>
-              <a:rPr lang="en-US" b="1" dirty="0" smtClean="0"/>
+              <a:rPr lang="en-US" b="1" dirty="0"/>
               <a:t> –</a:t>
             </a:r>
             <a:r>
-              <a:rPr lang="en-US" b="1" dirty="0" err="1" smtClean="0"/>
+              <a:rPr lang="en-US" b="1" dirty="0" err="1"/>
               <a:t>pn</a:t>
             </a:r>
             <a:endParaRPr lang="en-US" b="1" dirty="0"/>
@@ -7655,41 +7209,28 @@
             <a:pPr marL="0" indent="0">
               <a:buNone/>
             </a:pPr>
-            <a:endParaRPr lang="en-US" b="1" dirty="0" smtClean="0"/>
+            <a:endParaRPr lang="en-US" b="1" dirty="0"/>
           </a:p>
           <a:p>
             <a:r>
               <a:rPr lang="en-US" b="1" dirty="0"/>
               <a:t>More here: </a:t>
             </a:r>
-            <a:endParaRPr lang="en-US" b="1" dirty="0" smtClean="0"/>
           </a:p>
           <a:p>
             <a:pPr marL="0" indent="0">
               <a:buNone/>
             </a:pPr>
-            <a:r>
-              <a:rPr lang="en-US" b="1" dirty="0" smtClean="0">
-                <a:hlinkClick r:id="rId2"/>
-              </a:rPr>
-              <a:t>https</a:t>
-            </a:r>
             <a:r>
               <a:rPr lang="en-US" b="1" dirty="0">
                 <a:hlinkClick r:id="rId2"/>
               </a:rPr>
-              <a:t>://www.debian.org/doc/manuals/securing-debian-howto</a:t>
-            </a:r>
-            <a:r>
-              <a:rPr lang="en-US" b="1" dirty="0" smtClean="0">
-                <a:hlinkClick r:id="rId2"/>
-              </a:rPr>
-              <a:t>/</a:t>
-            </a:r>
-            <a:endParaRPr lang="en-US" b="1" dirty="0" smtClean="0"/>
-          </a:p>
-          <a:p>
-            <a:endParaRPr lang="en-US" dirty="0" smtClean="0"/>
+              <a:t>https://www.debian.org/doc/manuals/securing-debian-howto/</a:t>
+            </a:r>
+            <a:endParaRPr lang="en-US" b="1" dirty="0"/>
+          </a:p>
+          <a:p>
+            <a:endParaRPr lang="en-US" dirty="0"/>
           </a:p>
         </p:txBody>
       </p:sp>
@@ -7703,13 +7244,6 @@
   <p:clrMapOvr>
     <a:masterClrMapping/>
   </p:clrMapOvr>
-  <p:timing>
-    <p:tnLst>
-      <p:par>
-        <p:cTn id="1" dur="indefinite" restart="never" nodeType="tmRoot"/>
-      </p:par>
-    </p:tnLst>
-  </p:timing>
 </p:sld>
 </file>
 
@@ -7753,31 +7287,22 @@
           <a:lstStyle/>
           <a:p>
             <a:r>
-              <a:rPr lang="en-US" dirty="0" smtClean="0"/>
+              <a:rPr lang="en-US" dirty="0"/>
               <a:t>Thank you!</a:t>
             </a:r>
             <a:br>
-              <a:rPr lang="en-US" dirty="0" smtClean="0"/>
+              <a:rPr lang="en-US" dirty="0"/>
             </a:br>
-            <a:r>
-              <a:rPr lang="en-US" dirty="0"/>
-              <a:t/>
-            </a:r>
             <a:br>
               <a:rPr lang="en-US" dirty="0"/>
             </a:br>
-            <a:r>
-              <a:rPr lang="en-US" dirty="0" smtClean="0"/>
-              <a:t/>
-            </a:r>
             <a:br>
-              <a:rPr lang="en-US" dirty="0" smtClean="0"/>
+              <a:rPr lang="en-US" dirty="0"/>
             </a:br>
             <a:r>
-              <a:rPr lang="en-US" dirty="0" smtClean="0"/>
+              <a:rPr lang="en-US" dirty="0"/>
               <a:t>Questions?</a:t>
             </a:r>
-            <a:endParaRPr lang="en-US" dirty="0"/>
           </a:p>
         </p:txBody>
       </p:sp>
@@ -7791,13 +7316,6 @@
   <p:clrMapOvr>
     <a:masterClrMapping/>
   </p:clrMapOvr>
-  <p:timing>
-    <p:tnLst>
-      <p:par>
-        <p:cTn id="1" dur="indefinite" restart="never" nodeType="tmRoot"/>
-      </p:par>
-    </p:tnLst>
-  </p:timing>
 </p:sld>
 </file>
 
@@ -7834,10 +7352,9 @@
           <a:lstStyle/>
           <a:p>
             <a:r>
-              <a:rPr lang="en-US" dirty="0" smtClean="0"/>
+              <a:rPr lang="en-US" dirty="0"/>
               <a:t>Your instructors</a:t>
             </a:r>
-            <a:endParaRPr lang="en-US" dirty="0"/>
           </a:p>
         </p:txBody>
       </p:sp>
@@ -7857,25 +7374,25 @@
           <a:lstStyle/>
           <a:p>
             <a:r>
-              <a:rPr lang="en-US" dirty="0" err="1" smtClean="0"/>
+              <a:rPr lang="en-US" dirty="0" err="1"/>
               <a:t>Ayitey</a:t>
             </a:r>
             <a:r>
-              <a:rPr lang="en-US" dirty="0" smtClean="0"/>
+              <a:rPr lang="en-US" dirty="0"/>
               <a:t> A. </a:t>
             </a:r>
             <a:r>
-              <a:rPr lang="en-US" dirty="0" err="1" smtClean="0"/>
+              <a:rPr lang="en-US" dirty="0" err="1"/>
               <a:t>Bulley</a:t>
             </a:r>
             <a:r>
-              <a:rPr lang="en-US" dirty="0" smtClean="0"/>
+              <a:rPr lang="en-US" dirty="0"/>
               <a:t> - Ghana</a:t>
             </a:r>
           </a:p>
           <a:p>
             <a:r>
-              <a:rPr lang="en-US" dirty="0" smtClean="0"/>
+              <a:rPr lang="en-US" dirty="0"/>
               <a:t>Frank </a:t>
             </a:r>
             <a:r>
@@ -7884,64 +7401,55 @@
             </a:r>
             <a:r>
               <a:rPr lang="en-US" dirty="0"/>
-              <a:t> – </a:t>
-            </a:r>
-            <a:r>
-              <a:rPr lang="en-US" dirty="0" smtClean="0"/>
-              <a:t>Ghana</a:t>
-            </a:r>
-          </a:p>
-          <a:p>
-            <a:r>
-              <a:rPr lang="en-US" dirty="0" smtClean="0"/>
+              <a:t> – Ghana</a:t>
+            </a:r>
+          </a:p>
+          <a:p>
+            <a:r>
+              <a:rPr lang="en-US" dirty="0"/>
               <a:t>Isabella </a:t>
             </a:r>
             <a:r>
-              <a:rPr lang="en-US" dirty="0" err="1" smtClean="0"/>
+              <a:rPr lang="en-US" dirty="0" err="1"/>
               <a:t>Odida</a:t>
             </a:r>
             <a:r>
-              <a:rPr lang="en-US" dirty="0" smtClean="0"/>
+              <a:rPr lang="en-US" dirty="0"/>
               <a:t> </a:t>
             </a:r>
             <a:r>
-              <a:rPr lang="mr-IN" dirty="0" smtClean="0"/>
+              <a:rPr lang="mr-IN" dirty="0"/>
               <a:t>–</a:t>
             </a:r>
             <a:r>
-              <a:rPr lang="en-US" dirty="0" smtClean="0"/>
+              <a:rPr lang="en-US" dirty="0"/>
               <a:t> Uganda </a:t>
             </a:r>
-            <a:endParaRPr lang="en-US" dirty="0" smtClean="0"/>
-          </a:p>
-          <a:p>
-            <a:r>
-              <a:rPr lang="en-US" dirty="0" smtClean="0"/>
+          </a:p>
+          <a:p>
+            <a:r>
+              <a:rPr lang="en-US" dirty="0"/>
               <a:t>Joe </a:t>
             </a:r>
             <a:r>
-              <a:rPr lang="en-US" dirty="0" err="1" smtClean="0"/>
+              <a:rPr lang="en-US" dirty="0" err="1"/>
               <a:t>Abley</a:t>
             </a:r>
             <a:r>
-              <a:rPr lang="en-US" dirty="0" smtClean="0"/>
+              <a:rPr lang="en-US" dirty="0"/>
               <a:t> – Canada</a:t>
             </a:r>
           </a:p>
           <a:p>
             <a:r>
-              <a:rPr lang="en-US" dirty="0" smtClean="0"/>
+              <a:rPr lang="en-US" dirty="0"/>
               <a:t>Kevin Chege – Kenya</a:t>
             </a:r>
           </a:p>
           <a:p>
             <a:r>
-              <a:rPr lang="en-US" dirty="0" smtClean="0"/>
-              <a:t>Michuki </a:t>
-            </a:r>
-            <a:r>
-              <a:rPr lang="en-US" dirty="0"/>
-              <a:t>Mwangi – from Kenya</a:t>
+              <a:rPr lang="en-US" dirty="0"/>
+              <a:t>Michuki Mwangi – from Kenya</a:t>
             </a:r>
           </a:p>
           <a:p>
@@ -7959,13 +7467,6 @@
   <p:clrMapOvr>
     <a:masterClrMapping/>
   </p:clrMapOvr>
-  <p:timing>
-    <p:tnLst>
-      <p:par>
-        <p:cTn id="1" dur="indefinite" restart="never" nodeType="tmRoot"/>
-      </p:par>
-    </p:tnLst>
-  </p:timing>
 </p:sld>
 </file>
 
@@ -8002,10 +7503,9 @@
           <a:lstStyle/>
           <a:p>
             <a:r>
-              <a:rPr lang="en-US" dirty="0" smtClean="0"/>
+              <a:rPr lang="en-US" dirty="0"/>
               <a:t>How about you….?</a:t>
             </a:r>
-            <a:endParaRPr lang="en-US" dirty="0"/>
           </a:p>
         </p:txBody>
       </p:sp>
@@ -8028,35 +7528,35 @@
               <a:buNone/>
             </a:pPr>
             <a:r>
-              <a:rPr lang="en-US" sz="2800" b="1" dirty="0" smtClean="0"/>
+              <a:rPr lang="en-US" sz="2800" b="1" dirty="0"/>
               <a:t>Introduce yourself:</a:t>
             </a:r>
           </a:p>
           <a:p>
             <a:r>
-              <a:rPr lang="en-US" sz="2800" b="1" dirty="0" smtClean="0"/>
+              <a:rPr lang="en-US" sz="2800" b="1" dirty="0"/>
               <a:t>Name</a:t>
             </a:r>
           </a:p>
           <a:p>
             <a:r>
-              <a:rPr lang="en-US" sz="2800" b="1" dirty="0" smtClean="0"/>
+              <a:rPr lang="en-US" sz="2800" b="1" dirty="0"/>
               <a:t>Country</a:t>
             </a:r>
           </a:p>
           <a:p>
             <a:r>
-              <a:rPr lang="en-US" sz="2800" b="1" dirty="0" smtClean="0"/>
+              <a:rPr lang="en-US" sz="2800" b="1" dirty="0"/>
               <a:t>Work </a:t>
             </a:r>
           </a:p>
           <a:p>
             <a:r>
-              <a:rPr lang="en-US" sz="2800" b="1" dirty="0" smtClean="0"/>
+              <a:rPr lang="en-US" sz="2800" b="1" dirty="0"/>
               <a:t>Hobbies </a:t>
             </a:r>
             <a:r>
-              <a:rPr lang="en-US" sz="2800" b="1" dirty="0" smtClean="0">
+              <a:rPr lang="en-US" sz="2800" b="1" dirty="0">
                 <a:sym typeface="Wingdings"/>
               </a:rPr>
               <a:t> </a:t>
@@ -8064,20 +7564,11 @@
           </a:p>
           <a:p>
             <a:r>
-              <a:rPr lang="en-US" sz="2800" b="1" dirty="0" smtClean="0">
+              <a:rPr lang="en-US" sz="2800" b="1" dirty="0">
                 <a:sym typeface="Wingdings"/>
               </a:rPr>
-              <a:t>How did you fly to get to </a:t>
-            </a:r>
-            <a:r>
-              <a:rPr lang="en-US" sz="2800" b="1" dirty="0" smtClean="0">
-                <a:sym typeface="Wingdings"/>
-              </a:rPr>
-              <a:t>Nairobi?</a:t>
-            </a:r>
-            <a:endParaRPr lang="en-US" sz="2800" b="1" dirty="0" smtClean="0">
-              <a:sym typeface="Wingdings"/>
-            </a:endParaRPr>
+              <a:t>How did you fly to get to Nairobi?</a:t>
+            </a:r>
           </a:p>
           <a:p>
             <a:endParaRPr lang="en-US" dirty="0"/>
@@ -8094,13 +7585,6 @@
   <p:clrMapOvr>
     <a:masterClrMapping/>
   </p:clrMapOvr>
-  <p:timing>
-    <p:tnLst>
-      <p:par>
-        <p:cTn id="1" dur="indefinite" restart="never" nodeType="tmRoot"/>
-      </p:par>
-    </p:tnLst>
-  </p:timing>
 </p:sld>
 </file>
 
@@ -8137,10 +7621,9 @@
           <a:lstStyle/>
           <a:p>
             <a:r>
-              <a:rPr lang="en-US" dirty="0" smtClean="0"/>
+              <a:rPr lang="en-US" dirty="0"/>
               <a:t>Course teaching style</a:t>
             </a:r>
-            <a:endParaRPr lang="en-US" dirty="0"/>
           </a:p>
         </p:txBody>
       </p:sp>
@@ -8160,67 +7643,59 @@
           <a:lstStyle/>
           <a:p>
             <a:r>
-              <a:rPr lang="en-US" sz="2800" dirty="0" smtClean="0"/>
+              <a:rPr lang="en-US" sz="2800" dirty="0"/>
               <a:t>Theory explained first then followed by a practical session</a:t>
             </a:r>
           </a:p>
           <a:p>
             <a:r>
-              <a:rPr lang="en-US" sz="2800" dirty="0" smtClean="0"/>
+              <a:rPr lang="en-US" sz="2800" dirty="0"/>
               <a:t>Each of you has been assigned a Virtual Machine running </a:t>
             </a:r>
             <a:r>
-              <a:rPr lang="en-US" sz="2800" dirty="0" err="1" smtClean="0"/>
+              <a:rPr lang="en-US" sz="2800" dirty="0" err="1"/>
               <a:t>Debian</a:t>
             </a:r>
             <a:r>
-              <a:rPr lang="en-US" sz="2800" dirty="0" smtClean="0"/>
-              <a:t> </a:t>
-            </a:r>
-            <a:r>
-              <a:rPr lang="en-US" sz="2800" dirty="0" smtClean="0"/>
-              <a:t>8.8 </a:t>
-            </a:r>
-            <a:r>
-              <a:rPr lang="en-US" sz="2800" dirty="0" smtClean="0"/>
-              <a:t>(Jessie) that </a:t>
-            </a:r>
-            <a:r>
-              <a:rPr lang="en-US" sz="2800" b="1" dirty="0" smtClean="0"/>
+              <a:rPr lang="en-US" sz="2800" dirty="0"/>
+              <a:t> 8.8 (Jessie) that </a:t>
+            </a:r>
+            <a:r>
+              <a:rPr lang="en-US" sz="2800" b="1" dirty="0"/>
               <a:t>you will access from your laptop</a:t>
             </a:r>
           </a:p>
           <a:p>
             <a:r>
-              <a:rPr lang="en-US" sz="2800" b="1" dirty="0" smtClean="0"/>
+              <a:rPr lang="en-US" sz="2800" b="1" dirty="0"/>
               <a:t>Feel free to ask questions anytime</a:t>
             </a:r>
           </a:p>
           <a:p>
             <a:r>
-              <a:rPr lang="en-US" sz="2800" dirty="0" smtClean="0"/>
+              <a:rPr lang="en-US" sz="2800" dirty="0"/>
               <a:t>If you need help during the practical labs, </a:t>
             </a:r>
             <a:r>
-              <a:rPr lang="en-US" sz="2800" b="1" dirty="0" smtClean="0"/>
+              <a:rPr lang="en-US" sz="2800" b="1" dirty="0"/>
               <a:t>raise your hand </a:t>
             </a:r>
             <a:r>
-              <a:rPr lang="en-US" sz="2800" dirty="0" smtClean="0"/>
+              <a:rPr lang="en-US" sz="2800" dirty="0"/>
               <a:t>so the instructors can assist</a:t>
             </a:r>
           </a:p>
           <a:p>
             <a:r>
-              <a:rPr lang="en-US" sz="2800" b="1" dirty="0" smtClean="0"/>
+              <a:rPr lang="en-US" sz="2800" b="1" dirty="0"/>
               <a:t>Kindly mute your phones </a:t>
             </a:r>
             <a:r>
-              <a:rPr lang="en-US" sz="2800" dirty="0" smtClean="0"/>
+              <a:rPr lang="en-US" sz="2800" dirty="0"/>
               <a:t>during classes </a:t>
             </a:r>
             <a:r>
-              <a:rPr lang="en-US" sz="2800" dirty="0" smtClean="0">
+              <a:rPr lang="en-US" sz="2800" dirty="0">
                 <a:sym typeface="Wingdings"/>
               </a:rPr>
               <a:t></a:t>
@@ -8228,21 +7703,21 @@
           </a:p>
           <a:p>
             <a:r>
-              <a:rPr lang="en-US" sz="2800" dirty="0" smtClean="0">
+              <a:rPr lang="en-US" sz="2800" dirty="0">
                 <a:sym typeface="Wingdings"/>
               </a:rPr>
               <a:t>Please pay during theory sessions   </a:t>
             </a:r>
-            <a:endParaRPr lang="en-US" sz="2800" dirty="0" smtClean="0"/>
+            <a:endParaRPr lang="en-US" sz="2800" dirty="0"/>
           </a:p>
           <a:p>
             <a:pPr marL="0" indent="0">
               <a:buNone/>
             </a:pPr>
-            <a:endParaRPr lang="en-US" dirty="0" smtClean="0"/>
-          </a:p>
-          <a:p>
-            <a:endParaRPr lang="en-US" dirty="0" smtClean="0"/>
+            <a:endParaRPr lang="en-US" dirty="0"/>
+          </a:p>
+          <a:p>
+            <a:endParaRPr lang="en-US" dirty="0"/>
           </a:p>
         </p:txBody>
       </p:sp>
@@ -8256,13 +7731,6 @@
   <p:clrMapOvr>
     <a:masterClrMapping/>
   </p:clrMapOvr>
-  <p:timing>
-    <p:tnLst>
-      <p:par>
-        <p:cTn id="1" dur="indefinite" restart="never" nodeType="tmRoot"/>
-      </p:par>
-    </p:tnLst>
-  </p:timing>
 </p:sld>
 </file>
 
@@ -8299,11 +7767,11 @@
           <a:lstStyle/>
           <a:p>
             <a:r>
-              <a:rPr lang="en-US" dirty="0" smtClean="0"/>
+              <a:rPr lang="en-US" dirty="0"/>
               <a:t>Timetable – please keep time </a:t>
             </a:r>
             <a:r>
-              <a:rPr lang="en-US" dirty="0" smtClean="0">
+              <a:rPr lang="en-US" dirty="0">
                 <a:sym typeface="Wingdings"/>
               </a:rPr>
               <a:t></a:t>
@@ -8331,117 +7799,103 @@
           <a:p>
             <a:pPr lvl="1"/>
             <a:r>
-              <a:rPr lang="en-US" dirty="0" smtClean="0"/>
-              <a:t>Breakfast </a:t>
-            </a:r>
-            <a:r>
-              <a:rPr lang="en-US" dirty="0" smtClean="0"/>
-              <a:t>at the hotel starts </a:t>
-            </a:r>
-            <a:r>
-              <a:rPr lang="en-US" dirty="0" smtClean="0"/>
-              <a:t>at 6am*</a:t>
-            </a:r>
-            <a:endParaRPr lang="en-US" b="1" dirty="0" smtClean="0"/>
-          </a:p>
-          <a:p>
-            <a:r>
-              <a:rPr lang="en-US" b="1" dirty="0" smtClean="0"/>
+              <a:rPr lang="en-US" dirty="0"/>
+              <a:t>Breakfast at the hotel starts at 6am*</a:t>
+            </a:r>
+            <a:endParaRPr lang="en-US" b="1" dirty="0"/>
+          </a:p>
+          <a:p>
+            <a:r>
+              <a:rPr lang="en-US" b="1" dirty="0"/>
               <a:t>First Session 09:00 to 11:00</a:t>
             </a:r>
           </a:p>
           <a:p>
             <a:pPr lvl="1"/>
             <a:r>
-              <a:rPr lang="en-US" dirty="0" smtClean="0"/>
+              <a:rPr lang="en-US" dirty="0"/>
               <a:t>Tea break 11:00 to 11:00</a:t>
             </a:r>
           </a:p>
           <a:p>
             <a:r>
-              <a:rPr lang="en-US" b="1" dirty="0" smtClean="0"/>
+              <a:rPr lang="en-US" b="1" dirty="0"/>
               <a:t>Second Session from 11:30 to 13:00</a:t>
             </a:r>
           </a:p>
           <a:p>
             <a:pPr lvl="1"/>
             <a:r>
-              <a:rPr lang="en-US" dirty="0" smtClean="0"/>
+              <a:rPr lang="en-US" dirty="0"/>
               <a:t>Lunch from 13:00 to 14:00</a:t>
             </a:r>
           </a:p>
           <a:p>
             <a:r>
-              <a:rPr lang="en-US" b="1" dirty="0" smtClean="0"/>
+              <a:rPr lang="en-US" b="1" dirty="0"/>
               <a:t>Third Session-  from 14:00 to 16:00</a:t>
             </a:r>
           </a:p>
           <a:p>
             <a:pPr lvl="1"/>
             <a:r>
-              <a:rPr lang="en-US" dirty="0" smtClean="0"/>
+              <a:rPr lang="en-US" dirty="0"/>
               <a:t>Tea break – 16:00 to 16:30</a:t>
             </a:r>
           </a:p>
           <a:p>
             <a:r>
-              <a:rPr lang="en-US" b="1" dirty="0" smtClean="0"/>
+              <a:rPr lang="en-US" b="1" dirty="0"/>
               <a:t>Fourth Session – 16:30 to 18:00</a:t>
             </a:r>
           </a:p>
           <a:p>
             <a:pPr lvl="1"/>
             <a:r>
-              <a:rPr lang="en-US" dirty="0" smtClean="0"/>
+              <a:rPr lang="en-US" dirty="0"/>
               <a:t>Dinner</a:t>
             </a:r>
           </a:p>
           <a:p>
             <a:r>
-              <a:rPr lang="en-US" b="1" dirty="0" smtClean="0"/>
+              <a:rPr lang="en-US" b="1" dirty="0"/>
               <a:t>Evening sessions – 20:00 – 22:00</a:t>
             </a:r>
-            <a:endParaRPr lang="en-US" b="1" dirty="0"/>
           </a:p>
           <a:p>
             <a:pPr marL="0" indent="0">
               <a:buNone/>
             </a:pPr>
-            <a:endParaRPr lang="en-US" dirty="0" smtClean="0"/>
+            <a:endParaRPr lang="en-US" dirty="0"/>
           </a:p>
           <a:p>
             <a:pPr marL="0" indent="0">
               <a:buNone/>
             </a:pPr>
             <a:r>
-              <a:rPr lang="en-US" dirty="0" smtClean="0"/>
+              <a:rPr lang="en-US" dirty="0"/>
               <a:t>Breakfast: </a:t>
             </a:r>
             <a:r>
               <a:rPr lang="en-US" b="1" dirty="0"/>
-              <a:t>A</a:t>
-            </a:r>
-            <a:r>
-              <a:rPr lang="en-US" b="1" dirty="0" smtClean="0"/>
-              <a:t>t the </a:t>
-            </a:r>
-            <a:r>
-              <a:rPr lang="en-US" b="1" dirty="0" err="1" smtClean="0"/>
+              <a:t>At the </a:t>
+            </a:r>
+            <a:r>
+              <a:rPr lang="en-US" b="1" dirty="0" err="1"/>
               <a:t>Boma</a:t>
             </a:r>
             <a:r>
-              <a:rPr lang="en-US" b="1" dirty="0" smtClean="0"/>
+              <a:rPr lang="en-US" b="1" dirty="0"/>
               <a:t> Hotel or </a:t>
             </a:r>
             <a:r>
-              <a:rPr lang="en-US" b="1" dirty="0" err="1" smtClean="0"/>
+              <a:rPr lang="en-US" b="1" dirty="0" err="1"/>
               <a:t>Boma</a:t>
             </a:r>
             <a:r>
-              <a:rPr lang="en-US" b="1" dirty="0" smtClean="0"/>
+              <a:rPr lang="en-US" b="1" dirty="0"/>
               <a:t> Inn</a:t>
             </a:r>
-            <a:endParaRPr lang="en-US" b="1" dirty="0" smtClean="0"/>
           </a:p>
           <a:p>
             <a:pPr marL="0" indent="0">
@@ -8449,42 +7903,36 @@
             </a:pPr>
             <a:r>
               <a:rPr lang="en-US" dirty="0"/>
-              <a:t>L</a:t>
-            </a:r>
-            <a:r>
-              <a:rPr lang="en-US" dirty="0" smtClean="0"/>
-              <a:t>unch and dinner: </a:t>
-            </a:r>
-            <a:r>
-              <a:rPr lang="en-US" b="1" dirty="0" smtClean="0"/>
+              <a:t>Lunch and dinner: </a:t>
+            </a:r>
+            <a:r>
+              <a:rPr lang="en-US" b="1" dirty="0"/>
               <a:t>On the ground floor of the conference facility</a:t>
             </a:r>
-            <a:endParaRPr lang="en-US" b="1" dirty="0" smtClean="0"/>
           </a:p>
           <a:p>
             <a:pPr marL="0" indent="0">
               <a:buNone/>
             </a:pPr>
             <a:r>
-              <a:rPr lang="en-US" dirty="0" smtClean="0"/>
+              <a:rPr lang="en-US" dirty="0"/>
               <a:t>Tea break: </a:t>
             </a:r>
             <a:r>
-              <a:rPr lang="en-US" b="1" dirty="0" smtClean="0"/>
+              <a:rPr lang="en-US" b="1" dirty="0"/>
               <a:t>In the corridor outside the lecture rooms</a:t>
             </a:r>
-            <a:endParaRPr lang="en-US" b="1" dirty="0" smtClean="0"/>
           </a:p>
           <a:p>
             <a:pPr marL="0" indent="0">
               <a:buNone/>
             </a:pPr>
             <a:r>
-              <a:rPr lang="en-US" dirty="0" smtClean="0"/>
+              <a:rPr lang="en-US" dirty="0"/>
               <a:t>Washrooms:  </a:t>
             </a:r>
             <a:r>
-              <a:rPr lang="en-US" b="1" dirty="0" smtClean="0"/>
+              <a:rPr lang="en-US" b="1" dirty="0"/>
               <a:t>To the right when you exit from KIFARU (close to the secretariat)</a:t>
             </a:r>
           </a:p>
@@ -8500,13 +7948,6 @@
   <p:clrMapOvr>
     <a:masterClrMapping/>
   </p:clrMapOvr>
-  <p:timing>
-    <p:tnLst>
-      <p:par>
-        <p:cTn id="1" dur="indefinite" restart="never" nodeType="tmRoot"/>
-      </p:par>
-    </p:tnLst>
-  </p:timing>
 </p:sld>
 </file>
 
@@ -8543,10 +7984,9 @@
           <a:lstStyle/>
           <a:p>
             <a:r>
-              <a:rPr lang="en-US" dirty="0" smtClean="0"/>
+              <a:rPr lang="en-US" dirty="0"/>
               <a:t>Inventory</a:t>
             </a:r>
-            <a:endParaRPr lang="en-US" dirty="0"/>
           </a:p>
         </p:txBody>
       </p:sp>
@@ -8594,7 +8034,7 @@
               <a:buNone/>
             </a:pPr>
             <a:r>
-              <a:rPr lang="en-US" sz="3600" b="1" dirty="0" smtClean="0"/>
+              <a:rPr lang="en-US" sz="3600" b="1" dirty="0"/>
               <a:t>Keep your name badge with you</a:t>
             </a:r>
           </a:p>
@@ -8603,20 +8043,8 @@
               <a:buNone/>
             </a:pPr>
             <a:r>
-              <a:rPr lang="en-US" sz="3200" b="1" dirty="0" smtClean="0"/>
-              <a:t>At </a:t>
-            </a:r>
-            <a:r>
               <a:rPr lang="en-US" sz="3200" b="1" dirty="0"/>
-              <a:t>the end </a:t>
-            </a:r>
-            <a:r>
-              <a:rPr lang="en-US" sz="3200" b="1" dirty="0" smtClean="0"/>
-              <a:t>of the week you </a:t>
-            </a:r>
-            <a:r>
-              <a:rPr lang="en-US" sz="3200" b="1" dirty="0"/>
-              <a:t>will receive:</a:t>
+              <a:t>At the end of the week you will receive:</a:t>
             </a:r>
           </a:p>
           <a:p>
@@ -8631,19 +8059,15 @@
               <a:buNone/>
             </a:pPr>
             <a:r>
-              <a:rPr lang="en-US" sz="3600" b="1" dirty="0" smtClean="0"/>
-              <a:t>Please </a:t>
-            </a:r>
-            <a:r>
               <a:rPr lang="en-US" sz="3600" b="1" dirty="0"/>
-              <a:t>share with your colleagues back at home.</a:t>
+              <a:t>Please share with your colleagues back at home.</a:t>
             </a:r>
           </a:p>
           <a:p>
             <a:pPr marL="0" indent="0">
               <a:buNone/>
             </a:pPr>
-            <a:endParaRPr lang="en-US" sz="4800" dirty="0" smtClean="0"/>
+            <a:endParaRPr lang="en-US" sz="4800" dirty="0"/>
           </a:p>
           <a:p>
             <a:pPr marL="0" indent="0">
@@ -8666,13 +8090,6 @@
   <p:clrMapOvr>
     <a:masterClrMapping/>
   </p:clrMapOvr>
-  <p:timing>
-    <p:tnLst>
-      <p:par>
-        <p:cTn id="1" dur="indefinite" restart="never" nodeType="tmRoot"/>
-      </p:par>
-    </p:tnLst>
-  </p:timing>
 </p:sld>
 </file>
 
@@ -8709,10 +8126,9 @@
           <a:lstStyle/>
           <a:p>
             <a:r>
-              <a:rPr lang="en-US" dirty="0" smtClean="0"/>
+              <a:rPr lang="en-US" dirty="0"/>
               <a:t>Connectivity</a:t>
             </a:r>
-            <a:endParaRPr lang="en-US" dirty="0"/>
           </a:p>
         </p:txBody>
       </p:sp>
@@ -8735,12 +8151,8 @@
           <a:p>
             <a:pPr lvl="0"/>
             <a:r>
-              <a:rPr lang="en-US" sz="2800" b="1" dirty="0" smtClean="0"/>
-              <a:t>Use </a:t>
-            </a:r>
-            <a:r>
               <a:rPr lang="en-US" sz="2800" b="1" dirty="0"/>
-              <a:t>your own laptops for:</a:t>
+              <a:t>Use your own laptops for:</a:t>
             </a:r>
           </a:p>
           <a:p>
@@ -8760,12 +8172,8 @@
           <a:p>
             <a:pPr lvl="1"/>
             <a:r>
-              <a:rPr lang="en-US" sz="2800" dirty="0" smtClean="0"/>
-              <a:t>Virtualization </a:t>
-            </a:r>
-            <a:r>
               <a:rPr lang="en-US" sz="2800" dirty="0"/>
-              <a:t>exercises</a:t>
+              <a:t>Virtualization exercises</a:t>
             </a:r>
           </a:p>
           <a:p>
@@ -8782,11 +8190,11 @@
               <a:t>Use the </a:t>
             </a:r>
             <a:r>
-              <a:rPr lang="en-US" sz="2800" b="1" dirty="0" smtClean="0"/>
+              <a:rPr lang="en-US" sz="2800" b="1" dirty="0"/>
               <a:t>AIS </a:t>
             </a:r>
             <a:r>
-              <a:rPr lang="en-US" sz="2800" dirty="0" smtClean="0"/>
+              <a:rPr lang="en-US" sz="2800" dirty="0"/>
               <a:t>or you course network SSID</a:t>
             </a:r>
             <a:endParaRPr lang="en-US" sz="2800" b="1" dirty="0"/>
@@ -8799,28 +8207,24 @@
             </a:r>
             <a:r>
               <a:rPr lang="en-US" sz="2800" b="1" dirty="0"/>
-              <a:t>success</a:t>
-            </a:r>
-            <a:r>
-              <a:rPr lang="en-US" sz="2800" b="1" dirty="0" smtClean="0"/>
-              <a:t>!</a:t>
-            </a:r>
-            <a:r>
-              <a:rPr lang="en-US" sz="2800" dirty="0" smtClean="0"/>
+              <a:t>success!</a:t>
+            </a:r>
+            <a:r>
+              <a:rPr lang="en-US" sz="2800" dirty="0"/>
               <a:t>”</a:t>
             </a:r>
           </a:p>
           <a:p>
             <a:r>
-              <a:rPr lang="en-US" sz="3200" b="1" dirty="0" smtClean="0"/>
+              <a:rPr lang="en-US" sz="3200" b="1" dirty="0"/>
               <a:t>Hotel </a:t>
             </a:r>
             <a:r>
-              <a:rPr lang="en-US" sz="3200" b="1" dirty="0" err="1" smtClean="0"/>
+              <a:rPr lang="en-US" sz="3200" b="1" dirty="0" err="1"/>
               <a:t>wifi</a:t>
             </a:r>
             <a:r>
-              <a:rPr lang="en-US" sz="3200" b="1" dirty="0" smtClean="0"/>
+              <a:rPr lang="en-US" sz="3200" b="1" dirty="0"/>
               <a:t> is available in your rooms</a:t>
             </a:r>
           </a:p>
@@ -8828,7 +8232,7 @@
             <a:pPr marL="274320" lvl="1" indent="0">
               <a:buNone/>
             </a:pPr>
-            <a:endParaRPr lang="en-US" sz="2800" b="1" dirty="0" smtClean="0"/>
+            <a:endParaRPr lang="en-US" sz="2800" b="1" dirty="0"/>
           </a:p>
           <a:p>
             <a:pPr lvl="1"/>
@@ -8849,13 +8253,6 @@
   <p:clrMapOvr>
     <a:masterClrMapping/>
   </p:clrMapOvr>
-  <p:timing>
-    <p:tnLst>
-      <p:par>
-        <p:cTn id="1" dur="indefinite" restart="never" nodeType="tmRoot"/>
-      </p:par>
-    </p:tnLst>
-  </p:timing>
 </p:sld>
 </file>
 
@@ -8892,26 +8289,9 @@
           <a:lstStyle/>
           <a:p>
             <a:r>
-              <a:rPr lang="en-US" dirty="0" smtClean="0"/>
-              <a:t>Access Your </a:t>
-            </a:r>
-            <a:r>
-              <a:rPr lang="en-US" dirty="0"/>
-              <a:t>V</a:t>
-            </a:r>
-            <a:r>
-              <a:rPr lang="en-US" dirty="0" smtClean="0"/>
-              <a:t>irtual </a:t>
-            </a:r>
-            <a:r>
-              <a:rPr lang="en-US" dirty="0"/>
-              <a:t>M</a:t>
-            </a:r>
-            <a:r>
-              <a:rPr lang="en-US" dirty="0" smtClean="0"/>
-              <a:t>achines </a:t>
-            </a:r>
-            <a:endParaRPr lang="en-US" dirty="0"/>
+              <a:rPr lang="en-US" dirty="0"/>
+              <a:t>Access Your Virtual Machines </a:t>
+            </a:r>
           </a:p>
         </p:txBody>
       </p:sp>
@@ -8935,13 +8315,8 @@
             <a:pPr lvl="0"/>
             <a:r>
               <a:rPr lang="en-US" b="1" dirty="0"/>
-              <a:t>Virtual servers (named pc1 – </a:t>
-            </a:r>
-            <a:r>
-              <a:rPr lang="en-US" b="1" dirty="0" smtClean="0"/>
-              <a:t>pc35)</a:t>
-            </a:r>
-            <a:endParaRPr lang="en-US" b="1" dirty="0"/>
+              <a:t>Virtual servers (named pc1 – pc35)</a:t>
+            </a:r>
           </a:p>
           <a:p>
             <a:pPr lvl="1"/>
@@ -8962,49 +8337,33 @@
               <a:t>etc</a:t>
             </a:r>
             <a:r>
-              <a:rPr lang="en-US" sz="2400" dirty="0" smtClean="0"/>
+              <a:rPr lang="en-US" sz="2400" dirty="0"/>
               <a:t>)</a:t>
             </a:r>
           </a:p>
           <a:p>
             <a:pPr lvl="1"/>
             <a:r>
-              <a:rPr lang="en-US" sz="2400" dirty="0" smtClean="0"/>
+              <a:rPr lang="en-US" sz="2400" dirty="0"/>
               <a:t>PC Assignment exercise</a:t>
             </a:r>
           </a:p>
           <a:p>
             <a:pPr lvl="0"/>
             <a:r>
-              <a:rPr lang="en-US" b="1" dirty="0" err="1" smtClean="0"/>
+              <a:rPr lang="en-US" b="1" dirty="0" err="1"/>
               <a:t>Debian</a:t>
             </a:r>
             <a:r>
-              <a:rPr lang="en-US" b="1" dirty="0" smtClean="0"/>
-              <a:t> </a:t>
-            </a:r>
-            <a:r>
-              <a:rPr lang="en-US" b="1" dirty="0" smtClean="0"/>
-              <a:t>8.8 </a:t>
-            </a:r>
-            <a:r>
-              <a:rPr lang="en-US" b="1" dirty="0" smtClean="0"/>
-              <a:t>OS </a:t>
-            </a:r>
-            <a:r>
               <a:rPr lang="en-US" b="1" dirty="0"/>
-              <a:t>installed</a:t>
+              <a:t> 8.8 OS installed</a:t>
             </a:r>
           </a:p>
           <a:p>
             <a:pPr lvl="0"/>
             <a:r>
-              <a:rPr lang="en-US" b="1" dirty="0" smtClean="0"/>
-              <a:t>Use </a:t>
-            </a:r>
-            <a:r>
               <a:rPr lang="en-US" b="1" dirty="0"/>
-              <a:t>SSH to access your server (e.g. Putty for Windows)</a:t>
+              <a:t>Use SSH to access your server (e.g. Putty for Windows)</a:t>
             </a:r>
           </a:p>
           <a:p>
@@ -9081,13 +8440,6 @@
   <p:clrMapOvr>
     <a:masterClrMapping/>
   </p:clrMapOvr>
-  <p:timing>
-    <p:tnLst>
-      <p:par>
-        <p:cTn id="1" dur="indefinite" restart="never" nodeType="tmRoot"/>
-      </p:par>
-    </p:tnLst>
-  </p:timing>
 </p:sld>
 </file>
 

--- a/intro/IntroPresentation.pptx
+++ b/intro/IntroPresentation.pptx
@@ -7374,20 +7374,24 @@
           <a:lstStyle/>
           <a:p>
             <a:r>
+              <a:rPr lang="en-US" dirty="0"/>
+              <a:t>Isabella </a:t>
+            </a:r>
+            <a:r>
               <a:rPr lang="en-US" dirty="0" err="1"/>
-              <a:t>Ayitey</a:t>
-            </a:r>
-            <a:r>
-              <a:rPr lang="en-US" dirty="0"/>
-              <a:t> A. </a:t>
-            </a:r>
-            <a:r>
-              <a:rPr lang="en-US" dirty="0" err="1"/>
-              <a:t>Bulley</a:t>
-            </a:r>
-            <a:r>
-              <a:rPr lang="en-US" dirty="0"/>
-              <a:t> - Ghana</a:t>
+              <a:t>Odida</a:t>
+            </a:r>
+            <a:r>
+              <a:rPr lang="en-US" dirty="0"/>
+              <a:t> </a:t>
+            </a:r>
+            <a:r>
+              <a:rPr lang="mr-IN" dirty="0"/>
+              <a:t>–</a:t>
+            </a:r>
+            <a:r>
+              <a:rPr lang="en-US" dirty="0"/>
+              <a:t> Uganda </a:t>
             </a:r>
           </a:p>
           <a:p>
@@ -7406,44 +7410,12 @@
           </a:p>
           <a:p>
             <a:r>
-              <a:rPr lang="en-US" dirty="0"/>
-              <a:t>Isabella </a:t>
-            </a:r>
-            <a:r>
-              <a:rPr lang="en-US" dirty="0" err="1"/>
-              <a:t>Odida</a:t>
-            </a:r>
-            <a:r>
-              <a:rPr lang="en-US" dirty="0"/>
-              <a:t> </a:t>
-            </a:r>
-            <a:r>
-              <a:rPr lang="mr-IN" dirty="0"/>
-              <a:t>–</a:t>
-            </a:r>
-            <a:r>
-              <a:rPr lang="en-US" dirty="0"/>
-              <a:t> Uganda </a:t>
-            </a:r>
-          </a:p>
-          <a:p>
-            <a:r>
-              <a:rPr lang="en-US" dirty="0"/>
-              <a:t>Joe </a:t>
-            </a:r>
-            <a:r>
-              <a:rPr lang="en-US" dirty="0" err="1"/>
-              <a:t>Abley</a:t>
-            </a:r>
-            <a:r>
-              <a:rPr lang="en-US" dirty="0"/>
-              <a:t> – Canada</a:t>
-            </a:r>
-          </a:p>
-          <a:p>
-            <a:r>
-              <a:rPr lang="en-US" dirty="0"/>
-              <a:t>Kevin Chege – Kenya</a:t>
+              <a:rPr lang="en-US"/>
+              <a:t>Kevin </a:t>
+            </a:r>
+            <a:r>
+              <a:rPr lang="en-US" dirty="0"/>
+              <a:t>Chege – Kenya</a:t>
             </a:r>
           </a:p>
           <a:p>

--- a/intro/IntroPresentation.pptx
+++ b/intro/IntroPresentation.pptx
@@ -4347,7 +4347,7 @@
         <p:spPr/>
         <p:txBody>
           <a:bodyPr>
-            <a:normAutofit/>
+            <a:normAutofit lnSpcReduction="10000"/>
           </a:bodyPr>
           <a:lstStyle/>
           <a:p>
@@ -4360,15 +4360,18 @@
             </a:r>
             <a:r>
               <a:rPr lang="en-US" sz="2600" dirty="0"/>
-              <a:t>: </a:t>
+              <a:t>:  </a:t>
             </a:r>
             <a:r>
               <a:rPr lang="en-US" sz="2600" dirty="0">
                 <a:hlinkClick r:id="rId2"/>
               </a:rPr>
-              <a:t>http://www.ws.afnog.org/afnog2017/</a:t>
-            </a:r>
-            <a:endParaRPr lang="en-US" sz="2600" dirty="0"/>
+              <a:t>http://www.ws.afnog.org/afnog2018/sse/index.html</a:t>
+            </a:r>
+            <a:r>
+              <a:rPr lang="en-US" sz="2600" dirty="0"/>
+              <a:t> </a:t>
+            </a:r>
           </a:p>
           <a:p>
             <a:pPr marL="0" indent="0">
@@ -4803,7 +4806,7 @@
         </p:spPr>
         <p:txBody>
           <a:bodyPr>
-            <a:normAutofit fontScale="92500" lnSpcReduction="10000"/>
+            <a:normAutofit/>
           </a:bodyPr>
           <a:lstStyle/>
           <a:p>
@@ -4862,17 +4865,6 @@
             </a:r>
           </a:p>
           <a:p>
-            <a:pPr lvl="2"/>
-            <a:r>
-              <a:rPr lang="en-US" i="1" dirty="0">
-                <a:solidFill>
-                  <a:srgbClr val="0000FF"/>
-                </a:solidFill>
-              </a:rPr>
-              <a:t>Evening Session: General </a:t>
-            </a:r>
-          </a:p>
-          <a:p>
             <a:r>
               <a:rPr lang="en-US" b="1" dirty="0"/>
               <a:t>Tuesday</a:t>
@@ -4911,17 +4903,6 @@
             </a:r>
           </a:p>
           <a:p>
-            <a:pPr lvl="2"/>
-            <a:r>
-              <a:rPr lang="en-US" i="1" dirty="0">
-                <a:solidFill>
-                  <a:srgbClr val="0000FF"/>
-                </a:solidFill>
-              </a:rPr>
-              <a:t>Evening Session: DNSSEC</a:t>
-            </a:r>
-          </a:p>
-          <a:p>
             <a:pPr lvl="0"/>
             <a:r>
               <a:rPr lang="en-US" b="1" dirty="0"/>
@@ -4945,30 +4926,6 @@
               <a:rPr lang="en-US" dirty="0"/>
               <a:t>Third and Fourth Session: Open LDAP Directory</a:t>
             </a:r>
-          </a:p>
-          <a:p>
-            <a:pPr lvl="2"/>
-            <a:r>
-              <a:rPr lang="en-US" i="1" dirty="0">
-                <a:solidFill>
-                  <a:srgbClr val="0000FF"/>
-                </a:solidFill>
-              </a:rPr>
-              <a:t>Evening Session: </a:t>
-            </a:r>
-            <a:r>
-              <a:rPr lang="en-US" i="1" dirty="0" err="1">
-                <a:solidFill>
-                  <a:srgbClr val="0000FF"/>
-                </a:solidFill>
-              </a:rPr>
-              <a:t>Ansible</a:t>
-            </a:r>
-            <a:endParaRPr lang="en-US" i="1" dirty="0">
-              <a:solidFill>
-                <a:srgbClr val="0000FF"/>
-              </a:solidFill>
-            </a:endParaRPr>
           </a:p>
         </p:txBody>
       </p:sp>
@@ -5084,13 +5041,8 @@
             <a:pPr lvl="1"/>
             <a:r>
               <a:rPr lang="en-US" dirty="0"/>
-              <a:t>Fourth Session: </a:t>
-            </a:r>
-            <a:r>
-              <a:rPr lang="en-US" dirty="0" err="1"/>
-              <a:t>Squirrelmail</a:t>
-            </a:r>
-            <a:endParaRPr lang="en-US" dirty="0"/>
+              <a:t>Fourth Session: Webmail</a:t>
+            </a:r>
           </a:p>
           <a:p>
             <a:r>
@@ -6302,23 +6254,7 @@
                   <a:srgbClr val="292934"/>
                 </a:solidFill>
               </a:rPr>
-              <a:t>          </a:t>
-            </a:r>
-            <a:r>
-              <a:rPr lang="en-US" b="1" dirty="0" err="1">
-                <a:solidFill>
-                  <a:srgbClr val="292934"/>
-                </a:solidFill>
-              </a:rPr>
-              <a:t>jessie</a:t>
-            </a:r>
-            <a:r>
-              <a:rPr lang="en-US" b="1" dirty="0">
-                <a:solidFill>
-                  <a:srgbClr val="292934"/>
-                </a:solidFill>
-              </a:rPr>
-              <a:t>         main</a:t>
+              <a:t>          stretch         main</a:t>
             </a:r>
           </a:p>
           <a:p>
@@ -6348,23 +6284,7 @@
                   <a:srgbClr val="292934"/>
                 </a:solidFill>
               </a:rPr>
-              <a:t> </a:t>
-            </a:r>
-            <a:r>
-              <a:rPr lang="en-US" b="1" dirty="0" err="1">
-                <a:solidFill>
-                  <a:srgbClr val="292934"/>
-                </a:solidFill>
-              </a:rPr>
-              <a:t>jessie</a:t>
-            </a:r>
-            <a:r>
-              <a:rPr lang="en-US" b="1" dirty="0">
-                <a:solidFill>
-                  <a:srgbClr val="292934"/>
-                </a:solidFill>
-              </a:rPr>
-              <a:t>/updates main</a:t>
+              <a:t> stretch/updates main</a:t>
             </a:r>
           </a:p>
           <a:p>
@@ -6438,15 +6358,7 @@
             </a:r>
             <a:r>
               <a:rPr lang="en-US" b="1" dirty="0"/>
-              <a:t>  </a:t>
-            </a:r>
-            <a:r>
-              <a:rPr lang="en-US" b="1" dirty="0" err="1"/>
-              <a:t>jessie</a:t>
-            </a:r>
-            <a:r>
-              <a:rPr lang="en-US" b="1" dirty="0"/>
-              <a:t>   main  </a:t>
+              <a:t>  stretch   main  </a:t>
             </a:r>
             <a:r>
               <a:rPr lang="en-US" b="1" dirty="0" err="1"/>
@@ -6471,15 +6383,7 @@
             </a:r>
             <a:r>
               <a:rPr lang="en-US" b="1" dirty="0"/>
-              <a:t>/ </a:t>
-            </a:r>
-            <a:r>
-              <a:rPr lang="en-US" b="1" dirty="0" err="1"/>
-              <a:t>jessie</a:t>
-            </a:r>
-            <a:r>
-              <a:rPr lang="en-US" b="1" dirty="0"/>
-              <a:t>/updates main </a:t>
+              <a:t>/ stretch/updates main </a:t>
             </a:r>
             <a:r>
               <a:rPr lang="en-US" b="1" dirty="0" err="1"/>
@@ -7410,12 +7314,8 @@
           </a:p>
           <a:p>
             <a:r>
-              <a:rPr lang="en-US"/>
-              <a:t>Kevin </a:t>
-            </a:r>
-            <a:r>
-              <a:rPr lang="en-US" dirty="0"/>
-              <a:t>Chege – Kenya</a:t>
+              <a:rPr lang="en-US" dirty="0"/>
+              <a:t>Kevin Chege – Kenya</a:t>
             </a:r>
           </a:p>
           <a:p>
@@ -8287,7 +8187,7 @@
             <a:pPr lvl="0"/>
             <a:r>
               <a:rPr lang="en-US" b="1" dirty="0"/>
-              <a:t>Virtual servers (named pc1 – pc35)</a:t>
+              <a:t>Virtual servers (named pc1 – pc30)</a:t>
             </a:r>
           </a:p>
           <a:p>
@@ -8328,7 +8228,7 @@
             </a:r>
             <a:r>
               <a:rPr lang="en-US" b="1" dirty="0"/>
-              <a:t> 8.8 OS installed</a:t>
+              <a:t> 9 OS installed</a:t>
             </a:r>
           </a:p>
           <a:p>

--- a/intro/IntroPresentation.pptx
+++ b/intro/IntroPresentation.pptx
@@ -6230,7 +6230,7 @@
                   <a:srgbClr val="292934"/>
                 </a:solidFill>
               </a:rPr>
-              <a:t>httpredir.debian.org</a:t>
+              <a:t>ftp.uk.debian.org</a:t>
             </a:r>
             <a:r>
               <a:rPr lang="en-US" b="1" dirty="0">
@@ -6254,38 +6254,42 @@
                   <a:srgbClr val="292934"/>
                 </a:solidFill>
               </a:rPr>
-              <a:t>          stretch         main</a:t>
-            </a:r>
-          </a:p>
-          <a:p>
-            <a:pPr marL="274320" lvl="1" indent="0">
+              <a:t>/          stretch         main</a:t>
+            </a:r>
+          </a:p>
+          <a:p>
+            <a:pPr marL="0" indent="0">
               <a:buNone/>
             </a:pPr>
             <a:r>
-              <a:rPr lang="en-US" b="1" dirty="0">
-                <a:solidFill>
-                  <a:srgbClr val="292934"/>
-                </a:solidFill>
-              </a:rPr>
-              <a:t>deb </a:t>
-            </a:r>
-            <a:r>
-              <a:rPr lang="en-US" b="1" dirty="0">
-                <a:solidFill>
-                  <a:srgbClr val="292934"/>
-                </a:solidFill>
-                <a:hlinkClick r:id="rId2"/>
-              </a:rPr>
-              <a:t>http://security.debian.org/</a:t>
-            </a:r>
-            <a:r>
-              <a:rPr lang="en-US" b="1" dirty="0">
-                <a:solidFill>
-                  <a:srgbClr val="292934"/>
-                </a:solidFill>
-              </a:rPr>
-              <a:t> stretch/updates main</a:t>
-            </a:r>
+              <a:rPr lang="en-US" dirty="0"/>
+              <a:t>    </a:t>
+            </a:r>
+            <a:r>
+              <a:rPr lang="en-US" sz="2000" dirty="0"/>
+              <a:t>deb</a:t>
+            </a:r>
+            <a:r>
+              <a:rPr lang="en-US" sz="2000" b="1" dirty="0"/>
+              <a:t> http://</a:t>
+            </a:r>
+            <a:r>
+              <a:rPr lang="en-US" sz="2000" b="1" dirty="0" err="1"/>
+              <a:t>security.debian.org</a:t>
+            </a:r>
+            <a:r>
+              <a:rPr lang="en-US" sz="2000" b="1" dirty="0"/>
+              <a:t>/</a:t>
+            </a:r>
+            <a:r>
+              <a:rPr lang="en-US" sz="2000" b="1" dirty="0" err="1"/>
+              <a:t>debian</a:t>
+            </a:r>
+            <a:r>
+              <a:rPr lang="en-US" sz="2000" b="1" dirty="0"/>
+              <a:t>-security stretch/updates main</a:t>
+            </a:r>
+            <a:endParaRPr lang="en-US" sz="2000" dirty="0"/>
           </a:p>
           <a:p>
             <a:pPr marL="274320" lvl="1" indent="0">
@@ -6337,62 +6341,80 @@
             </a:endParaRPr>
           </a:p>
           <a:p>
+            <a:pPr marL="0" indent="0">
+              <a:buNone/>
+            </a:pPr>
+            <a:r>
+              <a:rPr lang="en-US" sz="1600" dirty="0"/>
+              <a:t>      deb</a:t>
+            </a:r>
+            <a:r>
+              <a:rPr lang="en-US" sz="1600" b="1" dirty="0"/>
+              <a:t> http://</a:t>
+            </a:r>
+            <a:r>
+              <a:rPr lang="en-US" sz="1600" b="1" dirty="0" err="1"/>
+              <a:t>ftp.uk.debian.org</a:t>
+            </a:r>
+            <a:r>
+              <a:rPr lang="en-US" sz="1600" b="1" dirty="0"/>
+              <a:t>/</a:t>
+            </a:r>
+            <a:r>
+              <a:rPr lang="en-US" sz="1600" b="1" dirty="0" err="1"/>
+              <a:t>debian</a:t>
+            </a:r>
+            <a:r>
+              <a:rPr lang="en-US" sz="1600" b="1" dirty="0"/>
+              <a:t>/ stretch main </a:t>
+            </a:r>
+            <a:r>
+              <a:rPr lang="en-US" sz="1600" b="1" dirty="0" err="1"/>
+              <a:t>contrib</a:t>
+            </a:r>
+            <a:r>
+              <a:rPr lang="en-US" sz="1600" b="1" dirty="0"/>
+              <a:t> non-free</a:t>
+            </a:r>
+            <a:endParaRPr lang="en-US" sz="1600" dirty="0"/>
+          </a:p>
+          <a:p>
             <a:pPr marL="274320" lvl="1" indent="0">
               <a:buNone/>
             </a:pPr>
             <a:r>
-              <a:rPr lang="en-US" b="1" dirty="0"/>
-              <a:t>deb http://</a:t>
-            </a:r>
-            <a:r>
-              <a:rPr lang="en-US" b="1" dirty="0" err="1"/>
-              <a:t>httpredir.debian.org</a:t>
-            </a:r>
-            <a:r>
-              <a:rPr lang="en-US" b="1" dirty="0"/>
+              <a:rPr lang="en-US" sz="1600" dirty="0"/>
+              <a:t>deb</a:t>
+            </a:r>
+            <a:r>
+              <a:rPr lang="en-US" sz="1600" b="1" dirty="0"/>
+              <a:t> http://</a:t>
+            </a:r>
+            <a:r>
+              <a:rPr lang="en-US" sz="1600" b="1" dirty="0" err="1"/>
+              <a:t>security.debian.org</a:t>
+            </a:r>
+            <a:r>
+              <a:rPr lang="en-US" sz="1600" b="1" dirty="0"/>
               <a:t>/</a:t>
             </a:r>
             <a:r>
-              <a:rPr lang="en-US" b="1" dirty="0" err="1"/>
+              <a:rPr lang="en-US" sz="1600" b="1" dirty="0" err="1"/>
               <a:t>debian</a:t>
             </a:r>
             <a:r>
-              <a:rPr lang="en-US" b="1" dirty="0"/>
-              <a:t>  stretch   main  </a:t>
-            </a:r>
-            <a:r>
-              <a:rPr lang="en-US" b="1" dirty="0" err="1"/>
+              <a:rPr lang="en-US" sz="1600" b="1" dirty="0"/>
+              <a:t>-security stretch/updates main </a:t>
+            </a:r>
+            <a:r>
+              <a:rPr lang="en-US" sz="1600" b="1" dirty="0" err="1"/>
               <a:t>contrib</a:t>
             </a:r>
             <a:r>
-              <a:rPr lang="en-US" b="1" dirty="0"/>
-              <a:t>  non-free</a:t>
-            </a:r>
-          </a:p>
-          <a:p>
-            <a:pPr marL="274320" lvl="1" indent="0">
-              <a:buNone/>
-            </a:pPr>
-            <a:r>
-              <a:rPr lang="en-US" b="1" dirty="0"/>
-              <a:t>deb http://</a:t>
-            </a:r>
-            <a:r>
-              <a:rPr lang="en-US" b="1" dirty="0" err="1"/>
-              <a:t>security.debian.org</a:t>
-            </a:r>
-            <a:r>
-              <a:rPr lang="en-US" b="1" dirty="0"/>
-              <a:t>/ stretch/updates main </a:t>
-            </a:r>
-            <a:r>
-              <a:rPr lang="en-US" b="1" dirty="0" err="1"/>
-              <a:t>contrib</a:t>
-            </a:r>
-            <a:r>
-              <a:rPr lang="en-US" b="1" dirty="0"/>
+              <a:rPr lang="en-US" sz="1600" b="1" dirty="0"/>
               <a:t> non-free</a:t>
             </a:r>
+            <a:endParaRPr lang="en-US" sz="1600" dirty="0"/>
           </a:p>
           <a:p>
             <a:pPr marL="274320" lvl="1" indent="0">

--- a/intro/IntroPresentation.pptx
+++ b/intro/IntroPresentation.pptx
@@ -6528,7 +6528,7 @@
         <p:spPr/>
         <p:txBody>
           <a:bodyPr>
-            <a:normAutofit lnSpcReduction="10000"/>
+            <a:normAutofit/>
           </a:bodyPr>
           <a:lstStyle/>
           <a:p>
@@ -6639,69 +6639,7 @@
           <a:p>
             <a:r>
               <a:rPr lang="en-US" dirty="0"/>
-              <a:t>4. Disable unwanted Services</a:t>
-            </a:r>
-          </a:p>
-          <a:p>
-            <a:pPr marL="274320" lvl="1" indent="0">
-              <a:buNone/>
-            </a:pPr>
-            <a:r>
-              <a:rPr lang="en-US" dirty="0" err="1"/>
-              <a:t>afnog@pcX</a:t>
-            </a:r>
-            <a:r>
-              <a:rPr lang="en-US" dirty="0"/>
-              <a:t> :</a:t>
-            </a:r>
-            <a:r>
-              <a:rPr lang="en-US" sz="1800" dirty="0"/>
-              <a:t>~$</a:t>
-            </a:r>
-            <a:r>
-              <a:rPr lang="en-US" b="1" dirty="0" err="1"/>
-              <a:t>sudo</a:t>
-            </a:r>
-            <a:r>
-              <a:rPr lang="en-US" b="1" dirty="0"/>
-              <a:t> service  - - status-all </a:t>
-            </a:r>
-          </a:p>
-          <a:p>
-            <a:pPr marL="274320" lvl="1" indent="0">
-              <a:buNone/>
-            </a:pPr>
-            <a:r>
-              <a:rPr lang="en-US" dirty="0" err="1"/>
-              <a:t>afnog@pcX</a:t>
-            </a:r>
-            <a:r>
-              <a:rPr lang="en-US" dirty="0"/>
-              <a:t> :</a:t>
-            </a:r>
-            <a:r>
-              <a:rPr lang="en-US" sz="1800" dirty="0"/>
-              <a:t>~$</a:t>
-            </a:r>
-            <a:r>
-              <a:rPr lang="en-US" b="1" dirty="0" err="1"/>
-              <a:t>sudo</a:t>
-            </a:r>
-            <a:r>
-              <a:rPr lang="en-US" b="1" dirty="0"/>
-              <a:t> service exim4 stop </a:t>
-            </a:r>
-          </a:p>
-          <a:p>
-            <a:pPr marL="274320" lvl="1" indent="0">
-              <a:buNone/>
-            </a:pPr>
-            <a:endParaRPr lang="en-US" b="1" dirty="0"/>
-          </a:p>
-          <a:p>
-            <a:r>
-              <a:rPr lang="en-US" dirty="0"/>
-              <a:t>5. Check Listening Network Ports</a:t>
+              <a:t>4. Check Listening Network Ports</a:t>
             </a:r>
           </a:p>
           <a:p>

--- a/intro/IntroPresentation.pptx
+++ b/intro/IntroPresentation.pptx
@@ -6747,7 +6747,7 @@
         <p:spPr/>
         <p:txBody>
           <a:bodyPr>
-            <a:normAutofit fontScale="85000" lnSpcReduction="20000"/>
+            <a:normAutofit fontScale="77500" lnSpcReduction="20000"/>
           </a:bodyPr>
           <a:lstStyle/>
           <a:p>
@@ -6814,7 +6814,7 @@
                   <a:srgbClr val="0000FF"/>
                 </a:solidFill>
               </a:rPr>
-              <a:t>Change line or if missing Add the line (use  </a:t>
+              <a:t>Find the line </a:t>
             </a:r>
           </a:p>
           <a:p>
@@ -6825,16 +6825,11 @@
             </a:r>
             <a:r>
               <a:rPr lang="en-US" dirty="0"/>
-              <a:t> without-password</a:t>
-            </a:r>
-            <a:r>
-              <a:rPr lang="en-US" b="1" dirty="0"/>
-              <a:t> </a:t>
-            </a:r>
-            <a:r>
-              <a:rPr lang="en-US" dirty="0"/>
-              <a:t>    </a:t>
-            </a:r>
+              <a:t> prohibit-password</a:t>
+            </a:r>
+          </a:p>
+          <a:p>
+            <a:pPr lvl="1"/>
             <a:r>
               <a:rPr lang="en-US" dirty="0">
                 <a:solidFill>
@@ -6842,7 +6837,7 @@
                 </a:solidFill>
                 <a:sym typeface="Wingdings"/>
               </a:rPr>
-              <a:t></a:t>
+              <a:t>Change to </a:t>
             </a:r>
             <a:r>
               <a:rPr lang="en-US" dirty="0">
@@ -6860,6 +6855,13 @@
             </a:r>
           </a:p>
           <a:p>
+            <a:pPr lvl="1"/>
+            <a:r>
+              <a:rPr lang="en-US" dirty="0"/>
+              <a:t>Save and Exit</a:t>
+            </a:r>
+          </a:p>
+          <a:p>
             <a:pPr marL="274320" lvl="1" indent="0">
               <a:buNone/>
             </a:pPr>
@@ -6904,7 +6906,7 @@
             </a:pPr>
             <a:r>
               <a:rPr lang="en-US" dirty="0"/>
-              <a:t>afnog@debian8:</a:t>
+              <a:t>afnog@debian9:</a:t>
             </a:r>
             <a:r>
               <a:rPr lang="en-US" sz="1800" dirty="0"/>
@@ -6945,7 +6947,7 @@
             </a:pPr>
             <a:r>
               <a:rPr lang="en-US" dirty="0"/>
-              <a:t>afnog@debian8:</a:t>
+              <a:t>afnog@debian9:</a:t>
             </a:r>
             <a:r>
               <a:rPr lang="en-US" sz="1800" dirty="0"/>
@@ -6994,7 +6996,7 @@
             </a:pPr>
             <a:r>
               <a:rPr lang="en-US" dirty="0"/>
-              <a:t>afnog@debian8:</a:t>
+              <a:t>afnog@debian9:</a:t>
             </a:r>
             <a:r>
               <a:rPr lang="en-US" sz="1800" dirty="0"/>
@@ -7023,7 +7025,7 @@
             </a:pPr>
             <a:r>
               <a:rPr lang="en-US" dirty="0"/>
-              <a:t>afnog@debian8:</a:t>
+              <a:t>afnog@debian9:</a:t>
             </a:r>
             <a:r>
               <a:rPr lang="en-US" sz="1800" dirty="0"/>
@@ -7049,7 +7051,7 @@
             </a:pPr>
             <a:r>
               <a:rPr lang="en-US" dirty="0"/>
-              <a:t>afnog@debian8:</a:t>
+              <a:t>afnog@debian9:</a:t>
             </a:r>
             <a:r>
               <a:rPr lang="en-US" sz="1800" dirty="0"/>

--- a/intro/IntroPresentation.pptx
+++ b/intro/IntroPresentation.pptx
@@ -7401,8 +7401,17 @@
               <a:rPr lang="en-US" sz="2800" b="1" dirty="0">
                 <a:sym typeface="Wingdings"/>
               </a:rPr>
-              <a:t>How did you fly to get to Nairobi?</a:t>
-            </a:r>
+              <a:t>How did you fly to get </a:t>
+            </a:r>
+            <a:r>
+              <a:rPr lang="en-US" sz="2800" b="1">
+                <a:sym typeface="Wingdings"/>
+              </a:rPr>
+              <a:t>to Dakar?</a:t>
+            </a:r>
+            <a:endParaRPr lang="en-US" sz="2800" b="1" dirty="0">
+              <a:sym typeface="Wingdings"/>
+            </a:endParaRPr>
           </a:p>
           <a:p>
             <a:endParaRPr lang="en-US" dirty="0"/>

--- a/intro/IntroPresentation.pptx
+++ b/intro/IntroPresentation.pptx
@@ -7401,17 +7401,8 @@
               <a:rPr lang="en-US" sz="2800" b="1" dirty="0">
                 <a:sym typeface="Wingdings"/>
               </a:rPr>
-              <a:t>How did you fly to get </a:t>
-            </a:r>
-            <a:r>
-              <a:rPr lang="en-US" sz="2800" b="1">
-                <a:sym typeface="Wingdings"/>
-              </a:rPr>
-              <a:t>to Dakar?</a:t>
-            </a:r>
-            <a:endParaRPr lang="en-US" sz="2800" b="1" dirty="0">
-              <a:sym typeface="Wingdings"/>
-            </a:endParaRPr>
+              <a:t>How did you fly to get to Dakar?</a:t>
+            </a:r>
           </a:p>
           <a:p>
             <a:endParaRPr lang="en-US" dirty="0"/>
@@ -7501,7 +7492,7 @@
             </a:r>
             <a:r>
               <a:rPr lang="en-US" sz="2800" dirty="0"/>
-              <a:t> 8.8 (Jessie) that </a:t>
+              <a:t> 9 (Stretch) that </a:t>
             </a:r>
             <a:r>
               <a:rPr lang="en-US" sz="2800" b="1" dirty="0"/>
@@ -7636,7 +7627,7 @@
         <p:spPr/>
         <p:txBody>
           <a:bodyPr>
-            <a:normAutofit fontScale="85000" lnSpcReduction="20000"/>
+            <a:normAutofit fontScale="92500" lnSpcReduction="20000"/>
           </a:bodyPr>
           <a:lstStyle/>
           <a:p>
@@ -7689,55 +7680,31 @@
           <a:p>
             <a:r>
               <a:rPr lang="en-US" b="1" dirty="0"/>
-              <a:t>Fourth Session – 16:30 to 18:00</a:t>
+              <a:t>Fourth Session – 16:30 to 18:30</a:t>
             </a:r>
           </a:p>
           <a:p>
             <a:pPr lvl="1"/>
             <a:r>
-              <a:rPr lang="en-US" dirty="0"/>
+              <a:rPr lang="en-US"/>
               <a:t>Dinner</a:t>
             </a:r>
-          </a:p>
-          <a:p>
+            <a:br>
+              <a:rPr lang="en-US"/>
+            </a:br>
+            <a:endParaRPr lang="en-US" dirty="0"/>
+          </a:p>
+          <a:p>
+            <a:pPr marL="0" indent="0">
+              <a:buNone/>
+            </a:pPr>
+            <a:r>
+              <a:rPr lang="en-US" dirty="0"/>
+              <a:t>Breakfast: </a:t>
+            </a:r>
             <a:r>
               <a:rPr lang="en-US" b="1" dirty="0"/>
-              <a:t>Evening sessions – 20:00 – 22:00</a:t>
-            </a:r>
-          </a:p>
-          <a:p>
-            <a:pPr marL="0" indent="0">
-              <a:buNone/>
-            </a:pPr>
-            <a:endParaRPr lang="en-US" dirty="0"/>
-          </a:p>
-          <a:p>
-            <a:pPr marL="0" indent="0">
-              <a:buNone/>
-            </a:pPr>
-            <a:r>
-              <a:rPr lang="en-US" dirty="0"/>
-              <a:t>Breakfast: </a:t>
-            </a:r>
-            <a:r>
-              <a:rPr lang="en-US" b="1" dirty="0"/>
-              <a:t>At the </a:t>
-            </a:r>
-            <a:r>
-              <a:rPr lang="en-US" b="1" dirty="0" err="1"/>
-              <a:t>Boma</a:t>
-            </a:r>
-            <a:r>
-              <a:rPr lang="en-US" b="1" dirty="0"/>
-              <a:t> Hotel or </a:t>
-            </a:r>
-            <a:r>
-              <a:rPr lang="en-US" b="1" dirty="0" err="1"/>
-              <a:t>Boma</a:t>
-            </a:r>
-            <a:r>
-              <a:rPr lang="en-US" b="1" dirty="0"/>
-              <a:t> Inn</a:t>
+              <a:t>At your hotel</a:t>
             </a:r>
           </a:p>
           <a:p>
@@ -7776,7 +7743,7 @@
             </a:r>
             <a:r>
               <a:rPr lang="en-US" b="1" dirty="0"/>
-              <a:t>To the right when you exit from KIFARU (close to the secretariat)</a:t>
+              <a:t>To the left when you exit from the room (past the secretariat)</a:t>
             </a:r>
           </a:p>
         </p:txBody>

--- a/intro/IntroPresentation.pptx
+++ b/intro/IntroPresentation.pptx
@@ -7686,11 +7686,11 @@
           <a:p>
             <a:pPr lvl="1"/>
             <a:r>
-              <a:rPr lang="en-US"/>
+              <a:rPr lang="en-US" dirty="0"/>
               <a:t>Dinner</a:t>
             </a:r>
             <a:br>
-              <a:rPr lang="en-US"/>
+              <a:rPr lang="en-US" dirty="0"/>
             </a:br>
             <a:endParaRPr lang="en-US" dirty="0"/>
           </a:p>
